--- a/rest-api/RESTful.pptx
+++ b/rest-api/RESTful.pptx
@@ -4,14 +4,25 @@
   <p:sldMasterIdLst>
     <p:sldMasterId id="2147483777" r:id="rId1"/>
   </p:sldMasterIdLst>
+  <p:notesMasterIdLst>
+    <p:notesMasterId r:id="rId17"/>
+  </p:notesMasterIdLst>
   <p:sldIdLst>
     <p:sldId id="256" r:id="rId2"/>
     <p:sldId id="257" r:id="rId3"/>
     <p:sldId id="260" r:id="rId4"/>
     <p:sldId id="259" r:id="rId5"/>
-    <p:sldId id="261" r:id="rId6"/>
-    <p:sldId id="262" r:id="rId7"/>
-    <p:sldId id="263" r:id="rId8"/>
+    <p:sldId id="264" r:id="rId6"/>
+    <p:sldId id="265" r:id="rId7"/>
+    <p:sldId id="266" r:id="rId8"/>
+    <p:sldId id="261" r:id="rId9"/>
+    <p:sldId id="262" r:id="rId10"/>
+    <p:sldId id="263" r:id="rId11"/>
+    <p:sldId id="267" r:id="rId12"/>
+    <p:sldId id="268" r:id="rId13"/>
+    <p:sldId id="269" r:id="rId14"/>
+    <p:sldId id="270" r:id="rId15"/>
+    <p:sldId id="271" r:id="rId16"/>
   </p:sldIdLst>
   <p:sldSz cx="12192000" cy="6858000"/>
   <p:notesSz cx="6858000" cy="9144000"/>
@@ -110,7 +121,446 @@
       </a:defRPr>
     </a:lvl9pPr>
   </p:defaultTextStyle>
+  <p:extLst>
+    <p:ext uri="{EFAFB233-063F-42B5-8137-9DF3F51BA10A}">
+      <p15:sldGuideLst xmlns:p15="http://schemas.microsoft.com/office/powerpoint/2012/main"/>
+    </p:ext>
+  </p:extLst>
 </p:presentation>
+</file>
+
+<file path=ppt/notesMasters/notesMaster1.xml><?xml version="1.0" encoding="utf-8"?>
+<p:notesMaster xmlns:a="http://schemas.openxmlformats.org/drawingml/2006/main" xmlns:r="http://schemas.openxmlformats.org/officeDocument/2006/relationships" xmlns:p="http://schemas.openxmlformats.org/presentationml/2006/main">
+  <p:cSld>
+    <p:bg>
+      <p:bgRef idx="1001">
+        <a:schemeClr val="bg1"/>
+      </p:bgRef>
+    </p:bg>
+    <p:spTree>
+      <p:nvGrpSpPr>
+        <p:cNvPr id="1" name=""/>
+        <p:cNvGrpSpPr/>
+        <p:nvPr/>
+      </p:nvGrpSpPr>
+      <p:grpSpPr>
+        <a:xfrm>
+          <a:off x="0" y="0"/>
+          <a:ext cx="0" cy="0"/>
+          <a:chOff x="0" y="0"/>
+          <a:chExt cx="0" cy="0"/>
+        </a:xfrm>
+      </p:grpSpPr>
+      <p:sp>
+        <p:nvSpPr>
+          <p:cNvPr id="2" name="页眉占位符 1"/>
+          <p:cNvSpPr>
+            <a:spLocks noGrp="1"/>
+          </p:cNvSpPr>
+          <p:nvPr>
+            <p:ph type="hdr" sz="quarter"/>
+          </p:nvPr>
+        </p:nvSpPr>
+        <p:spPr>
+          <a:xfrm>
+            <a:off x="0" y="0"/>
+            <a:ext cx="2971800" cy="458788"/>
+          </a:xfrm>
+          <a:prstGeom prst="rect">
+            <a:avLst/>
+          </a:prstGeom>
+        </p:spPr>
+        <p:txBody>
+          <a:bodyPr vert="horz" lIns="91440" tIns="45720" rIns="91440" bIns="45720" rtlCol="0"/>
+          <a:lstStyle>
+            <a:lvl1pPr algn="l">
+              <a:defRPr sz="1200"/>
+            </a:lvl1pPr>
+          </a:lstStyle>
+          <a:p>
+            <a:endParaRPr lang="zh-CN" altLang="en-US"/>
+          </a:p>
+        </p:txBody>
+      </p:sp>
+      <p:sp>
+        <p:nvSpPr>
+          <p:cNvPr id="3" name="日期占位符 2"/>
+          <p:cNvSpPr>
+            <a:spLocks noGrp="1"/>
+          </p:cNvSpPr>
+          <p:nvPr>
+            <p:ph type="dt" idx="1"/>
+          </p:nvPr>
+        </p:nvSpPr>
+        <p:spPr>
+          <a:xfrm>
+            <a:off x="3884613" y="0"/>
+            <a:ext cx="2971800" cy="458788"/>
+          </a:xfrm>
+          <a:prstGeom prst="rect">
+            <a:avLst/>
+          </a:prstGeom>
+        </p:spPr>
+        <p:txBody>
+          <a:bodyPr vert="horz" lIns="91440" tIns="45720" rIns="91440" bIns="45720" rtlCol="0"/>
+          <a:lstStyle>
+            <a:lvl1pPr algn="r">
+              <a:defRPr sz="1200"/>
+            </a:lvl1pPr>
+          </a:lstStyle>
+          <a:p>
+            <a:fld id="{65803504-C5C8-4584-AB04-B616C8F6C5C9}" type="datetimeFigureOut">
+              <a:rPr lang="zh-CN" altLang="en-US" smtClean="0"/>
+              <a:t>2018/6/10</a:t>
+            </a:fld>
+            <a:endParaRPr lang="zh-CN" altLang="en-US"/>
+          </a:p>
+        </p:txBody>
+      </p:sp>
+      <p:sp>
+        <p:nvSpPr>
+          <p:cNvPr id="4" name="幻灯片图像占位符 3"/>
+          <p:cNvSpPr>
+            <a:spLocks noGrp="1" noRot="1" noChangeAspect="1"/>
+          </p:cNvSpPr>
+          <p:nvPr>
+            <p:ph type="sldImg" idx="2"/>
+          </p:nvPr>
+        </p:nvSpPr>
+        <p:spPr>
+          <a:xfrm>
+            <a:off x="685800" y="1143000"/>
+            <a:ext cx="5486400" cy="3086100"/>
+          </a:xfrm>
+          <a:prstGeom prst="rect">
+            <a:avLst/>
+          </a:prstGeom>
+          <a:noFill/>
+          <a:ln w="12700">
+            <a:solidFill>
+              <a:prstClr val="black"/>
+            </a:solidFill>
+          </a:ln>
+        </p:spPr>
+        <p:txBody>
+          <a:bodyPr vert="horz" lIns="91440" tIns="45720" rIns="91440" bIns="45720" rtlCol="0" anchor="ctr"/>
+          <a:lstStyle/>
+          <a:p>
+            <a:endParaRPr lang="zh-CN" altLang="en-US"/>
+          </a:p>
+        </p:txBody>
+      </p:sp>
+      <p:sp>
+        <p:nvSpPr>
+          <p:cNvPr id="5" name="备注占位符 4"/>
+          <p:cNvSpPr>
+            <a:spLocks noGrp="1"/>
+          </p:cNvSpPr>
+          <p:nvPr>
+            <p:ph type="body" sz="quarter" idx="3"/>
+          </p:nvPr>
+        </p:nvSpPr>
+        <p:spPr>
+          <a:xfrm>
+            <a:off x="685800" y="4400550"/>
+            <a:ext cx="5486400" cy="3600450"/>
+          </a:xfrm>
+          <a:prstGeom prst="rect">
+            <a:avLst/>
+          </a:prstGeom>
+        </p:spPr>
+        <p:txBody>
+          <a:bodyPr vert="horz" lIns="91440" tIns="45720" rIns="91440" bIns="45720" rtlCol="0"/>
+          <a:lstStyle/>
+          <a:p>
+            <a:pPr lvl="0"/>
+            <a:r>
+              <a:rPr lang="zh-CN" altLang="en-US" smtClean="0"/>
+              <a:t>单击此处编辑母版文本样式</a:t>
+            </a:r>
+          </a:p>
+          <a:p>
+            <a:pPr lvl="1"/>
+            <a:r>
+              <a:rPr lang="zh-CN" altLang="en-US" smtClean="0"/>
+              <a:t>第二级</a:t>
+            </a:r>
+          </a:p>
+          <a:p>
+            <a:pPr lvl="2"/>
+            <a:r>
+              <a:rPr lang="zh-CN" altLang="en-US" smtClean="0"/>
+              <a:t>第三级</a:t>
+            </a:r>
+          </a:p>
+          <a:p>
+            <a:pPr lvl="3"/>
+            <a:r>
+              <a:rPr lang="zh-CN" altLang="en-US" smtClean="0"/>
+              <a:t>第四级</a:t>
+            </a:r>
+          </a:p>
+          <a:p>
+            <a:pPr lvl="4"/>
+            <a:r>
+              <a:rPr lang="zh-CN" altLang="en-US" smtClean="0"/>
+              <a:t>第五级</a:t>
+            </a:r>
+            <a:endParaRPr lang="zh-CN" altLang="en-US"/>
+          </a:p>
+        </p:txBody>
+      </p:sp>
+      <p:sp>
+        <p:nvSpPr>
+          <p:cNvPr id="6" name="页脚占位符 5"/>
+          <p:cNvSpPr>
+            <a:spLocks noGrp="1"/>
+          </p:cNvSpPr>
+          <p:nvPr>
+            <p:ph type="ftr" sz="quarter" idx="4"/>
+          </p:nvPr>
+        </p:nvSpPr>
+        <p:spPr>
+          <a:xfrm>
+            <a:off x="0" y="8685213"/>
+            <a:ext cx="2971800" cy="458787"/>
+          </a:xfrm>
+          <a:prstGeom prst="rect">
+            <a:avLst/>
+          </a:prstGeom>
+        </p:spPr>
+        <p:txBody>
+          <a:bodyPr vert="horz" lIns="91440" tIns="45720" rIns="91440" bIns="45720" rtlCol="0" anchor="b"/>
+          <a:lstStyle>
+            <a:lvl1pPr algn="l">
+              <a:defRPr sz="1200"/>
+            </a:lvl1pPr>
+          </a:lstStyle>
+          <a:p>
+            <a:endParaRPr lang="zh-CN" altLang="en-US"/>
+          </a:p>
+        </p:txBody>
+      </p:sp>
+      <p:sp>
+        <p:nvSpPr>
+          <p:cNvPr id="7" name="灯片编号占位符 6"/>
+          <p:cNvSpPr>
+            <a:spLocks noGrp="1"/>
+          </p:cNvSpPr>
+          <p:nvPr>
+            <p:ph type="sldNum" sz="quarter" idx="5"/>
+          </p:nvPr>
+        </p:nvSpPr>
+        <p:spPr>
+          <a:xfrm>
+            <a:off x="3884613" y="8685213"/>
+            <a:ext cx="2971800" cy="458787"/>
+          </a:xfrm>
+          <a:prstGeom prst="rect">
+            <a:avLst/>
+          </a:prstGeom>
+        </p:spPr>
+        <p:txBody>
+          <a:bodyPr vert="horz" lIns="91440" tIns="45720" rIns="91440" bIns="45720" rtlCol="0" anchor="b"/>
+          <a:lstStyle>
+            <a:lvl1pPr algn="r">
+              <a:defRPr sz="1200"/>
+            </a:lvl1pPr>
+          </a:lstStyle>
+          <a:p>
+            <a:fld id="{83784602-BA80-4F64-B824-A3FF374DDA96}" type="slidenum">
+              <a:rPr lang="zh-CN" altLang="en-US" smtClean="0"/>
+              <a:t>‹#›</a:t>
+            </a:fld>
+            <a:endParaRPr lang="zh-CN" altLang="en-US"/>
+          </a:p>
+        </p:txBody>
+      </p:sp>
+    </p:spTree>
+    <p:extLst>
+      <p:ext uri="{BB962C8B-B14F-4D97-AF65-F5344CB8AC3E}">
+        <p14:creationId xmlns:p14="http://schemas.microsoft.com/office/powerpoint/2010/main" val="3748580688"/>
+      </p:ext>
+    </p:extLst>
+  </p:cSld>
+  <p:clrMap bg1="lt1" tx1="dk1" bg2="lt2" tx2="dk2" accent1="accent1" accent2="accent2" accent3="accent3" accent4="accent4" accent5="accent5" accent6="accent6" hlink="hlink" folHlink="folHlink"/>
+  <p:notesStyle>
+    <a:lvl1pPr marL="0" algn="l" defTabSz="914400" rtl="0" eaLnBrk="1" latinLnBrk="0" hangingPunct="1">
+      <a:defRPr sz="1200" kern="1200">
+        <a:solidFill>
+          <a:schemeClr val="tx1"/>
+        </a:solidFill>
+        <a:latin typeface="+mn-lt"/>
+        <a:ea typeface="+mn-ea"/>
+        <a:cs typeface="+mn-cs"/>
+      </a:defRPr>
+    </a:lvl1pPr>
+    <a:lvl2pPr marL="457200" algn="l" defTabSz="914400" rtl="0" eaLnBrk="1" latinLnBrk="0" hangingPunct="1">
+      <a:defRPr sz="1200" kern="1200">
+        <a:solidFill>
+          <a:schemeClr val="tx1"/>
+        </a:solidFill>
+        <a:latin typeface="+mn-lt"/>
+        <a:ea typeface="+mn-ea"/>
+        <a:cs typeface="+mn-cs"/>
+      </a:defRPr>
+    </a:lvl2pPr>
+    <a:lvl3pPr marL="914400" algn="l" defTabSz="914400" rtl="0" eaLnBrk="1" latinLnBrk="0" hangingPunct="1">
+      <a:defRPr sz="1200" kern="1200">
+        <a:solidFill>
+          <a:schemeClr val="tx1"/>
+        </a:solidFill>
+        <a:latin typeface="+mn-lt"/>
+        <a:ea typeface="+mn-ea"/>
+        <a:cs typeface="+mn-cs"/>
+      </a:defRPr>
+    </a:lvl3pPr>
+    <a:lvl4pPr marL="1371600" algn="l" defTabSz="914400" rtl="0" eaLnBrk="1" latinLnBrk="0" hangingPunct="1">
+      <a:defRPr sz="1200" kern="1200">
+        <a:solidFill>
+          <a:schemeClr val="tx1"/>
+        </a:solidFill>
+        <a:latin typeface="+mn-lt"/>
+        <a:ea typeface="+mn-ea"/>
+        <a:cs typeface="+mn-cs"/>
+      </a:defRPr>
+    </a:lvl4pPr>
+    <a:lvl5pPr marL="1828800" algn="l" defTabSz="914400" rtl="0" eaLnBrk="1" latinLnBrk="0" hangingPunct="1">
+      <a:defRPr sz="1200" kern="1200">
+        <a:solidFill>
+          <a:schemeClr val="tx1"/>
+        </a:solidFill>
+        <a:latin typeface="+mn-lt"/>
+        <a:ea typeface="+mn-ea"/>
+        <a:cs typeface="+mn-cs"/>
+      </a:defRPr>
+    </a:lvl5pPr>
+    <a:lvl6pPr marL="2286000" algn="l" defTabSz="914400" rtl="0" eaLnBrk="1" latinLnBrk="0" hangingPunct="1">
+      <a:defRPr sz="1200" kern="1200">
+        <a:solidFill>
+          <a:schemeClr val="tx1"/>
+        </a:solidFill>
+        <a:latin typeface="+mn-lt"/>
+        <a:ea typeface="+mn-ea"/>
+        <a:cs typeface="+mn-cs"/>
+      </a:defRPr>
+    </a:lvl6pPr>
+    <a:lvl7pPr marL="2743200" algn="l" defTabSz="914400" rtl="0" eaLnBrk="1" latinLnBrk="0" hangingPunct="1">
+      <a:defRPr sz="1200" kern="1200">
+        <a:solidFill>
+          <a:schemeClr val="tx1"/>
+        </a:solidFill>
+        <a:latin typeface="+mn-lt"/>
+        <a:ea typeface="+mn-ea"/>
+        <a:cs typeface="+mn-cs"/>
+      </a:defRPr>
+    </a:lvl7pPr>
+    <a:lvl8pPr marL="3200400" algn="l" defTabSz="914400" rtl="0" eaLnBrk="1" latinLnBrk="0" hangingPunct="1">
+      <a:defRPr sz="1200" kern="1200">
+        <a:solidFill>
+          <a:schemeClr val="tx1"/>
+        </a:solidFill>
+        <a:latin typeface="+mn-lt"/>
+        <a:ea typeface="+mn-ea"/>
+        <a:cs typeface="+mn-cs"/>
+      </a:defRPr>
+    </a:lvl8pPr>
+    <a:lvl9pPr marL="3657600" algn="l" defTabSz="914400" rtl="0" eaLnBrk="1" latinLnBrk="0" hangingPunct="1">
+      <a:defRPr sz="1200" kern="1200">
+        <a:solidFill>
+          <a:schemeClr val="tx1"/>
+        </a:solidFill>
+        <a:latin typeface="+mn-lt"/>
+        <a:ea typeface="+mn-ea"/>
+        <a:cs typeface="+mn-cs"/>
+      </a:defRPr>
+    </a:lvl9pPr>
+  </p:notesStyle>
+</p:notesMaster>
+</file>
+
+<file path=ppt/notesSlides/notesSlide1.xml><?xml version="1.0" encoding="utf-8"?>
+<p:notes xmlns:a="http://schemas.openxmlformats.org/drawingml/2006/main" xmlns:r="http://schemas.openxmlformats.org/officeDocument/2006/relationships" xmlns:p="http://schemas.openxmlformats.org/presentationml/2006/main">
+  <p:cSld>
+    <p:spTree>
+      <p:nvGrpSpPr>
+        <p:cNvPr id="1" name=""/>
+        <p:cNvGrpSpPr/>
+        <p:nvPr/>
+      </p:nvGrpSpPr>
+      <p:grpSpPr>
+        <a:xfrm>
+          <a:off x="0" y="0"/>
+          <a:ext cx="0" cy="0"/>
+          <a:chOff x="0" y="0"/>
+          <a:chExt cx="0" cy="0"/>
+        </a:xfrm>
+      </p:grpSpPr>
+      <p:sp>
+        <p:nvSpPr>
+          <p:cNvPr id="2" name="幻灯片图像占位符 1"/>
+          <p:cNvSpPr>
+            <a:spLocks noGrp="1" noRot="1" noChangeAspect="1"/>
+          </p:cNvSpPr>
+          <p:nvPr>
+            <p:ph type="sldImg"/>
+          </p:nvPr>
+        </p:nvSpPr>
+        <p:spPr/>
+      </p:sp>
+      <p:sp>
+        <p:nvSpPr>
+          <p:cNvPr id="3" name="备注占位符 2"/>
+          <p:cNvSpPr>
+            <a:spLocks noGrp="1"/>
+          </p:cNvSpPr>
+          <p:nvPr>
+            <p:ph type="body" idx="1"/>
+          </p:nvPr>
+        </p:nvSpPr>
+        <p:spPr/>
+        <p:txBody>
+          <a:bodyPr/>
+          <a:lstStyle/>
+          <a:p>
+            <a:endParaRPr lang="zh-CN" altLang="en-US" dirty="0"/>
+          </a:p>
+        </p:txBody>
+      </p:sp>
+      <p:sp>
+        <p:nvSpPr>
+          <p:cNvPr id="4" name="灯片编号占位符 3"/>
+          <p:cNvSpPr>
+            <a:spLocks noGrp="1"/>
+          </p:cNvSpPr>
+          <p:nvPr>
+            <p:ph type="sldNum" sz="quarter" idx="10"/>
+          </p:nvPr>
+        </p:nvSpPr>
+        <p:spPr/>
+        <p:txBody>
+          <a:bodyPr/>
+          <a:lstStyle/>
+          <a:p>
+            <a:fld id="{83784602-BA80-4F64-B824-A3FF374DDA96}" type="slidenum">
+              <a:rPr lang="zh-CN" altLang="en-US" smtClean="0"/>
+              <a:t>1</a:t>
+            </a:fld>
+            <a:endParaRPr lang="zh-CN" altLang="en-US"/>
+          </a:p>
+        </p:txBody>
+      </p:sp>
+    </p:spTree>
+    <p:extLst>
+      <p:ext uri="{BB962C8B-B14F-4D97-AF65-F5344CB8AC3E}">
+        <p14:creationId xmlns:p14="http://schemas.microsoft.com/office/powerpoint/2010/main" val="3601564900"/>
+      </p:ext>
+    </p:extLst>
+  </p:cSld>
+  <p:clrMapOvr>
+    <a:masterClrMapping/>
+  </p:clrMapOvr>
+</p:notes>
 </file>
 
 <file path=ppt/slideLayouts/slideLayout1.xml><?xml version="1.0" encoding="utf-8"?>
@@ -858,7 +1308,7 @@
           <a:p>
             <a:fld id="{8C6D682F-0FD3-42DF-978A-3A28B17140BF}" type="datetimeFigureOut">
               <a:rPr lang="zh-CN" altLang="en-US" smtClean="0"/>
-              <a:t>2018/6/4</a:t>
+              <a:t>2018/6/10</a:t>
             </a:fld>
             <a:endParaRPr lang="zh-CN" altLang="en-US"/>
           </a:p>
@@ -1109,7 +1559,7 @@
           <a:p>
             <a:fld id="{8C6D682F-0FD3-42DF-978A-3A28B17140BF}" type="datetimeFigureOut">
               <a:rPr lang="zh-CN" altLang="en-US" smtClean="0"/>
-              <a:t>2018/6/4</a:t>
+              <a:t>2018/6/10</a:t>
             </a:fld>
             <a:endParaRPr lang="zh-CN" altLang="en-US"/>
           </a:p>
@@ -1423,7 +1873,7 @@
           <a:p>
             <a:fld id="{8C6D682F-0FD3-42DF-978A-3A28B17140BF}" type="datetimeFigureOut">
               <a:rPr lang="zh-CN" altLang="en-US" smtClean="0"/>
-              <a:t>2018/6/4</a:t>
+              <a:t>2018/6/10</a:t>
             </a:fld>
             <a:endParaRPr lang="zh-CN" altLang="en-US"/>
           </a:p>
@@ -1756,7 +2206,7 @@
           <a:p>
             <a:fld id="{8C6D682F-0FD3-42DF-978A-3A28B17140BF}" type="datetimeFigureOut">
               <a:rPr lang="zh-CN" altLang="en-US" smtClean="0"/>
-              <a:t>2018/6/4</a:t>
+              <a:t>2018/6/10</a:t>
             </a:fld>
             <a:endParaRPr lang="zh-CN" altLang="en-US"/>
           </a:p>
@@ -2070,7 +2520,7 @@
           <a:p>
             <a:fld id="{8C6D682F-0FD3-42DF-978A-3A28B17140BF}" type="datetimeFigureOut">
               <a:rPr lang="zh-CN" altLang="en-US" smtClean="0"/>
-              <a:t>2018/6/4</a:t>
+              <a:t>2018/6/10</a:t>
             </a:fld>
             <a:endParaRPr lang="zh-CN" altLang="en-US"/>
           </a:p>
@@ -2463,7 +2913,7 @@
           <a:p>
             <a:fld id="{8C6D682F-0FD3-42DF-978A-3A28B17140BF}" type="datetimeFigureOut">
               <a:rPr lang="zh-CN" altLang="en-US" smtClean="0"/>
-              <a:t>2018/6/4</a:t>
+              <a:t>2018/6/10</a:t>
             </a:fld>
             <a:endParaRPr lang="zh-CN" altLang="en-US"/>
           </a:p>
@@ -2633,7 +3083,7 @@
           <a:p>
             <a:fld id="{8C6D682F-0FD3-42DF-978A-3A28B17140BF}" type="datetimeFigureOut">
               <a:rPr lang="zh-CN" altLang="en-US" smtClean="0"/>
-              <a:t>2018/6/4</a:t>
+              <a:t>2018/6/10</a:t>
             </a:fld>
             <a:endParaRPr lang="zh-CN" altLang="en-US"/>
           </a:p>
@@ -2813,7 +3263,7 @@
           <a:p>
             <a:fld id="{8C6D682F-0FD3-42DF-978A-3A28B17140BF}" type="datetimeFigureOut">
               <a:rPr lang="zh-CN" altLang="en-US" smtClean="0"/>
-              <a:t>2018/6/4</a:t>
+              <a:t>2018/6/10</a:t>
             </a:fld>
             <a:endParaRPr lang="zh-CN" altLang="en-US"/>
           </a:p>
@@ -2983,7 +3433,7 @@
           <a:p>
             <a:fld id="{8C6D682F-0FD3-42DF-978A-3A28B17140BF}" type="datetimeFigureOut">
               <a:rPr lang="zh-CN" altLang="en-US" smtClean="0"/>
-              <a:t>2018/6/4</a:t>
+              <a:t>2018/6/10</a:t>
             </a:fld>
             <a:endParaRPr lang="zh-CN" altLang="en-US"/>
           </a:p>
@@ -3230,7 +3680,7 @@
           <a:p>
             <a:fld id="{8C6D682F-0FD3-42DF-978A-3A28B17140BF}" type="datetimeFigureOut">
               <a:rPr lang="zh-CN" altLang="en-US" smtClean="0"/>
-              <a:t>2018/6/4</a:t>
+              <a:t>2018/6/10</a:t>
             </a:fld>
             <a:endParaRPr lang="zh-CN" altLang="en-US"/>
           </a:p>
@@ -3462,7 +3912,7 @@
           <a:p>
             <a:fld id="{8C6D682F-0FD3-42DF-978A-3A28B17140BF}" type="datetimeFigureOut">
               <a:rPr lang="zh-CN" altLang="en-US" smtClean="0"/>
-              <a:t>2018/6/4</a:t>
+              <a:t>2018/6/10</a:t>
             </a:fld>
             <a:endParaRPr lang="zh-CN" altLang="en-US"/>
           </a:p>
@@ -3836,7 +4286,7 @@
           <a:p>
             <a:fld id="{8C6D682F-0FD3-42DF-978A-3A28B17140BF}" type="datetimeFigureOut">
               <a:rPr lang="zh-CN" altLang="en-US" smtClean="0"/>
-              <a:t>2018/6/4</a:t>
+              <a:t>2018/6/10</a:t>
             </a:fld>
             <a:endParaRPr lang="zh-CN" altLang="en-US"/>
           </a:p>
@@ -3959,7 +4409,7 @@
           <a:p>
             <a:fld id="{8C6D682F-0FD3-42DF-978A-3A28B17140BF}" type="datetimeFigureOut">
               <a:rPr lang="zh-CN" altLang="en-US" smtClean="0"/>
-              <a:t>2018/6/4</a:t>
+              <a:t>2018/6/10</a:t>
             </a:fld>
             <a:endParaRPr lang="zh-CN" altLang="en-US"/>
           </a:p>
@@ -4054,7 +4504,7 @@
           <a:p>
             <a:fld id="{8C6D682F-0FD3-42DF-978A-3A28B17140BF}" type="datetimeFigureOut">
               <a:rPr lang="zh-CN" altLang="en-US" smtClean="0"/>
-              <a:t>2018/6/4</a:t>
+              <a:t>2018/6/10</a:t>
             </a:fld>
             <a:endParaRPr lang="zh-CN" altLang="en-US"/>
           </a:p>
@@ -4309,7 +4759,7 @@
           <a:p>
             <a:fld id="{8C6D682F-0FD3-42DF-978A-3A28B17140BF}" type="datetimeFigureOut">
               <a:rPr lang="zh-CN" altLang="en-US" smtClean="0"/>
-              <a:t>2018/6/4</a:t>
+              <a:t>2018/6/10</a:t>
             </a:fld>
             <a:endParaRPr lang="zh-CN" altLang="en-US"/>
           </a:p>
@@ -4614,7 +5064,7 @@
           <a:p>
             <a:fld id="{8C6D682F-0FD3-42DF-978A-3A28B17140BF}" type="datetimeFigureOut">
               <a:rPr lang="zh-CN" altLang="en-US" smtClean="0"/>
-              <a:t>2018/6/4</a:t>
+              <a:t>2018/6/10</a:t>
             </a:fld>
             <a:endParaRPr lang="zh-CN" altLang="en-US"/>
           </a:p>
@@ -5316,7 +5766,7 @@
           <a:p>
             <a:fld id="{8C6D682F-0FD3-42DF-978A-3A28B17140BF}" type="datetimeFigureOut">
               <a:rPr lang="zh-CN" altLang="en-US" smtClean="0"/>
-              <a:t>2018/6/4</a:t>
+              <a:t>2018/6/10</a:t>
             </a:fld>
             <a:endParaRPr lang="zh-CN" altLang="en-US"/>
           </a:p>
@@ -5850,16 +6300,61 @@
             <p:ph type="ctrTitle"/>
           </p:nvPr>
         </p:nvSpPr>
-        <p:spPr/>
+        <p:spPr>
+          <a:xfrm>
+            <a:off x="1507067" y="1184366"/>
+            <a:ext cx="7766936" cy="2386148"/>
+          </a:xfrm>
+        </p:spPr>
         <p:txBody>
           <a:bodyPr/>
           <a:lstStyle/>
           <a:p>
             <a:r>
-              <a:rPr lang="en-US" altLang="zh-CN" smtClean="0"/>
-              <a:t>REST</a:t>
-            </a:r>
-            <a:endParaRPr lang="zh-CN" altLang="en-US" dirty="0"/>
+              <a:rPr lang="en-US" altLang="zh-CN" dirty="0" smtClean="0">
+                <a:latin typeface="黑体" panose="02010609060101010101" pitchFamily="49" charset="-122"/>
+                <a:ea typeface="黑体" panose="02010609060101010101" pitchFamily="49" charset="-122"/>
+              </a:rPr>
+              <a:t>RESTful API</a:t>
+            </a:r>
+            <a:r>
+              <a:rPr lang="zh-CN" altLang="en-US" dirty="0" smtClean="0">
+                <a:latin typeface="黑体" panose="02010609060101010101" pitchFamily="49" charset="-122"/>
+                <a:ea typeface="黑体" panose="02010609060101010101" pitchFamily="49" charset="-122"/>
+              </a:rPr>
+              <a:t>介绍及</a:t>
+            </a:r>
+            <a:r>
+              <a:rPr lang="en-US" altLang="zh-CN" dirty="0" smtClean="0">
+                <a:latin typeface="黑体" panose="02010609060101010101" pitchFamily="49" charset="-122"/>
+                <a:ea typeface="黑体" panose="02010609060101010101" pitchFamily="49" charset="-122"/>
+              </a:rPr>
+              <a:t/>
+            </a:r>
+            <a:br>
+              <a:rPr lang="en-US" altLang="zh-CN" dirty="0" smtClean="0">
+                <a:latin typeface="黑体" panose="02010609060101010101" pitchFamily="49" charset="-122"/>
+                <a:ea typeface="黑体" panose="02010609060101010101" pitchFamily="49" charset="-122"/>
+              </a:rPr>
+            </a:br>
+            <a:r>
+              <a:rPr lang="en-US" altLang="zh-CN" dirty="0" smtClean="0">
+                <a:latin typeface="黑体" panose="02010609060101010101" pitchFamily="49" charset="-122"/>
+                <a:ea typeface="黑体" panose="02010609060101010101" pitchFamily="49" charset="-122"/>
+              </a:rPr>
+              <a:t>Swagger</a:t>
+            </a:r>
+            <a:r>
+              <a:rPr lang="zh-CN" altLang="en-US" dirty="0" smtClean="0">
+                <a:latin typeface="黑体" panose="02010609060101010101" pitchFamily="49" charset="-122"/>
+                <a:ea typeface="黑体" panose="02010609060101010101" pitchFamily="49" charset="-122"/>
+              </a:rPr>
+              <a:t>中代码规范</a:t>
+            </a:r>
+            <a:endParaRPr lang="zh-CN" altLang="en-US" dirty="0">
+              <a:latin typeface="黑体" panose="02010609060101010101" pitchFamily="49" charset="-122"/>
+              <a:ea typeface="黑体" panose="02010609060101010101" pitchFamily="49" charset="-122"/>
+            </a:endParaRPr>
           </a:p>
         </p:txBody>
       </p:sp>
@@ -5873,11 +6368,29 @@
             <p:ph type="subTitle" idx="1"/>
           </p:nvPr>
         </p:nvSpPr>
-        <p:spPr/>
-        <p:txBody>
-          <a:bodyPr/>
+        <p:spPr>
+          <a:xfrm>
+            <a:off x="1507067" y="4406537"/>
+            <a:ext cx="7766936" cy="741195"/>
+          </a:xfrm>
+        </p:spPr>
+        <p:txBody>
+          <a:bodyPr>
+            <a:normAutofit lnSpcReduction="10000"/>
+          </a:bodyPr>
           <a:lstStyle/>
           <a:p>
+            <a:r>
+              <a:rPr lang="zh-CN" altLang="en-US" dirty="0" smtClean="0"/>
+              <a:t>何文斌</a:t>
+            </a:r>
+            <a:endParaRPr lang="en-US" altLang="zh-CN" dirty="0" smtClean="0"/>
+          </a:p>
+          <a:p>
+            <a:r>
+              <a:rPr lang="en-US" altLang="zh-CN" dirty="0" smtClean="0"/>
+              <a:t>2018.06.11</a:t>
+            </a:r>
             <a:endParaRPr lang="zh-CN" altLang="en-US" dirty="0"/>
           </a:p>
         </p:txBody>
@@ -5886,6 +6399,2685 @@
     <p:extLst>
       <p:ext uri="{BB962C8B-B14F-4D97-AF65-F5344CB8AC3E}">
         <p14:creationId xmlns:p14="http://schemas.microsoft.com/office/powerpoint/2010/main" val="3532853262"/>
+      </p:ext>
+    </p:extLst>
+  </p:cSld>
+  <p:clrMapOvr>
+    <a:masterClrMapping/>
+  </p:clrMapOvr>
+  <p:timing>
+    <p:tnLst>
+      <p:par>
+        <p:cTn id="1" dur="indefinite" restart="never" nodeType="tmRoot"/>
+      </p:par>
+    </p:tnLst>
+  </p:timing>
+</p:sld>
+</file>
+
+<file path=ppt/slides/slide10.xml><?xml version="1.0" encoding="utf-8"?>
+<p:sld xmlns:a="http://schemas.openxmlformats.org/drawingml/2006/main" xmlns:r="http://schemas.openxmlformats.org/officeDocument/2006/relationships" xmlns:p="http://schemas.openxmlformats.org/presentationml/2006/main">
+  <p:cSld>
+    <p:spTree>
+      <p:nvGrpSpPr>
+        <p:cNvPr id="1" name=""/>
+        <p:cNvGrpSpPr/>
+        <p:nvPr/>
+      </p:nvGrpSpPr>
+      <p:grpSpPr>
+        <a:xfrm>
+          <a:off x="0" y="0"/>
+          <a:ext cx="0" cy="0"/>
+          <a:chOff x="0" y="0"/>
+          <a:chExt cx="0" cy="0"/>
+        </a:xfrm>
+      </p:grpSpPr>
+      <p:sp>
+        <p:nvSpPr>
+          <p:cNvPr id="2" name="标题 1"/>
+          <p:cNvSpPr>
+            <a:spLocks noGrp="1"/>
+          </p:cNvSpPr>
+          <p:nvPr>
+            <p:ph type="title"/>
+          </p:nvPr>
+        </p:nvSpPr>
+        <p:spPr>
+          <a:xfrm>
+            <a:off x="677334" y="609600"/>
+            <a:ext cx="8596668" cy="975360"/>
+          </a:xfrm>
+        </p:spPr>
+        <p:txBody>
+          <a:bodyPr/>
+          <a:lstStyle/>
+          <a:p>
+            <a:r>
+              <a:rPr lang="en-US" altLang="zh-CN" dirty="0" smtClean="0"/>
+              <a:t>RESTful API</a:t>
+            </a:r>
+            <a:r>
+              <a:rPr lang="zh-CN" altLang="en-US" dirty="0" smtClean="0"/>
+              <a:t>的</a:t>
+            </a:r>
+            <a:r>
+              <a:rPr lang="zh-CN" altLang="en-US" dirty="0"/>
+              <a:t>描述文档</a:t>
+            </a:r>
+          </a:p>
+        </p:txBody>
+      </p:sp>
+      <p:sp>
+        <p:nvSpPr>
+          <p:cNvPr id="3" name="内容占位符 2"/>
+          <p:cNvSpPr>
+            <a:spLocks noGrp="1"/>
+          </p:cNvSpPr>
+          <p:nvPr>
+            <p:ph idx="1"/>
+          </p:nvPr>
+        </p:nvSpPr>
+        <p:spPr>
+          <a:xfrm>
+            <a:off x="677334" y="2160590"/>
+            <a:ext cx="8596668" cy="3125514"/>
+          </a:xfrm>
+        </p:spPr>
+        <p:txBody>
+          <a:bodyPr>
+            <a:normAutofit/>
+          </a:bodyPr>
+          <a:lstStyle/>
+          <a:p>
+            <a:r>
+              <a:rPr lang="it-IT" altLang="zh-CN" sz="2800" dirty="0" smtClean="0">
+                <a:solidFill>
+                  <a:schemeClr val="tx2"/>
+                </a:solidFill>
+                <a:latin typeface="Microsoft JhengHei" panose="020B0604030504040204" pitchFamily="34" charset="-120"/>
+                <a:ea typeface="Microsoft JhengHei" panose="020B0604030504040204" pitchFamily="34" charset="-120"/>
+              </a:rPr>
+              <a:t>API </a:t>
+            </a:r>
+            <a:r>
+              <a:rPr lang="it-IT" altLang="zh-CN" sz="2800" dirty="0">
+                <a:solidFill>
+                  <a:schemeClr val="tx2"/>
+                </a:solidFill>
+                <a:latin typeface="Microsoft JhengHei" panose="020B0604030504040204" pitchFamily="34" charset="-120"/>
+                <a:ea typeface="Microsoft JhengHei" panose="020B0604030504040204" pitchFamily="34" charset="-120"/>
+              </a:rPr>
+              <a:t>Blueprint</a:t>
+            </a:r>
+            <a:r>
+              <a:rPr lang="it-IT" altLang="zh-CN" sz="2800" dirty="0" smtClean="0">
+                <a:solidFill>
+                  <a:schemeClr val="tx2"/>
+                </a:solidFill>
+                <a:latin typeface="Microsoft JhengHei" panose="020B0604030504040204" pitchFamily="34" charset="-120"/>
+                <a:ea typeface="Microsoft JhengHei" panose="020B0604030504040204" pitchFamily="34" charset="-120"/>
+              </a:rPr>
+              <a:t>( </a:t>
+            </a:r>
+            <a:r>
+              <a:rPr lang="it-IT" altLang="zh-CN" sz="2800" dirty="0" smtClean="0">
+                <a:solidFill>
+                  <a:schemeClr val="tx2"/>
+                </a:solidFill>
+                <a:latin typeface="Microsoft JhengHei" panose="020B0604030504040204" pitchFamily="34" charset="-120"/>
+                <a:ea typeface="Microsoft JhengHei" panose="020B0604030504040204" pitchFamily="34" charset="-120"/>
+                <a:hlinkClick r:id="rId2"/>
+              </a:rPr>
+              <a:t>https</a:t>
+            </a:r>
+            <a:r>
+              <a:rPr lang="it-IT" altLang="zh-CN" sz="2800" dirty="0">
+                <a:solidFill>
+                  <a:schemeClr val="tx2"/>
+                </a:solidFill>
+                <a:latin typeface="Microsoft JhengHei" panose="020B0604030504040204" pitchFamily="34" charset="-120"/>
+                <a:ea typeface="Microsoft JhengHei" panose="020B0604030504040204" pitchFamily="34" charset="-120"/>
+                <a:hlinkClick r:id="rId2"/>
+              </a:rPr>
+              <a:t>://apiblueprint.org</a:t>
+            </a:r>
+            <a:r>
+              <a:rPr lang="it-IT" altLang="zh-CN" sz="2800" dirty="0" smtClean="0">
+                <a:solidFill>
+                  <a:schemeClr val="tx2"/>
+                </a:solidFill>
+                <a:latin typeface="Microsoft JhengHei" panose="020B0604030504040204" pitchFamily="34" charset="-120"/>
+                <a:ea typeface="Microsoft JhengHei" panose="020B0604030504040204" pitchFamily="34" charset="-120"/>
+                <a:hlinkClick r:id="rId2"/>
+              </a:rPr>
+              <a:t>/</a:t>
+            </a:r>
+            <a:r>
+              <a:rPr lang="it-IT" altLang="zh-CN" sz="2800" dirty="0" smtClean="0">
+                <a:solidFill>
+                  <a:schemeClr val="tx2"/>
+                </a:solidFill>
+                <a:latin typeface="Microsoft JhengHei" panose="020B0604030504040204" pitchFamily="34" charset="-120"/>
+                <a:ea typeface="Microsoft JhengHei" panose="020B0604030504040204" pitchFamily="34" charset="-120"/>
+              </a:rPr>
+              <a:t> )</a:t>
+            </a:r>
+            <a:endParaRPr lang="it-IT" altLang="zh-CN" sz="2800" dirty="0">
+              <a:solidFill>
+                <a:schemeClr val="tx2"/>
+              </a:solidFill>
+              <a:latin typeface="Microsoft JhengHei" panose="020B0604030504040204" pitchFamily="34" charset="-120"/>
+              <a:ea typeface="Microsoft JhengHei" panose="020B0604030504040204" pitchFamily="34" charset="-120"/>
+            </a:endParaRPr>
+          </a:p>
+          <a:p>
+            <a:r>
+              <a:rPr lang="it-IT" altLang="zh-CN" sz="2800" dirty="0" smtClean="0">
+                <a:solidFill>
+                  <a:schemeClr val="tx2"/>
+                </a:solidFill>
+                <a:latin typeface="Microsoft JhengHei" panose="020B0604030504040204" pitchFamily="34" charset="-120"/>
+                <a:ea typeface="Microsoft JhengHei" panose="020B0604030504040204" pitchFamily="34" charset="-120"/>
+              </a:rPr>
+              <a:t>apidocjs( </a:t>
+            </a:r>
+            <a:r>
+              <a:rPr lang="it-IT" altLang="zh-CN" sz="2800" dirty="0" smtClean="0">
+                <a:solidFill>
+                  <a:schemeClr val="tx2"/>
+                </a:solidFill>
+                <a:latin typeface="Microsoft JhengHei" panose="020B0604030504040204" pitchFamily="34" charset="-120"/>
+                <a:ea typeface="Microsoft JhengHei" panose="020B0604030504040204" pitchFamily="34" charset="-120"/>
+                <a:hlinkClick r:id="rId3"/>
+              </a:rPr>
+              <a:t>http</a:t>
+            </a:r>
+            <a:r>
+              <a:rPr lang="it-IT" altLang="zh-CN" sz="2800" dirty="0">
+                <a:solidFill>
+                  <a:schemeClr val="tx2"/>
+                </a:solidFill>
+                <a:latin typeface="Microsoft JhengHei" panose="020B0604030504040204" pitchFamily="34" charset="-120"/>
+                <a:ea typeface="Microsoft JhengHei" panose="020B0604030504040204" pitchFamily="34" charset="-120"/>
+                <a:hlinkClick r:id="rId3"/>
+              </a:rPr>
+              <a:t>://apidocjs.com</a:t>
+            </a:r>
+            <a:r>
+              <a:rPr lang="it-IT" altLang="zh-CN" sz="2800" dirty="0" smtClean="0">
+                <a:solidFill>
+                  <a:schemeClr val="tx2"/>
+                </a:solidFill>
+                <a:latin typeface="Microsoft JhengHei" panose="020B0604030504040204" pitchFamily="34" charset="-120"/>
+                <a:ea typeface="Microsoft JhengHei" panose="020B0604030504040204" pitchFamily="34" charset="-120"/>
+                <a:hlinkClick r:id="rId3"/>
+              </a:rPr>
+              <a:t>/</a:t>
+            </a:r>
+            <a:r>
+              <a:rPr lang="it-IT" altLang="zh-CN" sz="2800" dirty="0" smtClean="0">
+                <a:solidFill>
+                  <a:schemeClr val="tx2"/>
+                </a:solidFill>
+                <a:latin typeface="Microsoft JhengHei" panose="020B0604030504040204" pitchFamily="34" charset="-120"/>
+                <a:ea typeface="Microsoft JhengHei" panose="020B0604030504040204" pitchFamily="34" charset="-120"/>
+              </a:rPr>
+              <a:t> )</a:t>
+            </a:r>
+            <a:endParaRPr lang="it-IT" altLang="zh-CN" sz="2800" dirty="0">
+              <a:solidFill>
+                <a:schemeClr val="tx2"/>
+              </a:solidFill>
+              <a:latin typeface="Microsoft JhengHei" panose="020B0604030504040204" pitchFamily="34" charset="-120"/>
+              <a:ea typeface="Microsoft JhengHei" panose="020B0604030504040204" pitchFamily="34" charset="-120"/>
+            </a:endParaRPr>
+          </a:p>
+          <a:p>
+            <a:r>
+              <a:rPr lang="it-IT" altLang="zh-CN" sz="2800" dirty="0" smtClean="0">
+                <a:solidFill>
+                  <a:schemeClr val="tx2"/>
+                </a:solidFill>
+                <a:latin typeface="Microsoft JhengHei" panose="020B0604030504040204" pitchFamily="34" charset="-120"/>
+                <a:ea typeface="Microsoft JhengHei" panose="020B0604030504040204" pitchFamily="34" charset="-120"/>
+              </a:rPr>
+              <a:t>raml( </a:t>
+            </a:r>
+            <a:r>
+              <a:rPr lang="it-IT" altLang="zh-CN" sz="2800" dirty="0" smtClean="0">
+                <a:solidFill>
+                  <a:schemeClr val="tx2"/>
+                </a:solidFill>
+                <a:latin typeface="Microsoft JhengHei" panose="020B0604030504040204" pitchFamily="34" charset="-120"/>
+                <a:ea typeface="Microsoft JhengHei" panose="020B0604030504040204" pitchFamily="34" charset="-120"/>
+                <a:hlinkClick r:id="rId4"/>
+              </a:rPr>
+              <a:t>https</a:t>
+            </a:r>
+            <a:r>
+              <a:rPr lang="it-IT" altLang="zh-CN" sz="2800" dirty="0">
+                <a:solidFill>
+                  <a:schemeClr val="tx2"/>
+                </a:solidFill>
+                <a:latin typeface="Microsoft JhengHei" panose="020B0604030504040204" pitchFamily="34" charset="-120"/>
+                <a:ea typeface="Microsoft JhengHei" panose="020B0604030504040204" pitchFamily="34" charset="-120"/>
+                <a:hlinkClick r:id="rId4"/>
+              </a:rPr>
+              <a:t>://raml.org</a:t>
+            </a:r>
+            <a:r>
+              <a:rPr lang="it-IT" altLang="zh-CN" sz="2800" dirty="0" smtClean="0">
+                <a:solidFill>
+                  <a:schemeClr val="tx2"/>
+                </a:solidFill>
+                <a:latin typeface="Microsoft JhengHei" panose="020B0604030504040204" pitchFamily="34" charset="-120"/>
+                <a:ea typeface="Microsoft JhengHei" panose="020B0604030504040204" pitchFamily="34" charset="-120"/>
+                <a:hlinkClick r:id="rId4"/>
+              </a:rPr>
+              <a:t>/</a:t>
+            </a:r>
+            <a:r>
+              <a:rPr lang="it-IT" altLang="zh-CN" sz="2800" dirty="0" smtClean="0">
+                <a:solidFill>
+                  <a:schemeClr val="tx2"/>
+                </a:solidFill>
+                <a:latin typeface="Microsoft JhengHei" panose="020B0604030504040204" pitchFamily="34" charset="-120"/>
+                <a:ea typeface="Microsoft JhengHei" panose="020B0604030504040204" pitchFamily="34" charset="-120"/>
+              </a:rPr>
+              <a:t> )</a:t>
+            </a:r>
+            <a:endParaRPr lang="it-IT" altLang="zh-CN" sz="2800" dirty="0">
+              <a:solidFill>
+                <a:schemeClr val="tx2"/>
+              </a:solidFill>
+              <a:latin typeface="Microsoft JhengHei" panose="020B0604030504040204" pitchFamily="34" charset="-120"/>
+              <a:ea typeface="Microsoft JhengHei" panose="020B0604030504040204" pitchFamily="34" charset="-120"/>
+            </a:endParaRPr>
+          </a:p>
+          <a:p>
+            <a:r>
+              <a:rPr lang="it-IT" altLang="zh-CN" sz="2800" dirty="0" smtClean="0">
+                <a:solidFill>
+                  <a:schemeClr val="tx2"/>
+                </a:solidFill>
+                <a:latin typeface="Microsoft JhengHei" panose="020B0604030504040204" pitchFamily="34" charset="-120"/>
+                <a:ea typeface="Microsoft JhengHei" panose="020B0604030504040204" pitchFamily="34" charset="-120"/>
+              </a:rPr>
+              <a:t>swagger( </a:t>
+            </a:r>
+            <a:r>
+              <a:rPr lang="it-IT" altLang="zh-CN" sz="2800" dirty="0" smtClean="0">
+                <a:solidFill>
+                  <a:schemeClr val="tx2"/>
+                </a:solidFill>
+                <a:latin typeface="Microsoft JhengHei" panose="020B0604030504040204" pitchFamily="34" charset="-120"/>
+                <a:ea typeface="Microsoft JhengHei" panose="020B0604030504040204" pitchFamily="34" charset="-120"/>
+                <a:hlinkClick r:id="rId5"/>
+              </a:rPr>
+              <a:t>https</a:t>
+            </a:r>
+            <a:r>
+              <a:rPr lang="it-IT" altLang="zh-CN" sz="2800" dirty="0">
+                <a:solidFill>
+                  <a:schemeClr val="tx2"/>
+                </a:solidFill>
+                <a:latin typeface="Microsoft JhengHei" panose="020B0604030504040204" pitchFamily="34" charset="-120"/>
+                <a:ea typeface="Microsoft JhengHei" panose="020B0604030504040204" pitchFamily="34" charset="-120"/>
+                <a:hlinkClick r:id="rId5"/>
+              </a:rPr>
+              <a:t>://swagger.io</a:t>
+            </a:r>
+            <a:r>
+              <a:rPr lang="it-IT" altLang="zh-CN" sz="2800" dirty="0" smtClean="0">
+                <a:solidFill>
+                  <a:schemeClr val="tx2"/>
+                </a:solidFill>
+                <a:latin typeface="Microsoft JhengHei" panose="020B0604030504040204" pitchFamily="34" charset="-120"/>
+                <a:ea typeface="Microsoft JhengHei" panose="020B0604030504040204" pitchFamily="34" charset="-120"/>
+                <a:hlinkClick r:id="rId5"/>
+              </a:rPr>
+              <a:t>/</a:t>
+            </a:r>
+            <a:r>
+              <a:rPr lang="it-IT" altLang="zh-CN" sz="2800" dirty="0" smtClean="0">
+                <a:solidFill>
+                  <a:schemeClr val="tx2"/>
+                </a:solidFill>
+                <a:latin typeface="Microsoft JhengHei" panose="020B0604030504040204" pitchFamily="34" charset="-120"/>
+                <a:ea typeface="Microsoft JhengHei" panose="020B0604030504040204" pitchFamily="34" charset="-120"/>
+              </a:rPr>
+              <a:t> )</a:t>
+            </a:r>
+            <a:endParaRPr lang="zh-CN" altLang="en-US" sz="2800" dirty="0">
+              <a:solidFill>
+                <a:schemeClr val="tx2"/>
+              </a:solidFill>
+              <a:latin typeface="Microsoft JhengHei" panose="020B0604030504040204" pitchFamily="34" charset="-120"/>
+              <a:ea typeface="Microsoft JhengHei" panose="020B0604030504040204" pitchFamily="34" charset="-120"/>
+            </a:endParaRPr>
+          </a:p>
+        </p:txBody>
+      </p:sp>
+    </p:spTree>
+    <p:extLst>
+      <p:ext uri="{BB962C8B-B14F-4D97-AF65-F5344CB8AC3E}">
+        <p14:creationId xmlns:p14="http://schemas.microsoft.com/office/powerpoint/2010/main" val="1444089237"/>
+      </p:ext>
+    </p:extLst>
+  </p:cSld>
+  <p:clrMapOvr>
+    <a:masterClrMapping/>
+  </p:clrMapOvr>
+  <p:timing>
+    <p:tnLst>
+      <p:par>
+        <p:cTn id="1" dur="indefinite" restart="never" nodeType="tmRoot"/>
+      </p:par>
+    </p:tnLst>
+  </p:timing>
+</p:sld>
+</file>
+
+<file path=ppt/slides/slide11.xml><?xml version="1.0" encoding="utf-8"?>
+<p:sld xmlns:a="http://schemas.openxmlformats.org/drawingml/2006/main" xmlns:r="http://schemas.openxmlformats.org/officeDocument/2006/relationships" xmlns:p="http://schemas.openxmlformats.org/presentationml/2006/main">
+  <p:cSld>
+    <p:spTree>
+      <p:nvGrpSpPr>
+        <p:cNvPr id="1" name=""/>
+        <p:cNvGrpSpPr/>
+        <p:nvPr/>
+      </p:nvGrpSpPr>
+      <p:grpSpPr>
+        <a:xfrm>
+          <a:off x="0" y="0"/>
+          <a:ext cx="0" cy="0"/>
+          <a:chOff x="0" y="0"/>
+          <a:chExt cx="0" cy="0"/>
+        </a:xfrm>
+      </p:grpSpPr>
+      <p:sp>
+        <p:nvSpPr>
+          <p:cNvPr id="2" name="标题 1"/>
+          <p:cNvSpPr>
+            <a:spLocks noGrp="1"/>
+          </p:cNvSpPr>
+          <p:nvPr>
+            <p:ph type="title"/>
+          </p:nvPr>
+        </p:nvSpPr>
+        <p:spPr/>
+        <p:txBody>
+          <a:bodyPr/>
+          <a:lstStyle/>
+          <a:p>
+            <a:r>
+              <a:rPr lang="en-US" altLang="zh-CN" dirty="0" smtClean="0"/>
+              <a:t>Swagger</a:t>
+            </a:r>
+            <a:r>
+              <a:rPr lang="zh-CN" altLang="en-US" dirty="0"/>
+              <a:t>介绍</a:t>
+            </a:r>
+          </a:p>
+        </p:txBody>
+      </p:sp>
+      <p:sp>
+        <p:nvSpPr>
+          <p:cNvPr id="3" name="内容占位符 2"/>
+          <p:cNvSpPr>
+            <a:spLocks noGrp="1"/>
+          </p:cNvSpPr>
+          <p:nvPr>
+            <p:ph idx="1"/>
+          </p:nvPr>
+        </p:nvSpPr>
+        <p:spPr/>
+        <p:txBody>
+          <a:bodyPr>
+            <a:normAutofit/>
+          </a:bodyPr>
+          <a:lstStyle/>
+          <a:p>
+            <a:r>
+              <a:rPr lang="en-US" altLang="zh-CN" sz="2400" dirty="0" smtClean="0">
+                <a:latin typeface="黑体" panose="02010609060101010101" pitchFamily="49" charset="-122"/>
+                <a:ea typeface="黑体" panose="02010609060101010101" pitchFamily="49" charset="-122"/>
+              </a:rPr>
+              <a:t>Swagger</a:t>
+            </a:r>
+            <a:r>
+              <a:rPr lang="zh-CN" altLang="en-US" sz="2400" dirty="0" smtClean="0">
+                <a:latin typeface="黑体" panose="02010609060101010101" pitchFamily="49" charset="-122"/>
+                <a:ea typeface="黑体" panose="02010609060101010101" pitchFamily="49" charset="-122"/>
+              </a:rPr>
+              <a:t>是</a:t>
+            </a:r>
+            <a:r>
+              <a:rPr lang="en-US" altLang="zh-CN" sz="2400" dirty="0" smtClean="0">
+                <a:latin typeface="黑体" panose="02010609060101010101" pitchFamily="49" charset="-122"/>
+                <a:ea typeface="黑体" panose="02010609060101010101" pitchFamily="49" charset="-122"/>
+              </a:rPr>
+              <a:t>API</a:t>
+            </a:r>
+            <a:r>
+              <a:rPr lang="zh-CN" altLang="en-US" sz="2400" dirty="0" smtClean="0">
+                <a:latin typeface="黑体" panose="02010609060101010101" pitchFamily="49" charset="-122"/>
+                <a:ea typeface="黑体" panose="02010609060101010101" pitchFamily="49" charset="-122"/>
+              </a:rPr>
+              <a:t>文档描述工具，</a:t>
+            </a:r>
+            <a:r>
+              <a:rPr lang="en-US" altLang="zh-CN" sz="2400" dirty="0">
+                <a:latin typeface="黑体" panose="02010609060101010101" pitchFamily="49" charset="-122"/>
+                <a:ea typeface="黑体" panose="02010609060101010101" pitchFamily="49" charset="-122"/>
+              </a:rPr>
+              <a:t>Swagger</a:t>
+            </a:r>
+            <a:r>
+              <a:rPr lang="zh-CN" altLang="en-US" sz="2400" dirty="0">
+                <a:latin typeface="黑体" panose="02010609060101010101" pitchFamily="49" charset="-122"/>
+                <a:ea typeface="黑体" panose="02010609060101010101" pitchFamily="49" charset="-122"/>
+              </a:rPr>
+              <a:t>与语言</a:t>
+            </a:r>
+            <a:r>
+              <a:rPr lang="zh-CN" altLang="en-US" sz="2400" dirty="0" smtClean="0">
+                <a:latin typeface="黑体" panose="02010609060101010101" pitchFamily="49" charset="-122"/>
+                <a:ea typeface="黑体" panose="02010609060101010101" pitchFamily="49" charset="-122"/>
+              </a:rPr>
+              <a:t>无关</a:t>
+            </a:r>
+            <a:endParaRPr lang="en-US" altLang="zh-CN" sz="2400" dirty="0">
+              <a:latin typeface="黑体" panose="02010609060101010101" pitchFamily="49" charset="-122"/>
+              <a:ea typeface="黑体" panose="02010609060101010101" pitchFamily="49" charset="-122"/>
+            </a:endParaRPr>
+          </a:p>
+          <a:p>
+            <a:r>
+              <a:rPr lang="zh-CN" altLang="en-US" sz="2400" dirty="0" smtClean="0">
+                <a:latin typeface="黑体" panose="02010609060101010101" pitchFamily="49" charset="-122"/>
+                <a:ea typeface="黑体" panose="02010609060101010101" pitchFamily="49" charset="-122"/>
+              </a:rPr>
+              <a:t>参与</a:t>
+            </a:r>
+            <a:r>
+              <a:rPr lang="en-US" altLang="zh-CN" sz="2400" dirty="0" smtClean="0">
+                <a:latin typeface="黑体" panose="02010609060101010101" pitchFamily="49" charset="-122"/>
+                <a:ea typeface="黑体" panose="02010609060101010101" pitchFamily="49" charset="-122"/>
+              </a:rPr>
+              <a:t>API</a:t>
+            </a:r>
+            <a:r>
+              <a:rPr lang="zh-CN" altLang="en-US" sz="2400" dirty="0" smtClean="0">
+                <a:latin typeface="黑体" panose="02010609060101010101" pitchFamily="49" charset="-122"/>
+                <a:ea typeface="黑体" panose="02010609060101010101" pitchFamily="49" charset="-122"/>
+              </a:rPr>
+              <a:t>的</a:t>
+            </a:r>
+            <a:r>
+              <a:rPr lang="en-US" altLang="zh-CN" sz="2400" dirty="0" smtClean="0">
+                <a:latin typeface="黑体" panose="02010609060101010101" pitchFamily="49" charset="-122"/>
+                <a:ea typeface="黑体" panose="02010609060101010101" pitchFamily="49" charset="-122"/>
+              </a:rPr>
+              <a:t>Design</a:t>
+            </a:r>
+            <a:r>
+              <a:rPr lang="zh-CN" altLang="en-US" sz="2400" dirty="0" smtClean="0">
+                <a:latin typeface="黑体" panose="02010609060101010101" pitchFamily="49" charset="-122"/>
+                <a:ea typeface="黑体" panose="02010609060101010101" pitchFamily="49" charset="-122"/>
+              </a:rPr>
+              <a:t>、</a:t>
+            </a:r>
+            <a:r>
+              <a:rPr lang="en-US" altLang="zh-CN" sz="2400" dirty="0" smtClean="0">
+                <a:latin typeface="黑体" panose="02010609060101010101" pitchFamily="49" charset="-122"/>
+                <a:ea typeface="黑体" panose="02010609060101010101" pitchFamily="49" charset="-122"/>
+              </a:rPr>
+              <a:t>Build</a:t>
+            </a:r>
+            <a:r>
+              <a:rPr lang="zh-CN" altLang="en-US" sz="2400" dirty="0" smtClean="0">
+                <a:latin typeface="黑体" panose="02010609060101010101" pitchFamily="49" charset="-122"/>
+                <a:ea typeface="黑体" panose="02010609060101010101" pitchFamily="49" charset="-122"/>
+              </a:rPr>
+              <a:t>、</a:t>
+            </a:r>
+            <a:r>
+              <a:rPr lang="en-US" altLang="zh-CN" sz="2400" dirty="0" smtClean="0">
+                <a:latin typeface="黑体" panose="02010609060101010101" pitchFamily="49" charset="-122"/>
+                <a:ea typeface="黑体" panose="02010609060101010101" pitchFamily="49" charset="-122"/>
+              </a:rPr>
+              <a:t>Document</a:t>
+            </a:r>
+            <a:r>
+              <a:rPr lang="zh-CN" altLang="en-US" sz="2400" dirty="0" smtClean="0">
+                <a:latin typeface="黑体" panose="02010609060101010101" pitchFamily="49" charset="-122"/>
+                <a:ea typeface="黑体" panose="02010609060101010101" pitchFamily="49" charset="-122"/>
+              </a:rPr>
+              <a:t>、</a:t>
+            </a:r>
+            <a:r>
+              <a:rPr lang="en-US" altLang="zh-CN" sz="2400" dirty="0" smtClean="0">
+                <a:latin typeface="黑体" panose="02010609060101010101" pitchFamily="49" charset="-122"/>
+                <a:ea typeface="黑体" panose="02010609060101010101" pitchFamily="49" charset="-122"/>
+              </a:rPr>
+              <a:t>Test</a:t>
+            </a:r>
+            <a:r>
+              <a:rPr lang="zh-CN" altLang="en-US" sz="2400" dirty="0" smtClean="0">
+                <a:latin typeface="黑体" panose="02010609060101010101" pitchFamily="49" charset="-122"/>
+                <a:ea typeface="黑体" panose="02010609060101010101" pitchFamily="49" charset="-122"/>
+              </a:rPr>
+              <a:t>、</a:t>
+            </a:r>
+            <a:r>
+              <a:rPr lang="en-US" altLang="zh-CN" sz="2400" dirty="0" smtClean="0">
+                <a:latin typeface="黑体" panose="02010609060101010101" pitchFamily="49" charset="-122"/>
+                <a:ea typeface="黑体" panose="02010609060101010101" pitchFamily="49" charset="-122"/>
+              </a:rPr>
+              <a:t>Standardize</a:t>
+            </a:r>
+            <a:r>
+              <a:rPr lang="zh-CN" altLang="en-US" sz="2400" dirty="0" smtClean="0">
+                <a:latin typeface="黑体" panose="02010609060101010101" pitchFamily="49" charset="-122"/>
+                <a:ea typeface="黑体" panose="02010609060101010101" pitchFamily="49" charset="-122"/>
+              </a:rPr>
+              <a:t>的整个过程</a:t>
+            </a:r>
+            <a:endParaRPr lang="en-US" altLang="zh-CN" sz="2400" dirty="0" smtClean="0">
+              <a:latin typeface="黑体" panose="02010609060101010101" pitchFamily="49" charset="-122"/>
+              <a:ea typeface="黑体" panose="02010609060101010101" pitchFamily="49" charset="-122"/>
+            </a:endParaRPr>
+          </a:p>
+          <a:p>
+            <a:r>
+              <a:rPr lang="en-US" altLang="zh-CN" sz="2400" dirty="0" smtClean="0">
+                <a:latin typeface="黑体" panose="02010609060101010101" pitchFamily="49" charset="-122"/>
+                <a:ea typeface="黑体" panose="02010609060101010101" pitchFamily="49" charset="-122"/>
+              </a:rPr>
+              <a:t>Swagger</a:t>
+            </a:r>
+            <a:r>
+              <a:rPr lang="zh-CN" altLang="en-US" sz="2400" dirty="0" smtClean="0">
+                <a:latin typeface="黑体" panose="02010609060101010101" pitchFamily="49" charset="-122"/>
+                <a:ea typeface="黑体" panose="02010609060101010101" pitchFamily="49" charset="-122"/>
+              </a:rPr>
+              <a:t>不是</a:t>
+            </a:r>
+            <a:r>
+              <a:rPr lang="en-US" altLang="zh-CN" sz="2400" dirty="0" smtClean="0">
+                <a:latin typeface="黑体" panose="02010609060101010101" pitchFamily="49" charset="-122"/>
+                <a:ea typeface="黑体" panose="02010609060101010101" pitchFamily="49" charset="-122"/>
+              </a:rPr>
+              <a:t>RESTful API</a:t>
+            </a:r>
+            <a:r>
+              <a:rPr lang="zh-CN" altLang="en-US" sz="2400" dirty="0" smtClean="0">
+                <a:latin typeface="黑体" panose="02010609060101010101" pitchFamily="49" charset="-122"/>
+                <a:ea typeface="黑体" panose="02010609060101010101" pitchFamily="49" charset="-122"/>
+              </a:rPr>
+              <a:t>框架</a:t>
+            </a:r>
+            <a:endParaRPr lang="en-US" altLang="zh-CN" sz="2400" b="1" dirty="0" smtClean="0">
+              <a:latin typeface="黑体" panose="02010609060101010101" pitchFamily="49" charset="-122"/>
+              <a:ea typeface="黑体" panose="02010609060101010101" pitchFamily="49" charset="-122"/>
+            </a:endParaRPr>
+          </a:p>
+          <a:p>
+            <a:r>
+              <a:rPr lang="en-US" altLang="zh-CN" sz="2400" dirty="0" smtClean="0">
+                <a:latin typeface="黑体" panose="02010609060101010101" pitchFamily="49" charset="-122"/>
+                <a:ea typeface="黑体" panose="02010609060101010101" pitchFamily="49" charset="-122"/>
+              </a:rPr>
+              <a:t>Swagger</a:t>
+            </a:r>
+            <a:r>
+              <a:rPr lang="zh-CN" altLang="en-US" sz="2400" dirty="0" smtClean="0">
+                <a:latin typeface="黑体" panose="02010609060101010101" pitchFamily="49" charset="-122"/>
+                <a:ea typeface="黑体" panose="02010609060101010101" pitchFamily="49" charset="-122"/>
+              </a:rPr>
+              <a:t>可以与</a:t>
+            </a:r>
+            <a:r>
+              <a:rPr lang="en-US" altLang="zh-CN" sz="2400" dirty="0" err="1" smtClean="0">
+                <a:latin typeface="黑体" panose="02010609060101010101" pitchFamily="49" charset="-122"/>
+                <a:ea typeface="黑体" panose="02010609060101010101" pitchFamily="49" charset="-122"/>
+              </a:rPr>
+              <a:t>SpringMVC</a:t>
+            </a:r>
+            <a:r>
+              <a:rPr lang="zh-CN" altLang="en-US" sz="2400" dirty="0" smtClean="0">
+                <a:latin typeface="黑体" panose="02010609060101010101" pitchFamily="49" charset="-122"/>
+                <a:ea typeface="黑体" panose="02010609060101010101" pitchFamily="49" charset="-122"/>
+              </a:rPr>
+              <a:t>、</a:t>
+            </a:r>
+            <a:r>
+              <a:rPr lang="en-US" altLang="zh-CN" sz="2400" dirty="0" smtClean="0">
+                <a:latin typeface="黑体" panose="02010609060101010101" pitchFamily="49" charset="-122"/>
+                <a:ea typeface="黑体" panose="02010609060101010101" pitchFamily="49" charset="-122"/>
+              </a:rPr>
+              <a:t>Jersey</a:t>
+            </a:r>
+            <a:r>
+              <a:rPr lang="zh-CN" altLang="en-US" sz="2400" dirty="0" smtClean="0">
+                <a:latin typeface="黑体" panose="02010609060101010101" pitchFamily="49" charset="-122"/>
+                <a:ea typeface="黑体" panose="02010609060101010101" pitchFamily="49" charset="-122"/>
+              </a:rPr>
+              <a:t>等</a:t>
+            </a:r>
+            <a:r>
+              <a:rPr lang="en-US" altLang="zh-CN" sz="2400" dirty="0" smtClean="0">
+                <a:latin typeface="黑体" panose="02010609060101010101" pitchFamily="49" charset="-122"/>
+                <a:ea typeface="黑体" panose="02010609060101010101" pitchFamily="49" charset="-122"/>
+              </a:rPr>
+              <a:t>RESTful API</a:t>
+            </a:r>
+            <a:r>
+              <a:rPr lang="zh-CN" altLang="en-US" sz="2400" dirty="0" smtClean="0">
+                <a:latin typeface="黑体" panose="02010609060101010101" pitchFamily="49" charset="-122"/>
+                <a:ea typeface="黑体" panose="02010609060101010101" pitchFamily="49" charset="-122"/>
+              </a:rPr>
+              <a:t>框架使用</a:t>
+            </a:r>
+            <a:endParaRPr lang="en-US" altLang="zh-CN" sz="2400" dirty="0" smtClean="0">
+              <a:latin typeface="黑体" panose="02010609060101010101" pitchFamily="49" charset="-122"/>
+              <a:ea typeface="黑体" panose="02010609060101010101" pitchFamily="49" charset="-122"/>
+            </a:endParaRPr>
+          </a:p>
+          <a:p>
+            <a:endParaRPr lang="en-US" altLang="zh-CN" sz="2400" dirty="0">
+              <a:latin typeface="黑体" panose="02010609060101010101" pitchFamily="49" charset="-122"/>
+              <a:ea typeface="黑体" panose="02010609060101010101" pitchFamily="49" charset="-122"/>
+            </a:endParaRPr>
+          </a:p>
+          <a:p>
+            <a:pPr marL="0" indent="0">
+              <a:buNone/>
+            </a:pPr>
+            <a:r>
+              <a:rPr lang="en-US" altLang="zh-CN" sz="2400" dirty="0" smtClean="0">
+                <a:latin typeface="黑体" panose="02010609060101010101" pitchFamily="49" charset="-122"/>
+                <a:ea typeface="黑体" panose="02010609060101010101" pitchFamily="49" charset="-122"/>
+              </a:rPr>
+              <a:t>								</a:t>
+            </a:r>
+            <a:r>
+              <a:rPr lang="en-US" altLang="zh-CN" sz="2400" dirty="0" smtClean="0">
+                <a:solidFill>
+                  <a:schemeClr val="accent1">
+                    <a:lumMod val="75000"/>
+                  </a:schemeClr>
+                </a:solidFill>
+                <a:latin typeface="黑体" panose="02010609060101010101" pitchFamily="49" charset="-122"/>
+                <a:ea typeface="黑体" panose="02010609060101010101" pitchFamily="49" charset="-122"/>
+              </a:rPr>
+              <a:t>https</a:t>
+            </a:r>
+            <a:r>
+              <a:rPr lang="en-US" altLang="zh-CN" sz="2400" dirty="0">
+                <a:solidFill>
+                  <a:schemeClr val="accent1">
+                    <a:lumMod val="75000"/>
+                  </a:schemeClr>
+                </a:solidFill>
+                <a:latin typeface="黑体" panose="02010609060101010101" pitchFamily="49" charset="-122"/>
+                <a:ea typeface="黑体" panose="02010609060101010101" pitchFamily="49" charset="-122"/>
+              </a:rPr>
+              <a:t>://github.com/swagger-api</a:t>
+            </a:r>
+          </a:p>
+        </p:txBody>
+      </p:sp>
+    </p:spTree>
+    <p:extLst>
+      <p:ext uri="{BB962C8B-B14F-4D97-AF65-F5344CB8AC3E}">
+        <p14:creationId xmlns:p14="http://schemas.microsoft.com/office/powerpoint/2010/main" val="867534263"/>
+      </p:ext>
+    </p:extLst>
+  </p:cSld>
+  <p:clrMapOvr>
+    <a:masterClrMapping/>
+  </p:clrMapOvr>
+  <p:timing>
+    <p:tnLst>
+      <p:par>
+        <p:cTn id="1" dur="indefinite" restart="never" nodeType="tmRoot"/>
+      </p:par>
+    </p:tnLst>
+  </p:timing>
+</p:sld>
+</file>
+
+<file path=ppt/slides/slide12.xml><?xml version="1.0" encoding="utf-8"?>
+<p:sld xmlns:a="http://schemas.openxmlformats.org/drawingml/2006/main" xmlns:r="http://schemas.openxmlformats.org/officeDocument/2006/relationships" xmlns:p="http://schemas.openxmlformats.org/presentationml/2006/main">
+  <p:cSld>
+    <p:spTree>
+      <p:nvGrpSpPr>
+        <p:cNvPr id="1" name=""/>
+        <p:cNvGrpSpPr/>
+        <p:nvPr/>
+      </p:nvGrpSpPr>
+      <p:grpSpPr>
+        <a:xfrm>
+          <a:off x="0" y="0"/>
+          <a:ext cx="0" cy="0"/>
+          <a:chOff x="0" y="0"/>
+          <a:chExt cx="0" cy="0"/>
+        </a:xfrm>
+      </p:grpSpPr>
+      <p:sp>
+        <p:nvSpPr>
+          <p:cNvPr id="2" name="标题 1"/>
+          <p:cNvSpPr>
+            <a:spLocks noGrp="1"/>
+          </p:cNvSpPr>
+          <p:nvPr>
+            <p:ph type="title"/>
+          </p:nvPr>
+        </p:nvSpPr>
+        <p:spPr>
+          <a:xfrm>
+            <a:off x="677334" y="609600"/>
+            <a:ext cx="8596668" cy="635726"/>
+          </a:xfrm>
+        </p:spPr>
+        <p:txBody>
+          <a:bodyPr>
+            <a:normAutofit fontScale="90000"/>
+          </a:bodyPr>
+          <a:lstStyle/>
+          <a:p>
+            <a:r>
+              <a:rPr lang="en-US" altLang="zh-CN" dirty="0" smtClean="0">
+                <a:hlinkClick r:id="rId2"/>
+              </a:rPr>
+              <a:t>JAVA</a:t>
+            </a:r>
+            <a:r>
+              <a:rPr lang="zh-CN" altLang="en-US" dirty="0" smtClean="0">
+                <a:hlinkClick r:id="rId2"/>
+              </a:rPr>
+              <a:t>中使用</a:t>
+            </a:r>
+            <a:r>
+              <a:rPr lang="en-US" altLang="zh-CN" dirty="0" smtClean="0">
+                <a:hlinkClick r:id="rId2"/>
+              </a:rPr>
+              <a:t>Swagger</a:t>
+            </a:r>
+            <a:endParaRPr lang="zh-CN" altLang="en-US" dirty="0"/>
+          </a:p>
+        </p:txBody>
+      </p:sp>
+      <p:pic>
+        <p:nvPicPr>
+          <p:cNvPr id="4" name="内容占位符 3"/>
+          <p:cNvPicPr>
+            <a:picLocks noGrp="1" noChangeAspect="1"/>
+          </p:cNvPicPr>
+          <p:nvPr>
+            <p:ph idx="1"/>
+          </p:nvPr>
+        </p:nvPicPr>
+        <p:blipFill>
+          <a:blip r:embed="rId3"/>
+          <a:stretch>
+            <a:fillRect/>
+          </a:stretch>
+        </p:blipFill>
+        <p:spPr>
+          <a:xfrm>
+            <a:off x="9797144" y="1097280"/>
+            <a:ext cx="1959428" cy="5486400"/>
+          </a:xfrm>
+          <a:prstGeom prst="rect">
+            <a:avLst/>
+          </a:prstGeom>
+        </p:spPr>
+      </p:pic>
+      <p:sp>
+        <p:nvSpPr>
+          <p:cNvPr id="7" name="内容占位符 2"/>
+          <p:cNvSpPr txBox="1">
+            <a:spLocks/>
+          </p:cNvSpPr>
+          <p:nvPr/>
+        </p:nvSpPr>
+        <p:spPr>
+          <a:xfrm>
+            <a:off x="677333" y="1349829"/>
+            <a:ext cx="9326882" cy="5390605"/>
+          </a:xfrm>
+          <a:prstGeom prst="rect">
+            <a:avLst/>
+          </a:prstGeom>
+        </p:spPr>
+        <p:txBody>
+          <a:bodyPr vert="horz" lIns="91440" tIns="45720" rIns="91440" bIns="45720" rtlCol="0">
+            <a:normAutofit fontScale="85000" lnSpcReduction="20000"/>
+          </a:bodyPr>
+          <a:lstStyle>
+            <a:lvl1pPr marL="342900" indent="-342900" algn="l" defTabSz="457200" rtl="0" eaLnBrk="1" latinLnBrk="0" hangingPunct="1">
+              <a:spcBef>
+                <a:spcPts val="1000"/>
+              </a:spcBef>
+              <a:spcAft>
+                <a:spcPts val="0"/>
+              </a:spcAft>
+              <a:buClr>
+                <a:schemeClr val="accent1"/>
+              </a:buClr>
+              <a:buSzPct val="80000"/>
+              <a:buFont typeface="Wingdings 3" charset="2"/>
+              <a:buChar char=""/>
+              <a:defRPr sz="1800" kern="1200">
+                <a:solidFill>
+                  <a:schemeClr val="tx1">
+                    <a:lumMod val="75000"/>
+                    <a:lumOff val="25000"/>
+                  </a:schemeClr>
+                </a:solidFill>
+                <a:latin typeface="+mn-lt"/>
+                <a:ea typeface="+mn-ea"/>
+                <a:cs typeface="+mn-cs"/>
+              </a:defRPr>
+            </a:lvl1pPr>
+            <a:lvl2pPr marL="742950" indent="-285750" algn="l" defTabSz="457200" rtl="0" eaLnBrk="1" latinLnBrk="0" hangingPunct="1">
+              <a:spcBef>
+                <a:spcPts val="1000"/>
+              </a:spcBef>
+              <a:spcAft>
+                <a:spcPts val="0"/>
+              </a:spcAft>
+              <a:buClr>
+                <a:schemeClr val="accent1"/>
+              </a:buClr>
+              <a:buSzPct val="80000"/>
+              <a:buFont typeface="Wingdings 3" charset="2"/>
+              <a:buChar char=""/>
+              <a:defRPr sz="1600" kern="1200">
+                <a:solidFill>
+                  <a:schemeClr val="tx1">
+                    <a:lumMod val="75000"/>
+                    <a:lumOff val="25000"/>
+                  </a:schemeClr>
+                </a:solidFill>
+                <a:latin typeface="+mn-lt"/>
+                <a:ea typeface="+mn-ea"/>
+                <a:cs typeface="+mn-cs"/>
+              </a:defRPr>
+            </a:lvl2pPr>
+            <a:lvl3pPr marL="1143000" indent="-228600" algn="l" defTabSz="457200" rtl="0" eaLnBrk="1" latinLnBrk="0" hangingPunct="1">
+              <a:spcBef>
+                <a:spcPts val="1000"/>
+              </a:spcBef>
+              <a:spcAft>
+                <a:spcPts val="0"/>
+              </a:spcAft>
+              <a:buClr>
+                <a:schemeClr val="accent1"/>
+              </a:buClr>
+              <a:buSzPct val="80000"/>
+              <a:buFont typeface="Wingdings 3" charset="2"/>
+              <a:buChar char=""/>
+              <a:defRPr sz="1400" kern="1200">
+                <a:solidFill>
+                  <a:schemeClr val="tx1">
+                    <a:lumMod val="75000"/>
+                    <a:lumOff val="25000"/>
+                  </a:schemeClr>
+                </a:solidFill>
+                <a:latin typeface="+mn-lt"/>
+                <a:ea typeface="+mn-ea"/>
+                <a:cs typeface="+mn-cs"/>
+              </a:defRPr>
+            </a:lvl3pPr>
+            <a:lvl4pPr marL="1600200" indent="-228600" algn="l" defTabSz="457200" rtl="0" eaLnBrk="1" latinLnBrk="0" hangingPunct="1">
+              <a:spcBef>
+                <a:spcPts val="1000"/>
+              </a:spcBef>
+              <a:spcAft>
+                <a:spcPts val="0"/>
+              </a:spcAft>
+              <a:buClr>
+                <a:schemeClr val="accent1"/>
+              </a:buClr>
+              <a:buSzPct val="80000"/>
+              <a:buFont typeface="Wingdings 3" charset="2"/>
+              <a:buChar char=""/>
+              <a:defRPr sz="1200" kern="1200">
+                <a:solidFill>
+                  <a:schemeClr val="tx1">
+                    <a:lumMod val="75000"/>
+                    <a:lumOff val="25000"/>
+                  </a:schemeClr>
+                </a:solidFill>
+                <a:latin typeface="+mn-lt"/>
+                <a:ea typeface="+mn-ea"/>
+                <a:cs typeface="+mn-cs"/>
+              </a:defRPr>
+            </a:lvl4pPr>
+            <a:lvl5pPr marL="2057400" indent="-228600" algn="l" defTabSz="457200" rtl="0" eaLnBrk="1" latinLnBrk="0" hangingPunct="1">
+              <a:spcBef>
+                <a:spcPts val="1000"/>
+              </a:spcBef>
+              <a:spcAft>
+                <a:spcPts val="0"/>
+              </a:spcAft>
+              <a:buClr>
+                <a:schemeClr val="accent1"/>
+              </a:buClr>
+              <a:buSzPct val="80000"/>
+              <a:buFont typeface="Wingdings 3" charset="2"/>
+              <a:buChar char=""/>
+              <a:defRPr sz="1200" kern="1200">
+                <a:solidFill>
+                  <a:schemeClr val="tx1">
+                    <a:lumMod val="75000"/>
+                    <a:lumOff val="25000"/>
+                  </a:schemeClr>
+                </a:solidFill>
+                <a:latin typeface="+mn-lt"/>
+                <a:ea typeface="+mn-ea"/>
+                <a:cs typeface="+mn-cs"/>
+              </a:defRPr>
+            </a:lvl5pPr>
+            <a:lvl6pPr marL="2514600" indent="-228600" algn="l" defTabSz="457200" rtl="0" eaLnBrk="1" latinLnBrk="0" hangingPunct="1">
+              <a:spcBef>
+                <a:spcPts val="1000"/>
+              </a:spcBef>
+              <a:spcAft>
+                <a:spcPts val="0"/>
+              </a:spcAft>
+              <a:buClr>
+                <a:schemeClr val="accent1"/>
+              </a:buClr>
+              <a:buSzPct val="80000"/>
+              <a:buFont typeface="Wingdings 3" charset="2"/>
+              <a:buChar char=""/>
+              <a:defRPr sz="1200" kern="1200">
+                <a:solidFill>
+                  <a:schemeClr val="tx1">
+                    <a:lumMod val="75000"/>
+                    <a:lumOff val="25000"/>
+                  </a:schemeClr>
+                </a:solidFill>
+                <a:latin typeface="+mn-lt"/>
+                <a:ea typeface="+mn-ea"/>
+                <a:cs typeface="+mn-cs"/>
+              </a:defRPr>
+            </a:lvl6pPr>
+            <a:lvl7pPr marL="2971800" indent="-228600" algn="l" defTabSz="457200" rtl="0" eaLnBrk="1" latinLnBrk="0" hangingPunct="1">
+              <a:spcBef>
+                <a:spcPts val="1000"/>
+              </a:spcBef>
+              <a:spcAft>
+                <a:spcPts val="0"/>
+              </a:spcAft>
+              <a:buClr>
+                <a:schemeClr val="accent1"/>
+              </a:buClr>
+              <a:buSzPct val="80000"/>
+              <a:buFont typeface="Wingdings 3" charset="2"/>
+              <a:buChar char=""/>
+              <a:defRPr sz="1200" kern="1200">
+                <a:solidFill>
+                  <a:schemeClr val="tx1">
+                    <a:lumMod val="75000"/>
+                    <a:lumOff val="25000"/>
+                  </a:schemeClr>
+                </a:solidFill>
+                <a:latin typeface="+mn-lt"/>
+                <a:ea typeface="+mn-ea"/>
+                <a:cs typeface="+mn-cs"/>
+              </a:defRPr>
+            </a:lvl7pPr>
+            <a:lvl8pPr marL="3429000" indent="-228600" algn="l" defTabSz="457200" rtl="0" eaLnBrk="1" latinLnBrk="0" hangingPunct="1">
+              <a:spcBef>
+                <a:spcPts val="1000"/>
+              </a:spcBef>
+              <a:spcAft>
+                <a:spcPts val="0"/>
+              </a:spcAft>
+              <a:buClr>
+                <a:schemeClr val="accent1"/>
+              </a:buClr>
+              <a:buSzPct val="80000"/>
+              <a:buFont typeface="Wingdings 3" charset="2"/>
+              <a:buChar char=""/>
+              <a:defRPr sz="1200" kern="1200">
+                <a:solidFill>
+                  <a:schemeClr val="tx1">
+                    <a:lumMod val="75000"/>
+                    <a:lumOff val="25000"/>
+                  </a:schemeClr>
+                </a:solidFill>
+                <a:latin typeface="+mn-lt"/>
+                <a:ea typeface="+mn-ea"/>
+                <a:cs typeface="+mn-cs"/>
+              </a:defRPr>
+            </a:lvl8pPr>
+            <a:lvl9pPr marL="3886200" indent="-228600" algn="l" defTabSz="457200" rtl="0" eaLnBrk="1" latinLnBrk="0" hangingPunct="1">
+              <a:spcBef>
+                <a:spcPts val="1000"/>
+              </a:spcBef>
+              <a:spcAft>
+                <a:spcPts val="0"/>
+              </a:spcAft>
+              <a:buClr>
+                <a:schemeClr val="accent1"/>
+              </a:buClr>
+              <a:buSzPct val="80000"/>
+              <a:buFont typeface="Wingdings 3" charset="2"/>
+              <a:buChar char=""/>
+              <a:defRPr sz="1200" kern="1200">
+                <a:solidFill>
+                  <a:schemeClr val="tx1">
+                    <a:lumMod val="75000"/>
+                    <a:lumOff val="25000"/>
+                  </a:schemeClr>
+                </a:solidFill>
+                <a:latin typeface="+mn-lt"/>
+                <a:ea typeface="+mn-ea"/>
+                <a:cs typeface="+mn-cs"/>
+              </a:defRPr>
+            </a:lvl9pPr>
+          </a:lstStyle>
+          <a:p>
+            <a:r>
+              <a:rPr lang="en-US" altLang="zh-CN" sz="2800" dirty="0" smtClean="0">
+                <a:solidFill>
+                  <a:schemeClr val="tx2"/>
+                </a:solidFill>
+                <a:latin typeface="黑体" panose="02010609060101010101" pitchFamily="49" charset="-122"/>
+                <a:ea typeface="黑体" panose="02010609060101010101" pitchFamily="49" charset="-122"/>
+              </a:rPr>
+              <a:t>Model</a:t>
+            </a:r>
+          </a:p>
+          <a:p>
+            <a:pPr lvl="1"/>
+            <a:r>
+              <a:rPr lang="en-US" altLang="zh-CN" sz="2600" dirty="0">
+                <a:latin typeface="黑体" panose="02010609060101010101" pitchFamily="49" charset="-122"/>
+                <a:ea typeface="黑体" panose="02010609060101010101" pitchFamily="49" charset="-122"/>
+              </a:rPr>
+              <a:t>@</a:t>
+            </a:r>
+            <a:r>
+              <a:rPr lang="en-US" altLang="zh-CN" sz="2600" dirty="0" err="1">
+                <a:latin typeface="黑体" panose="02010609060101010101" pitchFamily="49" charset="-122"/>
+                <a:ea typeface="黑体" panose="02010609060101010101" pitchFamily="49" charset="-122"/>
+              </a:rPr>
+              <a:t>ApiModel</a:t>
+            </a:r>
+            <a:r>
+              <a:rPr lang="zh-CN" altLang="en-US" sz="2600" dirty="0">
+                <a:latin typeface="黑体" panose="02010609060101010101" pitchFamily="49" charset="-122"/>
+                <a:ea typeface="黑体" panose="02010609060101010101" pitchFamily="49" charset="-122"/>
+              </a:rPr>
+              <a:t>：用在模型类上，对模型类做</a:t>
+            </a:r>
+            <a:r>
+              <a:rPr lang="zh-CN" altLang="en-US" sz="2600" dirty="0">
+                <a:latin typeface="黑体" panose="02010609060101010101" pitchFamily="49" charset="-122"/>
+                <a:ea typeface="黑体" panose="02010609060101010101" pitchFamily="49" charset="-122"/>
+              </a:rPr>
+              <a:t>注释</a:t>
+            </a:r>
+            <a:endParaRPr lang="zh-CN" altLang="en-US" sz="2600" dirty="0">
+              <a:latin typeface="黑体" panose="02010609060101010101" pitchFamily="49" charset="-122"/>
+              <a:ea typeface="黑体" panose="02010609060101010101" pitchFamily="49" charset="-122"/>
+            </a:endParaRPr>
+          </a:p>
+          <a:p>
+            <a:pPr lvl="1"/>
+            <a:r>
+              <a:rPr lang="en-US" altLang="zh-CN" sz="2600" dirty="0">
+                <a:latin typeface="黑体" panose="02010609060101010101" pitchFamily="49" charset="-122"/>
+                <a:ea typeface="黑体" panose="02010609060101010101" pitchFamily="49" charset="-122"/>
+              </a:rPr>
+              <a:t>@</a:t>
+            </a:r>
+            <a:r>
+              <a:rPr lang="en-US" altLang="zh-CN" sz="2600" dirty="0" err="1">
+                <a:latin typeface="黑体" panose="02010609060101010101" pitchFamily="49" charset="-122"/>
+                <a:ea typeface="黑体" panose="02010609060101010101" pitchFamily="49" charset="-122"/>
+              </a:rPr>
+              <a:t>ApiModelProperty</a:t>
+            </a:r>
+            <a:r>
+              <a:rPr lang="zh-CN" altLang="en-US" sz="2600" dirty="0">
+                <a:latin typeface="黑体" panose="02010609060101010101" pitchFamily="49" charset="-122"/>
+                <a:ea typeface="黑体" panose="02010609060101010101" pitchFamily="49" charset="-122"/>
+              </a:rPr>
+              <a:t>：用在属性上，对属性做注释</a:t>
+            </a:r>
+          </a:p>
+          <a:p>
+            <a:r>
+              <a:rPr lang="en-US" altLang="zh-CN" sz="2800" dirty="0" smtClean="0">
+                <a:solidFill>
+                  <a:schemeClr val="tx2"/>
+                </a:solidFill>
+                <a:latin typeface="黑体" panose="02010609060101010101" pitchFamily="49" charset="-122"/>
+                <a:ea typeface="黑体" panose="02010609060101010101" pitchFamily="49" charset="-122"/>
+              </a:rPr>
+              <a:t>API</a:t>
+            </a:r>
+          </a:p>
+          <a:p>
+            <a:pPr lvl="1"/>
+            <a:r>
+              <a:rPr lang="en-US" altLang="zh-CN" sz="2600" dirty="0" smtClean="0">
+                <a:latin typeface="黑体" panose="02010609060101010101" pitchFamily="49" charset="-122"/>
+                <a:ea typeface="黑体" panose="02010609060101010101" pitchFamily="49" charset="-122"/>
+              </a:rPr>
+              <a:t>@</a:t>
+            </a:r>
+            <a:r>
+              <a:rPr lang="en-US" altLang="zh-CN" sz="2600" dirty="0" err="1" smtClean="0">
+                <a:latin typeface="黑体" panose="02010609060101010101" pitchFamily="49" charset="-122"/>
+                <a:ea typeface="黑体" panose="02010609060101010101" pitchFamily="49" charset="-122"/>
+              </a:rPr>
+              <a:t>Api</a:t>
+            </a:r>
+            <a:r>
+              <a:rPr lang="en-US" altLang="zh-CN" sz="2600" dirty="0" smtClean="0">
+                <a:latin typeface="黑体" panose="02010609060101010101" pitchFamily="49" charset="-122"/>
+                <a:ea typeface="黑体" panose="02010609060101010101" pitchFamily="49" charset="-122"/>
+              </a:rPr>
+              <a:t>()</a:t>
+            </a:r>
+            <a:r>
+              <a:rPr lang="zh-CN" altLang="en-US" sz="2600" dirty="0" smtClean="0">
+                <a:latin typeface="黑体" panose="02010609060101010101" pitchFamily="49" charset="-122"/>
+                <a:ea typeface="黑体" panose="02010609060101010101" pitchFamily="49" charset="-122"/>
+              </a:rPr>
+              <a:t>用于类</a:t>
+            </a:r>
+            <a:r>
+              <a:rPr lang="en-US" altLang="zh-CN" sz="2600" dirty="0">
+                <a:latin typeface="黑体" panose="02010609060101010101" pitchFamily="49" charset="-122"/>
+                <a:ea typeface="黑体" panose="02010609060101010101" pitchFamily="49" charset="-122"/>
+              </a:rPr>
+              <a:t>,</a:t>
+            </a:r>
+            <a:r>
+              <a:rPr lang="zh-CN" altLang="en-US" sz="2600" dirty="0" smtClean="0">
+                <a:latin typeface="黑体" panose="02010609060101010101" pitchFamily="49" charset="-122"/>
+                <a:ea typeface="黑体" panose="02010609060101010101" pitchFamily="49" charset="-122"/>
+              </a:rPr>
+              <a:t>表示</a:t>
+            </a:r>
+            <a:r>
+              <a:rPr lang="zh-CN" altLang="en-US" sz="2600" dirty="0">
+                <a:latin typeface="黑体" panose="02010609060101010101" pitchFamily="49" charset="-122"/>
+                <a:ea typeface="黑体" panose="02010609060101010101" pitchFamily="49" charset="-122"/>
+              </a:rPr>
+              <a:t>标识这个类是</a:t>
+            </a:r>
+            <a:r>
+              <a:rPr lang="en-US" altLang="zh-CN" sz="2600" dirty="0">
+                <a:latin typeface="黑体" panose="02010609060101010101" pitchFamily="49" charset="-122"/>
+                <a:ea typeface="黑体" panose="02010609060101010101" pitchFamily="49" charset="-122"/>
+              </a:rPr>
+              <a:t>swagger</a:t>
+            </a:r>
+            <a:r>
+              <a:rPr lang="zh-CN" altLang="en-US" sz="2600" dirty="0">
+                <a:latin typeface="黑体" panose="02010609060101010101" pitchFamily="49" charset="-122"/>
+                <a:ea typeface="黑体" panose="02010609060101010101" pitchFamily="49" charset="-122"/>
+              </a:rPr>
+              <a:t>的</a:t>
+            </a:r>
+            <a:r>
+              <a:rPr lang="zh-CN" altLang="en-US" sz="2600" dirty="0" smtClean="0">
+                <a:latin typeface="黑体" panose="02010609060101010101" pitchFamily="49" charset="-122"/>
+                <a:ea typeface="黑体" panose="02010609060101010101" pitchFamily="49" charset="-122"/>
+              </a:rPr>
+              <a:t>资源</a:t>
+            </a:r>
+            <a:endParaRPr lang="en-US" altLang="zh-CN" sz="2600" dirty="0" smtClean="0">
+              <a:latin typeface="黑体" panose="02010609060101010101" pitchFamily="49" charset="-122"/>
+              <a:ea typeface="黑体" panose="02010609060101010101" pitchFamily="49" charset="-122"/>
+            </a:endParaRPr>
+          </a:p>
+          <a:p>
+            <a:pPr lvl="1"/>
+            <a:r>
+              <a:rPr lang="en-US" altLang="zh-CN" sz="2600" dirty="0" smtClean="0">
+                <a:latin typeface="黑体" panose="02010609060101010101" pitchFamily="49" charset="-122"/>
+                <a:ea typeface="黑体" panose="02010609060101010101" pitchFamily="49" charset="-122"/>
+              </a:rPr>
+              <a:t>@</a:t>
+            </a:r>
+            <a:r>
+              <a:rPr lang="en-US" altLang="zh-CN" sz="2600" dirty="0" err="1">
+                <a:latin typeface="黑体" panose="02010609060101010101" pitchFamily="49" charset="-122"/>
+                <a:ea typeface="黑体" panose="02010609060101010101" pitchFamily="49" charset="-122"/>
+              </a:rPr>
+              <a:t>ApiOperation</a:t>
+            </a:r>
+            <a:r>
+              <a:rPr lang="en-US" altLang="zh-CN" sz="2600" dirty="0">
+                <a:latin typeface="黑体" panose="02010609060101010101" pitchFamily="49" charset="-122"/>
+                <a:ea typeface="黑体" panose="02010609060101010101" pitchFamily="49" charset="-122"/>
+              </a:rPr>
+              <a:t>()</a:t>
+            </a:r>
+            <a:r>
+              <a:rPr lang="zh-CN" altLang="en-US" sz="2600" dirty="0">
+                <a:latin typeface="黑体" panose="02010609060101010101" pitchFamily="49" charset="-122"/>
+                <a:ea typeface="黑体" panose="02010609060101010101" pitchFamily="49" charset="-122"/>
+              </a:rPr>
+              <a:t>用于方法</a:t>
+            </a:r>
+            <a:r>
+              <a:rPr lang="en-US" altLang="zh-CN" sz="2600" dirty="0">
+                <a:latin typeface="黑体" panose="02010609060101010101" pitchFamily="49" charset="-122"/>
+                <a:ea typeface="黑体" panose="02010609060101010101" pitchFamily="49" charset="-122"/>
+              </a:rPr>
+              <a:t>,</a:t>
+            </a:r>
+            <a:r>
+              <a:rPr lang="zh-CN" altLang="en-US" sz="2600" dirty="0">
+                <a:latin typeface="黑体" panose="02010609060101010101" pitchFamily="49" charset="-122"/>
+                <a:ea typeface="黑体" panose="02010609060101010101" pitchFamily="49" charset="-122"/>
+              </a:rPr>
+              <a:t>表示一个</a:t>
+            </a:r>
+            <a:r>
+              <a:rPr lang="en-US" altLang="zh-CN" sz="2600" dirty="0">
+                <a:latin typeface="黑体" panose="02010609060101010101" pitchFamily="49" charset="-122"/>
+                <a:ea typeface="黑体" panose="02010609060101010101" pitchFamily="49" charset="-122"/>
+              </a:rPr>
+              <a:t>http</a:t>
+            </a:r>
+            <a:r>
+              <a:rPr lang="zh-CN" altLang="en-US" sz="2600" dirty="0">
+                <a:latin typeface="黑体" panose="02010609060101010101" pitchFamily="49" charset="-122"/>
+                <a:ea typeface="黑体" panose="02010609060101010101" pitchFamily="49" charset="-122"/>
+              </a:rPr>
+              <a:t>请求的</a:t>
+            </a:r>
+            <a:r>
+              <a:rPr lang="zh-CN" altLang="en-US" sz="2600" dirty="0" smtClean="0">
+                <a:latin typeface="黑体" panose="02010609060101010101" pitchFamily="49" charset="-122"/>
+                <a:ea typeface="黑体" panose="02010609060101010101" pitchFamily="49" charset="-122"/>
+              </a:rPr>
+              <a:t>操作</a:t>
+            </a:r>
+            <a:endParaRPr lang="en-US" altLang="zh-CN" sz="2600" dirty="0" smtClean="0">
+              <a:latin typeface="黑体" panose="02010609060101010101" pitchFamily="49" charset="-122"/>
+              <a:ea typeface="黑体" panose="02010609060101010101" pitchFamily="49" charset="-122"/>
+            </a:endParaRPr>
+          </a:p>
+          <a:p>
+            <a:pPr lvl="1"/>
+            <a:r>
+              <a:rPr lang="en-US" altLang="zh-CN" sz="2600" dirty="0">
+                <a:latin typeface="黑体" panose="02010609060101010101" pitchFamily="49" charset="-122"/>
+                <a:ea typeface="黑体" panose="02010609060101010101" pitchFamily="49" charset="-122"/>
+              </a:rPr>
+              <a:t>@</a:t>
+            </a:r>
+            <a:r>
+              <a:rPr lang="en-US" altLang="zh-CN" sz="2600" dirty="0" err="1">
+                <a:latin typeface="黑体" panose="02010609060101010101" pitchFamily="49" charset="-122"/>
+                <a:ea typeface="黑体" panose="02010609060101010101" pitchFamily="49" charset="-122"/>
+              </a:rPr>
+              <a:t>ApiParam</a:t>
+            </a:r>
+            <a:r>
+              <a:rPr lang="en-US" altLang="zh-CN" sz="2600" dirty="0">
+                <a:latin typeface="黑体" panose="02010609060101010101" pitchFamily="49" charset="-122"/>
+                <a:ea typeface="黑体" panose="02010609060101010101" pitchFamily="49" charset="-122"/>
+              </a:rPr>
+              <a:t>()</a:t>
+            </a:r>
+            <a:r>
+              <a:rPr lang="zh-CN" altLang="en-US" sz="2600" dirty="0">
+                <a:latin typeface="黑体" panose="02010609060101010101" pitchFamily="49" charset="-122"/>
+                <a:ea typeface="黑体" panose="02010609060101010101" pitchFamily="49" charset="-122"/>
+              </a:rPr>
+              <a:t>用于方法，参数，字段说明</a:t>
+            </a:r>
+            <a:r>
+              <a:rPr lang="en-US" altLang="zh-CN" sz="2600" dirty="0">
+                <a:latin typeface="黑体" panose="02010609060101010101" pitchFamily="49" charset="-122"/>
+                <a:ea typeface="黑体" panose="02010609060101010101" pitchFamily="49" charset="-122"/>
+              </a:rPr>
+              <a:t>,</a:t>
+            </a:r>
+            <a:r>
+              <a:rPr lang="zh-CN" altLang="en-US" sz="2600" dirty="0">
+                <a:latin typeface="黑体" panose="02010609060101010101" pitchFamily="49" charset="-122"/>
+                <a:ea typeface="黑体" panose="02010609060101010101" pitchFamily="49" charset="-122"/>
+              </a:rPr>
+              <a:t>表示对参数的添加</a:t>
+            </a:r>
+            <a:r>
+              <a:rPr lang="zh-CN" altLang="en-US" sz="2600" dirty="0" smtClean="0">
+                <a:latin typeface="黑体" panose="02010609060101010101" pitchFamily="49" charset="-122"/>
+                <a:ea typeface="黑体" panose="02010609060101010101" pitchFamily="49" charset="-122"/>
+              </a:rPr>
+              <a:t>元数据</a:t>
+            </a:r>
+            <a:endParaRPr lang="en-US" altLang="zh-CN" sz="2600" dirty="0" smtClean="0">
+              <a:latin typeface="黑体" panose="02010609060101010101" pitchFamily="49" charset="-122"/>
+              <a:ea typeface="黑体" panose="02010609060101010101" pitchFamily="49" charset="-122"/>
+            </a:endParaRPr>
+          </a:p>
+          <a:p>
+            <a:pPr lvl="1"/>
+            <a:r>
+              <a:rPr lang="en-US" altLang="zh-CN" sz="2600" dirty="0">
+                <a:latin typeface="黑体" panose="02010609060101010101" pitchFamily="49" charset="-122"/>
+                <a:ea typeface="黑体" panose="02010609060101010101" pitchFamily="49" charset="-122"/>
+              </a:rPr>
+              <a:t>@</a:t>
+            </a:r>
+            <a:r>
+              <a:rPr lang="en-US" altLang="zh-CN" sz="2600" dirty="0" err="1">
+                <a:latin typeface="黑体" panose="02010609060101010101" pitchFamily="49" charset="-122"/>
+                <a:ea typeface="黑体" panose="02010609060101010101" pitchFamily="49" charset="-122"/>
+              </a:rPr>
+              <a:t>ApiModel</a:t>
+            </a:r>
+            <a:r>
+              <a:rPr lang="en-US" altLang="zh-CN" sz="2600" dirty="0">
+                <a:latin typeface="黑体" panose="02010609060101010101" pitchFamily="49" charset="-122"/>
+                <a:ea typeface="黑体" panose="02010609060101010101" pitchFamily="49" charset="-122"/>
+              </a:rPr>
+              <a:t>()</a:t>
+            </a:r>
+            <a:r>
+              <a:rPr lang="zh-CN" altLang="en-US" sz="2600" dirty="0">
+                <a:latin typeface="黑体" panose="02010609060101010101" pitchFamily="49" charset="-122"/>
+                <a:ea typeface="黑体" panose="02010609060101010101" pitchFamily="49" charset="-122"/>
+              </a:rPr>
+              <a:t>用于类表示对类进行说明</a:t>
+            </a:r>
+            <a:r>
+              <a:rPr lang="en-US" altLang="zh-CN" sz="2600" dirty="0">
+                <a:latin typeface="黑体" panose="02010609060101010101" pitchFamily="49" charset="-122"/>
+                <a:ea typeface="黑体" panose="02010609060101010101" pitchFamily="49" charset="-122"/>
+              </a:rPr>
+              <a:t>,</a:t>
+            </a:r>
+            <a:r>
+              <a:rPr lang="zh-CN" altLang="en-US" sz="2600" dirty="0">
+                <a:latin typeface="黑体" panose="02010609060101010101" pitchFamily="49" charset="-122"/>
+                <a:ea typeface="黑体" panose="02010609060101010101" pitchFamily="49" charset="-122"/>
+              </a:rPr>
+              <a:t>用于参数用实体类接收</a:t>
+            </a:r>
+            <a:r>
+              <a:rPr lang="zh-CN" altLang="en-US" sz="2600" dirty="0">
+                <a:latin typeface="黑体" panose="02010609060101010101" pitchFamily="49" charset="-122"/>
+                <a:ea typeface="黑体" panose="02010609060101010101" pitchFamily="49" charset="-122"/>
+              </a:rPr>
+              <a:t> </a:t>
+            </a:r>
+            <a:endParaRPr lang="en-US" altLang="zh-CN" sz="2600" dirty="0" smtClean="0">
+              <a:latin typeface="黑体" panose="02010609060101010101" pitchFamily="49" charset="-122"/>
+              <a:ea typeface="黑体" panose="02010609060101010101" pitchFamily="49" charset="-122"/>
+            </a:endParaRPr>
+          </a:p>
+          <a:p>
+            <a:pPr lvl="1"/>
+            <a:r>
+              <a:rPr lang="en-US" altLang="zh-CN" sz="2600" dirty="0" smtClean="0">
+                <a:latin typeface="黑体" panose="02010609060101010101" pitchFamily="49" charset="-122"/>
+                <a:ea typeface="黑体" panose="02010609060101010101" pitchFamily="49" charset="-122"/>
+              </a:rPr>
+              <a:t>@</a:t>
+            </a:r>
+            <a:r>
+              <a:rPr lang="en-US" altLang="zh-CN" sz="2600" dirty="0" err="1">
+                <a:latin typeface="黑体" panose="02010609060101010101" pitchFamily="49" charset="-122"/>
+                <a:ea typeface="黑体" panose="02010609060101010101" pitchFamily="49" charset="-122"/>
+              </a:rPr>
+              <a:t>ApiModelProperty</a:t>
+            </a:r>
+            <a:r>
+              <a:rPr lang="en-US" altLang="zh-CN" sz="2600" dirty="0">
+                <a:latin typeface="黑体" panose="02010609060101010101" pitchFamily="49" charset="-122"/>
+                <a:ea typeface="黑体" panose="02010609060101010101" pitchFamily="49" charset="-122"/>
+              </a:rPr>
+              <a:t>()</a:t>
+            </a:r>
+            <a:r>
+              <a:rPr lang="zh-CN" altLang="en-US" sz="2600" dirty="0">
+                <a:latin typeface="黑体" panose="02010609060101010101" pitchFamily="49" charset="-122"/>
+                <a:ea typeface="黑体" panose="02010609060101010101" pitchFamily="49" charset="-122"/>
+              </a:rPr>
+              <a:t>用于方法，字段 </a:t>
+            </a:r>
+            <a:r>
+              <a:rPr lang="zh-CN" altLang="en-US" sz="2600" dirty="0" smtClean="0">
+                <a:latin typeface="黑体" panose="02010609060101010101" pitchFamily="49" charset="-122"/>
+                <a:ea typeface="黑体" panose="02010609060101010101" pitchFamily="49" charset="-122"/>
+              </a:rPr>
+              <a:t>表示</a:t>
+            </a:r>
+            <a:r>
+              <a:rPr lang="zh-CN" altLang="en-US" sz="2600" dirty="0">
+                <a:latin typeface="黑体" panose="02010609060101010101" pitchFamily="49" charset="-122"/>
+                <a:ea typeface="黑体" panose="02010609060101010101" pitchFamily="49" charset="-122"/>
+              </a:rPr>
+              <a:t>对</a:t>
+            </a:r>
+            <a:r>
+              <a:rPr lang="en-US" altLang="zh-CN" sz="2600" dirty="0">
+                <a:latin typeface="黑体" panose="02010609060101010101" pitchFamily="49" charset="-122"/>
+                <a:ea typeface="黑体" panose="02010609060101010101" pitchFamily="49" charset="-122"/>
+              </a:rPr>
+              <a:t>model</a:t>
+            </a:r>
+            <a:r>
+              <a:rPr lang="zh-CN" altLang="en-US" sz="2600" dirty="0">
+                <a:latin typeface="黑体" panose="02010609060101010101" pitchFamily="49" charset="-122"/>
+                <a:ea typeface="黑体" panose="02010609060101010101" pitchFamily="49" charset="-122"/>
+              </a:rPr>
+              <a:t>属性的说明或者数据操作更改 </a:t>
+            </a:r>
+            <a:endParaRPr lang="en-US" altLang="zh-CN" sz="2600" dirty="0">
+              <a:latin typeface="黑体" panose="02010609060101010101" pitchFamily="49" charset="-122"/>
+              <a:ea typeface="黑体" panose="02010609060101010101" pitchFamily="49" charset="-122"/>
+            </a:endParaRPr>
+          </a:p>
+          <a:p>
+            <a:pPr lvl="1"/>
+            <a:r>
+              <a:rPr lang="en-US" altLang="zh-CN" sz="2600" dirty="0" smtClean="0">
+                <a:latin typeface="黑体" panose="02010609060101010101" pitchFamily="49" charset="-122"/>
+                <a:ea typeface="黑体" panose="02010609060101010101" pitchFamily="49" charset="-122"/>
+              </a:rPr>
+              <a:t>@</a:t>
+            </a:r>
+            <a:r>
+              <a:rPr lang="en-US" altLang="zh-CN" sz="2600" dirty="0" err="1">
+                <a:latin typeface="黑体" panose="02010609060101010101" pitchFamily="49" charset="-122"/>
+                <a:ea typeface="黑体" panose="02010609060101010101" pitchFamily="49" charset="-122"/>
+              </a:rPr>
+              <a:t>ApiIgnore</a:t>
+            </a:r>
+            <a:r>
+              <a:rPr lang="en-US" altLang="zh-CN" sz="2600" dirty="0">
+                <a:latin typeface="黑体" panose="02010609060101010101" pitchFamily="49" charset="-122"/>
+                <a:ea typeface="黑体" panose="02010609060101010101" pitchFamily="49" charset="-122"/>
+              </a:rPr>
+              <a:t>()</a:t>
+            </a:r>
+            <a:r>
+              <a:rPr lang="zh-CN" altLang="en-US" sz="2600" dirty="0">
+                <a:latin typeface="黑体" panose="02010609060101010101" pitchFamily="49" charset="-122"/>
+                <a:ea typeface="黑体" panose="02010609060101010101" pitchFamily="49" charset="-122"/>
+              </a:rPr>
+              <a:t>用于类，方法，方法参数 </a:t>
+            </a:r>
+            <a:r>
+              <a:rPr lang="zh-CN" altLang="en-US" sz="2600" dirty="0" smtClean="0">
+                <a:latin typeface="黑体" panose="02010609060101010101" pitchFamily="49" charset="-122"/>
+                <a:ea typeface="黑体" panose="02010609060101010101" pitchFamily="49" charset="-122"/>
+              </a:rPr>
+              <a:t>表示</a:t>
+            </a:r>
+            <a:r>
+              <a:rPr lang="zh-CN" altLang="en-US" sz="2600" dirty="0">
+                <a:latin typeface="黑体" panose="02010609060101010101" pitchFamily="49" charset="-122"/>
+                <a:ea typeface="黑体" panose="02010609060101010101" pitchFamily="49" charset="-122"/>
+              </a:rPr>
+              <a:t>这个方法或者类被忽略 </a:t>
+            </a:r>
+            <a:endParaRPr lang="en-US" altLang="zh-CN" sz="2600" dirty="0">
+              <a:latin typeface="黑体" panose="02010609060101010101" pitchFamily="49" charset="-122"/>
+              <a:ea typeface="黑体" panose="02010609060101010101" pitchFamily="49" charset="-122"/>
+            </a:endParaRPr>
+          </a:p>
+          <a:p>
+            <a:pPr lvl="1"/>
+            <a:r>
+              <a:rPr lang="en-US" altLang="zh-CN" sz="2600" dirty="0" smtClean="0">
+                <a:latin typeface="黑体" panose="02010609060101010101" pitchFamily="49" charset="-122"/>
+                <a:ea typeface="黑体" panose="02010609060101010101" pitchFamily="49" charset="-122"/>
+              </a:rPr>
+              <a:t>@</a:t>
+            </a:r>
+            <a:r>
+              <a:rPr lang="en-US" altLang="zh-CN" sz="2600" dirty="0" err="1">
+                <a:latin typeface="黑体" panose="02010609060101010101" pitchFamily="49" charset="-122"/>
+                <a:ea typeface="黑体" panose="02010609060101010101" pitchFamily="49" charset="-122"/>
+              </a:rPr>
+              <a:t>ApiImplicitParam</a:t>
+            </a:r>
+            <a:r>
+              <a:rPr lang="en-US" altLang="zh-CN" sz="2600" dirty="0">
+                <a:latin typeface="黑体" panose="02010609060101010101" pitchFamily="49" charset="-122"/>
+                <a:ea typeface="黑体" panose="02010609060101010101" pitchFamily="49" charset="-122"/>
+              </a:rPr>
+              <a:t>() </a:t>
+            </a:r>
+            <a:r>
+              <a:rPr lang="zh-CN" altLang="en-US" sz="2600" dirty="0">
+                <a:latin typeface="黑体" panose="02010609060101010101" pitchFamily="49" charset="-122"/>
+                <a:ea typeface="黑体" panose="02010609060101010101" pitchFamily="49" charset="-122"/>
+              </a:rPr>
+              <a:t>用于</a:t>
+            </a:r>
+            <a:r>
+              <a:rPr lang="zh-CN" altLang="en-US" sz="2600" dirty="0" smtClean="0">
+                <a:latin typeface="黑体" panose="02010609060101010101" pitchFamily="49" charset="-122"/>
+                <a:ea typeface="黑体" panose="02010609060101010101" pitchFamily="49" charset="-122"/>
+              </a:rPr>
+              <a:t>方法表示</a:t>
+            </a:r>
+            <a:r>
+              <a:rPr lang="zh-CN" altLang="en-US" sz="2600" dirty="0">
+                <a:latin typeface="黑体" panose="02010609060101010101" pitchFamily="49" charset="-122"/>
+                <a:ea typeface="黑体" panose="02010609060101010101" pitchFamily="49" charset="-122"/>
+              </a:rPr>
+              <a:t>单独的请求</a:t>
+            </a:r>
+            <a:r>
+              <a:rPr lang="zh-CN" altLang="en-US" sz="2600" dirty="0" smtClean="0">
+                <a:latin typeface="黑体" panose="02010609060101010101" pitchFamily="49" charset="-122"/>
+                <a:ea typeface="黑体" panose="02010609060101010101" pitchFamily="49" charset="-122"/>
+              </a:rPr>
+              <a:t>参数 </a:t>
+            </a:r>
+            <a:endParaRPr lang="en-US" altLang="zh-CN" sz="2600" dirty="0">
+              <a:latin typeface="黑体" panose="02010609060101010101" pitchFamily="49" charset="-122"/>
+              <a:ea typeface="黑体" panose="02010609060101010101" pitchFamily="49" charset="-122"/>
+            </a:endParaRPr>
+          </a:p>
+          <a:p>
+            <a:pPr lvl="1"/>
+            <a:r>
+              <a:rPr lang="en-US" altLang="zh-CN" sz="2600" dirty="0" smtClean="0">
+                <a:latin typeface="黑体" panose="02010609060101010101" pitchFamily="49" charset="-122"/>
+                <a:ea typeface="黑体" panose="02010609060101010101" pitchFamily="49" charset="-122"/>
+              </a:rPr>
+              <a:t>@</a:t>
+            </a:r>
+            <a:r>
+              <a:rPr lang="en-US" altLang="zh-CN" sz="2600" dirty="0" err="1">
+                <a:latin typeface="黑体" panose="02010609060101010101" pitchFamily="49" charset="-122"/>
+                <a:ea typeface="黑体" panose="02010609060101010101" pitchFamily="49" charset="-122"/>
+              </a:rPr>
+              <a:t>ApiImplicitParams</a:t>
+            </a:r>
+            <a:r>
+              <a:rPr lang="en-US" altLang="zh-CN" sz="2600" dirty="0">
+                <a:latin typeface="黑体" panose="02010609060101010101" pitchFamily="49" charset="-122"/>
+                <a:ea typeface="黑体" panose="02010609060101010101" pitchFamily="49" charset="-122"/>
+              </a:rPr>
+              <a:t>() </a:t>
+            </a:r>
+            <a:r>
+              <a:rPr lang="zh-CN" altLang="en-US" sz="2600" dirty="0">
+                <a:latin typeface="黑体" panose="02010609060101010101" pitchFamily="49" charset="-122"/>
+                <a:ea typeface="黑体" panose="02010609060101010101" pitchFamily="49" charset="-122"/>
+              </a:rPr>
+              <a:t>用于</a:t>
+            </a:r>
+            <a:r>
+              <a:rPr lang="zh-CN" altLang="en-US" sz="2600" dirty="0" smtClean="0">
+                <a:latin typeface="黑体" panose="02010609060101010101" pitchFamily="49" charset="-122"/>
+                <a:ea typeface="黑体" panose="02010609060101010101" pitchFamily="49" charset="-122"/>
+              </a:rPr>
+              <a:t>方法</a:t>
+            </a:r>
+            <a:r>
+              <a:rPr lang="en-US" altLang="zh-CN" sz="2600" dirty="0" smtClean="0">
+                <a:latin typeface="黑体" panose="02010609060101010101" pitchFamily="49" charset="-122"/>
+                <a:ea typeface="黑体" panose="02010609060101010101" pitchFamily="49" charset="-122"/>
+              </a:rPr>
+              <a:t>,</a:t>
+            </a:r>
+            <a:r>
+              <a:rPr lang="zh-CN" altLang="en-US" sz="2600" dirty="0" smtClean="0">
+                <a:latin typeface="黑体" panose="02010609060101010101" pitchFamily="49" charset="-122"/>
+                <a:ea typeface="黑体" panose="02010609060101010101" pitchFamily="49" charset="-122"/>
+              </a:rPr>
+              <a:t>包含</a:t>
+            </a:r>
+            <a:r>
+              <a:rPr lang="zh-CN" altLang="en-US" sz="2600" dirty="0">
+                <a:latin typeface="黑体" panose="02010609060101010101" pitchFamily="49" charset="-122"/>
+                <a:ea typeface="黑体" panose="02010609060101010101" pitchFamily="49" charset="-122"/>
+              </a:rPr>
+              <a:t>多</a:t>
+            </a:r>
+            <a:r>
+              <a:rPr lang="zh-CN" altLang="en-US" sz="2600" dirty="0" smtClean="0">
+                <a:latin typeface="黑体" panose="02010609060101010101" pitchFamily="49" charset="-122"/>
+                <a:ea typeface="黑体" panose="02010609060101010101" pitchFamily="49" charset="-122"/>
+              </a:rPr>
+              <a:t>个</a:t>
+            </a:r>
+            <a:r>
+              <a:rPr lang="en-US" altLang="zh-CN" sz="2600" dirty="0" smtClean="0">
+                <a:latin typeface="黑体" panose="02010609060101010101" pitchFamily="49" charset="-122"/>
+                <a:ea typeface="黑体" panose="02010609060101010101" pitchFamily="49" charset="-122"/>
+              </a:rPr>
+              <a:t>@</a:t>
+            </a:r>
+            <a:r>
+              <a:rPr lang="en-US" altLang="zh-CN" sz="2600" dirty="0" err="1">
+                <a:latin typeface="黑体" panose="02010609060101010101" pitchFamily="49" charset="-122"/>
+                <a:ea typeface="黑体" panose="02010609060101010101" pitchFamily="49" charset="-122"/>
+              </a:rPr>
+              <a:t>ApiImplicitParam</a:t>
+            </a:r>
+            <a:endParaRPr lang="en-US" altLang="zh-CN" sz="2600" dirty="0" smtClean="0">
+              <a:solidFill>
+                <a:schemeClr val="tx2"/>
+              </a:solidFill>
+              <a:latin typeface="黑体" panose="02010609060101010101" pitchFamily="49" charset="-122"/>
+              <a:ea typeface="黑体" panose="02010609060101010101" pitchFamily="49" charset="-122"/>
+            </a:endParaRPr>
+          </a:p>
+          <a:p>
+            <a:endParaRPr lang="en-US" altLang="zh-CN" sz="2800" dirty="0" smtClean="0">
+              <a:solidFill>
+                <a:schemeClr val="tx2"/>
+              </a:solidFill>
+              <a:latin typeface="黑体" panose="02010609060101010101" pitchFamily="49" charset="-122"/>
+              <a:ea typeface="黑体" panose="02010609060101010101" pitchFamily="49" charset="-122"/>
+            </a:endParaRPr>
+          </a:p>
+          <a:p>
+            <a:endParaRPr lang="zh-CN" altLang="en-US" sz="2800" dirty="0">
+              <a:solidFill>
+                <a:schemeClr val="tx2"/>
+              </a:solidFill>
+              <a:latin typeface="黑体" panose="02010609060101010101" pitchFamily="49" charset="-122"/>
+              <a:ea typeface="黑体" panose="02010609060101010101" pitchFamily="49" charset="-122"/>
+            </a:endParaRPr>
+          </a:p>
+        </p:txBody>
+      </p:sp>
+      <p:pic>
+        <p:nvPicPr>
+          <p:cNvPr id="8" name="图片 7"/>
+          <p:cNvPicPr>
+            <a:picLocks noChangeAspect="1"/>
+          </p:cNvPicPr>
+          <p:nvPr/>
+        </p:nvPicPr>
+        <p:blipFill>
+          <a:blip r:embed="rId4"/>
+          <a:stretch>
+            <a:fillRect/>
+          </a:stretch>
+        </p:blipFill>
+        <p:spPr>
+          <a:xfrm>
+            <a:off x="1265810" y="2170393"/>
+            <a:ext cx="7942857" cy="3057143"/>
+          </a:xfrm>
+          <a:prstGeom prst="rect">
+            <a:avLst/>
+          </a:prstGeom>
+        </p:spPr>
+      </p:pic>
+      <p:pic>
+        <p:nvPicPr>
+          <p:cNvPr id="9" name="图片 8"/>
+          <p:cNvPicPr>
+            <a:picLocks noChangeAspect="1"/>
+          </p:cNvPicPr>
+          <p:nvPr/>
+        </p:nvPicPr>
+        <p:blipFill>
+          <a:blip r:embed="rId5"/>
+          <a:stretch>
+            <a:fillRect/>
+          </a:stretch>
+        </p:blipFill>
+        <p:spPr>
+          <a:xfrm>
+            <a:off x="1265810" y="1349829"/>
+            <a:ext cx="8922690" cy="4728754"/>
+          </a:xfrm>
+          <a:prstGeom prst="rect">
+            <a:avLst/>
+          </a:prstGeom>
+        </p:spPr>
+      </p:pic>
+    </p:spTree>
+    <p:extLst>
+      <p:ext uri="{BB962C8B-B14F-4D97-AF65-F5344CB8AC3E}">
+        <p14:creationId xmlns:p14="http://schemas.microsoft.com/office/powerpoint/2010/main" val="419538035"/>
+      </p:ext>
+    </p:extLst>
+  </p:cSld>
+  <p:clrMapOvr>
+    <a:masterClrMapping/>
+  </p:clrMapOvr>
+  <p:timing>
+    <p:tnLst>
+      <p:par>
+        <p:cTn id="1" dur="indefinite" restart="never" nodeType="tmRoot">
+          <p:childTnLst>
+            <p:seq concurrent="1" nextAc="seek">
+              <p:cTn id="2" dur="indefinite" nodeType="mainSeq">
+                <p:childTnLst>
+                  <p:par>
+                    <p:cTn id="3" fill="hold">
+                      <p:stCondLst>
+                        <p:cond delay="indefinite"/>
+                      </p:stCondLst>
+                      <p:childTnLst>
+                        <p:par>
+                          <p:cTn id="4" fill="hold">
+                            <p:stCondLst>
+                              <p:cond delay="0"/>
+                            </p:stCondLst>
+                            <p:childTnLst>
+                              <p:par>
+                                <p:cTn id="5" presetID="2" presetClass="entr" presetSubtype="4" fill="hold" nodeType="clickEffect">
+                                  <p:stCondLst>
+                                    <p:cond delay="0"/>
+                                  </p:stCondLst>
+                                  <p:childTnLst>
+                                    <p:set>
+                                      <p:cBhvr>
+                                        <p:cTn id="6" dur="1" fill="hold">
+                                          <p:stCondLst>
+                                            <p:cond delay="0"/>
+                                          </p:stCondLst>
+                                        </p:cTn>
+                                        <p:tgtEl>
+                                          <p:spTgt spid="8"/>
+                                        </p:tgtEl>
+                                        <p:attrNameLst>
+                                          <p:attrName>style.visibility</p:attrName>
+                                        </p:attrNameLst>
+                                      </p:cBhvr>
+                                      <p:to>
+                                        <p:strVal val="visible"/>
+                                      </p:to>
+                                    </p:set>
+                                    <p:anim calcmode="lin" valueType="num">
+                                      <p:cBhvr additive="base">
+                                        <p:cTn id="7" dur="500" fill="hold"/>
+                                        <p:tgtEl>
+                                          <p:spTgt spid="8"/>
+                                        </p:tgtEl>
+                                        <p:attrNameLst>
+                                          <p:attrName>ppt_x</p:attrName>
+                                        </p:attrNameLst>
+                                      </p:cBhvr>
+                                      <p:tavLst>
+                                        <p:tav tm="0">
+                                          <p:val>
+                                            <p:strVal val="#ppt_x"/>
+                                          </p:val>
+                                        </p:tav>
+                                        <p:tav tm="100000">
+                                          <p:val>
+                                            <p:strVal val="#ppt_x"/>
+                                          </p:val>
+                                        </p:tav>
+                                      </p:tavLst>
+                                    </p:anim>
+                                    <p:anim calcmode="lin" valueType="num">
+                                      <p:cBhvr additive="base">
+                                        <p:cTn id="8" dur="500" fill="hold"/>
+                                        <p:tgtEl>
+                                          <p:spTgt spid="8"/>
+                                        </p:tgtEl>
+                                        <p:attrNameLst>
+                                          <p:attrName>ppt_y</p:attrName>
+                                        </p:attrNameLst>
+                                      </p:cBhvr>
+                                      <p:tavLst>
+                                        <p:tav tm="0">
+                                          <p:val>
+                                            <p:strVal val="1+#ppt_h/2"/>
+                                          </p:val>
+                                        </p:tav>
+                                        <p:tav tm="100000">
+                                          <p:val>
+                                            <p:strVal val="#ppt_y"/>
+                                          </p:val>
+                                        </p:tav>
+                                      </p:tavLst>
+                                    </p:anim>
+                                  </p:childTnLst>
+                                </p:cTn>
+                              </p:par>
+                            </p:childTnLst>
+                          </p:cTn>
+                        </p:par>
+                      </p:childTnLst>
+                    </p:cTn>
+                  </p:par>
+                  <p:par>
+                    <p:cTn id="9" fill="hold">
+                      <p:stCondLst>
+                        <p:cond delay="indefinite"/>
+                      </p:stCondLst>
+                      <p:childTnLst>
+                        <p:par>
+                          <p:cTn id="10" fill="hold">
+                            <p:stCondLst>
+                              <p:cond delay="0"/>
+                            </p:stCondLst>
+                            <p:childTnLst>
+                              <p:par>
+                                <p:cTn id="11" presetID="42" presetClass="entr" presetSubtype="0" fill="hold" nodeType="clickEffect">
+                                  <p:stCondLst>
+                                    <p:cond delay="0"/>
+                                  </p:stCondLst>
+                                  <p:childTnLst>
+                                    <p:set>
+                                      <p:cBhvr>
+                                        <p:cTn id="12" dur="1" fill="hold">
+                                          <p:stCondLst>
+                                            <p:cond delay="0"/>
+                                          </p:stCondLst>
+                                        </p:cTn>
+                                        <p:tgtEl>
+                                          <p:spTgt spid="9"/>
+                                        </p:tgtEl>
+                                        <p:attrNameLst>
+                                          <p:attrName>style.visibility</p:attrName>
+                                        </p:attrNameLst>
+                                      </p:cBhvr>
+                                      <p:to>
+                                        <p:strVal val="visible"/>
+                                      </p:to>
+                                    </p:set>
+                                    <p:animEffect transition="in" filter="fade">
+                                      <p:cBhvr>
+                                        <p:cTn id="13" dur="1000"/>
+                                        <p:tgtEl>
+                                          <p:spTgt spid="9"/>
+                                        </p:tgtEl>
+                                      </p:cBhvr>
+                                    </p:animEffect>
+                                    <p:anim calcmode="lin" valueType="num">
+                                      <p:cBhvr>
+                                        <p:cTn id="14" dur="1000" fill="hold"/>
+                                        <p:tgtEl>
+                                          <p:spTgt spid="9"/>
+                                        </p:tgtEl>
+                                        <p:attrNameLst>
+                                          <p:attrName>ppt_x</p:attrName>
+                                        </p:attrNameLst>
+                                      </p:cBhvr>
+                                      <p:tavLst>
+                                        <p:tav tm="0">
+                                          <p:val>
+                                            <p:strVal val="#ppt_x"/>
+                                          </p:val>
+                                        </p:tav>
+                                        <p:tav tm="100000">
+                                          <p:val>
+                                            <p:strVal val="#ppt_x"/>
+                                          </p:val>
+                                        </p:tav>
+                                      </p:tavLst>
+                                    </p:anim>
+                                    <p:anim calcmode="lin" valueType="num">
+                                      <p:cBhvr>
+                                        <p:cTn id="15" dur="1000" fill="hold"/>
+                                        <p:tgtEl>
+                                          <p:spTgt spid="9"/>
+                                        </p:tgtEl>
+                                        <p:attrNameLst>
+                                          <p:attrName>ppt_y</p:attrName>
+                                        </p:attrNameLst>
+                                      </p:cBhvr>
+                                      <p:tavLst>
+                                        <p:tav tm="0">
+                                          <p:val>
+                                            <p:strVal val="#ppt_y+.1"/>
+                                          </p:val>
+                                        </p:tav>
+                                        <p:tav tm="100000">
+                                          <p:val>
+                                            <p:strVal val="#ppt_y"/>
+                                          </p:val>
+                                        </p:tav>
+                                      </p:tavLst>
+                                    </p:anim>
+                                  </p:childTnLst>
+                                </p:cTn>
+                              </p:par>
+                            </p:childTnLst>
+                          </p:cTn>
+                        </p:par>
+                      </p:childTnLst>
+                    </p:cTn>
+                  </p:par>
+                </p:childTnLst>
+              </p:cTn>
+              <p:prevCondLst>
+                <p:cond evt="onPrev" delay="0">
+                  <p:tgtEl>
+                    <p:sldTgt/>
+                  </p:tgtEl>
+                </p:cond>
+              </p:prevCondLst>
+              <p:nextCondLst>
+                <p:cond evt="onNext" delay="0">
+                  <p:tgtEl>
+                    <p:sldTgt/>
+                  </p:tgtEl>
+                </p:cond>
+              </p:nextCondLst>
+            </p:seq>
+          </p:childTnLst>
+        </p:cTn>
+      </p:par>
+    </p:tnLst>
+  </p:timing>
+</p:sld>
+</file>
+
+<file path=ppt/slides/slide13.xml><?xml version="1.0" encoding="utf-8"?>
+<p:sld xmlns:a="http://schemas.openxmlformats.org/drawingml/2006/main" xmlns:r="http://schemas.openxmlformats.org/officeDocument/2006/relationships" xmlns:p="http://schemas.openxmlformats.org/presentationml/2006/main">
+  <p:cSld>
+    <p:spTree>
+      <p:nvGrpSpPr>
+        <p:cNvPr id="1" name=""/>
+        <p:cNvGrpSpPr/>
+        <p:nvPr/>
+      </p:nvGrpSpPr>
+      <p:grpSpPr>
+        <a:xfrm>
+          <a:off x="0" y="0"/>
+          <a:ext cx="0" cy="0"/>
+          <a:chOff x="0" y="0"/>
+          <a:chExt cx="0" cy="0"/>
+        </a:xfrm>
+      </p:grpSpPr>
+      <p:sp>
+        <p:nvSpPr>
+          <p:cNvPr id="2" name="标题 1"/>
+          <p:cNvSpPr>
+            <a:spLocks noGrp="1"/>
+          </p:cNvSpPr>
+          <p:nvPr>
+            <p:ph type="title"/>
+          </p:nvPr>
+        </p:nvSpPr>
+        <p:spPr/>
+        <p:txBody>
+          <a:bodyPr/>
+          <a:lstStyle/>
+          <a:p>
+            <a:r>
+              <a:rPr lang="en-US" altLang="zh-CN" dirty="0" smtClean="0"/>
+              <a:t>Swagger</a:t>
+            </a:r>
+            <a:r>
+              <a:rPr lang="zh-CN" altLang="en-US" dirty="0"/>
+              <a:t> </a:t>
+            </a:r>
+            <a:r>
+              <a:rPr lang="en-US" altLang="zh-CN" dirty="0" smtClean="0"/>
+              <a:t>UI</a:t>
+            </a:r>
+            <a:endParaRPr lang="zh-CN" altLang="en-US" dirty="0"/>
+          </a:p>
+        </p:txBody>
+      </p:sp>
+      <p:pic>
+        <p:nvPicPr>
+          <p:cNvPr id="4" name="内容占位符 3"/>
+          <p:cNvPicPr>
+            <a:picLocks noGrp="1" noChangeAspect="1"/>
+          </p:cNvPicPr>
+          <p:nvPr>
+            <p:ph idx="1"/>
+          </p:nvPr>
+        </p:nvPicPr>
+        <p:blipFill>
+          <a:blip r:embed="rId2"/>
+          <a:stretch>
+            <a:fillRect/>
+          </a:stretch>
+        </p:blipFill>
+        <p:spPr>
+          <a:xfrm>
+            <a:off x="923110" y="1524000"/>
+            <a:ext cx="7715793" cy="4676503"/>
+          </a:xfrm>
+          <a:prstGeom prst="rect">
+            <a:avLst/>
+          </a:prstGeom>
+        </p:spPr>
+      </p:pic>
+      <p:pic>
+        <p:nvPicPr>
+          <p:cNvPr id="6" name="图片 5"/>
+          <p:cNvPicPr>
+            <a:picLocks noChangeAspect="1"/>
+          </p:cNvPicPr>
+          <p:nvPr/>
+        </p:nvPicPr>
+        <p:blipFill>
+          <a:blip r:embed="rId3"/>
+          <a:stretch>
+            <a:fillRect/>
+          </a:stretch>
+        </p:blipFill>
+        <p:spPr>
+          <a:xfrm>
+            <a:off x="923110" y="1523999"/>
+            <a:ext cx="8156414" cy="4676503"/>
+          </a:xfrm>
+          <a:prstGeom prst="rect">
+            <a:avLst/>
+          </a:prstGeom>
+        </p:spPr>
+      </p:pic>
+    </p:spTree>
+    <p:extLst>
+      <p:ext uri="{BB962C8B-B14F-4D97-AF65-F5344CB8AC3E}">
+        <p14:creationId xmlns:p14="http://schemas.microsoft.com/office/powerpoint/2010/main" val="3290409161"/>
+      </p:ext>
+    </p:extLst>
+  </p:cSld>
+  <p:clrMapOvr>
+    <a:masterClrMapping/>
+  </p:clrMapOvr>
+  <p:timing>
+    <p:tnLst>
+      <p:par>
+        <p:cTn id="1" dur="indefinite" restart="never" nodeType="tmRoot">
+          <p:childTnLst>
+            <p:seq concurrent="1" nextAc="seek">
+              <p:cTn id="2" dur="indefinite" nodeType="mainSeq">
+                <p:childTnLst>
+                  <p:par>
+                    <p:cTn id="3" fill="hold">
+                      <p:stCondLst>
+                        <p:cond delay="indefinite"/>
+                      </p:stCondLst>
+                      <p:childTnLst>
+                        <p:par>
+                          <p:cTn id="4" fill="hold">
+                            <p:stCondLst>
+                              <p:cond delay="0"/>
+                            </p:stCondLst>
+                            <p:childTnLst>
+                              <p:par>
+                                <p:cTn id="5" presetID="2" presetClass="entr" presetSubtype="4" fill="hold" nodeType="clickEffect">
+                                  <p:stCondLst>
+                                    <p:cond delay="0"/>
+                                  </p:stCondLst>
+                                  <p:childTnLst>
+                                    <p:set>
+                                      <p:cBhvr>
+                                        <p:cTn id="6" dur="1" fill="hold">
+                                          <p:stCondLst>
+                                            <p:cond delay="0"/>
+                                          </p:stCondLst>
+                                        </p:cTn>
+                                        <p:tgtEl>
+                                          <p:spTgt spid="4"/>
+                                        </p:tgtEl>
+                                        <p:attrNameLst>
+                                          <p:attrName>style.visibility</p:attrName>
+                                        </p:attrNameLst>
+                                      </p:cBhvr>
+                                      <p:to>
+                                        <p:strVal val="visible"/>
+                                      </p:to>
+                                    </p:set>
+                                    <p:anim calcmode="lin" valueType="num">
+                                      <p:cBhvr additive="base">
+                                        <p:cTn id="7" dur="500" fill="hold"/>
+                                        <p:tgtEl>
+                                          <p:spTgt spid="4"/>
+                                        </p:tgtEl>
+                                        <p:attrNameLst>
+                                          <p:attrName>ppt_x</p:attrName>
+                                        </p:attrNameLst>
+                                      </p:cBhvr>
+                                      <p:tavLst>
+                                        <p:tav tm="0">
+                                          <p:val>
+                                            <p:strVal val="#ppt_x"/>
+                                          </p:val>
+                                        </p:tav>
+                                        <p:tav tm="100000">
+                                          <p:val>
+                                            <p:strVal val="#ppt_x"/>
+                                          </p:val>
+                                        </p:tav>
+                                      </p:tavLst>
+                                    </p:anim>
+                                    <p:anim calcmode="lin" valueType="num">
+                                      <p:cBhvr additive="base">
+                                        <p:cTn id="8" dur="500" fill="hold"/>
+                                        <p:tgtEl>
+                                          <p:spTgt spid="4"/>
+                                        </p:tgtEl>
+                                        <p:attrNameLst>
+                                          <p:attrName>ppt_y</p:attrName>
+                                        </p:attrNameLst>
+                                      </p:cBhvr>
+                                      <p:tavLst>
+                                        <p:tav tm="0">
+                                          <p:val>
+                                            <p:strVal val="1+#ppt_h/2"/>
+                                          </p:val>
+                                        </p:tav>
+                                        <p:tav tm="100000">
+                                          <p:val>
+                                            <p:strVal val="#ppt_y"/>
+                                          </p:val>
+                                        </p:tav>
+                                      </p:tavLst>
+                                    </p:anim>
+                                  </p:childTnLst>
+                                </p:cTn>
+                              </p:par>
+                            </p:childTnLst>
+                          </p:cTn>
+                        </p:par>
+                      </p:childTnLst>
+                    </p:cTn>
+                  </p:par>
+                  <p:par>
+                    <p:cTn id="9" fill="hold">
+                      <p:stCondLst>
+                        <p:cond delay="indefinite"/>
+                      </p:stCondLst>
+                      <p:childTnLst>
+                        <p:par>
+                          <p:cTn id="10" fill="hold">
+                            <p:stCondLst>
+                              <p:cond delay="0"/>
+                            </p:stCondLst>
+                            <p:childTnLst>
+                              <p:par>
+                                <p:cTn id="11" presetID="42" presetClass="entr" presetSubtype="0" fill="hold" nodeType="clickEffect">
+                                  <p:stCondLst>
+                                    <p:cond delay="0"/>
+                                  </p:stCondLst>
+                                  <p:childTnLst>
+                                    <p:set>
+                                      <p:cBhvr>
+                                        <p:cTn id="12" dur="1" fill="hold">
+                                          <p:stCondLst>
+                                            <p:cond delay="0"/>
+                                          </p:stCondLst>
+                                        </p:cTn>
+                                        <p:tgtEl>
+                                          <p:spTgt spid="6"/>
+                                        </p:tgtEl>
+                                        <p:attrNameLst>
+                                          <p:attrName>style.visibility</p:attrName>
+                                        </p:attrNameLst>
+                                      </p:cBhvr>
+                                      <p:to>
+                                        <p:strVal val="visible"/>
+                                      </p:to>
+                                    </p:set>
+                                    <p:animEffect transition="in" filter="fade">
+                                      <p:cBhvr>
+                                        <p:cTn id="13" dur="1000"/>
+                                        <p:tgtEl>
+                                          <p:spTgt spid="6"/>
+                                        </p:tgtEl>
+                                      </p:cBhvr>
+                                    </p:animEffect>
+                                    <p:anim calcmode="lin" valueType="num">
+                                      <p:cBhvr>
+                                        <p:cTn id="14" dur="1000" fill="hold"/>
+                                        <p:tgtEl>
+                                          <p:spTgt spid="6"/>
+                                        </p:tgtEl>
+                                        <p:attrNameLst>
+                                          <p:attrName>ppt_x</p:attrName>
+                                        </p:attrNameLst>
+                                      </p:cBhvr>
+                                      <p:tavLst>
+                                        <p:tav tm="0">
+                                          <p:val>
+                                            <p:strVal val="#ppt_x"/>
+                                          </p:val>
+                                        </p:tav>
+                                        <p:tav tm="100000">
+                                          <p:val>
+                                            <p:strVal val="#ppt_x"/>
+                                          </p:val>
+                                        </p:tav>
+                                      </p:tavLst>
+                                    </p:anim>
+                                    <p:anim calcmode="lin" valueType="num">
+                                      <p:cBhvr>
+                                        <p:cTn id="15" dur="1000" fill="hold"/>
+                                        <p:tgtEl>
+                                          <p:spTgt spid="6"/>
+                                        </p:tgtEl>
+                                        <p:attrNameLst>
+                                          <p:attrName>ppt_y</p:attrName>
+                                        </p:attrNameLst>
+                                      </p:cBhvr>
+                                      <p:tavLst>
+                                        <p:tav tm="0">
+                                          <p:val>
+                                            <p:strVal val="#ppt_y+.1"/>
+                                          </p:val>
+                                        </p:tav>
+                                        <p:tav tm="100000">
+                                          <p:val>
+                                            <p:strVal val="#ppt_y"/>
+                                          </p:val>
+                                        </p:tav>
+                                      </p:tavLst>
+                                    </p:anim>
+                                  </p:childTnLst>
+                                </p:cTn>
+                              </p:par>
+                            </p:childTnLst>
+                          </p:cTn>
+                        </p:par>
+                      </p:childTnLst>
+                    </p:cTn>
+                  </p:par>
+                </p:childTnLst>
+              </p:cTn>
+              <p:prevCondLst>
+                <p:cond evt="onPrev" delay="0">
+                  <p:tgtEl>
+                    <p:sldTgt/>
+                  </p:tgtEl>
+                </p:cond>
+              </p:prevCondLst>
+              <p:nextCondLst>
+                <p:cond evt="onNext" delay="0">
+                  <p:tgtEl>
+                    <p:sldTgt/>
+                  </p:tgtEl>
+                </p:cond>
+              </p:nextCondLst>
+            </p:seq>
+          </p:childTnLst>
+        </p:cTn>
+      </p:par>
+    </p:tnLst>
+  </p:timing>
+</p:sld>
+</file>
+
+<file path=ppt/slides/slide14.xml><?xml version="1.0" encoding="utf-8"?>
+<p:sld xmlns:a="http://schemas.openxmlformats.org/drawingml/2006/main" xmlns:r="http://schemas.openxmlformats.org/officeDocument/2006/relationships" xmlns:p="http://schemas.openxmlformats.org/presentationml/2006/main">
+  <p:cSld>
+    <p:spTree>
+      <p:nvGrpSpPr>
+        <p:cNvPr id="1" name=""/>
+        <p:cNvGrpSpPr/>
+        <p:nvPr/>
+      </p:nvGrpSpPr>
+      <p:grpSpPr>
+        <a:xfrm>
+          <a:off x="0" y="0"/>
+          <a:ext cx="0" cy="0"/>
+          <a:chOff x="0" y="0"/>
+          <a:chExt cx="0" cy="0"/>
+        </a:xfrm>
+      </p:grpSpPr>
+      <p:sp>
+        <p:nvSpPr>
+          <p:cNvPr id="2" name="标题 1"/>
+          <p:cNvSpPr>
+            <a:spLocks noGrp="1"/>
+          </p:cNvSpPr>
+          <p:nvPr>
+            <p:ph type="title"/>
+          </p:nvPr>
+        </p:nvSpPr>
+        <p:spPr/>
+        <p:txBody>
+          <a:bodyPr/>
+          <a:lstStyle/>
+          <a:p>
+            <a:r>
+              <a:rPr lang="en-US" altLang="zh-CN" dirty="0" smtClean="0"/>
+              <a:t>Swagger</a:t>
+            </a:r>
+            <a:r>
+              <a:rPr lang="zh-CN" altLang="en-US" dirty="0" smtClean="0"/>
+              <a:t>生成静态</a:t>
+            </a:r>
+            <a:r>
+              <a:rPr lang="en-US" altLang="zh-CN" dirty="0" smtClean="0"/>
+              <a:t>HTML/PDF</a:t>
+            </a:r>
+            <a:r>
+              <a:rPr lang="zh-CN" altLang="en-US" dirty="0" smtClean="0"/>
+              <a:t>接口文档</a:t>
+            </a:r>
+            <a:endParaRPr lang="zh-CN" altLang="en-US" dirty="0"/>
+          </a:p>
+        </p:txBody>
+      </p:sp>
+      <p:sp>
+        <p:nvSpPr>
+          <p:cNvPr id="3" name="内容占位符 2"/>
+          <p:cNvSpPr>
+            <a:spLocks noGrp="1"/>
+          </p:cNvSpPr>
+          <p:nvPr>
+            <p:ph idx="1"/>
+          </p:nvPr>
+        </p:nvSpPr>
+        <p:spPr/>
+        <p:txBody>
+          <a:bodyPr/>
+          <a:lstStyle/>
+          <a:p>
+            <a:r>
+              <a:rPr lang="en-US" altLang="zh-CN" dirty="0" smtClean="0"/>
+              <a:t>1. </a:t>
+            </a:r>
+            <a:r>
+              <a:rPr lang="zh-CN" altLang="en-US" dirty="0" smtClean="0"/>
+              <a:t>配置</a:t>
+            </a:r>
+            <a:r>
+              <a:rPr lang="en-US" altLang="zh-CN" dirty="0" err="1" smtClean="0"/>
+              <a:t>AsciiDoc</a:t>
+            </a:r>
+            <a:r>
+              <a:rPr lang="zh-CN" altLang="en-US" dirty="0" smtClean="0"/>
+              <a:t>模板</a:t>
+            </a:r>
+            <a:endParaRPr lang="en-US" altLang="zh-CN" dirty="0" smtClean="0"/>
+          </a:p>
+          <a:p>
+            <a:r>
+              <a:rPr lang="en-US" altLang="zh-CN" dirty="0" smtClean="0"/>
+              <a:t>2. </a:t>
+            </a:r>
+            <a:r>
+              <a:rPr lang="zh-CN" altLang="en-US" dirty="0" smtClean="0"/>
+              <a:t>配置</a:t>
+            </a:r>
+            <a:r>
+              <a:rPr lang="en-US" altLang="zh-CN" dirty="0" smtClean="0"/>
+              <a:t>Maven Plugin</a:t>
+            </a:r>
+          </a:p>
+          <a:p>
+            <a:r>
+              <a:rPr lang="en-US" altLang="zh-CN" dirty="0" smtClean="0"/>
+              <a:t>3. </a:t>
+            </a:r>
+            <a:r>
+              <a:rPr lang="zh-CN" altLang="en-US" dirty="0" smtClean="0"/>
+              <a:t>生成</a:t>
+            </a:r>
+            <a:r>
+              <a:rPr lang="en-US" altLang="zh-CN" dirty="0" smtClean="0"/>
+              <a:t>HTML/DPF</a:t>
+            </a:r>
+            <a:r>
+              <a:rPr lang="zh-CN" altLang="en-US" dirty="0" smtClean="0"/>
+              <a:t>静态接口文档</a:t>
+            </a:r>
+            <a:endParaRPr lang="zh-CN" altLang="en-US" dirty="0"/>
+          </a:p>
+        </p:txBody>
+      </p:sp>
+      <p:pic>
+        <p:nvPicPr>
+          <p:cNvPr id="4" name="图片 3"/>
+          <p:cNvPicPr>
+            <a:picLocks noChangeAspect="1"/>
+          </p:cNvPicPr>
+          <p:nvPr/>
+        </p:nvPicPr>
+        <p:blipFill>
+          <a:blip r:embed="rId2"/>
+          <a:stretch>
+            <a:fillRect/>
+          </a:stretch>
+        </p:blipFill>
+        <p:spPr>
+          <a:xfrm>
+            <a:off x="4674156" y="1930400"/>
+            <a:ext cx="3819048" cy="1028571"/>
+          </a:xfrm>
+          <a:prstGeom prst="rect">
+            <a:avLst/>
+          </a:prstGeom>
+        </p:spPr>
+      </p:pic>
+      <p:pic>
+        <p:nvPicPr>
+          <p:cNvPr id="5" name="图片 4"/>
+          <p:cNvPicPr>
+            <a:picLocks noChangeAspect="1"/>
+          </p:cNvPicPr>
+          <p:nvPr/>
+        </p:nvPicPr>
+        <p:blipFill>
+          <a:blip r:embed="rId3"/>
+          <a:stretch>
+            <a:fillRect/>
+          </a:stretch>
+        </p:blipFill>
+        <p:spPr>
+          <a:xfrm>
+            <a:off x="677334" y="3653647"/>
+            <a:ext cx="4742857" cy="2076190"/>
+          </a:xfrm>
+          <a:prstGeom prst="rect">
+            <a:avLst/>
+          </a:prstGeom>
+        </p:spPr>
+      </p:pic>
+      <p:sp>
+        <p:nvSpPr>
+          <p:cNvPr id="6" name="矩形 5"/>
+          <p:cNvSpPr/>
+          <p:nvPr/>
+        </p:nvSpPr>
+        <p:spPr>
+          <a:xfrm>
+            <a:off x="5868101" y="4122255"/>
+            <a:ext cx="3398687" cy="923330"/>
+          </a:xfrm>
+          <a:prstGeom prst="rect">
+            <a:avLst/>
+          </a:prstGeom>
+          <a:noFill/>
+        </p:spPr>
+        <p:txBody>
+          <a:bodyPr wrap="none" lIns="91440" tIns="45720" rIns="91440" bIns="45720">
+            <a:spAutoFit/>
+          </a:bodyPr>
+          <a:lstStyle/>
+          <a:p>
+            <a:pPr algn="ctr"/>
+            <a:r>
+              <a:rPr lang="zh-CN" altLang="en-US" sz="5400" b="1" cap="none" spc="0" dirty="0" smtClean="0">
+                <a:ln w="22225">
+                  <a:solidFill>
+                    <a:schemeClr val="accent2"/>
+                  </a:solidFill>
+                  <a:prstDash val="solid"/>
+                </a:ln>
+                <a:solidFill>
+                  <a:schemeClr val="accent2">
+                    <a:lumMod val="40000"/>
+                    <a:lumOff val="60000"/>
+                  </a:schemeClr>
+                </a:solidFill>
+                <a:effectLst/>
+              </a:rPr>
+              <a:t>演示</a:t>
+            </a:r>
+            <a:r>
+              <a:rPr lang="en-US" altLang="zh-CN" sz="5400" b="1" cap="none" spc="0" dirty="0" smtClean="0">
+                <a:ln w="22225">
+                  <a:solidFill>
+                    <a:schemeClr val="accent2"/>
+                  </a:solidFill>
+                  <a:prstDash val="solid"/>
+                </a:ln>
+                <a:solidFill>
+                  <a:schemeClr val="accent2">
+                    <a:lumMod val="40000"/>
+                    <a:lumOff val="60000"/>
+                  </a:schemeClr>
+                </a:solidFill>
+                <a:effectLst/>
+              </a:rPr>
+              <a:t>Demo</a:t>
+            </a:r>
+            <a:endParaRPr lang="zh-CN" altLang="en-US" sz="5400" b="1" cap="none" spc="0" dirty="0">
+              <a:ln w="22225">
+                <a:solidFill>
+                  <a:schemeClr val="accent2"/>
+                </a:solidFill>
+                <a:prstDash val="solid"/>
+              </a:ln>
+              <a:solidFill>
+                <a:schemeClr val="accent2">
+                  <a:lumMod val="40000"/>
+                  <a:lumOff val="60000"/>
+                </a:schemeClr>
+              </a:solidFill>
+              <a:effectLst/>
+            </a:endParaRPr>
+          </a:p>
+        </p:txBody>
+      </p:sp>
+    </p:spTree>
+    <p:extLst>
+      <p:ext uri="{BB962C8B-B14F-4D97-AF65-F5344CB8AC3E}">
+        <p14:creationId xmlns:p14="http://schemas.microsoft.com/office/powerpoint/2010/main" val="3972744511"/>
+      </p:ext>
+    </p:extLst>
+  </p:cSld>
+  <p:clrMapOvr>
+    <a:masterClrMapping/>
+  </p:clrMapOvr>
+  <p:timing>
+    <p:tnLst>
+      <p:par>
+        <p:cTn id="1" dur="indefinite" restart="never" nodeType="tmRoot"/>
+      </p:par>
+    </p:tnLst>
+  </p:timing>
+</p:sld>
+</file>
+
+<file path=ppt/slides/slide15.xml><?xml version="1.0" encoding="utf-8"?>
+<p:sld xmlns:a="http://schemas.openxmlformats.org/drawingml/2006/main" xmlns:r="http://schemas.openxmlformats.org/officeDocument/2006/relationships" xmlns:p="http://schemas.openxmlformats.org/presentationml/2006/main">
+  <p:cSld>
+    <p:spTree>
+      <p:nvGrpSpPr>
+        <p:cNvPr id="1" name=""/>
+        <p:cNvGrpSpPr/>
+        <p:nvPr/>
+      </p:nvGrpSpPr>
+      <p:grpSpPr>
+        <a:xfrm>
+          <a:off x="0" y="0"/>
+          <a:ext cx="0" cy="0"/>
+          <a:chOff x="0" y="0"/>
+          <a:chExt cx="0" cy="0"/>
+        </a:xfrm>
+      </p:grpSpPr>
+      <p:sp>
+        <p:nvSpPr>
+          <p:cNvPr id="4" name="矩形 3"/>
+          <p:cNvSpPr/>
+          <p:nvPr/>
+        </p:nvSpPr>
+        <p:spPr>
+          <a:xfrm rot="1256950">
+            <a:off x="3746841" y="2976042"/>
+            <a:ext cx="2401410" cy="1107996"/>
+          </a:xfrm>
+          <a:prstGeom prst="rect">
+            <a:avLst/>
+          </a:prstGeom>
+          <a:noFill/>
+        </p:spPr>
+        <p:txBody>
+          <a:bodyPr wrap="square" lIns="91440" tIns="45720" rIns="91440" bIns="45720">
+            <a:spAutoFit/>
+          </a:bodyPr>
+          <a:lstStyle/>
+          <a:p>
+            <a:pPr algn="ctr"/>
+            <a:r>
+              <a:rPr lang="en-US" altLang="zh-CN" sz="6600" b="0" cap="none" spc="0" dirty="0" smtClean="0">
+                <a:ln w="0"/>
+                <a:gradFill>
+                  <a:gsLst>
+                    <a:gs pos="0">
+                      <a:schemeClr val="accent5">
+                        <a:lumMod val="50000"/>
+                      </a:schemeClr>
+                    </a:gs>
+                    <a:gs pos="50000">
+                      <a:schemeClr val="accent5"/>
+                    </a:gs>
+                    <a:gs pos="100000">
+                      <a:schemeClr val="accent5">
+                        <a:lumMod val="60000"/>
+                        <a:lumOff val="40000"/>
+                      </a:schemeClr>
+                    </a:gs>
+                  </a:gsLst>
+                  <a:lin ang="5400000"/>
+                </a:gradFill>
+                <a:effectLst>
+                  <a:reflection blurRad="6350" stA="53000" endA="300" endPos="35500" dir="5400000" sy="-90000" algn="bl" rotWithShape="0"/>
+                </a:effectLst>
+              </a:rPr>
+              <a:t>Q &amp; A</a:t>
+            </a:r>
+            <a:endParaRPr lang="zh-CN" altLang="en-US" sz="6600" b="0" cap="none" spc="0" dirty="0">
+              <a:ln w="0"/>
+              <a:gradFill>
+                <a:gsLst>
+                  <a:gs pos="0">
+                    <a:schemeClr val="accent5">
+                      <a:lumMod val="50000"/>
+                    </a:schemeClr>
+                  </a:gs>
+                  <a:gs pos="50000">
+                    <a:schemeClr val="accent5"/>
+                  </a:gs>
+                  <a:gs pos="100000">
+                    <a:schemeClr val="accent5">
+                      <a:lumMod val="60000"/>
+                      <a:lumOff val="40000"/>
+                    </a:schemeClr>
+                  </a:gs>
+                </a:gsLst>
+                <a:lin ang="5400000"/>
+              </a:gradFill>
+              <a:effectLst>
+                <a:reflection blurRad="6350" stA="53000" endA="300" endPos="35500" dir="5400000" sy="-90000" algn="bl" rotWithShape="0"/>
+              </a:effectLst>
+            </a:endParaRPr>
+          </a:p>
+        </p:txBody>
+      </p:sp>
+    </p:spTree>
+    <p:extLst>
+      <p:ext uri="{BB962C8B-B14F-4D97-AF65-F5344CB8AC3E}">
+        <p14:creationId xmlns:p14="http://schemas.microsoft.com/office/powerpoint/2010/main" val="1889012897"/>
       </p:ext>
     </p:extLst>
   </p:cSld>
@@ -5970,69 +9162,101 @@
           <a:lstStyle/>
           <a:p>
             <a:r>
-              <a:rPr lang="en-US" altLang="zh-CN" sz="2800" b="1" dirty="0" smtClean="0"/>
+              <a:rPr lang="en-US" altLang="zh-CN" sz="2800" b="1" dirty="0" smtClean="0">
+                <a:latin typeface="+mn-ea"/>
+              </a:rPr>
               <a:t>REST</a:t>
             </a:r>
             <a:r>
-              <a:rPr lang="zh-CN" altLang="en-US" sz="2800" b="1" dirty="0" smtClean="0"/>
+              <a:rPr lang="zh-CN" altLang="en-US" sz="2800" b="1" dirty="0" smtClean="0">
+                <a:latin typeface="+mn-ea"/>
+              </a:rPr>
               <a:t>简介</a:t>
             </a:r>
-            <a:endParaRPr lang="en-US" altLang="zh-CN" sz="2800" b="1" dirty="0" smtClean="0"/>
-          </a:p>
-          <a:p>
-            <a:r>
-              <a:rPr lang="en-US" altLang="zh-CN" sz="2800" b="1" dirty="0" smtClean="0"/>
+            <a:endParaRPr lang="en-US" altLang="zh-CN" sz="2800" b="1" dirty="0" smtClean="0">
+              <a:latin typeface="+mn-ea"/>
+            </a:endParaRPr>
+          </a:p>
+          <a:p>
+            <a:r>
+              <a:rPr lang="en-US" altLang="zh-CN" sz="2800" b="1" dirty="0" smtClean="0">
+                <a:latin typeface="+mn-ea"/>
+              </a:rPr>
               <a:t>RESTful HTTP &amp; HTTP</a:t>
             </a:r>
           </a:p>
           <a:p>
             <a:r>
-              <a:rPr lang="zh-CN" altLang="en-US" sz="2800" b="1" dirty="0" smtClean="0"/>
+              <a:rPr lang="zh-CN" altLang="en-US" sz="2800" b="1" dirty="0" smtClean="0">
+                <a:latin typeface="+mn-ea"/>
+              </a:rPr>
               <a:t>为什么要遵循</a:t>
             </a:r>
             <a:r>
-              <a:rPr lang="en-US" altLang="zh-CN" sz="2800" b="1" dirty="0" smtClean="0"/>
+              <a:rPr lang="en-US" altLang="zh-CN" sz="2800" b="1" dirty="0" smtClean="0">
+                <a:latin typeface="+mn-ea"/>
+              </a:rPr>
               <a:t>REST</a:t>
             </a:r>
           </a:p>
           <a:p>
             <a:r>
-              <a:rPr lang="en-US" altLang="zh-CN" sz="2800" b="1" dirty="0" smtClean="0"/>
+              <a:rPr lang="en-US" altLang="zh-CN" sz="2800" b="1" dirty="0" smtClean="0">
+                <a:latin typeface="+mn-ea"/>
+              </a:rPr>
               <a:t>RESTful API</a:t>
             </a:r>
             <a:r>
-              <a:rPr lang="zh-CN" altLang="en-US" sz="2800" b="1" dirty="0" smtClean="0"/>
+              <a:rPr lang="zh-CN" altLang="en-US" sz="2800" b="1" dirty="0" smtClean="0">
+                <a:latin typeface="+mn-ea"/>
+              </a:rPr>
               <a:t>文档工具</a:t>
             </a:r>
-            <a:endParaRPr lang="en-US" altLang="zh-CN" sz="2800" b="1" dirty="0" smtClean="0"/>
-          </a:p>
-          <a:p>
-            <a:r>
-              <a:rPr lang="en-US" altLang="zh-CN" sz="2800" b="1" dirty="0" smtClean="0"/>
+            <a:endParaRPr lang="en-US" altLang="zh-CN" sz="2800" b="1" dirty="0" smtClean="0">
+              <a:latin typeface="+mn-ea"/>
+            </a:endParaRPr>
+          </a:p>
+          <a:p>
+            <a:r>
+              <a:rPr lang="en-US" altLang="zh-CN" sz="2800" b="1" dirty="0" smtClean="0">
+                <a:latin typeface="+mn-ea"/>
+              </a:rPr>
               <a:t>Swagger</a:t>
             </a:r>
             <a:r>
-              <a:rPr lang="zh-CN" altLang="en-US" sz="2800" b="1" dirty="0" smtClean="0"/>
-              <a:t>是什么</a:t>
-            </a:r>
-            <a:endParaRPr lang="en-US" altLang="zh-CN" sz="2800" b="1" dirty="0" smtClean="0"/>
-          </a:p>
-          <a:p>
-            <a:r>
-              <a:rPr lang="zh-CN" altLang="en-US" sz="2800" b="1" dirty="0" smtClean="0"/>
-              <a:t>为什么使用</a:t>
-            </a:r>
-            <a:r>
-              <a:rPr lang="en-US" altLang="zh-CN" sz="2800" b="1" dirty="0" smtClean="0"/>
+              <a:rPr lang="zh-CN" altLang="en-US" sz="2800" b="1" dirty="0" smtClean="0">
+                <a:latin typeface="+mn-ea"/>
+              </a:rPr>
+              <a:t>介绍</a:t>
+            </a:r>
+            <a:endParaRPr lang="en-US" altLang="zh-CN" sz="2800" b="1" dirty="0" smtClean="0">
+              <a:latin typeface="+mn-ea"/>
+            </a:endParaRPr>
+          </a:p>
+          <a:p>
+            <a:r>
+              <a:rPr lang="zh-CN" altLang="en-US" sz="2800" b="1" dirty="0" smtClean="0">
+                <a:latin typeface="+mn-ea"/>
+              </a:rPr>
+              <a:t>使用</a:t>
+            </a:r>
+            <a:r>
+              <a:rPr lang="en-US" altLang="zh-CN" sz="2800" b="1" dirty="0" smtClean="0">
+                <a:latin typeface="+mn-ea"/>
+              </a:rPr>
               <a:t>Swagger</a:t>
             </a:r>
           </a:p>
           <a:p>
             <a:r>
-              <a:rPr lang="en-US" altLang="zh-CN" sz="2800" b="1" dirty="0" smtClean="0"/>
+              <a:rPr lang="en-US" altLang="zh-CN" sz="2800" b="1" dirty="0" smtClean="0">
+                <a:latin typeface="+mn-ea"/>
+              </a:rPr>
               <a:t>Q &amp; A</a:t>
             </a:r>
-            <a:endParaRPr lang="zh-CN" altLang="en-US" sz="2800" b="1" dirty="0"/>
+            <a:endParaRPr lang="zh-CN" altLang="en-US" sz="2800" b="1" dirty="0">
+              <a:latin typeface="+mn-ea"/>
+            </a:endParaRPr>
           </a:p>
         </p:txBody>
       </p:sp>
@@ -6124,21 +9348,32 @@
               <a:buAutoNum type="arabicPeriod"/>
             </a:pPr>
             <a:r>
-              <a:rPr lang="en-US" altLang="zh-CN" dirty="0"/>
+              <a:rPr lang="en-US" altLang="zh-CN" dirty="0">
+                <a:latin typeface="黑体" panose="02010609060101010101" pitchFamily="49" charset="-122"/>
+                <a:ea typeface="黑体" panose="02010609060101010101" pitchFamily="49" charset="-122"/>
+              </a:rPr>
               <a:t>REST(</a:t>
             </a:r>
             <a:r>
               <a:rPr lang="en-US" altLang="zh-CN" dirty="0">
+                <a:latin typeface="黑体" panose="02010609060101010101" pitchFamily="49" charset="-122"/>
+                <a:ea typeface="黑体" panose="02010609060101010101" pitchFamily="49" charset="-122"/>
                 <a:hlinkClick r:id="rId2"/>
               </a:rPr>
               <a:t>Representational State Transfer </a:t>
             </a:r>
             <a:r>
-              <a:rPr lang="zh-CN" altLang="en-US" dirty="0"/>
+              <a:rPr lang="zh-CN" altLang="en-US" dirty="0">
+                <a:latin typeface="黑体" panose="02010609060101010101" pitchFamily="49" charset="-122"/>
+                <a:ea typeface="黑体" panose="02010609060101010101" pitchFamily="49" charset="-122"/>
+              </a:rPr>
               <a:t>表征性状态转移</a:t>
             </a:r>
             <a:r>
-              <a:rPr lang="en-US" altLang="zh-CN" dirty="0"/>
+              <a:rPr lang="en-US" altLang="zh-CN" dirty="0">
+                <a:latin typeface="黑体" panose="02010609060101010101" pitchFamily="49" charset="-122"/>
+                <a:ea typeface="黑体" panose="02010609060101010101" pitchFamily="49" charset="-122"/>
+              </a:rPr>
               <a:t>)</a:t>
             </a:r>
           </a:p>
@@ -6147,54 +9382,91 @@
               <a:buAutoNum type="arabicPeriod"/>
             </a:pPr>
             <a:r>
-              <a:rPr lang="en-US" altLang="zh-CN" dirty="0"/>
+              <a:rPr lang="en-US" altLang="zh-CN" dirty="0">
+                <a:latin typeface="黑体" panose="02010609060101010101" pitchFamily="49" charset="-122"/>
+                <a:ea typeface="黑体" panose="02010609060101010101" pitchFamily="49" charset="-122"/>
+              </a:rPr>
               <a:t>2000</a:t>
             </a:r>
             <a:r>
-              <a:rPr lang="zh-CN" altLang="en-US" dirty="0"/>
+              <a:rPr lang="zh-CN" altLang="en-US" dirty="0">
+                <a:latin typeface="黑体" panose="02010609060101010101" pitchFamily="49" charset="-122"/>
+                <a:ea typeface="黑体" panose="02010609060101010101" pitchFamily="49" charset="-122"/>
+              </a:rPr>
               <a:t>年</a:t>
             </a:r>
             <a:r>
               <a:rPr lang="en-US" altLang="zh-CN" dirty="0">
+                <a:latin typeface="黑体" panose="02010609060101010101" pitchFamily="49" charset="-122"/>
+                <a:ea typeface="黑体" panose="02010609060101010101" pitchFamily="49" charset="-122"/>
                 <a:hlinkClick r:id="rId3"/>
               </a:rPr>
               <a:t>Roy Fielding</a:t>
             </a:r>
             <a:r>
-              <a:rPr lang="zh-CN" altLang="en-US" dirty="0"/>
+              <a:rPr lang="zh-CN" altLang="en-US" dirty="0">
+                <a:latin typeface="黑体" panose="02010609060101010101" pitchFamily="49" charset="-122"/>
+                <a:ea typeface="黑体" panose="02010609060101010101" pitchFamily="49" charset="-122"/>
+              </a:rPr>
               <a:t>的博士论文中首次提出</a:t>
             </a:r>
-            <a:endParaRPr lang="en-US" altLang="zh-CN" dirty="0"/>
+            <a:endParaRPr lang="en-US" altLang="zh-CN" dirty="0">
+              <a:latin typeface="黑体" panose="02010609060101010101" pitchFamily="49" charset="-122"/>
+              <a:ea typeface="黑体" panose="02010609060101010101" pitchFamily="49" charset="-122"/>
+            </a:endParaRPr>
           </a:p>
           <a:p>
             <a:pPr>
               <a:buAutoNum type="arabicPeriod"/>
             </a:pPr>
             <a:r>
-              <a:rPr lang="en-US" altLang="zh-CN" dirty="0"/>
+              <a:rPr lang="en-US" altLang="zh-CN" dirty="0">
+                <a:latin typeface="黑体" panose="02010609060101010101" pitchFamily="49" charset="-122"/>
+                <a:ea typeface="黑体" panose="02010609060101010101" pitchFamily="49" charset="-122"/>
+              </a:rPr>
               <a:t>REST</a:t>
             </a:r>
             <a:r>
-              <a:rPr lang="zh-CN" altLang="en-US" dirty="0"/>
+              <a:rPr lang="zh-CN" altLang="en-US" dirty="0">
+                <a:latin typeface="黑体" panose="02010609060101010101" pitchFamily="49" charset="-122"/>
+                <a:ea typeface="黑体" panose="02010609060101010101" pitchFamily="49" charset="-122"/>
+              </a:rPr>
               <a:t>是架构风格，是设计思想，不是标准也不是协议</a:t>
             </a:r>
-            <a:endParaRPr lang="en-US" altLang="zh-CN" dirty="0"/>
+            <a:endParaRPr lang="en-US" altLang="zh-CN" dirty="0">
+              <a:latin typeface="黑体" panose="02010609060101010101" pitchFamily="49" charset="-122"/>
+              <a:ea typeface="黑体" panose="02010609060101010101" pitchFamily="49" charset="-122"/>
+            </a:endParaRPr>
           </a:p>
           <a:p>
             <a:pPr>
               <a:buAutoNum type="arabicPeriod"/>
             </a:pPr>
             <a:r>
-              <a:rPr lang="en-US" altLang="zh-CN" dirty="0"/>
+              <a:rPr lang="en-US" altLang="zh-CN" dirty="0">
+                <a:latin typeface="黑体" panose="02010609060101010101" pitchFamily="49" charset="-122"/>
+                <a:ea typeface="黑体" panose="02010609060101010101" pitchFamily="49" charset="-122"/>
+              </a:rPr>
               <a:t>REST</a:t>
             </a:r>
             <a:r>
-              <a:rPr lang="zh-CN" altLang="en-US" dirty="0"/>
-              <a:t>强调组件交互的可伸缩性、接口的通用性、组件的独立部署、以及用来减少交互延迟、增强安全性、封装遗留系统的中间组件</a:t>
-            </a:r>
-          </a:p>
-          <a:p>
-            <a:endParaRPr lang="zh-CN" altLang="en-US" dirty="0"/>
+              <a:rPr lang="zh-CN" altLang="en-US" dirty="0">
+                <a:latin typeface="黑体" panose="02010609060101010101" pitchFamily="49" charset="-122"/>
+                <a:ea typeface="黑体" panose="02010609060101010101" pitchFamily="49" charset="-122"/>
+              </a:rPr>
+              <a:t>强调组件交互的可伸缩性、接口的通用性、组件的独立部署、以及用来减少交互延迟、增强安全性、封装遗留系统的中间</a:t>
+            </a:r>
+            <a:r>
+              <a:rPr lang="zh-CN" altLang="en-US" dirty="0" smtClean="0">
+                <a:latin typeface="黑体" panose="02010609060101010101" pitchFamily="49" charset="-122"/>
+                <a:ea typeface="黑体" panose="02010609060101010101" pitchFamily="49" charset="-122"/>
+              </a:rPr>
+              <a:t>组件</a:t>
+            </a:r>
+            <a:endParaRPr lang="zh-CN" altLang="en-US" dirty="0">
+              <a:latin typeface="黑体" panose="02010609060101010101" pitchFamily="49" charset="-122"/>
+              <a:ea typeface="黑体" panose="02010609060101010101" pitchFamily="49" charset="-122"/>
+            </a:endParaRPr>
           </a:p>
         </p:txBody>
       </p:sp>
@@ -6272,90 +9544,317 @@
             <p:ph idx="1"/>
           </p:nvPr>
         </p:nvSpPr>
-        <p:spPr/>
+        <p:spPr>
+          <a:xfrm>
+            <a:off x="677334" y="1930400"/>
+            <a:ext cx="8596668" cy="3944984"/>
+          </a:xfrm>
+        </p:spPr>
         <p:txBody>
           <a:bodyPr/>
           <a:lstStyle/>
           <a:p>
             <a:r>
-              <a:rPr lang="en-US" altLang="zh-CN" dirty="0" smtClean="0"/>
-              <a:t>  - </a:t>
-            </a:r>
-            <a:r>
-              <a:rPr lang="zh-CN" altLang="en-US" dirty="0"/>
-              <a:t>面向资源</a:t>
-            </a:r>
-          </a:p>
-          <a:p>
-            <a:r>
-              <a:rPr lang="zh-CN" altLang="en-US" dirty="0"/>
-              <a:t>	</a:t>
-            </a:r>
-            <a:r>
-              <a:rPr lang="en-US" altLang="zh-CN" dirty="0"/>
-              <a:t>- </a:t>
-            </a:r>
-            <a:r>
-              <a:rPr lang="zh-CN" altLang="en-US" dirty="0"/>
-              <a:t>每一个资源都有唯一</a:t>
-            </a:r>
-            <a:r>
-              <a:rPr lang="en-US" altLang="zh-CN" dirty="0"/>
+              <a:rPr lang="zh-CN" altLang="en-US" dirty="0" smtClean="0">
+                <a:latin typeface="黑体" panose="02010609060101010101" pitchFamily="49" charset="-122"/>
+                <a:ea typeface="黑体" panose="02010609060101010101" pitchFamily="49" charset="-122"/>
+              </a:rPr>
+              <a:t>服务端</a:t>
+            </a:r>
+            <a:r>
+              <a:rPr lang="en-US" altLang="zh-CN" dirty="0" smtClean="0">
+                <a:latin typeface="黑体" panose="02010609060101010101" pitchFamily="49" charset="-122"/>
+                <a:ea typeface="黑体" panose="02010609060101010101" pitchFamily="49" charset="-122"/>
+              </a:rPr>
+              <a:t>(</a:t>
+            </a:r>
+            <a:r>
+              <a:rPr lang="en-US" altLang="zh-CN" b="1" dirty="0" smtClean="0">
+                <a:latin typeface="黑体" panose="02010609060101010101" pitchFamily="49" charset="-122"/>
+                <a:ea typeface="黑体" panose="02010609060101010101" pitchFamily="49" charset="-122"/>
+              </a:rPr>
+              <a:t>server</a:t>
+            </a:r>
+            <a:r>
+              <a:rPr lang="en-US" altLang="zh-CN" dirty="0" smtClean="0">
+                <a:latin typeface="黑体" panose="02010609060101010101" pitchFamily="49" charset="-122"/>
+                <a:ea typeface="黑体" panose="02010609060101010101" pitchFamily="49" charset="-122"/>
+              </a:rPr>
+              <a:t>)</a:t>
+            </a:r>
+            <a:r>
+              <a:rPr lang="zh-CN" altLang="en-US" dirty="0" smtClean="0">
+                <a:latin typeface="黑体" panose="02010609060101010101" pitchFamily="49" charset="-122"/>
+                <a:ea typeface="黑体" panose="02010609060101010101" pitchFamily="49" charset="-122"/>
+              </a:rPr>
+              <a:t>与客户端</a:t>
+            </a:r>
+            <a:r>
+              <a:rPr lang="en-US" altLang="zh-CN" dirty="0" smtClean="0">
+                <a:latin typeface="黑体" panose="02010609060101010101" pitchFamily="49" charset="-122"/>
+                <a:ea typeface="黑体" panose="02010609060101010101" pitchFamily="49" charset="-122"/>
+              </a:rPr>
+              <a:t>(</a:t>
+            </a:r>
+            <a:r>
+              <a:rPr lang="en-US" altLang="zh-CN" b="1" dirty="0" smtClean="0">
+                <a:latin typeface="黑体" panose="02010609060101010101" pitchFamily="49" charset="-122"/>
+                <a:ea typeface="黑体" panose="02010609060101010101" pitchFamily="49" charset="-122"/>
+              </a:rPr>
+              <a:t>client</a:t>
+            </a:r>
+            <a:r>
+              <a:rPr lang="en-US" altLang="zh-CN" dirty="0" smtClean="0">
+                <a:latin typeface="黑体" panose="02010609060101010101" pitchFamily="49" charset="-122"/>
+                <a:ea typeface="黑体" panose="02010609060101010101" pitchFamily="49" charset="-122"/>
+              </a:rPr>
+              <a:t>)</a:t>
+            </a:r>
+            <a:r>
+              <a:rPr lang="zh-CN" altLang="en-US" dirty="0" smtClean="0">
+                <a:latin typeface="黑体" panose="02010609060101010101" pitchFamily="49" charset="-122"/>
+                <a:ea typeface="黑体" panose="02010609060101010101" pitchFamily="49" charset="-122"/>
+              </a:rPr>
+              <a:t>解耦</a:t>
+            </a:r>
+            <a:endParaRPr lang="en-US" altLang="zh-CN" dirty="0" smtClean="0">
+              <a:latin typeface="黑体" panose="02010609060101010101" pitchFamily="49" charset="-122"/>
+              <a:ea typeface="黑体" panose="02010609060101010101" pitchFamily="49" charset="-122"/>
+            </a:endParaRPr>
+          </a:p>
+          <a:p>
+            <a:pPr lvl="1"/>
+            <a:r>
+              <a:rPr lang="en-US" altLang="zh-CN" dirty="0" smtClean="0">
+                <a:latin typeface="黑体" panose="02010609060101010101" pitchFamily="49" charset="-122"/>
+                <a:ea typeface="黑体" panose="02010609060101010101" pitchFamily="49" charset="-122"/>
+              </a:rPr>
+              <a:t> </a:t>
+            </a:r>
+            <a:r>
+              <a:rPr lang="zh-CN" altLang="en-US" dirty="0">
+                <a:latin typeface="黑体" panose="02010609060101010101" pitchFamily="49" charset="-122"/>
+                <a:ea typeface="黑体" panose="02010609060101010101" pitchFamily="49" charset="-122"/>
+              </a:rPr>
+              <a:t>简化</a:t>
+            </a:r>
+            <a:r>
+              <a:rPr lang="zh-CN" altLang="en-US" dirty="0" smtClean="0">
+                <a:latin typeface="黑体" panose="02010609060101010101" pitchFamily="49" charset="-122"/>
+                <a:ea typeface="黑体" panose="02010609060101010101" pitchFamily="49" charset="-122"/>
+              </a:rPr>
+              <a:t>服务端的可伸缩性，提高客户端便捷性</a:t>
+            </a:r>
+            <a:endParaRPr lang="en-US" altLang="zh-CN" dirty="0" smtClean="0">
+              <a:latin typeface="黑体" panose="02010609060101010101" pitchFamily="49" charset="-122"/>
+              <a:ea typeface="黑体" panose="02010609060101010101" pitchFamily="49" charset="-122"/>
+            </a:endParaRPr>
+          </a:p>
+          <a:p>
+            <a:r>
+              <a:rPr lang="zh-CN" altLang="en-US" dirty="0" smtClean="0">
+                <a:latin typeface="黑体" panose="02010609060101010101" pitchFamily="49" charset="-122"/>
+                <a:ea typeface="黑体" panose="02010609060101010101" pitchFamily="49" charset="-122"/>
+              </a:rPr>
+              <a:t>面向资源，</a:t>
+            </a:r>
+            <a:r>
+              <a:rPr lang="zh-CN" altLang="en-US" dirty="0" smtClean="0">
+                <a:latin typeface="黑体" panose="02010609060101010101" pitchFamily="49" charset="-122"/>
+                <a:ea typeface="黑体" panose="02010609060101010101" pitchFamily="49" charset="-122"/>
+              </a:rPr>
+              <a:t>每</a:t>
+            </a:r>
+            <a:r>
+              <a:rPr lang="zh-CN" altLang="en-US" dirty="0">
+                <a:latin typeface="黑体" panose="02010609060101010101" pitchFamily="49" charset="-122"/>
+                <a:ea typeface="黑体" panose="02010609060101010101" pitchFamily="49" charset="-122"/>
+              </a:rPr>
+              <a:t>一个资源都有唯一</a:t>
+            </a:r>
+            <a:r>
+              <a:rPr lang="en-US" altLang="zh-CN" dirty="0">
+                <a:latin typeface="黑体" panose="02010609060101010101" pitchFamily="49" charset="-122"/>
+                <a:ea typeface="黑体" panose="02010609060101010101" pitchFamily="49" charset="-122"/>
+              </a:rPr>
               <a:t>(CRUD</a:t>
             </a:r>
             <a:r>
-              <a:rPr lang="zh-CN" altLang="en-US" dirty="0"/>
+              <a:rPr lang="zh-CN" altLang="en-US" dirty="0">
+                <a:latin typeface="黑体" panose="02010609060101010101" pitchFamily="49" charset="-122"/>
+                <a:ea typeface="黑体" panose="02010609060101010101" pitchFamily="49" charset="-122"/>
+              </a:rPr>
               <a:t>等操作不会变</a:t>
             </a:r>
             <a:r>
-              <a:rPr lang="en-US" altLang="zh-CN" dirty="0"/>
+              <a:rPr lang="en-US" altLang="zh-CN" dirty="0">
+                <a:latin typeface="黑体" panose="02010609060101010101" pitchFamily="49" charset="-122"/>
+                <a:ea typeface="黑体" panose="02010609060101010101" pitchFamily="49" charset="-122"/>
+              </a:rPr>
               <a:t>)</a:t>
             </a:r>
             <a:r>
-              <a:rPr lang="zh-CN" altLang="en-US" dirty="0"/>
+              <a:rPr lang="zh-CN" altLang="en-US" dirty="0">
+                <a:latin typeface="黑体" panose="02010609060101010101" pitchFamily="49" charset="-122"/>
+                <a:ea typeface="黑体" panose="02010609060101010101" pitchFamily="49" charset="-122"/>
+              </a:rPr>
               <a:t>的标识符</a:t>
             </a:r>
           </a:p>
           <a:p>
             <a:r>
-              <a:rPr lang="zh-CN" altLang="en-US" dirty="0"/>
-              <a:t>	</a:t>
-            </a:r>
-            <a:r>
-              <a:rPr lang="en-US" altLang="zh-CN" dirty="0"/>
-              <a:t>- </a:t>
-            </a:r>
-            <a:r>
-              <a:rPr lang="zh-CN" altLang="en-US" dirty="0"/>
-              <a:t>无状态的</a:t>
-            </a:r>
-          </a:p>
-          <a:p>
-            <a:r>
-              <a:rPr lang="zh-CN" altLang="en-US" dirty="0"/>
-              <a:t>	</a:t>
-            </a:r>
-            <a:r>
-              <a:rPr lang="en-US" altLang="zh-CN" dirty="0"/>
-              <a:t>- </a:t>
-            </a:r>
-            <a:r>
-              <a:rPr lang="zh-CN" altLang="en-US" dirty="0"/>
-              <a:t>符合</a:t>
-            </a:r>
-            <a:r>
-              <a:rPr lang="en-US" altLang="zh-CN" dirty="0"/>
-              <a:t>REST</a:t>
-            </a:r>
-            <a:r>
-              <a:rPr lang="zh-CN" altLang="en-US" dirty="0"/>
-              <a:t>原则的架构方式称为</a:t>
-            </a:r>
-            <a:r>
-              <a:rPr lang="en-US" altLang="zh-CN" dirty="0"/>
-              <a:t>RESTful</a:t>
-            </a:r>
-            <a:endParaRPr lang="zh-CN" altLang="en-US" dirty="0"/>
+              <a:rPr lang="zh-CN" altLang="en-US" dirty="0">
+                <a:latin typeface="黑体" panose="02010609060101010101" pitchFamily="49" charset="-122"/>
+                <a:ea typeface="黑体" panose="02010609060101010101" pitchFamily="49" charset="-122"/>
+              </a:rPr>
+              <a:t>无</a:t>
+            </a:r>
+            <a:r>
+              <a:rPr lang="zh-CN" altLang="en-US" dirty="0" smtClean="0">
+                <a:latin typeface="黑体" panose="02010609060101010101" pitchFamily="49" charset="-122"/>
+                <a:ea typeface="黑体" panose="02010609060101010101" pitchFamily="49" charset="-122"/>
+              </a:rPr>
+              <a:t>状态</a:t>
+            </a:r>
+            <a:r>
+              <a:rPr lang="en-US" altLang="zh-CN" dirty="0" smtClean="0">
+                <a:latin typeface="黑体" panose="02010609060101010101" pitchFamily="49" charset="-122"/>
+                <a:ea typeface="黑体" panose="02010609060101010101" pitchFamily="49" charset="-122"/>
+              </a:rPr>
+              <a:t>(</a:t>
+            </a:r>
+            <a:r>
+              <a:rPr lang="en-US" altLang="zh-CN" b="1" dirty="0">
+                <a:latin typeface="黑体" panose="02010609060101010101" pitchFamily="49" charset="-122"/>
+                <a:ea typeface="黑体" panose="02010609060101010101" pitchFamily="49" charset="-122"/>
+              </a:rPr>
+              <a:t>Stateless</a:t>
+            </a:r>
+            <a:r>
+              <a:rPr lang="en-US" altLang="zh-CN" dirty="0" smtClean="0">
+                <a:latin typeface="黑体" panose="02010609060101010101" pitchFamily="49" charset="-122"/>
+                <a:ea typeface="黑体" panose="02010609060101010101" pitchFamily="49" charset="-122"/>
+              </a:rPr>
+              <a:t>)</a:t>
+            </a:r>
+            <a:r>
+              <a:rPr lang="zh-CN" altLang="en-US" dirty="0" smtClean="0">
+                <a:latin typeface="黑体" panose="02010609060101010101" pitchFamily="49" charset="-122"/>
+                <a:ea typeface="黑体" panose="02010609060101010101" pitchFamily="49" charset="-122"/>
+              </a:rPr>
+              <a:t>，</a:t>
+            </a:r>
+            <a:r>
+              <a:rPr lang="zh-CN" altLang="en-US" dirty="0">
+                <a:latin typeface="黑体" panose="02010609060101010101" pitchFamily="49" charset="-122"/>
+                <a:ea typeface="黑体" panose="02010609060101010101" pitchFamily="49" charset="-122"/>
+              </a:rPr>
+              <a:t>请求必须包含所有处理该请求的全部</a:t>
+            </a:r>
+            <a:r>
+              <a:rPr lang="zh-CN" altLang="en-US" dirty="0" smtClean="0">
+                <a:latin typeface="黑体" panose="02010609060101010101" pitchFamily="49" charset="-122"/>
+                <a:ea typeface="黑体" panose="02010609060101010101" pitchFamily="49" charset="-122"/>
+              </a:rPr>
+              <a:t>信息</a:t>
+            </a:r>
+            <a:endParaRPr lang="en-US" altLang="zh-CN" dirty="0" smtClean="0">
+              <a:latin typeface="黑体" panose="02010609060101010101" pitchFamily="49" charset="-122"/>
+              <a:ea typeface="黑体" panose="02010609060101010101" pitchFamily="49" charset="-122"/>
+            </a:endParaRPr>
+          </a:p>
+          <a:p>
+            <a:pPr lvl="1"/>
+            <a:r>
+              <a:rPr lang="zh-CN" altLang="en-US" dirty="0" smtClean="0">
+                <a:latin typeface="黑体" panose="02010609060101010101" pitchFamily="49" charset="-122"/>
+                <a:ea typeface="黑体" panose="02010609060101010101" pitchFamily="49" charset="-122"/>
+              </a:rPr>
+              <a:t>提高可见性，每个请求都是独立的，无需其他依赖的</a:t>
+            </a:r>
+            <a:endParaRPr lang="en-US" altLang="zh-CN" dirty="0" smtClean="0">
+              <a:latin typeface="黑体" panose="02010609060101010101" pitchFamily="49" charset="-122"/>
+              <a:ea typeface="黑体" panose="02010609060101010101" pitchFamily="49" charset="-122"/>
+            </a:endParaRPr>
+          </a:p>
+          <a:p>
+            <a:pPr lvl="1"/>
+            <a:r>
+              <a:rPr lang="zh-CN" altLang="en-US" dirty="0" smtClean="0">
+                <a:latin typeface="黑体" panose="02010609060101010101" pitchFamily="49" charset="-122"/>
+                <a:ea typeface="黑体" panose="02010609060101010101" pitchFamily="49" charset="-122"/>
+              </a:rPr>
+              <a:t>提高可靠性，故障恢复更容易</a:t>
+            </a:r>
+            <a:endParaRPr lang="en-US" altLang="zh-CN" dirty="0" smtClean="0">
+              <a:latin typeface="黑体" panose="02010609060101010101" pitchFamily="49" charset="-122"/>
+              <a:ea typeface="黑体" panose="02010609060101010101" pitchFamily="49" charset="-122"/>
+            </a:endParaRPr>
+          </a:p>
+          <a:p>
+            <a:pPr lvl="1"/>
+            <a:r>
+              <a:rPr lang="zh-CN" altLang="en-US" dirty="0" smtClean="0">
+                <a:latin typeface="黑体" panose="02010609060101010101" pitchFamily="49" charset="-122"/>
+                <a:ea typeface="黑体" panose="02010609060101010101" pitchFamily="49" charset="-122"/>
+              </a:rPr>
+              <a:t>提升扩展性，减少了服务器资源消耗</a:t>
+            </a:r>
+            <a:endParaRPr lang="en-US" altLang="zh-CN" dirty="0" smtClean="0">
+              <a:latin typeface="黑体" panose="02010609060101010101" pitchFamily="49" charset="-122"/>
+              <a:ea typeface="黑体" panose="02010609060101010101" pitchFamily="49" charset="-122"/>
+            </a:endParaRPr>
+          </a:p>
+          <a:p>
+            <a:r>
+              <a:rPr lang="zh-CN" altLang="en-US" dirty="0">
+                <a:latin typeface="黑体" panose="02010609060101010101" pitchFamily="49" charset="-122"/>
+                <a:ea typeface="黑体" panose="02010609060101010101" pitchFamily="49" charset="-122"/>
+              </a:rPr>
+              <a:t>可</a:t>
+            </a:r>
+            <a:r>
+              <a:rPr lang="zh-CN" altLang="en-US" dirty="0" smtClean="0">
+                <a:latin typeface="黑体" panose="02010609060101010101" pitchFamily="49" charset="-122"/>
+                <a:ea typeface="黑体" panose="02010609060101010101" pitchFamily="49" charset="-122"/>
+              </a:rPr>
+              <a:t>缓存</a:t>
+            </a:r>
+            <a:r>
+              <a:rPr lang="en-US" altLang="zh-CN" dirty="0" smtClean="0">
+                <a:latin typeface="黑体" panose="02010609060101010101" pitchFamily="49" charset="-122"/>
+                <a:ea typeface="黑体" panose="02010609060101010101" pitchFamily="49" charset="-122"/>
+              </a:rPr>
+              <a:t>(</a:t>
+            </a:r>
+            <a:r>
+              <a:rPr lang="en-US" altLang="zh-CN" b="1" dirty="0" err="1" smtClean="0">
+                <a:latin typeface="黑体" panose="02010609060101010101" pitchFamily="49" charset="-122"/>
+                <a:ea typeface="黑体" panose="02010609060101010101" pitchFamily="49" charset="-122"/>
+              </a:rPr>
+              <a:t>Cachable</a:t>
+            </a:r>
+            <a:r>
+              <a:rPr lang="en-US" altLang="zh-CN" dirty="0" smtClean="0">
+                <a:latin typeface="黑体" panose="02010609060101010101" pitchFamily="49" charset="-122"/>
+                <a:ea typeface="黑体" panose="02010609060101010101" pitchFamily="49" charset="-122"/>
+              </a:rPr>
+              <a:t>)</a:t>
+            </a:r>
+          </a:p>
+          <a:p>
+            <a:pPr lvl="1"/>
+            <a:r>
+              <a:rPr lang="zh-CN" altLang="en-US" dirty="0" smtClean="0">
+                <a:latin typeface="黑体" panose="02010609060101010101" pitchFamily="49" charset="-122"/>
+                <a:ea typeface="黑体" panose="02010609060101010101" pitchFamily="49" charset="-122"/>
+              </a:rPr>
+              <a:t>减少交互次数，减少网络延时</a:t>
+            </a:r>
+            <a:endParaRPr lang="zh-CN" altLang="en-US" dirty="0">
+              <a:latin typeface="黑体" panose="02010609060101010101" pitchFamily="49" charset="-122"/>
+              <a:ea typeface="黑体" panose="02010609060101010101" pitchFamily="49" charset="-122"/>
+            </a:endParaRPr>
           </a:p>
         </p:txBody>
       </p:sp>
@@ -6406,21 +9905,19 @@
             <p:ph type="title"/>
           </p:nvPr>
         </p:nvSpPr>
-        <p:spPr>
-          <a:xfrm>
-            <a:off x="677334" y="609600"/>
-            <a:ext cx="8596668" cy="940526"/>
-          </a:xfrm>
-        </p:spPr>
+        <p:spPr/>
         <p:txBody>
           <a:bodyPr/>
           <a:lstStyle/>
           <a:p>
             <a:r>
-              <a:rPr lang="en-US" altLang="zh-CN" dirty="0" smtClean="0"/>
-              <a:t>RESTful HTTP &amp; HTTP</a:t>
-            </a:r>
-            <a:endParaRPr lang="zh-CN" altLang="en-US" dirty="0"/>
+              <a:rPr lang="en-US" altLang="zh-CN" dirty="0"/>
+              <a:t>REST</a:t>
+            </a:r>
+            <a:r>
+              <a:rPr lang="zh-CN" altLang="en-US" dirty="0"/>
+              <a:t>特点</a:t>
+            </a:r>
           </a:p>
         </p:txBody>
       </p:sp>
@@ -6440,80 +9937,271 @@
           <a:lstStyle/>
           <a:p>
             <a:r>
-              <a:rPr lang="en-US" altLang="zh-CN" dirty="0" smtClean="0"/>
-              <a:t>   REST</a:t>
-            </a:r>
-            <a:r>
-              <a:rPr lang="zh-CN" altLang="en-US" dirty="0" smtClean="0"/>
-              <a:t>是</a:t>
-            </a:r>
-            <a:r>
-              <a:rPr lang="zh-CN" altLang="en-US" dirty="0"/>
-              <a:t>软件设计规范，</a:t>
-            </a:r>
-            <a:r>
-              <a:rPr lang="en-US" altLang="zh-CN" dirty="0" smtClean="0"/>
-              <a:t>http(</a:t>
+              <a:rPr lang="zh-CN" altLang="en-US" dirty="0">
+                <a:latin typeface="黑体" panose="02010609060101010101" pitchFamily="49" charset="-122"/>
+                <a:ea typeface="黑体" panose="02010609060101010101" pitchFamily="49" charset="-122"/>
+              </a:rPr>
+              <a:t>分层系统</a:t>
+            </a:r>
+            <a:r>
+              <a:rPr lang="en-US" altLang="zh-CN" dirty="0">
+                <a:latin typeface="黑体" panose="02010609060101010101" pitchFamily="49" charset="-122"/>
+                <a:ea typeface="黑体" panose="02010609060101010101" pitchFamily="49" charset="-122"/>
+              </a:rPr>
+              <a:t>(</a:t>
+            </a:r>
+            <a:r>
+              <a:rPr lang="en-US" altLang="zh-CN" b="1" dirty="0">
+                <a:latin typeface="黑体" panose="02010609060101010101" pitchFamily="49" charset="-122"/>
+                <a:ea typeface="黑体" panose="02010609060101010101" pitchFamily="49" charset="-122"/>
+              </a:rPr>
+              <a:t>Layered System</a:t>
+            </a:r>
+            <a:r>
+              <a:rPr lang="en-US" altLang="zh-CN" dirty="0">
+                <a:latin typeface="黑体" panose="02010609060101010101" pitchFamily="49" charset="-122"/>
+                <a:ea typeface="黑体" panose="02010609060101010101" pitchFamily="49" charset="-122"/>
+              </a:rPr>
+              <a:t>)</a:t>
+            </a:r>
+          </a:p>
+          <a:p>
+            <a:pPr lvl="1"/>
+            <a:r>
+              <a:rPr lang="zh-CN" altLang="en-US" dirty="0">
+                <a:latin typeface="黑体" panose="02010609060101010101" pitchFamily="49" charset="-122"/>
+                <a:ea typeface="黑体" panose="02010609060101010101" pitchFamily="49" charset="-122"/>
+              </a:rPr>
+              <a:t>允许</a:t>
+            </a:r>
+            <a:r>
+              <a:rPr lang="en-US" altLang="zh-CN" dirty="0">
+                <a:latin typeface="黑体" panose="02010609060101010101" pitchFamily="49" charset="-122"/>
+                <a:ea typeface="黑体" panose="02010609060101010101" pitchFamily="49" charset="-122"/>
+              </a:rPr>
+              <a:t>Client</a:t>
+            </a:r>
+            <a:r>
+              <a:rPr lang="zh-CN" altLang="en-US" dirty="0">
+                <a:latin typeface="黑体" panose="02010609060101010101" pitchFamily="49" charset="-122"/>
+                <a:ea typeface="黑体" panose="02010609060101010101" pitchFamily="49" charset="-122"/>
+              </a:rPr>
+              <a:t>与</a:t>
+            </a:r>
+            <a:r>
+              <a:rPr lang="en-US" altLang="zh-CN" dirty="0">
+                <a:latin typeface="黑体" panose="02010609060101010101" pitchFamily="49" charset="-122"/>
+                <a:ea typeface="黑体" panose="02010609060101010101" pitchFamily="49" charset="-122"/>
+              </a:rPr>
+              <a:t>Server</a:t>
+            </a:r>
+            <a:r>
+              <a:rPr lang="zh-CN" altLang="en-US" dirty="0">
+                <a:latin typeface="黑体" panose="02010609060101010101" pitchFamily="49" charset="-122"/>
+                <a:ea typeface="黑体" panose="02010609060101010101" pitchFamily="49" charset="-122"/>
+              </a:rPr>
+              <a:t>中间层</a:t>
+            </a:r>
+            <a:r>
+              <a:rPr lang="en-US" altLang="zh-CN" dirty="0">
+                <a:latin typeface="黑体" panose="02010609060101010101" pitchFamily="49" charset="-122"/>
+                <a:ea typeface="黑体" panose="02010609060101010101" pitchFamily="49" charset="-122"/>
+              </a:rPr>
+              <a:t>(</a:t>
+            </a:r>
+            <a:r>
+              <a:rPr lang="zh-CN" altLang="en-US" dirty="0">
+                <a:latin typeface="黑体" panose="02010609060101010101" pitchFamily="49" charset="-122"/>
+                <a:ea typeface="黑体" panose="02010609060101010101" pitchFamily="49" charset="-122"/>
+              </a:rPr>
+              <a:t>代理，网关等</a:t>
+            </a:r>
+            <a:r>
+              <a:rPr lang="en-US" altLang="zh-CN" dirty="0">
+                <a:latin typeface="黑体" panose="02010609060101010101" pitchFamily="49" charset="-122"/>
+                <a:ea typeface="黑体" panose="02010609060101010101" pitchFamily="49" charset="-122"/>
+              </a:rPr>
+              <a:t>)</a:t>
+            </a:r>
+            <a:r>
+              <a:rPr lang="zh-CN" altLang="en-US" dirty="0">
+                <a:latin typeface="黑体" panose="02010609060101010101" pitchFamily="49" charset="-122"/>
+                <a:ea typeface="黑体" panose="02010609060101010101" pitchFamily="49" charset="-122"/>
+              </a:rPr>
+              <a:t>代替</a:t>
+            </a:r>
+            <a:r>
+              <a:rPr lang="en-US" altLang="zh-CN" dirty="0">
+                <a:latin typeface="黑体" panose="02010609060101010101" pitchFamily="49" charset="-122"/>
+                <a:ea typeface="黑体" panose="02010609060101010101" pitchFamily="49" charset="-122"/>
+              </a:rPr>
+              <a:t>Server</a:t>
+            </a:r>
+            <a:r>
+              <a:rPr lang="zh-CN" altLang="en-US" dirty="0">
+                <a:latin typeface="黑体" panose="02010609060101010101" pitchFamily="49" charset="-122"/>
+                <a:ea typeface="黑体" panose="02010609060101010101" pitchFamily="49" charset="-122"/>
+              </a:rPr>
+              <a:t>端处理请求，客户端无需关心与他交互组件的其他之外的事</a:t>
+            </a:r>
+            <a:endParaRPr lang="en-US" altLang="zh-CN" dirty="0">
+              <a:latin typeface="黑体" panose="02010609060101010101" pitchFamily="49" charset="-122"/>
+              <a:ea typeface="黑体" panose="02010609060101010101" pitchFamily="49" charset="-122"/>
+            </a:endParaRPr>
+          </a:p>
+          <a:p>
+            <a:pPr lvl="1"/>
+            <a:r>
+              <a:rPr lang="zh-CN" altLang="en-US" dirty="0">
+                <a:latin typeface="黑体" panose="02010609060101010101" pitchFamily="49" charset="-122"/>
+                <a:ea typeface="黑体" panose="02010609060101010101" pitchFamily="49" charset="-122"/>
+              </a:rPr>
+              <a:t>提高了系统可扩展性，简化系统复杂度</a:t>
+            </a:r>
+          </a:p>
+          <a:p>
+            <a:r>
+              <a:rPr lang="zh-CN" altLang="en-US" dirty="0" smtClean="0">
+                <a:latin typeface="黑体" panose="02010609060101010101" pitchFamily="49" charset="-122"/>
+                <a:ea typeface="黑体" panose="02010609060101010101" pitchFamily="49" charset="-122"/>
+              </a:rPr>
+              <a:t>统一接口</a:t>
             </a:r>
             <a:r>
               <a:rPr lang="en-US" altLang="zh-CN" dirty="0" smtClean="0">
-                <a:hlinkClick r:id="rId2"/>
-              </a:rPr>
-              <a:t>Hyper </a:t>
-            </a:r>
-            <a:r>
-              <a:rPr lang="en-US" altLang="zh-CN" dirty="0">
-                <a:hlinkClick r:id="rId2"/>
-              </a:rPr>
-              <a:t>Text Transfer Protocol</a:t>
-            </a:r>
-            <a:r>
-              <a:rPr lang="en-US" altLang="zh-CN" dirty="0"/>
+                <a:latin typeface="黑体" panose="02010609060101010101" pitchFamily="49" charset="-122"/>
+                <a:ea typeface="黑体" panose="02010609060101010101" pitchFamily="49" charset="-122"/>
+              </a:rPr>
+              <a:t>(</a:t>
+            </a:r>
+            <a:r>
+              <a:rPr lang="en-US" altLang="zh-CN" b="1" dirty="0" smtClean="0">
+                <a:latin typeface="黑体" panose="02010609060101010101" pitchFamily="49" charset="-122"/>
+                <a:ea typeface="黑体" panose="02010609060101010101" pitchFamily="49" charset="-122"/>
+              </a:rPr>
+              <a:t>Uniform Interface</a:t>
+            </a:r>
+            <a:r>
+              <a:rPr lang="en-US" altLang="zh-CN" dirty="0" smtClean="0">
+                <a:latin typeface="黑体" panose="02010609060101010101" pitchFamily="49" charset="-122"/>
+                <a:ea typeface="黑体" panose="02010609060101010101" pitchFamily="49" charset="-122"/>
+              </a:rPr>
               <a:t>)</a:t>
             </a:r>
-            <a:r>
-              <a:rPr lang="zh-CN" altLang="en-US" dirty="0" smtClean="0"/>
-              <a:t>是超文本传输协议</a:t>
-            </a:r>
-            <a:endParaRPr lang="zh-CN" altLang="en-US" dirty="0"/>
-          </a:p>
-          <a:p>
-            <a:r>
-              <a:rPr lang="zh-CN" altLang="en-US" dirty="0"/>
-              <a:t>  </a:t>
-            </a:r>
-            <a:r>
-              <a:rPr lang="en-US" altLang="zh-CN" dirty="0" smtClean="0"/>
-              <a:t> </a:t>
-            </a:r>
-            <a:r>
-              <a:rPr lang="en-US" altLang="zh-CN" dirty="0"/>
-              <a:t>restful http</a:t>
-            </a:r>
-            <a:r>
-              <a:rPr lang="zh-CN" altLang="en-US" dirty="0"/>
-              <a:t>即为遵循</a:t>
-            </a:r>
-            <a:r>
-              <a:rPr lang="en-US" altLang="zh-CN" dirty="0"/>
-              <a:t>rest</a:t>
-            </a:r>
-            <a:r>
-              <a:rPr lang="zh-CN" altLang="en-US" dirty="0"/>
-              <a:t>风格设计的</a:t>
-            </a:r>
-            <a:r>
-              <a:rPr lang="en-US" altLang="zh-CN" dirty="0"/>
-              <a:t>http</a:t>
-            </a:r>
-            <a:endParaRPr lang="zh-CN" altLang="en-US" dirty="0"/>
+          </a:p>
+          <a:p>
+            <a:pPr lvl="1"/>
+            <a:r>
+              <a:rPr lang="zh-CN" altLang="en-US" dirty="0">
+                <a:latin typeface="黑体" panose="02010609060101010101" pitchFamily="49" charset="-122"/>
+                <a:ea typeface="黑体" panose="02010609060101010101" pitchFamily="49" charset="-122"/>
+              </a:rPr>
+              <a:t>服务</a:t>
+            </a:r>
+            <a:r>
+              <a:rPr lang="zh-CN" altLang="en-US" dirty="0" smtClean="0">
+                <a:latin typeface="黑体" panose="02010609060101010101" pitchFamily="49" charset="-122"/>
+                <a:ea typeface="黑体" panose="02010609060101010101" pitchFamily="49" charset="-122"/>
+              </a:rPr>
+              <a:t>端与客户端统一化的方法</a:t>
+            </a:r>
+            <a:r>
+              <a:rPr lang="en-US" altLang="zh-CN" dirty="0" smtClean="0">
+                <a:latin typeface="黑体" panose="02010609060101010101" pitchFamily="49" charset="-122"/>
+                <a:ea typeface="黑体" panose="02010609060101010101" pitchFamily="49" charset="-122"/>
+              </a:rPr>
+              <a:t>(GET/PUT/POST/DELETE)</a:t>
+            </a:r>
+            <a:r>
+              <a:rPr lang="zh-CN" altLang="en-US" dirty="0" smtClean="0">
+                <a:latin typeface="黑体" panose="02010609060101010101" pitchFamily="49" charset="-122"/>
+                <a:ea typeface="黑体" panose="02010609060101010101" pitchFamily="49" charset="-122"/>
+              </a:rPr>
+              <a:t>通信</a:t>
+            </a:r>
+            <a:endParaRPr lang="en-US" altLang="zh-CN" dirty="0" smtClean="0">
+              <a:latin typeface="黑体" panose="02010609060101010101" pitchFamily="49" charset="-122"/>
+              <a:ea typeface="黑体" panose="02010609060101010101" pitchFamily="49" charset="-122"/>
+            </a:endParaRPr>
+          </a:p>
+          <a:p>
+            <a:pPr lvl="1"/>
+            <a:r>
+              <a:rPr lang="zh-CN" altLang="en-US" dirty="0">
+                <a:latin typeface="黑体" panose="02010609060101010101" pitchFamily="49" charset="-122"/>
+                <a:ea typeface="黑体" panose="02010609060101010101" pitchFamily="49" charset="-122"/>
+              </a:rPr>
+              <a:t>提高</a:t>
+            </a:r>
+            <a:r>
+              <a:rPr lang="zh-CN" altLang="en-US" dirty="0" smtClean="0">
+                <a:latin typeface="黑体" panose="02010609060101010101" pitchFamily="49" charset="-122"/>
+                <a:ea typeface="黑体" panose="02010609060101010101" pitchFamily="49" charset="-122"/>
+              </a:rPr>
+              <a:t>了接口的可见性</a:t>
+            </a:r>
+            <a:endParaRPr lang="en-US" altLang="zh-CN" dirty="0" smtClean="0">
+              <a:latin typeface="黑体" panose="02010609060101010101" pitchFamily="49" charset="-122"/>
+              <a:ea typeface="黑体" panose="02010609060101010101" pitchFamily="49" charset="-122"/>
+            </a:endParaRPr>
+          </a:p>
+          <a:p>
+            <a:r>
+              <a:rPr lang="zh-CN" altLang="en-US" dirty="0">
+                <a:latin typeface="黑体" panose="02010609060101010101" pitchFamily="49" charset="-122"/>
+                <a:ea typeface="黑体" panose="02010609060101010101" pitchFamily="49" charset="-122"/>
+              </a:rPr>
+              <a:t>按需</a:t>
+            </a:r>
+            <a:r>
+              <a:rPr lang="zh-CN" altLang="en-US" dirty="0" smtClean="0">
+                <a:latin typeface="黑体" panose="02010609060101010101" pitchFamily="49" charset="-122"/>
+                <a:ea typeface="黑体" panose="02010609060101010101" pitchFamily="49" charset="-122"/>
+              </a:rPr>
+              <a:t>代码</a:t>
+            </a:r>
+            <a:r>
+              <a:rPr lang="en-US" altLang="zh-CN" dirty="0" smtClean="0">
+                <a:latin typeface="黑体" panose="02010609060101010101" pitchFamily="49" charset="-122"/>
+                <a:ea typeface="黑体" panose="02010609060101010101" pitchFamily="49" charset="-122"/>
+              </a:rPr>
+              <a:t>(</a:t>
+            </a:r>
+            <a:r>
+              <a:rPr lang="en-US" altLang="zh-CN" b="1" dirty="0">
+                <a:latin typeface="黑体" panose="02010609060101010101" pitchFamily="49" charset="-122"/>
+                <a:ea typeface="黑体" panose="02010609060101010101" pitchFamily="49" charset="-122"/>
+              </a:rPr>
+              <a:t>Code-On-Demand</a:t>
+            </a:r>
+            <a:r>
+              <a:rPr lang="en-US" altLang="zh-CN" dirty="0" smtClean="0">
+                <a:latin typeface="黑体" panose="02010609060101010101" pitchFamily="49" charset="-122"/>
+                <a:ea typeface="黑体" panose="02010609060101010101" pitchFamily="49" charset="-122"/>
+              </a:rPr>
+              <a:t>)</a:t>
+            </a:r>
+          </a:p>
+          <a:p>
+            <a:pPr lvl="1"/>
+            <a:r>
+              <a:rPr lang="zh-CN" altLang="en-US" dirty="0" smtClean="0">
+                <a:latin typeface="黑体" panose="02010609060101010101" pitchFamily="49" charset="-122"/>
+                <a:ea typeface="黑体" panose="02010609060101010101" pitchFamily="49" charset="-122"/>
+              </a:rPr>
+              <a:t>提升系统可扩展性</a:t>
+            </a:r>
+            <a:endParaRPr lang="en-US" altLang="zh-CN" dirty="0" smtClean="0">
+              <a:latin typeface="黑体" panose="02010609060101010101" pitchFamily="49" charset="-122"/>
+              <a:ea typeface="黑体" panose="02010609060101010101" pitchFamily="49" charset="-122"/>
+            </a:endParaRPr>
           </a:p>
         </p:txBody>
       </p:sp>
     </p:spTree>
     <p:extLst>
       <p:ext uri="{BB962C8B-B14F-4D97-AF65-F5344CB8AC3E}">
-        <p14:creationId xmlns:p14="http://schemas.microsoft.com/office/powerpoint/2010/main" val="3142869152"/>
+        <p14:creationId xmlns:p14="http://schemas.microsoft.com/office/powerpoint/2010/main" val="1698196687"/>
       </p:ext>
     </p:extLst>
   </p:cSld>
@@ -6557,117 +10245,624 @@
             <p:ph type="title"/>
           </p:nvPr>
         </p:nvSpPr>
+        <p:spPr/>
+        <p:txBody>
+          <a:bodyPr/>
+          <a:lstStyle/>
+          <a:p>
+            <a:r>
+              <a:rPr lang="en-US" altLang="zh-CN" dirty="0" smtClean="0"/>
+              <a:t>REST API</a:t>
+            </a:r>
+            <a:r>
+              <a:rPr lang="zh-CN" altLang="en-US" dirty="0" smtClean="0"/>
+              <a:t>方法</a:t>
+            </a:r>
+            <a:endParaRPr lang="zh-CN" altLang="en-US" dirty="0"/>
+          </a:p>
+        </p:txBody>
+      </p:sp>
+      <p:graphicFrame>
+        <p:nvGraphicFramePr>
+          <p:cNvPr id="6" name="表格 5"/>
+          <p:cNvGraphicFramePr>
+            <a:graphicFrameLocks noGrp="1"/>
+          </p:cNvGraphicFramePr>
+          <p:nvPr>
+            <p:extLst>
+              <p:ext uri="{D42A27DB-BD31-4B8C-83A1-F6EECF244321}">
+                <p14:modId xmlns:p14="http://schemas.microsoft.com/office/powerpoint/2010/main" val="1471688148"/>
+              </p:ext>
+            </p:extLst>
+          </p:nvPr>
+        </p:nvGraphicFramePr>
+        <p:xfrm>
+          <a:off x="911668" y="1930398"/>
+          <a:ext cx="8128000" cy="2894150"/>
+        </p:xfrm>
+        <a:graphic>
+          <a:graphicData uri="http://schemas.openxmlformats.org/drawingml/2006/table">
+            <a:tbl>
+              <a:tblPr firstRow="1" bandRow="1">
+                <a:tableStyleId>{5C22544A-7EE6-4342-B048-85BDC9FD1C3A}</a:tableStyleId>
+              </a:tblPr>
+              <a:tblGrid>
+                <a:gridCol w="2032000"/>
+                <a:gridCol w="2032000"/>
+                <a:gridCol w="2032000"/>
+                <a:gridCol w="2032000"/>
+              </a:tblGrid>
+              <a:tr h="413450">
+                <a:tc>
+                  <a:txBody>
+                    <a:bodyPr/>
+                    <a:lstStyle/>
+                    <a:p>
+                      <a:pPr algn="ctr"/>
+                      <a:r>
+                        <a:rPr lang="en-US" altLang="zh-CN" dirty="0" smtClean="0"/>
+                        <a:t>HTTP</a:t>
+                      </a:r>
+                      <a:r>
+                        <a:rPr lang="zh-CN" altLang="en-US" dirty="0" smtClean="0"/>
+                        <a:t>方法</a:t>
+                      </a:r>
+                      <a:endParaRPr lang="zh-CN" altLang="en-US" dirty="0"/>
+                    </a:p>
+                  </a:txBody>
+                  <a:tcPr/>
+                </a:tc>
+                <a:tc>
+                  <a:txBody>
+                    <a:bodyPr/>
+                    <a:lstStyle/>
+                    <a:p>
+                      <a:pPr algn="ctr"/>
+                      <a:r>
+                        <a:rPr lang="zh-CN" altLang="en-US" dirty="0" smtClean="0"/>
+                        <a:t>资源操作</a:t>
+                      </a:r>
+                      <a:endParaRPr lang="zh-CN" altLang="en-US" dirty="0"/>
+                    </a:p>
+                  </a:txBody>
+                  <a:tcPr/>
+                </a:tc>
+                <a:tc>
+                  <a:txBody>
+                    <a:bodyPr/>
+                    <a:lstStyle/>
+                    <a:p>
+                      <a:pPr algn="ctr"/>
+                      <a:r>
+                        <a:rPr lang="zh-CN" altLang="en-US" dirty="0" smtClean="0"/>
+                        <a:t>幂等性</a:t>
+                      </a:r>
+                      <a:endParaRPr lang="zh-CN" altLang="en-US" dirty="0"/>
+                    </a:p>
+                  </a:txBody>
+                  <a:tcPr/>
+                </a:tc>
+                <a:tc>
+                  <a:txBody>
+                    <a:bodyPr/>
+                    <a:lstStyle/>
+                    <a:p>
+                      <a:pPr algn="ctr"/>
+                      <a:r>
+                        <a:rPr lang="zh-CN" altLang="en-US" dirty="0" smtClean="0"/>
+                        <a:t>安全性</a:t>
+                      </a:r>
+                      <a:endParaRPr lang="zh-CN" altLang="en-US" dirty="0"/>
+                    </a:p>
+                  </a:txBody>
+                  <a:tcPr/>
+                </a:tc>
+              </a:tr>
+              <a:tr h="413450">
+                <a:tc>
+                  <a:txBody>
+                    <a:bodyPr/>
+                    <a:lstStyle/>
+                    <a:p>
+                      <a:r>
+                        <a:rPr lang="en-US" altLang="zh-CN" dirty="0" smtClean="0"/>
+                        <a:t>GET</a:t>
+                      </a:r>
+                      <a:endParaRPr lang="zh-CN" altLang="en-US" dirty="0"/>
+                    </a:p>
+                  </a:txBody>
+                  <a:tcPr/>
+                </a:tc>
+                <a:tc>
+                  <a:txBody>
+                    <a:bodyPr/>
+                    <a:lstStyle/>
+                    <a:p>
+                      <a:r>
+                        <a:rPr lang="en-US" altLang="zh-CN" dirty="0" smtClean="0"/>
+                        <a:t>SELECT</a:t>
+                      </a:r>
+                      <a:endParaRPr lang="zh-CN" altLang="en-US" dirty="0"/>
+                    </a:p>
+                  </a:txBody>
+                  <a:tcPr/>
+                </a:tc>
+                <a:tc>
+                  <a:txBody>
+                    <a:bodyPr/>
+                    <a:lstStyle/>
+                    <a:p>
+                      <a:pPr algn="ctr"/>
+                      <a:r>
+                        <a:rPr lang="zh-CN" altLang="en-US" dirty="0" smtClean="0"/>
+                        <a:t>是</a:t>
+                      </a:r>
+                      <a:endParaRPr lang="zh-CN" altLang="en-US" dirty="0"/>
+                    </a:p>
+                  </a:txBody>
+                  <a:tcPr/>
+                </a:tc>
+                <a:tc>
+                  <a:txBody>
+                    <a:bodyPr/>
+                    <a:lstStyle/>
+                    <a:p>
+                      <a:pPr algn="ctr"/>
+                      <a:r>
+                        <a:rPr lang="zh-CN" altLang="en-US" dirty="0" smtClean="0"/>
+                        <a:t>是</a:t>
+                      </a:r>
+                      <a:endParaRPr lang="zh-CN" altLang="en-US" dirty="0"/>
+                    </a:p>
+                  </a:txBody>
+                  <a:tcPr/>
+                </a:tc>
+              </a:tr>
+              <a:tr h="413450">
+                <a:tc>
+                  <a:txBody>
+                    <a:bodyPr/>
+                    <a:lstStyle/>
+                    <a:p>
+                      <a:r>
+                        <a:rPr lang="en-US" altLang="zh-CN" dirty="0" smtClean="0"/>
+                        <a:t>POST</a:t>
+                      </a:r>
+                      <a:endParaRPr lang="zh-CN" altLang="en-US" dirty="0"/>
+                    </a:p>
+                  </a:txBody>
+                  <a:tcPr/>
+                </a:tc>
+                <a:tc>
+                  <a:txBody>
+                    <a:bodyPr/>
+                    <a:lstStyle/>
+                    <a:p>
+                      <a:r>
+                        <a:rPr lang="en-US" altLang="zh-CN" dirty="0" smtClean="0"/>
+                        <a:t>INSERT</a:t>
+                      </a:r>
+                      <a:endParaRPr lang="zh-CN" altLang="en-US" dirty="0"/>
+                    </a:p>
+                  </a:txBody>
+                  <a:tcPr/>
+                </a:tc>
+                <a:tc>
+                  <a:txBody>
+                    <a:bodyPr/>
+                    <a:lstStyle/>
+                    <a:p>
+                      <a:pPr algn="ctr"/>
+                      <a:r>
+                        <a:rPr lang="zh-CN" altLang="en-US" dirty="0" smtClean="0"/>
+                        <a:t>否</a:t>
+                      </a:r>
+                      <a:endParaRPr lang="zh-CN" altLang="en-US" dirty="0"/>
+                    </a:p>
+                  </a:txBody>
+                  <a:tcPr/>
+                </a:tc>
+                <a:tc>
+                  <a:txBody>
+                    <a:bodyPr/>
+                    <a:lstStyle/>
+                    <a:p>
+                      <a:pPr algn="ctr"/>
+                      <a:r>
+                        <a:rPr lang="zh-CN" altLang="en-US" dirty="0" smtClean="0"/>
+                        <a:t>否</a:t>
+                      </a:r>
+                      <a:endParaRPr lang="zh-CN" altLang="en-US" dirty="0"/>
+                    </a:p>
+                  </a:txBody>
+                  <a:tcPr/>
+                </a:tc>
+              </a:tr>
+              <a:tr h="413450">
+                <a:tc>
+                  <a:txBody>
+                    <a:bodyPr/>
+                    <a:lstStyle/>
+                    <a:p>
+                      <a:r>
+                        <a:rPr lang="en-US" altLang="zh-CN" dirty="0" smtClean="0"/>
+                        <a:t>PUT</a:t>
+                      </a:r>
+                      <a:endParaRPr lang="zh-CN" altLang="en-US" dirty="0"/>
+                    </a:p>
+                  </a:txBody>
+                  <a:tcPr/>
+                </a:tc>
+                <a:tc>
+                  <a:txBody>
+                    <a:bodyPr/>
+                    <a:lstStyle/>
+                    <a:p>
+                      <a:r>
+                        <a:rPr lang="en-US" altLang="zh-CN" dirty="0" smtClean="0"/>
+                        <a:t>UPDATE</a:t>
+                      </a:r>
+                      <a:endParaRPr lang="zh-CN" altLang="en-US" dirty="0"/>
+                    </a:p>
+                  </a:txBody>
+                  <a:tcPr/>
+                </a:tc>
+                <a:tc>
+                  <a:txBody>
+                    <a:bodyPr/>
+                    <a:lstStyle/>
+                    <a:p>
+                      <a:pPr algn="ctr"/>
+                      <a:r>
+                        <a:rPr lang="zh-CN" altLang="en-US" dirty="0" smtClean="0"/>
+                        <a:t>是</a:t>
+                      </a:r>
+                      <a:endParaRPr lang="zh-CN" altLang="en-US" dirty="0"/>
+                    </a:p>
+                  </a:txBody>
+                  <a:tcPr/>
+                </a:tc>
+                <a:tc>
+                  <a:txBody>
+                    <a:bodyPr/>
+                    <a:lstStyle/>
+                    <a:p>
+                      <a:pPr algn="ctr"/>
+                      <a:r>
+                        <a:rPr lang="zh-CN" altLang="en-US" dirty="0" smtClean="0"/>
+                        <a:t>否</a:t>
+                      </a:r>
+                      <a:endParaRPr lang="zh-CN" altLang="en-US" dirty="0"/>
+                    </a:p>
+                  </a:txBody>
+                  <a:tcPr/>
+                </a:tc>
+              </a:tr>
+              <a:tr h="413450">
+                <a:tc>
+                  <a:txBody>
+                    <a:bodyPr/>
+                    <a:lstStyle/>
+                    <a:p>
+                      <a:r>
+                        <a:rPr lang="en-US" altLang="zh-CN" dirty="0" smtClean="0"/>
+                        <a:t>DELETE</a:t>
+                      </a:r>
+                      <a:endParaRPr lang="zh-CN" altLang="en-US" dirty="0"/>
+                    </a:p>
+                  </a:txBody>
+                  <a:tcPr/>
+                </a:tc>
+                <a:tc>
+                  <a:txBody>
+                    <a:bodyPr/>
+                    <a:lstStyle/>
+                    <a:p>
+                      <a:r>
+                        <a:rPr lang="en-US" altLang="zh-CN" dirty="0" smtClean="0"/>
+                        <a:t>DELETE</a:t>
+                      </a:r>
+                      <a:endParaRPr lang="zh-CN" altLang="en-US" dirty="0"/>
+                    </a:p>
+                  </a:txBody>
+                  <a:tcPr/>
+                </a:tc>
+                <a:tc>
+                  <a:txBody>
+                    <a:bodyPr/>
+                    <a:lstStyle/>
+                    <a:p>
+                      <a:pPr algn="ctr"/>
+                      <a:r>
+                        <a:rPr lang="zh-CN" altLang="en-US" dirty="0" smtClean="0"/>
+                        <a:t>是</a:t>
+                      </a:r>
+                      <a:endParaRPr lang="zh-CN" altLang="en-US" dirty="0"/>
+                    </a:p>
+                  </a:txBody>
+                  <a:tcPr/>
+                </a:tc>
+                <a:tc>
+                  <a:txBody>
+                    <a:bodyPr/>
+                    <a:lstStyle/>
+                    <a:p>
+                      <a:pPr algn="ctr"/>
+                      <a:r>
+                        <a:rPr lang="zh-CN" altLang="en-US" dirty="0" smtClean="0"/>
+                        <a:t>否</a:t>
+                      </a:r>
+                      <a:endParaRPr lang="en-US" altLang="zh-CN" dirty="0" smtClean="0"/>
+                    </a:p>
+                  </a:txBody>
+                  <a:tcPr/>
+                </a:tc>
+              </a:tr>
+              <a:tr h="413450">
+                <a:tc>
+                  <a:txBody>
+                    <a:bodyPr/>
+                    <a:lstStyle/>
+                    <a:p>
+                      <a:r>
+                        <a:rPr lang="en-US" altLang="zh-CN" sz="1800" b="0" i="0" kern="1200" dirty="0" smtClean="0">
+                          <a:solidFill>
+                            <a:schemeClr val="dk1"/>
+                          </a:solidFill>
+                          <a:effectLst/>
+                          <a:latin typeface="+mn-lt"/>
+                          <a:ea typeface="+mn-ea"/>
+                          <a:cs typeface="+mn-cs"/>
+                        </a:rPr>
+                        <a:t>HEAD</a:t>
+                      </a:r>
+                      <a:endParaRPr lang="zh-CN" altLang="en-US" dirty="0"/>
+                    </a:p>
+                  </a:txBody>
+                  <a:tcPr/>
+                </a:tc>
+                <a:tc>
+                  <a:txBody>
+                    <a:bodyPr/>
+                    <a:lstStyle/>
+                    <a:p>
+                      <a:r>
+                        <a:rPr lang="en-US" altLang="zh-CN" dirty="0" smtClean="0"/>
+                        <a:t>SELECT</a:t>
+                      </a:r>
+                      <a:endParaRPr lang="zh-CN" altLang="en-US" dirty="0"/>
+                    </a:p>
+                  </a:txBody>
+                  <a:tcPr/>
+                </a:tc>
+                <a:tc>
+                  <a:txBody>
+                    <a:bodyPr/>
+                    <a:lstStyle/>
+                    <a:p>
+                      <a:pPr algn="ctr"/>
+                      <a:r>
+                        <a:rPr lang="zh-CN" altLang="en-US" dirty="0" smtClean="0"/>
+                        <a:t>是</a:t>
+                      </a:r>
+                      <a:endParaRPr lang="zh-CN" altLang="en-US" dirty="0"/>
+                    </a:p>
+                  </a:txBody>
+                  <a:tcPr/>
+                </a:tc>
+                <a:tc>
+                  <a:txBody>
+                    <a:bodyPr/>
+                    <a:lstStyle/>
+                    <a:p>
+                      <a:pPr algn="ctr"/>
+                      <a:r>
+                        <a:rPr lang="zh-CN" altLang="en-US" dirty="0" smtClean="0"/>
+                        <a:t>是</a:t>
+                      </a:r>
+                      <a:endParaRPr lang="zh-CN" altLang="en-US" dirty="0"/>
+                    </a:p>
+                  </a:txBody>
+                  <a:tcPr/>
+                </a:tc>
+              </a:tr>
+              <a:tr h="413450">
+                <a:tc>
+                  <a:txBody>
+                    <a:bodyPr/>
+                    <a:lstStyle/>
+                    <a:p>
+                      <a:r>
+                        <a:rPr lang="en-US" altLang="zh-CN" sz="1800" b="0" i="0" kern="1200" dirty="0" smtClean="0">
+                          <a:solidFill>
+                            <a:schemeClr val="dk1"/>
+                          </a:solidFill>
+                          <a:effectLst/>
+                          <a:latin typeface="+mn-lt"/>
+                          <a:ea typeface="+mn-ea"/>
+                          <a:cs typeface="+mn-cs"/>
+                        </a:rPr>
+                        <a:t>PATCH</a:t>
+                      </a:r>
+                      <a:endParaRPr lang="zh-CN" altLang="en-US" b="1" dirty="0"/>
+                    </a:p>
+                  </a:txBody>
+                  <a:tcPr/>
+                </a:tc>
+                <a:tc>
+                  <a:txBody>
+                    <a:bodyPr/>
+                    <a:lstStyle/>
+                    <a:p>
+                      <a:r>
+                        <a:rPr lang="en-US" altLang="zh-CN" dirty="0" smtClean="0"/>
+                        <a:t>UPDATE</a:t>
+                      </a:r>
+                      <a:endParaRPr lang="zh-CN" altLang="en-US" dirty="0"/>
+                    </a:p>
+                  </a:txBody>
+                  <a:tcPr/>
+                </a:tc>
+                <a:tc>
+                  <a:txBody>
+                    <a:bodyPr/>
+                    <a:lstStyle/>
+                    <a:p>
+                      <a:pPr algn="ctr"/>
+                      <a:r>
+                        <a:rPr lang="zh-CN" altLang="en-US" dirty="0" smtClean="0"/>
+                        <a:t>是</a:t>
+                      </a:r>
+                      <a:endParaRPr lang="zh-CN" altLang="en-US" dirty="0"/>
+                    </a:p>
+                  </a:txBody>
+                  <a:tcPr/>
+                </a:tc>
+                <a:tc>
+                  <a:txBody>
+                    <a:bodyPr/>
+                    <a:lstStyle/>
+                    <a:p>
+                      <a:pPr algn="ctr"/>
+                      <a:r>
+                        <a:rPr lang="zh-CN" altLang="en-US" dirty="0" smtClean="0"/>
+                        <a:t>否</a:t>
+                      </a:r>
+                      <a:endParaRPr lang="zh-CN" altLang="en-US" dirty="0"/>
+                    </a:p>
+                  </a:txBody>
+                  <a:tcPr/>
+                </a:tc>
+              </a:tr>
+            </a:tbl>
+          </a:graphicData>
+        </a:graphic>
+      </p:graphicFrame>
+      <p:sp>
+        <p:nvSpPr>
+          <p:cNvPr id="8" name="文本框 7"/>
+          <p:cNvSpPr txBox="1"/>
+          <p:nvPr/>
+        </p:nvSpPr>
         <p:spPr>
           <a:xfrm>
-            <a:off x="677334" y="609600"/>
-            <a:ext cx="8596668" cy="827314"/>
+            <a:off x="911668" y="4998720"/>
+            <a:ext cx="7309223" cy="646331"/>
           </a:xfrm>
+          <a:prstGeom prst="rect">
+            <a:avLst/>
+          </a:prstGeom>
+          <a:noFill/>
         </p:spPr>
         <p:txBody>
-          <a:bodyPr/>
+          <a:bodyPr wrap="square" rtlCol="0">
+            <a:spAutoFit/>
+          </a:bodyPr>
           <a:lstStyle/>
           <a:p>
             <a:r>
-              <a:rPr lang="zh-CN" altLang="en-US" b="1" dirty="0"/>
-              <a:t>为什么要遵循</a:t>
-            </a:r>
-            <a:r>
-              <a:rPr lang="en-US" altLang="zh-CN" b="1" dirty="0" smtClean="0"/>
+              <a:rPr lang="zh-CN" altLang="en-US" dirty="0" smtClean="0">
+                <a:solidFill>
+                  <a:schemeClr val="accent2"/>
+                </a:solidFill>
+                <a:latin typeface="黑体" panose="02010609060101010101" pitchFamily="49" charset="-122"/>
+                <a:ea typeface="黑体" panose="02010609060101010101" pitchFamily="49" charset="-122"/>
+              </a:rPr>
+              <a:t>幂等性</a:t>
+            </a:r>
+            <a:r>
+              <a:rPr lang="en-US" altLang="zh-CN" dirty="0" smtClean="0">
+                <a:solidFill>
+                  <a:schemeClr val="accent2"/>
+                </a:solidFill>
+                <a:latin typeface="黑体" panose="02010609060101010101" pitchFamily="49" charset="-122"/>
+                <a:ea typeface="黑体" panose="02010609060101010101" pitchFamily="49" charset="-122"/>
+              </a:rPr>
+              <a:t>: </a:t>
+            </a:r>
+            <a:r>
+              <a:rPr lang="zh-CN" altLang="en-US" dirty="0" smtClean="0">
+                <a:solidFill>
+                  <a:schemeClr val="accent2"/>
+                </a:solidFill>
+                <a:latin typeface="黑体" panose="02010609060101010101" pitchFamily="49" charset="-122"/>
+                <a:ea typeface="黑体" panose="02010609060101010101" pitchFamily="49" charset="-122"/>
+              </a:rPr>
+              <a:t>对同一</a:t>
+            </a:r>
+            <a:r>
+              <a:rPr lang="en-US" altLang="zh-CN" dirty="0" smtClean="0">
+                <a:solidFill>
+                  <a:schemeClr val="accent2"/>
+                </a:solidFill>
+                <a:latin typeface="黑体" panose="02010609060101010101" pitchFamily="49" charset="-122"/>
+                <a:ea typeface="黑体" panose="02010609060101010101" pitchFamily="49" charset="-122"/>
+              </a:rPr>
               <a:t>REST</a:t>
             </a:r>
-            <a:endParaRPr lang="zh-CN" altLang="en-US" dirty="0"/>
-          </a:p>
-        </p:txBody>
-      </p:sp>
-      <p:sp>
-        <p:nvSpPr>
-          <p:cNvPr id="3" name="内容占位符 2"/>
-          <p:cNvSpPr>
-            <a:spLocks noGrp="1"/>
-          </p:cNvSpPr>
-          <p:nvPr>
-            <p:ph idx="1"/>
-          </p:nvPr>
-        </p:nvSpPr>
-        <p:spPr>
-          <a:xfrm>
-            <a:off x="581539" y="1838371"/>
-            <a:ext cx="8596668" cy="3880773"/>
-          </a:xfrm>
-        </p:spPr>
-        <p:txBody>
-          <a:bodyPr/>
-          <a:lstStyle/>
-          <a:p>
-            <a:r>
-              <a:rPr lang="zh-CN" altLang="en-US" dirty="0"/>
-              <a:t> 可更高效利用缓存来提高响应速度</a:t>
-            </a:r>
-          </a:p>
-          <a:p>
-            <a:r>
-              <a:rPr lang="zh-CN" altLang="en-US" dirty="0" smtClean="0"/>
-              <a:t> 通讯</a:t>
-            </a:r>
-            <a:r>
-              <a:rPr lang="zh-CN" altLang="en-US" dirty="0"/>
-              <a:t>本身的无状态性可以让不同的服务器的处理一系列请求中的不同请求，</a:t>
-            </a:r>
-            <a:r>
-              <a:rPr lang="zh-CN" altLang="en-US" dirty="0" smtClean="0"/>
-              <a:t>提高服务器</a:t>
-            </a:r>
-            <a:r>
-              <a:rPr lang="zh-CN" altLang="en-US" dirty="0"/>
-              <a:t>的扩展性</a:t>
-            </a:r>
-          </a:p>
-          <a:p>
-            <a:r>
-              <a:rPr lang="zh-CN" altLang="en-US" dirty="0"/>
-              <a:t>	浏览器即可作为客户端，简化软件需求</a:t>
-            </a:r>
-          </a:p>
-          <a:p>
-            <a:r>
-              <a:rPr lang="zh-CN" altLang="en-US" dirty="0"/>
-              <a:t>	相对于其他叠加在</a:t>
-            </a:r>
-            <a:r>
-              <a:rPr lang="en-US" altLang="zh-CN" dirty="0"/>
-              <a:t>HTTP</a:t>
-            </a:r>
-            <a:r>
-              <a:rPr lang="zh-CN" altLang="en-US" dirty="0"/>
-              <a:t>协议之上的机制，</a:t>
-            </a:r>
-            <a:r>
-              <a:rPr lang="en-US" altLang="zh-CN" dirty="0"/>
+            <a:r>
+              <a:rPr lang="zh-CN" altLang="en-US" dirty="0" smtClean="0">
+                <a:solidFill>
+                  <a:schemeClr val="accent2"/>
+                </a:solidFill>
+                <a:latin typeface="黑体" panose="02010609060101010101" pitchFamily="49" charset="-122"/>
+                <a:ea typeface="黑体" panose="02010609060101010101" pitchFamily="49" charset="-122"/>
+              </a:rPr>
+              <a:t>接口多次访问，得到的资源状态是相同的。</a:t>
+            </a:r>
+            <a:endParaRPr lang="en-US" altLang="zh-CN" dirty="0" smtClean="0">
+              <a:solidFill>
+                <a:schemeClr val="accent2"/>
+              </a:solidFill>
+              <a:latin typeface="黑体" panose="02010609060101010101" pitchFamily="49" charset="-122"/>
+              <a:ea typeface="黑体" panose="02010609060101010101" pitchFamily="49" charset="-122"/>
+            </a:endParaRPr>
+          </a:p>
+          <a:p>
+            <a:r>
+              <a:rPr lang="zh-CN" altLang="en-US" dirty="0" smtClean="0">
+                <a:solidFill>
+                  <a:schemeClr val="accent2"/>
+                </a:solidFill>
+                <a:latin typeface="黑体" panose="02010609060101010101" pitchFamily="49" charset="-122"/>
+                <a:ea typeface="黑体" panose="02010609060101010101" pitchFamily="49" charset="-122"/>
+              </a:rPr>
+              <a:t>安全性：对该</a:t>
+            </a:r>
+            <a:r>
+              <a:rPr lang="en-US" altLang="zh-CN" dirty="0" smtClean="0">
+                <a:solidFill>
+                  <a:schemeClr val="accent2"/>
+                </a:solidFill>
+                <a:latin typeface="黑体" panose="02010609060101010101" pitchFamily="49" charset="-122"/>
+                <a:ea typeface="黑体" panose="02010609060101010101" pitchFamily="49" charset="-122"/>
+              </a:rPr>
               <a:t>REST</a:t>
             </a:r>
             <a:r>
-              <a:rPr lang="zh-CN" altLang="en-US" dirty="0"/>
-              <a:t>的软件依赖性更小</a:t>
-            </a:r>
-          </a:p>
-          <a:p>
-            <a:r>
-              <a:rPr lang="zh-CN" altLang="en-US" dirty="0"/>
-              <a:t>	不需要额外的资源发现机制</a:t>
-            </a:r>
-          </a:p>
-          <a:p>
-            <a:r>
-              <a:rPr lang="zh-CN" altLang="en-US" dirty="0"/>
-              <a:t>	在软件技术演进中的长期的兼容性更好</a:t>
-            </a:r>
+              <a:rPr lang="zh-CN" altLang="en-US" dirty="0" smtClean="0">
+                <a:solidFill>
+                  <a:schemeClr val="accent2"/>
+                </a:solidFill>
+                <a:latin typeface="黑体" panose="02010609060101010101" pitchFamily="49" charset="-122"/>
+                <a:ea typeface="黑体" panose="02010609060101010101" pitchFamily="49" charset="-122"/>
+              </a:rPr>
+              <a:t>接口访问，不会使服务端资源状态发生改变。</a:t>
+            </a:r>
+            <a:endParaRPr lang="zh-CN" altLang="en-US" dirty="0">
+              <a:solidFill>
+                <a:schemeClr val="accent2"/>
+              </a:solidFill>
+              <a:latin typeface="黑体" panose="02010609060101010101" pitchFamily="49" charset="-122"/>
+              <a:ea typeface="黑体" panose="02010609060101010101" pitchFamily="49" charset="-122"/>
+            </a:endParaRPr>
           </a:p>
         </p:txBody>
       </p:sp>
     </p:spTree>
     <p:extLst>
       <p:ext uri="{BB962C8B-B14F-4D97-AF65-F5344CB8AC3E}">
-        <p14:creationId xmlns:p14="http://schemas.microsoft.com/office/powerpoint/2010/main" val="3566023742"/>
+        <p14:creationId xmlns:p14="http://schemas.microsoft.com/office/powerpoint/2010/main" val="2228192792"/>
       </p:ext>
     </p:extLst>
   </p:cSld>
@@ -6711,10 +10906,369 @@
             <p:ph type="title"/>
           </p:nvPr>
         </p:nvSpPr>
+        <p:spPr/>
+        <p:txBody>
+          <a:bodyPr/>
+          <a:lstStyle/>
+          <a:p>
+            <a:r>
+              <a:rPr lang="en-US" altLang="zh-CN" dirty="0" smtClean="0"/>
+              <a:t>HTTP</a:t>
+            </a:r>
+            <a:r>
+              <a:rPr lang="zh-CN" altLang="en-US" dirty="0" smtClean="0"/>
+              <a:t>请求状态码</a:t>
+            </a:r>
+            <a:endParaRPr lang="zh-CN" altLang="en-US" dirty="0"/>
+          </a:p>
+        </p:txBody>
+      </p:sp>
+      <p:graphicFrame>
+        <p:nvGraphicFramePr>
+          <p:cNvPr id="6" name="表格 5"/>
+          <p:cNvGraphicFramePr>
+            <a:graphicFrameLocks noGrp="1"/>
+          </p:cNvGraphicFramePr>
+          <p:nvPr>
+            <p:extLst>
+              <p:ext uri="{D42A27DB-BD31-4B8C-83A1-F6EECF244321}">
+                <p14:modId xmlns:p14="http://schemas.microsoft.com/office/powerpoint/2010/main" val="2313849136"/>
+              </p:ext>
+            </p:extLst>
+          </p:nvPr>
+        </p:nvGraphicFramePr>
+        <p:xfrm>
+          <a:off x="747003" y="2044821"/>
+          <a:ext cx="7230047" cy="2144000"/>
+        </p:xfrm>
+        <a:graphic>
+          <a:graphicData uri="http://schemas.openxmlformats.org/drawingml/2006/table">
+            <a:tbl>
+              <a:tblPr firstRow="1" bandRow="1">
+                <a:tableStyleId>{5C22544A-7EE6-4342-B048-85BDC9FD1C3A}</a:tableStyleId>
+              </a:tblPr>
+              <a:tblGrid>
+                <a:gridCol w="1581730"/>
+                <a:gridCol w="5648317"/>
+              </a:tblGrid>
+              <a:tr h="424088">
+                <a:tc>
+                  <a:txBody>
+                    <a:bodyPr/>
+                    <a:lstStyle/>
+                    <a:p>
+                      <a:pPr algn="ctr"/>
+                      <a:r>
+                        <a:rPr lang="zh-CN" altLang="en-US" dirty="0" smtClean="0"/>
+                        <a:t>状态码</a:t>
+                      </a:r>
+                      <a:endParaRPr lang="zh-CN" altLang="en-US" dirty="0"/>
+                    </a:p>
+                  </a:txBody>
+                  <a:tcPr/>
+                </a:tc>
+                <a:tc>
+                  <a:txBody>
+                    <a:bodyPr/>
+                    <a:lstStyle/>
+                    <a:p>
+                      <a:pPr algn="ctr"/>
+                      <a:r>
+                        <a:rPr lang="zh-CN" altLang="en-US" dirty="0" smtClean="0"/>
+                        <a:t>描述</a:t>
+                      </a:r>
+                      <a:endParaRPr lang="zh-CN" altLang="en-US" dirty="0"/>
+                    </a:p>
+                  </a:txBody>
+                  <a:tcPr/>
+                </a:tc>
+              </a:tr>
+              <a:tr h="429978">
+                <a:tc>
+                  <a:txBody>
+                    <a:bodyPr/>
+                    <a:lstStyle/>
+                    <a:p>
+                      <a:pPr algn="ctr"/>
+                      <a:r>
+                        <a:rPr lang="en-US" altLang="zh-CN" dirty="0" smtClean="0"/>
+                        <a:t>2xx</a:t>
+                      </a:r>
+                      <a:endParaRPr lang="zh-CN" altLang="en-US" dirty="0"/>
+                    </a:p>
+                  </a:txBody>
+                  <a:tcPr/>
+                </a:tc>
+                <a:tc>
+                  <a:txBody>
+                    <a:bodyPr/>
+                    <a:lstStyle/>
+                    <a:p>
+                      <a:pPr algn="l"/>
+                      <a:r>
+                        <a:rPr lang="zh-CN" altLang="en-US" sz="1800" b="0" i="0" kern="1200" dirty="0" smtClean="0">
+                          <a:solidFill>
+                            <a:schemeClr val="dk1"/>
+                          </a:solidFill>
+                          <a:effectLst/>
+                          <a:latin typeface="+mn-lt"/>
+                          <a:ea typeface="+mn-ea"/>
+                          <a:cs typeface="+mn-cs"/>
+                        </a:rPr>
+                        <a:t>请求正常处理并返回</a:t>
+                      </a:r>
+                      <a:endParaRPr lang="zh-CN" altLang="en-US" dirty="0"/>
+                    </a:p>
+                  </a:txBody>
+                  <a:tcPr/>
+                </a:tc>
+              </a:tr>
+              <a:tr h="429978">
+                <a:tc>
+                  <a:txBody>
+                    <a:bodyPr/>
+                    <a:lstStyle/>
+                    <a:p>
+                      <a:pPr algn="ctr"/>
+                      <a:r>
+                        <a:rPr lang="en-US" altLang="zh-CN" dirty="0" smtClean="0"/>
+                        <a:t>3xx</a:t>
+                      </a:r>
+                      <a:endParaRPr lang="zh-CN" altLang="en-US" dirty="0"/>
+                    </a:p>
+                  </a:txBody>
+                  <a:tcPr/>
+                </a:tc>
+                <a:tc>
+                  <a:txBody>
+                    <a:bodyPr/>
+                    <a:lstStyle/>
+                    <a:p>
+                      <a:pPr algn="l"/>
+                      <a:r>
+                        <a:rPr lang="zh-CN" altLang="en-US" sz="1800" b="0" i="0" kern="1200" dirty="0" smtClean="0">
+                          <a:solidFill>
+                            <a:schemeClr val="dk1"/>
+                          </a:solidFill>
+                          <a:effectLst/>
+                          <a:latin typeface="+mn-lt"/>
+                          <a:ea typeface="+mn-ea"/>
+                          <a:cs typeface="+mn-cs"/>
+                        </a:rPr>
+                        <a:t>重定向，请求的资源位置发生变化</a:t>
+                      </a:r>
+                      <a:endParaRPr lang="zh-CN" altLang="en-US" dirty="0"/>
+                    </a:p>
+                  </a:txBody>
+                  <a:tcPr/>
+                </a:tc>
+              </a:tr>
+              <a:tr h="429978">
+                <a:tc>
+                  <a:txBody>
+                    <a:bodyPr/>
+                    <a:lstStyle/>
+                    <a:p>
+                      <a:pPr algn="ctr"/>
+                      <a:r>
+                        <a:rPr lang="en-US" altLang="zh-CN" dirty="0" smtClean="0"/>
+                        <a:t>4xx</a:t>
+                      </a:r>
+                      <a:endParaRPr lang="zh-CN" altLang="en-US" dirty="0"/>
+                    </a:p>
+                  </a:txBody>
+                  <a:tcPr/>
+                </a:tc>
+                <a:tc>
+                  <a:txBody>
+                    <a:bodyPr/>
+                    <a:lstStyle/>
+                    <a:p>
+                      <a:pPr algn="l"/>
+                      <a:r>
+                        <a:rPr lang="zh-CN" altLang="en-US" sz="1800" b="0" i="0" kern="1200" dirty="0" smtClean="0">
+                          <a:solidFill>
+                            <a:schemeClr val="dk1"/>
+                          </a:solidFill>
+                          <a:effectLst/>
+                          <a:latin typeface="+mn-lt"/>
+                          <a:ea typeface="+mn-ea"/>
+                          <a:cs typeface="+mn-cs"/>
+                        </a:rPr>
+                        <a:t>客户端发送的请求有误</a:t>
+                      </a:r>
+                      <a:endParaRPr lang="zh-CN" altLang="en-US" dirty="0"/>
+                    </a:p>
+                  </a:txBody>
+                  <a:tcPr/>
+                </a:tc>
+              </a:tr>
+              <a:tr h="429978">
+                <a:tc>
+                  <a:txBody>
+                    <a:bodyPr/>
+                    <a:lstStyle/>
+                    <a:p>
+                      <a:pPr algn="ctr"/>
+                      <a:r>
+                        <a:rPr lang="en-US" altLang="zh-CN" dirty="0" smtClean="0"/>
+                        <a:t>5xx</a:t>
+                      </a:r>
+                      <a:endParaRPr lang="zh-CN" altLang="en-US" dirty="0"/>
+                    </a:p>
+                  </a:txBody>
+                  <a:tcPr/>
+                </a:tc>
+                <a:tc>
+                  <a:txBody>
+                    <a:bodyPr/>
+                    <a:lstStyle/>
+                    <a:p>
+                      <a:pPr algn="l"/>
+                      <a:r>
+                        <a:rPr lang="zh-CN" altLang="en-US" sz="1800" b="0" i="0" kern="1200" dirty="0" smtClean="0">
+                          <a:solidFill>
+                            <a:schemeClr val="dk1"/>
+                          </a:solidFill>
+                          <a:effectLst/>
+                          <a:latin typeface="+mn-lt"/>
+                          <a:ea typeface="+mn-ea"/>
+                          <a:cs typeface="+mn-cs"/>
+                        </a:rPr>
+                        <a:t>服务器端的错误</a:t>
+                      </a:r>
+                      <a:endParaRPr lang="zh-CN" altLang="en-US" dirty="0"/>
+                    </a:p>
+                  </a:txBody>
+                  <a:tcPr/>
+                </a:tc>
+              </a:tr>
+            </a:tbl>
+          </a:graphicData>
+        </a:graphic>
+      </p:graphicFrame>
+      <p:sp>
+        <p:nvSpPr>
+          <p:cNvPr id="8" name="文本框 7"/>
+          <p:cNvSpPr txBox="1"/>
+          <p:nvPr/>
+        </p:nvSpPr>
+        <p:spPr>
+          <a:xfrm>
+            <a:off x="747003" y="4624252"/>
+            <a:ext cx="5225142" cy="1200329"/>
+          </a:xfrm>
+          <a:prstGeom prst="rect">
+            <a:avLst/>
+          </a:prstGeom>
+          <a:noFill/>
+        </p:spPr>
+        <p:txBody>
+          <a:bodyPr wrap="square" rtlCol="0">
+            <a:spAutoFit/>
+          </a:bodyPr>
+          <a:lstStyle/>
+          <a:p>
+            <a:r>
+              <a:rPr lang="en-US" altLang="zh-CN" dirty="0" smtClean="0">
+                <a:solidFill>
+                  <a:schemeClr val="accent2"/>
+                </a:solidFill>
+                <a:latin typeface="黑体" panose="02010609060101010101" pitchFamily="49" charset="-122"/>
+                <a:ea typeface="黑体" panose="02010609060101010101" pitchFamily="49" charset="-122"/>
+              </a:rPr>
+              <a:t>200:</a:t>
+            </a:r>
+          </a:p>
+          <a:p>
+            <a:r>
+              <a:rPr lang="en-US" altLang="zh-CN" dirty="0" smtClean="0">
+                <a:solidFill>
+                  <a:schemeClr val="accent2"/>
+                </a:solidFill>
+                <a:latin typeface="黑体" panose="02010609060101010101" pitchFamily="49" charset="-122"/>
+                <a:ea typeface="黑体" panose="02010609060101010101" pitchFamily="49" charset="-122"/>
+              </a:rPr>
+              <a:t>302:</a:t>
+            </a:r>
+          </a:p>
+          <a:p>
+            <a:r>
+              <a:rPr lang="en-US" altLang="zh-CN" dirty="0" smtClean="0">
+                <a:solidFill>
+                  <a:schemeClr val="accent2"/>
+                </a:solidFill>
+                <a:latin typeface="黑体" panose="02010609060101010101" pitchFamily="49" charset="-122"/>
+                <a:ea typeface="黑体" panose="02010609060101010101" pitchFamily="49" charset="-122"/>
+              </a:rPr>
+              <a:t>404:</a:t>
+            </a:r>
+          </a:p>
+          <a:p>
+            <a:r>
+              <a:rPr lang="en-US" altLang="zh-CN" dirty="0" smtClean="0">
+                <a:solidFill>
+                  <a:schemeClr val="accent2"/>
+                </a:solidFill>
+                <a:latin typeface="黑体" panose="02010609060101010101" pitchFamily="49" charset="-122"/>
+                <a:ea typeface="黑体" panose="02010609060101010101" pitchFamily="49" charset="-122"/>
+              </a:rPr>
+              <a:t>500:</a:t>
+            </a:r>
+          </a:p>
+        </p:txBody>
+      </p:sp>
+    </p:spTree>
+    <p:extLst>
+      <p:ext uri="{BB962C8B-B14F-4D97-AF65-F5344CB8AC3E}">
+        <p14:creationId xmlns:p14="http://schemas.microsoft.com/office/powerpoint/2010/main" val="4081177127"/>
+      </p:ext>
+    </p:extLst>
+  </p:cSld>
+  <p:clrMapOvr>
+    <a:masterClrMapping/>
+  </p:clrMapOvr>
+  <p:timing>
+    <p:tnLst>
+      <p:par>
+        <p:cTn id="1" dur="indefinite" restart="never" nodeType="tmRoot"/>
+      </p:par>
+    </p:tnLst>
+  </p:timing>
+</p:sld>
+</file>
+
+<file path=ppt/slides/slide8.xml><?xml version="1.0" encoding="utf-8"?>
+<p:sld xmlns:a="http://schemas.openxmlformats.org/drawingml/2006/main" xmlns:r="http://schemas.openxmlformats.org/officeDocument/2006/relationships" xmlns:p="http://schemas.openxmlformats.org/presentationml/2006/main">
+  <p:cSld>
+    <p:spTree>
+      <p:nvGrpSpPr>
+        <p:cNvPr id="1" name=""/>
+        <p:cNvGrpSpPr/>
+        <p:nvPr/>
+      </p:nvGrpSpPr>
+      <p:grpSpPr>
+        <a:xfrm>
+          <a:off x="0" y="0"/>
+          <a:ext cx="0" cy="0"/>
+          <a:chOff x="0" y="0"/>
+          <a:chExt cx="0" cy="0"/>
+        </a:xfrm>
+      </p:grpSpPr>
+      <p:sp>
+        <p:nvSpPr>
+          <p:cNvPr id="2" name="标题 1"/>
+          <p:cNvSpPr>
+            <a:spLocks noGrp="1"/>
+          </p:cNvSpPr>
+          <p:nvPr>
+            <p:ph type="title"/>
+          </p:nvPr>
+        </p:nvSpPr>
         <p:spPr>
           <a:xfrm>
             <a:off x="677334" y="609600"/>
-            <a:ext cx="8596668" cy="975360"/>
+            <a:ext cx="8596668" cy="940526"/>
           </a:xfrm>
         </p:spPr>
         <p:txBody>
@@ -6723,16 +11277,17 @@
           <a:p>
             <a:r>
               <a:rPr lang="en-US" altLang="zh-CN" dirty="0" smtClean="0"/>
-              <a:t>RESTful API</a:t>
-            </a:r>
-            <a:r>
-              <a:rPr lang="zh-CN" altLang="en-US" dirty="0" smtClean="0"/>
-              <a:t>的</a:t>
-            </a:r>
-            <a:r>
-              <a:rPr lang="zh-CN" altLang="en-US" dirty="0"/>
-              <a:t>描述文档</a:t>
-            </a:r>
+              <a:t>RESTful </a:t>
+            </a:r>
+            <a:r>
+              <a:rPr lang="en-US" altLang="zh-CN" dirty="0" smtClean="0"/>
+              <a:t>API </a:t>
+            </a:r>
+            <a:r>
+              <a:rPr lang="en-US" altLang="zh-CN" dirty="0" smtClean="0"/>
+              <a:t>&amp; HTTP</a:t>
+            </a:r>
+            <a:endParaRPr lang="zh-CN" altLang="en-US" dirty="0"/>
           </a:p>
         </p:txBody>
       </p:sp>
@@ -6746,140 +11301,542 @@
             <p:ph idx="1"/>
           </p:nvPr>
         </p:nvSpPr>
-        <p:spPr/>
+        <p:spPr>
+          <a:xfrm>
+            <a:off x="677334" y="2160590"/>
+            <a:ext cx="8596668" cy="2481080"/>
+          </a:xfrm>
+        </p:spPr>
         <p:txBody>
           <a:bodyPr/>
           <a:lstStyle/>
           <a:p>
             <a:r>
-              <a:rPr lang="it-IT" altLang="zh-CN" dirty="0" smtClean="0"/>
-              <a:t>API </a:t>
-            </a:r>
-            <a:r>
-              <a:rPr lang="it-IT" altLang="zh-CN" dirty="0"/>
-              <a:t>Blueprint</a:t>
-            </a:r>
-            <a:r>
-              <a:rPr lang="it-IT" altLang="zh-CN" dirty="0" smtClean="0"/>
-              <a:t>( </a:t>
-            </a:r>
-            <a:r>
-              <a:rPr lang="it-IT" altLang="zh-CN" dirty="0" smtClean="0">
+              <a:rPr lang="en-US" altLang="zh-CN" dirty="0" smtClean="0">
+                <a:latin typeface="黑体" panose="02010609060101010101" pitchFamily="49" charset="-122"/>
+                <a:ea typeface="黑体" panose="02010609060101010101" pitchFamily="49" charset="-122"/>
+              </a:rPr>
+              <a:t>REST</a:t>
+            </a:r>
+            <a:r>
+              <a:rPr lang="zh-CN" altLang="en-US" dirty="0" smtClean="0">
+                <a:latin typeface="黑体" panose="02010609060101010101" pitchFamily="49" charset="-122"/>
+                <a:ea typeface="黑体" panose="02010609060101010101" pitchFamily="49" charset="-122"/>
+              </a:rPr>
+              <a:t>是</a:t>
+            </a:r>
+            <a:r>
+              <a:rPr lang="zh-CN" altLang="en-US" dirty="0">
+                <a:latin typeface="黑体" panose="02010609060101010101" pitchFamily="49" charset="-122"/>
+                <a:ea typeface="黑体" panose="02010609060101010101" pitchFamily="49" charset="-122"/>
+              </a:rPr>
+              <a:t>软件</a:t>
+            </a:r>
+            <a:r>
+              <a:rPr lang="zh-CN" altLang="en-US" dirty="0" smtClean="0">
+                <a:latin typeface="黑体" panose="02010609060101010101" pitchFamily="49" charset="-122"/>
+                <a:ea typeface="黑体" panose="02010609060101010101" pitchFamily="49" charset="-122"/>
+              </a:rPr>
+              <a:t>设计规范</a:t>
+            </a:r>
+            <a:r>
+              <a:rPr lang="en-US" altLang="zh-CN" dirty="0" smtClean="0">
+                <a:latin typeface="黑体" panose="02010609060101010101" pitchFamily="49" charset="-122"/>
+                <a:ea typeface="黑体" panose="02010609060101010101" pitchFamily="49" charset="-122"/>
+              </a:rPr>
+              <a:t>;HTTP(</a:t>
+            </a:r>
+            <a:r>
+              <a:rPr lang="en-US" altLang="zh-CN" dirty="0" smtClean="0">
+                <a:latin typeface="黑体" panose="02010609060101010101" pitchFamily="49" charset="-122"/>
+                <a:ea typeface="黑体" panose="02010609060101010101" pitchFamily="49" charset="-122"/>
                 <a:hlinkClick r:id="rId2"/>
               </a:rPr>
-              <a:t>https</a:t>
-            </a:r>
-            <a:r>
-              <a:rPr lang="it-IT" altLang="zh-CN" dirty="0">
+              <a:t>Hyper </a:t>
+            </a:r>
+            <a:r>
+              <a:rPr lang="en-US" altLang="zh-CN" dirty="0">
+                <a:latin typeface="黑体" panose="02010609060101010101" pitchFamily="49" charset="-122"/>
+                <a:ea typeface="黑体" panose="02010609060101010101" pitchFamily="49" charset="-122"/>
                 <a:hlinkClick r:id="rId2"/>
               </a:rPr>
-              <a:t>://apiblueprint.org</a:t>
-            </a:r>
-            <a:r>
-              <a:rPr lang="it-IT" altLang="zh-CN" dirty="0" smtClean="0">
-                <a:hlinkClick r:id="rId2"/>
-              </a:rPr>
-              <a:t>/</a:t>
-            </a:r>
-            <a:r>
-              <a:rPr lang="it-IT" altLang="zh-CN" dirty="0" smtClean="0"/>
-              <a:t> )</a:t>
-            </a:r>
-            <a:endParaRPr lang="it-IT" altLang="zh-CN" dirty="0"/>
-          </a:p>
-          <a:p>
-            <a:r>
-              <a:rPr lang="it-IT" altLang="zh-CN" dirty="0" smtClean="0"/>
-              <a:t>apidocjs( </a:t>
-            </a:r>
-            <a:r>
-              <a:rPr lang="it-IT" altLang="zh-CN" dirty="0" smtClean="0">
-                <a:hlinkClick r:id="rId3"/>
-              </a:rPr>
-              <a:t>http</a:t>
-            </a:r>
-            <a:r>
-              <a:rPr lang="it-IT" altLang="zh-CN" dirty="0">
-                <a:hlinkClick r:id="rId3"/>
-              </a:rPr>
-              <a:t>://apidocjs.com</a:t>
-            </a:r>
-            <a:r>
-              <a:rPr lang="it-IT" altLang="zh-CN" dirty="0" smtClean="0">
-                <a:hlinkClick r:id="rId3"/>
-              </a:rPr>
-              <a:t>/</a:t>
-            </a:r>
-            <a:r>
-              <a:rPr lang="it-IT" altLang="zh-CN" dirty="0" smtClean="0"/>
-              <a:t> )</a:t>
-            </a:r>
-            <a:endParaRPr lang="it-IT" altLang="zh-CN" dirty="0"/>
-          </a:p>
-          <a:p>
-            <a:r>
-              <a:rPr lang="it-IT" altLang="zh-CN" dirty="0" smtClean="0"/>
-              <a:t>raml( </a:t>
-            </a:r>
-            <a:r>
-              <a:rPr lang="it-IT" altLang="zh-CN" dirty="0" smtClean="0">
-                <a:hlinkClick r:id="rId4"/>
-              </a:rPr>
-              <a:t>https</a:t>
-            </a:r>
-            <a:r>
-              <a:rPr lang="it-IT" altLang="zh-CN" dirty="0">
-                <a:hlinkClick r:id="rId4"/>
-              </a:rPr>
-              <a:t>://raml.org</a:t>
-            </a:r>
-            <a:r>
-              <a:rPr lang="it-IT" altLang="zh-CN" dirty="0" smtClean="0">
-                <a:hlinkClick r:id="rId4"/>
-              </a:rPr>
-              <a:t>/</a:t>
-            </a:r>
-            <a:r>
-              <a:rPr lang="it-IT" altLang="zh-CN" dirty="0" smtClean="0"/>
-              <a:t> )</a:t>
-            </a:r>
-            <a:endParaRPr lang="it-IT" altLang="zh-CN" dirty="0"/>
-          </a:p>
-          <a:p>
-            <a:r>
-              <a:rPr lang="it-IT" altLang="zh-CN" dirty="0" smtClean="0"/>
-              <a:t>swagger( </a:t>
-            </a:r>
-            <a:r>
-              <a:rPr lang="it-IT" altLang="zh-CN" dirty="0" smtClean="0">
-                <a:hlinkClick r:id="rId5"/>
-              </a:rPr>
-              <a:t>https</a:t>
-            </a:r>
-            <a:r>
-              <a:rPr lang="it-IT" altLang="zh-CN" dirty="0">
-                <a:hlinkClick r:id="rId5"/>
-              </a:rPr>
-              <a:t>://swagger.io</a:t>
-            </a:r>
-            <a:r>
-              <a:rPr lang="it-IT" altLang="zh-CN" dirty="0" smtClean="0">
-                <a:hlinkClick r:id="rId5"/>
-              </a:rPr>
-              <a:t>/</a:t>
-            </a:r>
-            <a:r>
-              <a:rPr lang="it-IT" altLang="zh-CN" dirty="0" smtClean="0"/>
-              <a:t> )</a:t>
-            </a:r>
-            <a:endParaRPr lang="zh-CN" altLang="en-US" dirty="0"/>
+              <a:t>Text Transfer Protocol</a:t>
+            </a:r>
+            <a:r>
+              <a:rPr lang="en-US" altLang="zh-CN" dirty="0">
+                <a:latin typeface="黑体" panose="02010609060101010101" pitchFamily="49" charset="-122"/>
+                <a:ea typeface="黑体" panose="02010609060101010101" pitchFamily="49" charset="-122"/>
+              </a:rPr>
+              <a:t>)</a:t>
+            </a:r>
+            <a:r>
+              <a:rPr lang="zh-CN" altLang="en-US" dirty="0" smtClean="0">
+                <a:latin typeface="黑体" panose="02010609060101010101" pitchFamily="49" charset="-122"/>
+                <a:ea typeface="黑体" panose="02010609060101010101" pitchFamily="49" charset="-122"/>
+              </a:rPr>
+              <a:t>是超文本</a:t>
+            </a:r>
+            <a:r>
+              <a:rPr lang="zh-CN" altLang="en-US" dirty="0" smtClean="0">
+                <a:latin typeface="黑体" panose="02010609060101010101" pitchFamily="49" charset="-122"/>
+                <a:ea typeface="黑体" panose="02010609060101010101" pitchFamily="49" charset="-122"/>
+              </a:rPr>
+              <a:t>传输协议</a:t>
+            </a:r>
+            <a:endParaRPr lang="zh-CN" altLang="en-US" dirty="0">
+              <a:latin typeface="黑体" panose="02010609060101010101" pitchFamily="49" charset="-122"/>
+              <a:ea typeface="黑体" panose="02010609060101010101" pitchFamily="49" charset="-122"/>
+            </a:endParaRPr>
+          </a:p>
+          <a:p>
+            <a:r>
+              <a:rPr lang="en-US" altLang="zh-CN" dirty="0" smtClean="0">
+                <a:latin typeface="黑体" panose="02010609060101010101" pitchFamily="49" charset="-122"/>
+                <a:ea typeface="黑体" panose="02010609060101010101" pitchFamily="49" charset="-122"/>
+              </a:rPr>
+              <a:t>REST</a:t>
+            </a:r>
+            <a:r>
+              <a:rPr lang="en-US" altLang="zh-CN" dirty="0" smtClean="0">
+                <a:latin typeface="黑体" panose="02010609060101010101" pitchFamily="49" charset="-122"/>
+                <a:ea typeface="黑体" panose="02010609060101010101" pitchFamily="49" charset="-122"/>
+              </a:rPr>
+              <a:t>ful API</a:t>
+            </a:r>
+            <a:r>
+              <a:rPr lang="zh-CN" altLang="en-US" dirty="0" smtClean="0">
+                <a:latin typeface="黑体" panose="02010609060101010101" pitchFamily="49" charset="-122"/>
+                <a:ea typeface="黑体" panose="02010609060101010101" pitchFamily="49" charset="-122"/>
+              </a:rPr>
+              <a:t>即</a:t>
+            </a:r>
+            <a:r>
+              <a:rPr lang="zh-CN" altLang="en-US" dirty="0">
+                <a:latin typeface="黑体" panose="02010609060101010101" pitchFamily="49" charset="-122"/>
+                <a:ea typeface="黑体" panose="02010609060101010101" pitchFamily="49" charset="-122"/>
+              </a:rPr>
+              <a:t>为</a:t>
+            </a:r>
+            <a:r>
+              <a:rPr lang="zh-CN" altLang="en-US" dirty="0" smtClean="0">
+                <a:latin typeface="黑体" panose="02010609060101010101" pitchFamily="49" charset="-122"/>
+                <a:ea typeface="黑体" panose="02010609060101010101" pitchFamily="49" charset="-122"/>
+              </a:rPr>
+              <a:t>遵循</a:t>
+            </a:r>
+            <a:r>
+              <a:rPr lang="en-US" altLang="zh-CN" dirty="0" smtClean="0">
+                <a:latin typeface="黑体" panose="02010609060101010101" pitchFamily="49" charset="-122"/>
+                <a:ea typeface="黑体" panose="02010609060101010101" pitchFamily="49" charset="-122"/>
+              </a:rPr>
+              <a:t>REST</a:t>
+            </a:r>
+            <a:r>
+              <a:rPr lang="zh-CN" altLang="en-US" dirty="0" smtClean="0">
+                <a:latin typeface="黑体" panose="02010609060101010101" pitchFamily="49" charset="-122"/>
+                <a:ea typeface="黑体" panose="02010609060101010101" pitchFamily="49" charset="-122"/>
+              </a:rPr>
+              <a:t>风格</a:t>
+            </a:r>
+            <a:r>
+              <a:rPr lang="zh-CN" altLang="en-US" dirty="0">
+                <a:latin typeface="黑体" panose="02010609060101010101" pitchFamily="49" charset="-122"/>
+                <a:ea typeface="黑体" panose="02010609060101010101" pitchFamily="49" charset="-122"/>
+              </a:rPr>
+              <a:t>设计</a:t>
+            </a:r>
+            <a:r>
+              <a:rPr lang="zh-CN" altLang="en-US" dirty="0" smtClean="0">
+                <a:latin typeface="黑体" panose="02010609060101010101" pitchFamily="49" charset="-122"/>
+                <a:ea typeface="黑体" panose="02010609060101010101" pitchFamily="49" charset="-122"/>
+              </a:rPr>
+              <a:t>的</a:t>
+            </a:r>
+            <a:r>
+              <a:rPr lang="en-US" altLang="zh-CN" dirty="0" smtClean="0">
+                <a:latin typeface="黑体" panose="02010609060101010101" pitchFamily="49" charset="-122"/>
+                <a:ea typeface="黑体" panose="02010609060101010101" pitchFamily="49" charset="-122"/>
+              </a:rPr>
+              <a:t>HTTP</a:t>
+            </a:r>
+            <a:r>
+              <a:rPr lang="zh-CN" altLang="en-US" dirty="0" smtClean="0">
+                <a:latin typeface="黑体" panose="02010609060101010101" pitchFamily="49" charset="-122"/>
+                <a:ea typeface="黑体" panose="02010609060101010101" pitchFamily="49" charset="-122"/>
+              </a:rPr>
+              <a:t>接口</a:t>
+            </a:r>
+            <a:endParaRPr lang="zh-CN" altLang="en-US" dirty="0">
+              <a:latin typeface="黑体" panose="02010609060101010101" pitchFamily="49" charset="-122"/>
+              <a:ea typeface="黑体" panose="02010609060101010101" pitchFamily="49" charset="-122"/>
+            </a:endParaRPr>
           </a:p>
         </p:txBody>
       </p:sp>
     </p:spTree>
     <p:extLst>
       <p:ext uri="{BB962C8B-B14F-4D97-AF65-F5344CB8AC3E}">
-        <p14:creationId xmlns:p14="http://schemas.microsoft.com/office/powerpoint/2010/main" val="1444089237"/>
+        <p14:creationId xmlns:p14="http://schemas.microsoft.com/office/powerpoint/2010/main" val="3142869152"/>
+      </p:ext>
+    </p:extLst>
+  </p:cSld>
+  <p:clrMapOvr>
+    <a:masterClrMapping/>
+  </p:clrMapOvr>
+  <p:timing>
+    <p:tnLst>
+      <p:par>
+        <p:cTn id="1" dur="indefinite" restart="never" nodeType="tmRoot"/>
+      </p:par>
+    </p:tnLst>
+  </p:timing>
+</p:sld>
+</file>
+
+<file path=ppt/slides/slide9.xml><?xml version="1.0" encoding="utf-8"?>
+<p:sld xmlns:a="http://schemas.openxmlformats.org/drawingml/2006/main" xmlns:r="http://schemas.openxmlformats.org/officeDocument/2006/relationships" xmlns:p="http://schemas.openxmlformats.org/presentationml/2006/main">
+  <p:cSld>
+    <p:spTree>
+      <p:nvGrpSpPr>
+        <p:cNvPr id="1" name=""/>
+        <p:cNvGrpSpPr/>
+        <p:nvPr/>
+      </p:nvGrpSpPr>
+      <p:grpSpPr>
+        <a:xfrm>
+          <a:off x="0" y="0"/>
+          <a:ext cx="0" cy="0"/>
+          <a:chOff x="0" y="0"/>
+          <a:chExt cx="0" cy="0"/>
+        </a:xfrm>
+      </p:grpSpPr>
+      <p:sp>
+        <p:nvSpPr>
+          <p:cNvPr id="2" name="标题 1"/>
+          <p:cNvSpPr>
+            <a:spLocks noGrp="1"/>
+          </p:cNvSpPr>
+          <p:nvPr>
+            <p:ph type="title"/>
+          </p:nvPr>
+        </p:nvSpPr>
+        <p:spPr>
+          <a:xfrm>
+            <a:off x="677334" y="609600"/>
+            <a:ext cx="8596668" cy="827314"/>
+          </a:xfrm>
+        </p:spPr>
+        <p:txBody>
+          <a:bodyPr/>
+          <a:lstStyle/>
+          <a:p>
+            <a:r>
+              <a:rPr lang="zh-CN" altLang="en-US" b="1" dirty="0"/>
+              <a:t>为什么要遵循</a:t>
+            </a:r>
+            <a:r>
+              <a:rPr lang="en-US" altLang="zh-CN" b="1" dirty="0" smtClean="0"/>
+              <a:t>REST</a:t>
+            </a:r>
+            <a:endParaRPr lang="zh-CN" altLang="en-US" dirty="0"/>
+          </a:p>
+        </p:txBody>
+      </p:sp>
+      <p:sp>
+        <p:nvSpPr>
+          <p:cNvPr id="3" name="内容占位符 2"/>
+          <p:cNvSpPr>
+            <a:spLocks noGrp="1"/>
+          </p:cNvSpPr>
+          <p:nvPr>
+            <p:ph idx="1"/>
+          </p:nvPr>
+        </p:nvSpPr>
+        <p:spPr>
+          <a:xfrm>
+            <a:off x="581539" y="1838371"/>
+            <a:ext cx="8596668" cy="3880773"/>
+          </a:xfrm>
+        </p:spPr>
+        <p:txBody>
+          <a:bodyPr/>
+          <a:lstStyle/>
+          <a:p>
+            <a:r>
+              <a:rPr lang="zh-CN" altLang="en-US" dirty="0" smtClean="0">
+                <a:latin typeface="黑体" panose="02010609060101010101" pitchFamily="49" charset="-122"/>
+                <a:ea typeface="黑体" panose="02010609060101010101" pitchFamily="49" charset="-122"/>
+              </a:rPr>
+              <a:t>可</a:t>
+            </a:r>
+            <a:r>
+              <a:rPr lang="zh-CN" altLang="en-US" dirty="0">
+                <a:latin typeface="黑体" panose="02010609060101010101" pitchFamily="49" charset="-122"/>
+                <a:ea typeface="黑体" panose="02010609060101010101" pitchFamily="49" charset="-122"/>
+              </a:rPr>
+              <a:t>更高效利用缓存来提高响应速度</a:t>
+            </a:r>
+          </a:p>
+          <a:p>
+            <a:r>
+              <a:rPr lang="zh-CN" altLang="en-US" dirty="0" smtClean="0">
+                <a:latin typeface="黑体" panose="02010609060101010101" pitchFamily="49" charset="-122"/>
+                <a:ea typeface="黑体" panose="02010609060101010101" pitchFamily="49" charset="-122"/>
+              </a:rPr>
+              <a:t>通讯</a:t>
+            </a:r>
+            <a:r>
+              <a:rPr lang="zh-CN" altLang="en-US" dirty="0">
+                <a:latin typeface="黑体" panose="02010609060101010101" pitchFamily="49" charset="-122"/>
+                <a:ea typeface="黑体" panose="02010609060101010101" pitchFamily="49" charset="-122"/>
+              </a:rPr>
+              <a:t>本身的无状态性可以让不同的服务器的处理一系列请求中的不同请求，</a:t>
+            </a:r>
+            <a:r>
+              <a:rPr lang="zh-CN" altLang="en-US" dirty="0" smtClean="0">
+                <a:latin typeface="黑体" panose="02010609060101010101" pitchFamily="49" charset="-122"/>
+                <a:ea typeface="黑体" panose="02010609060101010101" pitchFamily="49" charset="-122"/>
+              </a:rPr>
+              <a:t>提高服务器</a:t>
+            </a:r>
+            <a:r>
+              <a:rPr lang="zh-CN" altLang="en-US" dirty="0">
+                <a:latin typeface="黑体" panose="02010609060101010101" pitchFamily="49" charset="-122"/>
+                <a:ea typeface="黑体" panose="02010609060101010101" pitchFamily="49" charset="-122"/>
+              </a:rPr>
+              <a:t>的扩展性</a:t>
+            </a:r>
+          </a:p>
+          <a:p>
+            <a:r>
+              <a:rPr lang="zh-CN" altLang="en-US" dirty="0" smtClean="0">
+                <a:latin typeface="黑体" panose="02010609060101010101" pitchFamily="49" charset="-122"/>
+                <a:ea typeface="黑体" panose="02010609060101010101" pitchFamily="49" charset="-122"/>
+              </a:rPr>
+              <a:t>浏览器</a:t>
+            </a:r>
+            <a:r>
+              <a:rPr lang="zh-CN" altLang="en-US" dirty="0">
+                <a:latin typeface="黑体" panose="02010609060101010101" pitchFamily="49" charset="-122"/>
+                <a:ea typeface="黑体" panose="02010609060101010101" pitchFamily="49" charset="-122"/>
+              </a:rPr>
+              <a:t>即可作为客户端，简化软件需求</a:t>
+            </a:r>
+          </a:p>
+          <a:p>
+            <a:r>
+              <a:rPr lang="zh-CN" altLang="en-US" dirty="0" smtClean="0">
+                <a:latin typeface="黑体" panose="02010609060101010101" pitchFamily="49" charset="-122"/>
+                <a:ea typeface="黑体" panose="02010609060101010101" pitchFamily="49" charset="-122"/>
+              </a:rPr>
+              <a:t>相对</a:t>
+            </a:r>
+            <a:r>
+              <a:rPr lang="zh-CN" altLang="en-US" dirty="0">
+                <a:latin typeface="黑体" panose="02010609060101010101" pitchFamily="49" charset="-122"/>
+                <a:ea typeface="黑体" panose="02010609060101010101" pitchFamily="49" charset="-122"/>
+              </a:rPr>
+              <a:t>于其他叠加在</a:t>
+            </a:r>
+            <a:r>
+              <a:rPr lang="en-US" altLang="zh-CN" dirty="0">
+                <a:latin typeface="黑体" panose="02010609060101010101" pitchFamily="49" charset="-122"/>
+                <a:ea typeface="黑体" panose="02010609060101010101" pitchFamily="49" charset="-122"/>
+              </a:rPr>
+              <a:t>HTTP</a:t>
+            </a:r>
+            <a:r>
+              <a:rPr lang="zh-CN" altLang="en-US" dirty="0">
+                <a:latin typeface="黑体" panose="02010609060101010101" pitchFamily="49" charset="-122"/>
+                <a:ea typeface="黑体" panose="02010609060101010101" pitchFamily="49" charset="-122"/>
+              </a:rPr>
+              <a:t>协议之上的机制，</a:t>
+            </a:r>
+            <a:r>
+              <a:rPr lang="en-US" altLang="zh-CN" dirty="0">
+                <a:latin typeface="黑体" panose="02010609060101010101" pitchFamily="49" charset="-122"/>
+                <a:ea typeface="黑体" panose="02010609060101010101" pitchFamily="49" charset="-122"/>
+              </a:rPr>
+              <a:t>REST</a:t>
+            </a:r>
+            <a:r>
+              <a:rPr lang="zh-CN" altLang="en-US" dirty="0">
+                <a:latin typeface="黑体" panose="02010609060101010101" pitchFamily="49" charset="-122"/>
+                <a:ea typeface="黑体" panose="02010609060101010101" pitchFamily="49" charset="-122"/>
+              </a:rPr>
+              <a:t>的软件依赖性更小</a:t>
+            </a:r>
+          </a:p>
+          <a:p>
+            <a:r>
+              <a:rPr lang="zh-CN" altLang="en-US" dirty="0" smtClean="0">
+                <a:latin typeface="黑体" panose="02010609060101010101" pitchFamily="49" charset="-122"/>
+                <a:ea typeface="黑体" panose="02010609060101010101" pitchFamily="49" charset="-122"/>
+              </a:rPr>
+              <a:t>不</a:t>
+            </a:r>
+            <a:r>
+              <a:rPr lang="zh-CN" altLang="en-US" dirty="0">
+                <a:latin typeface="黑体" panose="02010609060101010101" pitchFamily="49" charset="-122"/>
+                <a:ea typeface="黑体" panose="02010609060101010101" pitchFamily="49" charset="-122"/>
+              </a:rPr>
+              <a:t>需要额外的资源发现机制</a:t>
+            </a:r>
+          </a:p>
+          <a:p>
+            <a:r>
+              <a:rPr lang="zh-CN" altLang="en-US" dirty="0" smtClean="0">
+                <a:latin typeface="黑体" panose="02010609060101010101" pitchFamily="49" charset="-122"/>
+                <a:ea typeface="黑体" panose="02010609060101010101" pitchFamily="49" charset="-122"/>
+              </a:rPr>
+              <a:t>在</a:t>
+            </a:r>
+            <a:r>
+              <a:rPr lang="zh-CN" altLang="en-US" dirty="0">
+                <a:latin typeface="黑体" panose="02010609060101010101" pitchFamily="49" charset="-122"/>
+                <a:ea typeface="黑体" panose="02010609060101010101" pitchFamily="49" charset="-122"/>
+              </a:rPr>
+              <a:t>软件技术演进中的长期的兼容性</a:t>
+            </a:r>
+            <a:r>
+              <a:rPr lang="zh-CN" altLang="en-US" dirty="0" smtClean="0">
+                <a:latin typeface="黑体" panose="02010609060101010101" pitchFamily="49" charset="-122"/>
+                <a:ea typeface="黑体" panose="02010609060101010101" pitchFamily="49" charset="-122"/>
+              </a:rPr>
+              <a:t>更好</a:t>
+            </a:r>
+            <a:endParaRPr lang="en-US" altLang="zh-CN" dirty="0" smtClean="0">
+              <a:latin typeface="黑体" panose="02010609060101010101" pitchFamily="49" charset="-122"/>
+              <a:ea typeface="黑体" panose="02010609060101010101" pitchFamily="49" charset="-122"/>
+            </a:endParaRPr>
+          </a:p>
+          <a:p>
+            <a:r>
+              <a:rPr lang="en-US" altLang="zh-CN" dirty="0">
+                <a:solidFill>
+                  <a:schemeClr val="bg1">
+                    <a:lumMod val="65000"/>
+                  </a:schemeClr>
+                </a:solidFill>
+                <a:latin typeface="黑体" panose="02010609060101010101" pitchFamily="49" charset="-122"/>
+                <a:ea typeface="黑体" panose="02010609060101010101" pitchFamily="49" charset="-122"/>
+                <a:hlinkClick r:id="rId2"/>
+              </a:rPr>
+              <a:t>Roy </a:t>
+            </a:r>
+            <a:r>
+              <a:rPr lang="en-US" altLang="zh-CN" dirty="0" smtClean="0">
+                <a:solidFill>
+                  <a:schemeClr val="bg1">
+                    <a:lumMod val="65000"/>
+                  </a:schemeClr>
+                </a:solidFill>
+                <a:latin typeface="黑体" panose="02010609060101010101" pitchFamily="49" charset="-122"/>
+                <a:ea typeface="黑体" panose="02010609060101010101" pitchFamily="49" charset="-122"/>
+                <a:hlinkClick r:id="rId2"/>
+              </a:rPr>
+              <a:t>Fielding</a:t>
+            </a:r>
+            <a:r>
+              <a:rPr lang="zh-CN" altLang="en-US" dirty="0" smtClean="0">
+                <a:solidFill>
+                  <a:schemeClr val="bg1">
+                    <a:lumMod val="65000"/>
+                  </a:schemeClr>
+                </a:solidFill>
+                <a:latin typeface="黑体" panose="02010609060101010101" pitchFamily="49" charset="-122"/>
+                <a:ea typeface="黑体" panose="02010609060101010101" pitchFamily="49" charset="-122"/>
+              </a:rPr>
+              <a:t>博士作为</a:t>
+            </a:r>
+            <a:r>
+              <a:rPr lang="en-US" altLang="zh-CN" dirty="0" smtClean="0">
+                <a:solidFill>
+                  <a:schemeClr val="bg1">
+                    <a:lumMod val="65000"/>
+                  </a:schemeClr>
+                </a:solidFill>
+                <a:latin typeface="黑体" panose="02010609060101010101" pitchFamily="49" charset="-122"/>
+                <a:ea typeface="黑体" panose="02010609060101010101" pitchFamily="49" charset="-122"/>
+              </a:rPr>
+              <a:t>HTTP</a:t>
+            </a:r>
+            <a:r>
+              <a:rPr lang="zh-CN" altLang="en-US" dirty="0" smtClean="0">
+                <a:solidFill>
+                  <a:schemeClr val="bg1">
+                    <a:lumMod val="65000"/>
+                  </a:schemeClr>
+                </a:solidFill>
+                <a:latin typeface="黑体" panose="02010609060101010101" pitchFamily="49" charset="-122"/>
+                <a:ea typeface="黑体" panose="02010609060101010101" pitchFamily="49" charset="-122"/>
+              </a:rPr>
+              <a:t>规范的制定者之一，未来的</a:t>
+            </a:r>
+            <a:r>
+              <a:rPr lang="en-US" altLang="zh-CN" dirty="0" smtClean="0">
+                <a:solidFill>
+                  <a:schemeClr val="bg1">
+                    <a:lumMod val="65000"/>
+                  </a:schemeClr>
+                </a:solidFill>
+                <a:latin typeface="黑体" panose="02010609060101010101" pitchFamily="49" charset="-122"/>
+                <a:ea typeface="黑体" panose="02010609060101010101" pitchFamily="49" charset="-122"/>
+              </a:rPr>
+              <a:t>HTTP2.0</a:t>
+            </a:r>
+            <a:r>
+              <a:rPr lang="zh-CN" altLang="en-US" dirty="0" smtClean="0">
+                <a:solidFill>
+                  <a:schemeClr val="bg1">
+                    <a:lumMod val="65000"/>
+                  </a:schemeClr>
+                </a:solidFill>
+                <a:latin typeface="黑体" panose="02010609060101010101" pitchFamily="49" charset="-122"/>
+                <a:ea typeface="黑体" panose="02010609060101010101" pitchFamily="49" charset="-122"/>
+              </a:rPr>
+              <a:t>也会更进一步的</a:t>
+            </a:r>
+            <a:r>
+              <a:rPr lang="en-US" altLang="zh-CN" dirty="0" smtClean="0">
+                <a:solidFill>
+                  <a:schemeClr val="bg1">
+                    <a:lumMod val="65000"/>
+                  </a:schemeClr>
+                </a:solidFill>
+                <a:latin typeface="黑体" panose="02010609060101010101" pitchFamily="49" charset="-122"/>
+                <a:ea typeface="黑体" panose="02010609060101010101" pitchFamily="49" charset="-122"/>
+              </a:rPr>
+              <a:t>REST</a:t>
+            </a:r>
+            <a:r>
+              <a:rPr lang="zh-CN" altLang="en-US" dirty="0" smtClean="0">
+                <a:solidFill>
+                  <a:schemeClr val="bg1">
+                    <a:lumMod val="65000"/>
+                  </a:schemeClr>
+                </a:solidFill>
+                <a:latin typeface="黑体" panose="02010609060101010101" pitchFamily="49" charset="-122"/>
+                <a:ea typeface="黑体" panose="02010609060101010101" pitchFamily="49" charset="-122"/>
+              </a:rPr>
+              <a:t>的支持</a:t>
+            </a:r>
+            <a:endParaRPr lang="zh-CN" altLang="en-US" dirty="0">
+              <a:solidFill>
+                <a:schemeClr val="bg1">
+                  <a:lumMod val="65000"/>
+                </a:schemeClr>
+              </a:solidFill>
+              <a:latin typeface="黑体" panose="02010609060101010101" pitchFamily="49" charset="-122"/>
+              <a:ea typeface="黑体" panose="02010609060101010101" pitchFamily="49" charset="-122"/>
+            </a:endParaRPr>
+          </a:p>
+        </p:txBody>
+      </p:sp>
+    </p:spTree>
+    <p:extLst>
+      <p:ext uri="{BB962C8B-B14F-4D97-AF65-F5344CB8AC3E}">
+        <p14:creationId xmlns:p14="http://schemas.microsoft.com/office/powerpoint/2010/main" val="3566023742"/>
       </p:ext>
     </p:extLst>
   </p:cSld>
@@ -7151,4 +12108,265 @@
     </a:ext>
   </a:extLst>
 </a:theme>
+</file>
+
+<file path=ppt/theme/theme2.xml><?xml version="1.0" encoding="utf-8"?>
+<a:theme xmlns:a="http://schemas.openxmlformats.org/drawingml/2006/main" name="Office 主题">
+  <a:themeElements>
+    <a:clrScheme name="Office">
+      <a:dk1>
+        <a:sysClr val="windowText" lastClr="000000"/>
+      </a:dk1>
+      <a:lt1>
+        <a:sysClr val="window" lastClr="FFFFFF"/>
+      </a:lt1>
+      <a:dk2>
+        <a:srgbClr val="44546A"/>
+      </a:dk2>
+      <a:lt2>
+        <a:srgbClr val="E7E6E6"/>
+      </a:lt2>
+      <a:accent1>
+        <a:srgbClr val="5B9BD5"/>
+      </a:accent1>
+      <a:accent2>
+        <a:srgbClr val="ED7D31"/>
+      </a:accent2>
+      <a:accent3>
+        <a:srgbClr val="A5A5A5"/>
+      </a:accent3>
+      <a:accent4>
+        <a:srgbClr val="FFC000"/>
+      </a:accent4>
+      <a:accent5>
+        <a:srgbClr val="4472C4"/>
+      </a:accent5>
+      <a:accent6>
+        <a:srgbClr val="70AD47"/>
+      </a:accent6>
+      <a:hlink>
+        <a:srgbClr val="0563C1"/>
+      </a:hlink>
+      <a:folHlink>
+        <a:srgbClr val="954F72"/>
+      </a:folHlink>
+    </a:clrScheme>
+    <a:fontScheme name="Office">
+      <a:majorFont>
+        <a:latin typeface="Calibri Light" panose="020F0302020204030204"/>
+        <a:ea typeface=""/>
+        <a:cs typeface=""/>
+        <a:font script="Jpan" typeface="ＭＳ Ｐゴシック"/>
+        <a:font script="Hang" typeface="맑은 고딕"/>
+        <a:font script="Hans" typeface="宋体"/>
+        <a:font script="Hant" typeface="新細明體"/>
+        <a:font script="Arab" typeface="Times New Roman"/>
+        <a:font script="Hebr" typeface="Times New Roman"/>
+        <a:font script="Thai" typeface="Angsana New"/>
+        <a:font script="Ethi" typeface="Nyala"/>
+        <a:font script="Beng" typeface="Vrinda"/>
+        <a:font script="Gujr" typeface="Shruti"/>
+        <a:font script="Khmr" typeface="MoolBoran"/>
+        <a:font script="Knda" typeface="Tunga"/>
+        <a:font script="Guru" typeface="Raavi"/>
+        <a:font script="Cans" typeface="Euphemia"/>
+        <a:font script="Cher" typeface="Plantagenet Cherokee"/>
+        <a:font script="Yiii" typeface="Microsoft Yi Baiti"/>
+        <a:font script="Tibt" typeface="Microsoft Himalaya"/>
+        <a:font script="Thaa" typeface="MV Boli"/>
+        <a:font script="Deva" typeface="Mangal"/>
+        <a:font script="Telu" typeface="Gautami"/>
+        <a:font script="Taml" typeface="Latha"/>
+        <a:font script="Syrc" typeface="Estrangelo Edessa"/>
+        <a:font script="Orya" typeface="Kalinga"/>
+        <a:font script="Mlym" typeface="Kartika"/>
+        <a:font script="Laoo" typeface="DokChampa"/>
+        <a:font script="Sinh" typeface="Iskoola Pota"/>
+        <a:font script="Mong" typeface="Mongolian Baiti"/>
+        <a:font script="Viet" typeface="Times New Roman"/>
+        <a:font script="Uigh" typeface="Microsoft Uighur"/>
+        <a:font script="Geor" typeface="Sylfaen"/>
+      </a:majorFont>
+      <a:minorFont>
+        <a:latin typeface="Calibri" panose="020F0502020204030204"/>
+        <a:ea typeface=""/>
+        <a:cs typeface=""/>
+        <a:font script="Jpan" typeface="ＭＳ Ｐゴシック"/>
+        <a:font script="Hang" typeface="맑은 고딕"/>
+        <a:font script="Hans" typeface="宋体"/>
+        <a:font script="Hant" typeface="新細明體"/>
+        <a:font script="Arab" typeface="Arial"/>
+        <a:font script="Hebr" typeface="Arial"/>
+        <a:font script="Thai" typeface="Cordia New"/>
+        <a:font script="Ethi" typeface="Nyala"/>
+        <a:font script="Beng" typeface="Vrinda"/>
+        <a:font script="Gujr" typeface="Shruti"/>
+        <a:font script="Khmr" typeface="DaunPenh"/>
+        <a:font script="Knda" typeface="Tunga"/>
+        <a:font script="Guru" typeface="Raavi"/>
+        <a:font script="Cans" typeface="Euphemia"/>
+        <a:font script="Cher" typeface="Plantagenet Cherokee"/>
+        <a:font script="Yiii" typeface="Microsoft Yi Baiti"/>
+        <a:font script="Tibt" typeface="Microsoft Himalaya"/>
+        <a:font script="Thaa" typeface="MV Boli"/>
+        <a:font script="Deva" typeface="Mangal"/>
+        <a:font script="Telu" typeface="Gautami"/>
+        <a:font script="Taml" typeface="Latha"/>
+        <a:font script="Syrc" typeface="Estrangelo Edessa"/>
+        <a:font script="Orya" typeface="Kalinga"/>
+        <a:font script="Mlym" typeface="Kartika"/>
+        <a:font script="Laoo" typeface="DokChampa"/>
+        <a:font script="Sinh" typeface="Iskoola Pota"/>
+        <a:font script="Mong" typeface="Mongolian Baiti"/>
+        <a:font script="Viet" typeface="Arial"/>
+        <a:font script="Uigh" typeface="Microsoft Uighur"/>
+        <a:font script="Geor" typeface="Sylfaen"/>
+      </a:minorFont>
+    </a:fontScheme>
+    <a:fmtScheme name="Office">
+      <a:fillStyleLst>
+        <a:solidFill>
+          <a:schemeClr val="phClr"/>
+        </a:solidFill>
+        <a:gradFill rotWithShape="1">
+          <a:gsLst>
+            <a:gs pos="0">
+              <a:schemeClr val="phClr">
+                <a:lumMod val="110000"/>
+                <a:satMod val="105000"/>
+                <a:tint val="67000"/>
+              </a:schemeClr>
+            </a:gs>
+            <a:gs pos="50000">
+              <a:schemeClr val="phClr">
+                <a:lumMod val="105000"/>
+                <a:satMod val="103000"/>
+                <a:tint val="73000"/>
+              </a:schemeClr>
+            </a:gs>
+            <a:gs pos="100000">
+              <a:schemeClr val="phClr">
+                <a:lumMod val="105000"/>
+                <a:satMod val="109000"/>
+                <a:tint val="81000"/>
+              </a:schemeClr>
+            </a:gs>
+          </a:gsLst>
+          <a:lin ang="5400000" scaled="0"/>
+        </a:gradFill>
+        <a:gradFill rotWithShape="1">
+          <a:gsLst>
+            <a:gs pos="0">
+              <a:schemeClr val="phClr">
+                <a:satMod val="103000"/>
+                <a:lumMod val="102000"/>
+                <a:tint val="94000"/>
+              </a:schemeClr>
+            </a:gs>
+            <a:gs pos="50000">
+              <a:schemeClr val="phClr">
+                <a:satMod val="110000"/>
+                <a:lumMod val="100000"/>
+                <a:shade val="100000"/>
+              </a:schemeClr>
+            </a:gs>
+            <a:gs pos="100000">
+              <a:schemeClr val="phClr">
+                <a:lumMod val="99000"/>
+                <a:satMod val="120000"/>
+                <a:shade val="78000"/>
+              </a:schemeClr>
+            </a:gs>
+          </a:gsLst>
+          <a:lin ang="5400000" scaled="0"/>
+        </a:gradFill>
+      </a:fillStyleLst>
+      <a:lnStyleLst>
+        <a:ln w="6350" cap="flat" cmpd="sng" algn="ctr">
+          <a:solidFill>
+            <a:schemeClr val="phClr"/>
+          </a:solidFill>
+          <a:prstDash val="solid"/>
+          <a:miter lim="800000"/>
+        </a:ln>
+        <a:ln w="12700" cap="flat" cmpd="sng" algn="ctr">
+          <a:solidFill>
+            <a:schemeClr val="phClr"/>
+          </a:solidFill>
+          <a:prstDash val="solid"/>
+          <a:miter lim="800000"/>
+        </a:ln>
+        <a:ln w="19050" cap="flat" cmpd="sng" algn="ctr">
+          <a:solidFill>
+            <a:schemeClr val="phClr"/>
+          </a:solidFill>
+          <a:prstDash val="solid"/>
+          <a:miter lim="800000"/>
+        </a:ln>
+      </a:lnStyleLst>
+      <a:effectStyleLst>
+        <a:effectStyle>
+          <a:effectLst/>
+        </a:effectStyle>
+        <a:effectStyle>
+          <a:effectLst/>
+        </a:effectStyle>
+        <a:effectStyle>
+          <a:effectLst>
+            <a:outerShdw blurRad="57150" dist="19050" dir="5400000" algn="ctr" rotWithShape="0">
+              <a:srgbClr val="000000">
+                <a:alpha val="63000"/>
+              </a:srgbClr>
+            </a:outerShdw>
+          </a:effectLst>
+        </a:effectStyle>
+      </a:effectStyleLst>
+      <a:bgFillStyleLst>
+        <a:solidFill>
+          <a:schemeClr val="phClr"/>
+        </a:solidFill>
+        <a:solidFill>
+          <a:schemeClr val="phClr">
+            <a:tint val="95000"/>
+            <a:satMod val="170000"/>
+          </a:schemeClr>
+        </a:solidFill>
+        <a:gradFill rotWithShape="1">
+          <a:gsLst>
+            <a:gs pos="0">
+              <a:schemeClr val="phClr">
+                <a:tint val="93000"/>
+                <a:satMod val="150000"/>
+                <a:shade val="98000"/>
+                <a:lumMod val="102000"/>
+              </a:schemeClr>
+            </a:gs>
+            <a:gs pos="50000">
+              <a:schemeClr val="phClr">
+                <a:tint val="98000"/>
+                <a:satMod val="130000"/>
+                <a:shade val="90000"/>
+                <a:lumMod val="103000"/>
+              </a:schemeClr>
+            </a:gs>
+            <a:gs pos="100000">
+              <a:schemeClr val="phClr">
+                <a:shade val="63000"/>
+                <a:satMod val="120000"/>
+              </a:schemeClr>
+            </a:gs>
+          </a:gsLst>
+          <a:lin ang="5400000" scaled="0"/>
+        </a:gradFill>
+      </a:bgFillStyleLst>
+    </a:fmtScheme>
+  </a:themeElements>
+  <a:objectDefaults/>
+  <a:extraClrSchemeLst/>
+  <a:extLst>
+    <a:ext uri="{05A4C25C-085E-4340-85A3-A5531E510DB2}">
+      <thm15:themeFamily xmlns:thm15="http://schemas.microsoft.com/office/thememl/2012/main" name="Office Theme" id="{62F939B6-93AF-4DB8-9C6B-D6C7DFDC589F}" vid="{4A3C46E8-61CC-4603-A589-7422A47A8E4A}"/>
+    </a:ext>
+  </a:extLst>
+</a:theme>
 </file>
--- a/rest-api/RESTful.pptx
+++ b/rest-api/RESTful.pptx
@@ -5,24 +5,25 @@
     <p:sldMasterId id="2147483777" r:id="rId1"/>
   </p:sldMasterIdLst>
   <p:notesMasterIdLst>
-    <p:notesMasterId r:id="rId17"/>
+    <p:notesMasterId r:id="rId18"/>
   </p:notesMasterIdLst>
   <p:sldIdLst>
     <p:sldId id="256" r:id="rId2"/>
     <p:sldId id="257" r:id="rId3"/>
     <p:sldId id="260" r:id="rId4"/>
-    <p:sldId id="259" r:id="rId5"/>
-    <p:sldId id="264" r:id="rId6"/>
-    <p:sldId id="265" r:id="rId7"/>
-    <p:sldId id="266" r:id="rId8"/>
-    <p:sldId id="261" r:id="rId9"/>
-    <p:sldId id="262" r:id="rId10"/>
-    <p:sldId id="263" r:id="rId11"/>
-    <p:sldId id="267" r:id="rId12"/>
-    <p:sldId id="268" r:id="rId13"/>
-    <p:sldId id="269" r:id="rId14"/>
-    <p:sldId id="270" r:id="rId15"/>
-    <p:sldId id="271" r:id="rId16"/>
+    <p:sldId id="272" r:id="rId5"/>
+    <p:sldId id="259" r:id="rId6"/>
+    <p:sldId id="264" r:id="rId7"/>
+    <p:sldId id="265" r:id="rId8"/>
+    <p:sldId id="266" r:id="rId9"/>
+    <p:sldId id="261" r:id="rId10"/>
+    <p:sldId id="262" r:id="rId11"/>
+    <p:sldId id="263" r:id="rId12"/>
+    <p:sldId id="267" r:id="rId13"/>
+    <p:sldId id="268" r:id="rId14"/>
+    <p:sldId id="269" r:id="rId15"/>
+    <p:sldId id="270" r:id="rId16"/>
+    <p:sldId id="271" r:id="rId17"/>
   </p:sldIdLst>
   <p:sldSz cx="12192000" cy="6858000"/>
   <p:notesSz cx="6858000" cy="9144000"/>
@@ -211,7 +212,7 @@
           <a:p>
             <a:fld id="{65803504-C5C8-4584-AB04-B616C8F6C5C9}" type="datetimeFigureOut">
               <a:rPr lang="zh-CN" altLang="en-US" smtClean="0"/>
-              <a:t>2018/6/10</a:t>
+              <a:t>2018/6/11</a:t>
             </a:fld>
             <a:endParaRPr lang="zh-CN" altLang="en-US"/>
           </a:p>
@@ -1308,7 +1309,7 @@
           <a:p>
             <a:fld id="{8C6D682F-0FD3-42DF-978A-3A28B17140BF}" type="datetimeFigureOut">
               <a:rPr lang="zh-CN" altLang="en-US" smtClean="0"/>
-              <a:t>2018/6/10</a:t>
+              <a:t>2018/6/11</a:t>
             </a:fld>
             <a:endParaRPr lang="zh-CN" altLang="en-US"/>
           </a:p>
@@ -1559,7 +1560,7 @@
           <a:p>
             <a:fld id="{8C6D682F-0FD3-42DF-978A-3A28B17140BF}" type="datetimeFigureOut">
               <a:rPr lang="zh-CN" altLang="en-US" smtClean="0"/>
-              <a:t>2018/6/10</a:t>
+              <a:t>2018/6/11</a:t>
             </a:fld>
             <a:endParaRPr lang="zh-CN" altLang="en-US"/>
           </a:p>
@@ -1873,7 +1874,7 @@
           <a:p>
             <a:fld id="{8C6D682F-0FD3-42DF-978A-3A28B17140BF}" type="datetimeFigureOut">
               <a:rPr lang="zh-CN" altLang="en-US" smtClean="0"/>
-              <a:t>2018/6/10</a:t>
+              <a:t>2018/6/11</a:t>
             </a:fld>
             <a:endParaRPr lang="zh-CN" altLang="en-US"/>
           </a:p>
@@ -2206,7 +2207,7 @@
           <a:p>
             <a:fld id="{8C6D682F-0FD3-42DF-978A-3A28B17140BF}" type="datetimeFigureOut">
               <a:rPr lang="zh-CN" altLang="en-US" smtClean="0"/>
-              <a:t>2018/6/10</a:t>
+              <a:t>2018/6/11</a:t>
             </a:fld>
             <a:endParaRPr lang="zh-CN" altLang="en-US"/>
           </a:p>
@@ -2520,7 +2521,7 @@
           <a:p>
             <a:fld id="{8C6D682F-0FD3-42DF-978A-3A28B17140BF}" type="datetimeFigureOut">
               <a:rPr lang="zh-CN" altLang="en-US" smtClean="0"/>
-              <a:t>2018/6/10</a:t>
+              <a:t>2018/6/11</a:t>
             </a:fld>
             <a:endParaRPr lang="zh-CN" altLang="en-US"/>
           </a:p>
@@ -2913,7 +2914,7 @@
           <a:p>
             <a:fld id="{8C6D682F-0FD3-42DF-978A-3A28B17140BF}" type="datetimeFigureOut">
               <a:rPr lang="zh-CN" altLang="en-US" smtClean="0"/>
-              <a:t>2018/6/10</a:t>
+              <a:t>2018/6/11</a:t>
             </a:fld>
             <a:endParaRPr lang="zh-CN" altLang="en-US"/>
           </a:p>
@@ -3083,7 +3084,7 @@
           <a:p>
             <a:fld id="{8C6D682F-0FD3-42DF-978A-3A28B17140BF}" type="datetimeFigureOut">
               <a:rPr lang="zh-CN" altLang="en-US" smtClean="0"/>
-              <a:t>2018/6/10</a:t>
+              <a:t>2018/6/11</a:t>
             </a:fld>
             <a:endParaRPr lang="zh-CN" altLang="en-US"/>
           </a:p>
@@ -3263,7 +3264,7 @@
           <a:p>
             <a:fld id="{8C6D682F-0FD3-42DF-978A-3A28B17140BF}" type="datetimeFigureOut">
               <a:rPr lang="zh-CN" altLang="en-US" smtClean="0"/>
-              <a:t>2018/6/10</a:t>
+              <a:t>2018/6/11</a:t>
             </a:fld>
             <a:endParaRPr lang="zh-CN" altLang="en-US"/>
           </a:p>
@@ -3433,7 +3434,7 @@
           <a:p>
             <a:fld id="{8C6D682F-0FD3-42DF-978A-3A28B17140BF}" type="datetimeFigureOut">
               <a:rPr lang="zh-CN" altLang="en-US" smtClean="0"/>
-              <a:t>2018/6/10</a:t>
+              <a:t>2018/6/11</a:t>
             </a:fld>
             <a:endParaRPr lang="zh-CN" altLang="en-US"/>
           </a:p>
@@ -3680,7 +3681,7 @@
           <a:p>
             <a:fld id="{8C6D682F-0FD3-42DF-978A-3A28B17140BF}" type="datetimeFigureOut">
               <a:rPr lang="zh-CN" altLang="en-US" smtClean="0"/>
-              <a:t>2018/6/10</a:t>
+              <a:t>2018/6/11</a:t>
             </a:fld>
             <a:endParaRPr lang="zh-CN" altLang="en-US"/>
           </a:p>
@@ -3912,7 +3913,7 @@
           <a:p>
             <a:fld id="{8C6D682F-0FD3-42DF-978A-3A28B17140BF}" type="datetimeFigureOut">
               <a:rPr lang="zh-CN" altLang="en-US" smtClean="0"/>
-              <a:t>2018/6/10</a:t>
+              <a:t>2018/6/11</a:t>
             </a:fld>
             <a:endParaRPr lang="zh-CN" altLang="en-US"/>
           </a:p>
@@ -4286,7 +4287,7 @@
           <a:p>
             <a:fld id="{8C6D682F-0FD3-42DF-978A-3A28B17140BF}" type="datetimeFigureOut">
               <a:rPr lang="zh-CN" altLang="en-US" smtClean="0"/>
-              <a:t>2018/6/10</a:t>
+              <a:t>2018/6/11</a:t>
             </a:fld>
             <a:endParaRPr lang="zh-CN" altLang="en-US"/>
           </a:p>
@@ -4409,7 +4410,7 @@
           <a:p>
             <a:fld id="{8C6D682F-0FD3-42DF-978A-3A28B17140BF}" type="datetimeFigureOut">
               <a:rPr lang="zh-CN" altLang="en-US" smtClean="0"/>
-              <a:t>2018/6/10</a:t>
+              <a:t>2018/6/11</a:t>
             </a:fld>
             <a:endParaRPr lang="zh-CN" altLang="en-US"/>
           </a:p>
@@ -4504,7 +4505,7 @@
           <a:p>
             <a:fld id="{8C6D682F-0FD3-42DF-978A-3A28B17140BF}" type="datetimeFigureOut">
               <a:rPr lang="zh-CN" altLang="en-US" smtClean="0"/>
-              <a:t>2018/6/10</a:t>
+              <a:t>2018/6/11</a:t>
             </a:fld>
             <a:endParaRPr lang="zh-CN" altLang="en-US"/>
           </a:p>
@@ -4759,7 +4760,7 @@
           <a:p>
             <a:fld id="{8C6D682F-0FD3-42DF-978A-3A28B17140BF}" type="datetimeFigureOut">
               <a:rPr lang="zh-CN" altLang="en-US" smtClean="0"/>
-              <a:t>2018/6/10</a:t>
+              <a:t>2018/6/11</a:t>
             </a:fld>
             <a:endParaRPr lang="zh-CN" altLang="en-US"/>
           </a:p>
@@ -5064,7 +5065,7 @@
           <a:p>
             <a:fld id="{8C6D682F-0FD3-42DF-978A-3A28B17140BF}" type="datetimeFigureOut">
               <a:rPr lang="zh-CN" altLang="en-US" smtClean="0"/>
-              <a:t>2018/6/10</a:t>
+              <a:t>2018/6/11</a:t>
             </a:fld>
             <a:endParaRPr lang="zh-CN" altLang="en-US"/>
           </a:p>
@@ -5766,7 +5767,7 @@
           <a:p>
             <a:fld id="{8C6D682F-0FD3-42DF-978A-3A28B17140BF}" type="datetimeFigureOut">
               <a:rPr lang="zh-CN" altLang="en-US" smtClean="0"/>
-              <a:t>2018/6/10</a:t>
+              <a:t>2018/6/11</a:t>
             </a:fld>
             <a:endParaRPr lang="zh-CN" altLang="en-US"/>
           </a:p>
@@ -6349,7 +6350,21 @@
                 <a:latin typeface="黑体" panose="02010609060101010101" pitchFamily="49" charset="-122"/>
                 <a:ea typeface="黑体" panose="02010609060101010101" pitchFamily="49" charset="-122"/>
               </a:rPr>
-              <a:t>中代码规范</a:t>
+              <a:t> </a:t>
+            </a:r>
+            <a:r>
+              <a:rPr lang="en-US" altLang="zh-CN" dirty="0" smtClean="0">
+                <a:latin typeface="黑体" panose="02010609060101010101" pitchFamily="49" charset="-122"/>
+                <a:ea typeface="黑体" panose="02010609060101010101" pitchFamily="49" charset="-122"/>
+              </a:rPr>
+              <a:t>API</a:t>
+            </a:r>
+            <a:r>
+              <a:rPr lang="zh-CN" altLang="en-US" dirty="0" smtClean="0">
+                <a:latin typeface="黑体" panose="02010609060101010101" pitchFamily="49" charset="-122"/>
+                <a:ea typeface="黑体" panose="02010609060101010101" pitchFamily="49" charset="-122"/>
+              </a:rPr>
+              <a:t>文档管理</a:t>
             </a:r>
             <a:endParaRPr lang="zh-CN" altLang="en-US" dirty="0">
               <a:latin typeface="黑体" panose="02010609060101010101" pitchFamily="49" charset="-122"/>
@@ -6445,7 +6460,7 @@
         <p:spPr>
           <a:xfrm>
             <a:off x="677334" y="609600"/>
-            <a:ext cx="8596668" cy="975360"/>
+            <a:ext cx="8596668" cy="827314"/>
           </a:xfrm>
         </p:spPr>
         <p:txBody>
@@ -6453,17 +6468,14 @@
           <a:lstStyle/>
           <a:p>
             <a:r>
-              <a:rPr lang="en-US" altLang="zh-CN" dirty="0" smtClean="0"/>
-              <a:t>RESTful API</a:t>
-            </a:r>
-            <a:r>
-              <a:rPr lang="zh-CN" altLang="en-US" dirty="0" smtClean="0"/>
-              <a:t>的</a:t>
-            </a:r>
-            <a:r>
-              <a:rPr lang="zh-CN" altLang="en-US" dirty="0"/>
-              <a:t>描述文档</a:t>
-            </a:r>
+              <a:rPr lang="zh-CN" altLang="en-US" b="1" dirty="0"/>
+              <a:t>为什么要遵循</a:t>
+            </a:r>
+            <a:r>
+              <a:rPr lang="en-US" altLang="zh-CN" b="1" dirty="0" smtClean="0"/>
+              <a:t>REST</a:t>
+            </a:r>
+            <a:endParaRPr lang="zh-CN" altLang="en-US" dirty="0"/>
           </a:p>
         </p:txBody>
       </p:sp>
@@ -6479,281 +6491,281 @@
         </p:nvSpPr>
         <p:spPr>
           <a:xfrm>
-            <a:off x="677334" y="2160590"/>
-            <a:ext cx="8596668" cy="3125514"/>
+            <a:off x="581539" y="1838371"/>
+            <a:ext cx="8596668" cy="3880773"/>
           </a:xfrm>
         </p:spPr>
         <p:txBody>
-          <a:bodyPr>
-            <a:normAutofit/>
-          </a:bodyPr>
+          <a:bodyPr/>
           <a:lstStyle/>
           <a:p>
             <a:r>
-              <a:rPr lang="it-IT" altLang="zh-CN" sz="2800" dirty="0" smtClean="0">
-                <a:solidFill>
-                  <a:schemeClr val="tx2"/>
-                </a:solidFill>
-                <a:latin typeface="Microsoft JhengHei" panose="020B0604030504040204" pitchFamily="34" charset="-120"/>
-                <a:ea typeface="Microsoft JhengHei" panose="020B0604030504040204" pitchFamily="34" charset="-120"/>
-              </a:rPr>
-              <a:t>API </a:t>
-            </a:r>
-            <a:r>
-              <a:rPr lang="it-IT" altLang="zh-CN" sz="2800" dirty="0">
-                <a:solidFill>
-                  <a:schemeClr val="tx2"/>
-                </a:solidFill>
-                <a:latin typeface="Microsoft JhengHei" panose="020B0604030504040204" pitchFamily="34" charset="-120"/>
-                <a:ea typeface="Microsoft JhengHei" panose="020B0604030504040204" pitchFamily="34" charset="-120"/>
-              </a:rPr>
-              <a:t>Blueprint</a:t>
-            </a:r>
-            <a:r>
-              <a:rPr lang="it-IT" altLang="zh-CN" sz="2800" dirty="0" smtClean="0">
-                <a:solidFill>
-                  <a:schemeClr val="tx2"/>
-                </a:solidFill>
-                <a:latin typeface="Microsoft JhengHei" panose="020B0604030504040204" pitchFamily="34" charset="-120"/>
-                <a:ea typeface="Microsoft JhengHei" panose="020B0604030504040204" pitchFamily="34" charset="-120"/>
-              </a:rPr>
-              <a:t>( </a:t>
-            </a:r>
-            <a:r>
-              <a:rPr lang="it-IT" altLang="zh-CN" sz="2800" dirty="0" smtClean="0">
-                <a:solidFill>
-                  <a:schemeClr val="tx2"/>
-                </a:solidFill>
-                <a:latin typeface="Microsoft JhengHei" panose="020B0604030504040204" pitchFamily="34" charset="-120"/>
-                <a:ea typeface="Microsoft JhengHei" panose="020B0604030504040204" pitchFamily="34" charset="-120"/>
+              <a:rPr lang="zh-CN" altLang="en-US" dirty="0" smtClean="0">
+                <a:latin typeface="黑体" panose="02010609060101010101" pitchFamily="49" charset="-122"/>
+                <a:ea typeface="黑体" panose="02010609060101010101" pitchFamily="49" charset="-122"/>
+              </a:rPr>
+              <a:t>可</a:t>
+            </a:r>
+            <a:r>
+              <a:rPr lang="zh-CN" altLang="en-US" dirty="0">
+                <a:latin typeface="黑体" panose="02010609060101010101" pitchFamily="49" charset="-122"/>
+                <a:ea typeface="黑体" panose="02010609060101010101" pitchFamily="49" charset="-122"/>
+              </a:rPr>
+              <a:t>更高效利用缓存来提高响应速度</a:t>
+            </a:r>
+          </a:p>
+          <a:p>
+            <a:r>
+              <a:rPr lang="zh-CN" altLang="en-US" dirty="0" smtClean="0">
+                <a:latin typeface="黑体" panose="02010609060101010101" pitchFamily="49" charset="-122"/>
+                <a:ea typeface="黑体" panose="02010609060101010101" pitchFamily="49" charset="-122"/>
+              </a:rPr>
+              <a:t>通讯</a:t>
+            </a:r>
+            <a:r>
+              <a:rPr lang="zh-CN" altLang="en-US" dirty="0">
+                <a:latin typeface="黑体" panose="02010609060101010101" pitchFamily="49" charset="-122"/>
+                <a:ea typeface="黑体" panose="02010609060101010101" pitchFamily="49" charset="-122"/>
+              </a:rPr>
+              <a:t>本身的无状态性可以让不同的服务器的处理一系列请求中的不同请求，</a:t>
+            </a:r>
+            <a:r>
+              <a:rPr lang="zh-CN" altLang="en-US" dirty="0" smtClean="0">
+                <a:latin typeface="黑体" panose="02010609060101010101" pitchFamily="49" charset="-122"/>
+                <a:ea typeface="黑体" panose="02010609060101010101" pitchFamily="49" charset="-122"/>
+              </a:rPr>
+              <a:t>提高服务器</a:t>
+            </a:r>
+            <a:r>
+              <a:rPr lang="zh-CN" altLang="en-US" dirty="0">
+                <a:latin typeface="黑体" panose="02010609060101010101" pitchFamily="49" charset="-122"/>
+                <a:ea typeface="黑体" panose="02010609060101010101" pitchFamily="49" charset="-122"/>
+              </a:rPr>
+              <a:t>的扩展性</a:t>
+            </a:r>
+          </a:p>
+          <a:p>
+            <a:r>
+              <a:rPr lang="zh-CN" altLang="en-US" dirty="0" smtClean="0">
+                <a:latin typeface="黑体" panose="02010609060101010101" pitchFamily="49" charset="-122"/>
+                <a:ea typeface="黑体" panose="02010609060101010101" pitchFamily="49" charset="-122"/>
+              </a:rPr>
+              <a:t>浏览器</a:t>
+            </a:r>
+            <a:r>
+              <a:rPr lang="zh-CN" altLang="en-US" dirty="0">
+                <a:latin typeface="黑体" panose="02010609060101010101" pitchFamily="49" charset="-122"/>
+                <a:ea typeface="黑体" panose="02010609060101010101" pitchFamily="49" charset="-122"/>
+              </a:rPr>
+              <a:t>即可作为客户端，简化软件需求</a:t>
+            </a:r>
+          </a:p>
+          <a:p>
+            <a:r>
+              <a:rPr lang="zh-CN" altLang="en-US" dirty="0" smtClean="0">
+                <a:latin typeface="黑体" panose="02010609060101010101" pitchFamily="49" charset="-122"/>
+                <a:ea typeface="黑体" panose="02010609060101010101" pitchFamily="49" charset="-122"/>
+              </a:rPr>
+              <a:t>相对</a:t>
+            </a:r>
+            <a:r>
+              <a:rPr lang="zh-CN" altLang="en-US" dirty="0">
+                <a:latin typeface="黑体" panose="02010609060101010101" pitchFamily="49" charset="-122"/>
+                <a:ea typeface="黑体" panose="02010609060101010101" pitchFamily="49" charset="-122"/>
+              </a:rPr>
+              <a:t>于其他叠加在</a:t>
+            </a:r>
+            <a:r>
+              <a:rPr lang="en-US" altLang="zh-CN" dirty="0">
+                <a:latin typeface="黑体" panose="02010609060101010101" pitchFamily="49" charset="-122"/>
+                <a:ea typeface="黑体" panose="02010609060101010101" pitchFamily="49" charset="-122"/>
+              </a:rPr>
+              <a:t>HTTP</a:t>
+            </a:r>
+            <a:r>
+              <a:rPr lang="zh-CN" altLang="en-US" dirty="0">
+                <a:latin typeface="黑体" panose="02010609060101010101" pitchFamily="49" charset="-122"/>
+                <a:ea typeface="黑体" panose="02010609060101010101" pitchFamily="49" charset="-122"/>
+              </a:rPr>
+              <a:t>协议之上的机制，</a:t>
+            </a:r>
+            <a:r>
+              <a:rPr lang="en-US" altLang="zh-CN" dirty="0">
+                <a:latin typeface="黑体" panose="02010609060101010101" pitchFamily="49" charset="-122"/>
+                <a:ea typeface="黑体" panose="02010609060101010101" pitchFamily="49" charset="-122"/>
+              </a:rPr>
+              <a:t>REST</a:t>
+            </a:r>
+            <a:r>
+              <a:rPr lang="zh-CN" altLang="en-US" dirty="0">
+                <a:latin typeface="黑体" panose="02010609060101010101" pitchFamily="49" charset="-122"/>
+                <a:ea typeface="黑体" panose="02010609060101010101" pitchFamily="49" charset="-122"/>
+              </a:rPr>
+              <a:t>的软件依赖性更小</a:t>
+            </a:r>
+          </a:p>
+          <a:p>
+            <a:r>
+              <a:rPr lang="zh-CN" altLang="en-US" dirty="0" smtClean="0">
+                <a:latin typeface="黑体" panose="02010609060101010101" pitchFamily="49" charset="-122"/>
+                <a:ea typeface="黑体" panose="02010609060101010101" pitchFamily="49" charset="-122"/>
+              </a:rPr>
+              <a:t>不</a:t>
+            </a:r>
+            <a:r>
+              <a:rPr lang="zh-CN" altLang="en-US" dirty="0">
+                <a:latin typeface="黑体" panose="02010609060101010101" pitchFamily="49" charset="-122"/>
+                <a:ea typeface="黑体" panose="02010609060101010101" pitchFamily="49" charset="-122"/>
+              </a:rPr>
+              <a:t>需要额外的资源发现机制</a:t>
+            </a:r>
+          </a:p>
+          <a:p>
+            <a:r>
+              <a:rPr lang="zh-CN" altLang="en-US" dirty="0" smtClean="0">
+                <a:latin typeface="黑体" panose="02010609060101010101" pitchFamily="49" charset="-122"/>
+                <a:ea typeface="黑体" panose="02010609060101010101" pitchFamily="49" charset="-122"/>
+              </a:rPr>
+              <a:t>在</a:t>
+            </a:r>
+            <a:r>
+              <a:rPr lang="zh-CN" altLang="en-US" dirty="0">
+                <a:latin typeface="黑体" panose="02010609060101010101" pitchFamily="49" charset="-122"/>
+                <a:ea typeface="黑体" panose="02010609060101010101" pitchFamily="49" charset="-122"/>
+              </a:rPr>
+              <a:t>软件技术演进中的长期的兼容性</a:t>
+            </a:r>
+            <a:r>
+              <a:rPr lang="zh-CN" altLang="en-US" dirty="0" smtClean="0">
+                <a:latin typeface="黑体" panose="02010609060101010101" pitchFamily="49" charset="-122"/>
+                <a:ea typeface="黑体" panose="02010609060101010101" pitchFamily="49" charset="-122"/>
+              </a:rPr>
+              <a:t>更好</a:t>
+            </a:r>
+            <a:endParaRPr lang="en-US" altLang="zh-CN" dirty="0" smtClean="0">
+              <a:latin typeface="黑体" panose="02010609060101010101" pitchFamily="49" charset="-122"/>
+              <a:ea typeface="黑体" panose="02010609060101010101" pitchFamily="49" charset="-122"/>
+            </a:endParaRPr>
+          </a:p>
+          <a:p>
+            <a:r>
+              <a:rPr lang="en-US" altLang="zh-CN" dirty="0">
+                <a:solidFill>
+                  <a:schemeClr val="bg1">
+                    <a:lumMod val="65000"/>
+                  </a:schemeClr>
+                </a:solidFill>
+                <a:latin typeface="黑体" panose="02010609060101010101" pitchFamily="49" charset="-122"/>
+                <a:ea typeface="黑体" panose="02010609060101010101" pitchFamily="49" charset="-122"/>
                 <a:hlinkClick r:id="rId2"/>
               </a:rPr>
-              <a:t>https</a:t>
-            </a:r>
-            <a:r>
-              <a:rPr lang="it-IT" altLang="zh-CN" sz="2800" dirty="0">
-                <a:solidFill>
-                  <a:schemeClr val="tx2"/>
-                </a:solidFill>
-                <a:latin typeface="Microsoft JhengHei" panose="020B0604030504040204" pitchFamily="34" charset="-120"/>
-                <a:ea typeface="Microsoft JhengHei" panose="020B0604030504040204" pitchFamily="34" charset="-120"/>
+              <a:t>Roy </a:t>
+            </a:r>
+            <a:r>
+              <a:rPr lang="en-US" altLang="zh-CN" dirty="0" smtClean="0">
+                <a:solidFill>
+                  <a:schemeClr val="bg1">
+                    <a:lumMod val="65000"/>
+                  </a:schemeClr>
+                </a:solidFill>
+                <a:latin typeface="黑体" panose="02010609060101010101" pitchFamily="49" charset="-122"/>
+                <a:ea typeface="黑体" panose="02010609060101010101" pitchFamily="49" charset="-122"/>
                 <a:hlinkClick r:id="rId2"/>
               </a:rPr>
-              <a:t>://apiblueprint.org</a:t>
-            </a:r>
-            <a:r>
-              <a:rPr lang="it-IT" altLang="zh-CN" sz="2800" dirty="0" smtClean="0">
-                <a:solidFill>
-                  <a:schemeClr val="tx2"/>
-                </a:solidFill>
-                <a:latin typeface="Microsoft JhengHei" panose="020B0604030504040204" pitchFamily="34" charset="-120"/>
-                <a:ea typeface="Microsoft JhengHei" panose="020B0604030504040204" pitchFamily="34" charset="-120"/>
-                <a:hlinkClick r:id="rId2"/>
-              </a:rPr>
-              <a:t>/</a:t>
-            </a:r>
-            <a:r>
-              <a:rPr lang="it-IT" altLang="zh-CN" sz="2800" dirty="0" smtClean="0">
-                <a:solidFill>
-                  <a:schemeClr val="tx2"/>
-                </a:solidFill>
-                <a:latin typeface="Microsoft JhengHei" panose="020B0604030504040204" pitchFamily="34" charset="-120"/>
-                <a:ea typeface="Microsoft JhengHei" panose="020B0604030504040204" pitchFamily="34" charset="-120"/>
-              </a:rPr>
-              <a:t> )</a:t>
-            </a:r>
-            <a:endParaRPr lang="it-IT" altLang="zh-CN" sz="2800" dirty="0">
+              <a:t>Fielding</a:t>
+            </a:r>
+            <a:r>
+              <a:rPr lang="zh-CN" altLang="en-US" dirty="0" smtClean="0">
+                <a:solidFill>
+                  <a:schemeClr val="bg1">
+                    <a:lumMod val="65000"/>
+                  </a:schemeClr>
+                </a:solidFill>
+                <a:latin typeface="黑体" panose="02010609060101010101" pitchFamily="49" charset="-122"/>
+                <a:ea typeface="黑体" panose="02010609060101010101" pitchFamily="49" charset="-122"/>
+              </a:rPr>
+              <a:t>博士作为</a:t>
+            </a:r>
+            <a:r>
+              <a:rPr lang="en-US" altLang="zh-CN" dirty="0" smtClean="0">
+                <a:solidFill>
+                  <a:schemeClr val="bg1">
+                    <a:lumMod val="65000"/>
+                  </a:schemeClr>
+                </a:solidFill>
+                <a:latin typeface="黑体" panose="02010609060101010101" pitchFamily="49" charset="-122"/>
+                <a:ea typeface="黑体" panose="02010609060101010101" pitchFamily="49" charset="-122"/>
+              </a:rPr>
+              <a:t>HTTP</a:t>
+            </a:r>
+            <a:r>
+              <a:rPr lang="zh-CN" altLang="en-US" dirty="0" smtClean="0">
+                <a:solidFill>
+                  <a:schemeClr val="bg1">
+                    <a:lumMod val="65000"/>
+                  </a:schemeClr>
+                </a:solidFill>
+                <a:latin typeface="黑体" panose="02010609060101010101" pitchFamily="49" charset="-122"/>
+                <a:ea typeface="黑体" panose="02010609060101010101" pitchFamily="49" charset="-122"/>
+              </a:rPr>
+              <a:t>规范的制定者之一，未来的</a:t>
+            </a:r>
+            <a:r>
+              <a:rPr lang="en-US" altLang="zh-CN" dirty="0" smtClean="0">
+                <a:solidFill>
+                  <a:schemeClr val="bg1">
+                    <a:lumMod val="65000"/>
+                  </a:schemeClr>
+                </a:solidFill>
+                <a:latin typeface="黑体" panose="02010609060101010101" pitchFamily="49" charset="-122"/>
+                <a:ea typeface="黑体" panose="02010609060101010101" pitchFamily="49" charset="-122"/>
+              </a:rPr>
+              <a:t>HTTP2.0</a:t>
+            </a:r>
+            <a:r>
+              <a:rPr lang="zh-CN" altLang="en-US" dirty="0" smtClean="0">
+                <a:solidFill>
+                  <a:schemeClr val="bg1">
+                    <a:lumMod val="65000"/>
+                  </a:schemeClr>
+                </a:solidFill>
+                <a:latin typeface="黑体" panose="02010609060101010101" pitchFamily="49" charset="-122"/>
+                <a:ea typeface="黑体" panose="02010609060101010101" pitchFamily="49" charset="-122"/>
+              </a:rPr>
+              <a:t>也会更进一步的</a:t>
+            </a:r>
+            <a:r>
+              <a:rPr lang="en-US" altLang="zh-CN" dirty="0" smtClean="0">
+                <a:solidFill>
+                  <a:schemeClr val="bg1">
+                    <a:lumMod val="65000"/>
+                  </a:schemeClr>
+                </a:solidFill>
+                <a:latin typeface="黑体" panose="02010609060101010101" pitchFamily="49" charset="-122"/>
+                <a:ea typeface="黑体" panose="02010609060101010101" pitchFamily="49" charset="-122"/>
+              </a:rPr>
+              <a:t>REST</a:t>
+            </a:r>
+            <a:r>
+              <a:rPr lang="zh-CN" altLang="en-US" dirty="0" smtClean="0">
+                <a:solidFill>
+                  <a:schemeClr val="bg1">
+                    <a:lumMod val="65000"/>
+                  </a:schemeClr>
+                </a:solidFill>
+                <a:latin typeface="黑体" panose="02010609060101010101" pitchFamily="49" charset="-122"/>
+                <a:ea typeface="黑体" panose="02010609060101010101" pitchFamily="49" charset="-122"/>
+              </a:rPr>
+              <a:t>的支持</a:t>
+            </a:r>
+            <a:endParaRPr lang="zh-CN" altLang="en-US" dirty="0">
               <a:solidFill>
-                <a:schemeClr val="tx2"/>
+                <a:schemeClr val="bg1">
+                  <a:lumMod val="65000"/>
+                </a:schemeClr>
               </a:solidFill>
-              <a:latin typeface="Microsoft JhengHei" panose="020B0604030504040204" pitchFamily="34" charset="-120"/>
-              <a:ea typeface="Microsoft JhengHei" panose="020B0604030504040204" pitchFamily="34" charset="-120"/>
-            </a:endParaRPr>
-          </a:p>
-          <a:p>
-            <a:r>
-              <a:rPr lang="it-IT" altLang="zh-CN" sz="2800" dirty="0" smtClean="0">
-                <a:solidFill>
-                  <a:schemeClr val="tx2"/>
-                </a:solidFill>
-                <a:latin typeface="Microsoft JhengHei" panose="020B0604030504040204" pitchFamily="34" charset="-120"/>
-                <a:ea typeface="Microsoft JhengHei" panose="020B0604030504040204" pitchFamily="34" charset="-120"/>
-              </a:rPr>
-              <a:t>apidocjs( </a:t>
-            </a:r>
-            <a:r>
-              <a:rPr lang="it-IT" altLang="zh-CN" sz="2800" dirty="0" smtClean="0">
-                <a:solidFill>
-                  <a:schemeClr val="tx2"/>
-                </a:solidFill>
-                <a:latin typeface="Microsoft JhengHei" panose="020B0604030504040204" pitchFamily="34" charset="-120"/>
-                <a:ea typeface="Microsoft JhengHei" panose="020B0604030504040204" pitchFamily="34" charset="-120"/>
-                <a:hlinkClick r:id="rId3"/>
-              </a:rPr>
-              <a:t>http</a:t>
-            </a:r>
-            <a:r>
-              <a:rPr lang="it-IT" altLang="zh-CN" sz="2800" dirty="0">
-                <a:solidFill>
-                  <a:schemeClr val="tx2"/>
-                </a:solidFill>
-                <a:latin typeface="Microsoft JhengHei" panose="020B0604030504040204" pitchFamily="34" charset="-120"/>
-                <a:ea typeface="Microsoft JhengHei" panose="020B0604030504040204" pitchFamily="34" charset="-120"/>
-                <a:hlinkClick r:id="rId3"/>
-              </a:rPr>
-              <a:t>://apidocjs.com</a:t>
-            </a:r>
-            <a:r>
-              <a:rPr lang="it-IT" altLang="zh-CN" sz="2800" dirty="0" smtClean="0">
-                <a:solidFill>
-                  <a:schemeClr val="tx2"/>
-                </a:solidFill>
-                <a:latin typeface="Microsoft JhengHei" panose="020B0604030504040204" pitchFamily="34" charset="-120"/>
-                <a:ea typeface="Microsoft JhengHei" panose="020B0604030504040204" pitchFamily="34" charset="-120"/>
-                <a:hlinkClick r:id="rId3"/>
-              </a:rPr>
-              <a:t>/</a:t>
-            </a:r>
-            <a:r>
-              <a:rPr lang="it-IT" altLang="zh-CN" sz="2800" dirty="0" smtClean="0">
-                <a:solidFill>
-                  <a:schemeClr val="tx2"/>
-                </a:solidFill>
-                <a:latin typeface="Microsoft JhengHei" panose="020B0604030504040204" pitchFamily="34" charset="-120"/>
-                <a:ea typeface="Microsoft JhengHei" panose="020B0604030504040204" pitchFamily="34" charset="-120"/>
-              </a:rPr>
-              <a:t> )</a:t>
-            </a:r>
-            <a:endParaRPr lang="it-IT" altLang="zh-CN" sz="2800" dirty="0">
-              <a:solidFill>
-                <a:schemeClr val="tx2"/>
-              </a:solidFill>
-              <a:latin typeface="Microsoft JhengHei" panose="020B0604030504040204" pitchFamily="34" charset="-120"/>
-              <a:ea typeface="Microsoft JhengHei" panose="020B0604030504040204" pitchFamily="34" charset="-120"/>
-            </a:endParaRPr>
-          </a:p>
-          <a:p>
-            <a:r>
-              <a:rPr lang="it-IT" altLang="zh-CN" sz="2800" dirty="0" smtClean="0">
-                <a:solidFill>
-                  <a:schemeClr val="tx2"/>
-                </a:solidFill>
-                <a:latin typeface="Microsoft JhengHei" panose="020B0604030504040204" pitchFamily="34" charset="-120"/>
-                <a:ea typeface="Microsoft JhengHei" panose="020B0604030504040204" pitchFamily="34" charset="-120"/>
-              </a:rPr>
-              <a:t>raml( </a:t>
-            </a:r>
-            <a:r>
-              <a:rPr lang="it-IT" altLang="zh-CN" sz="2800" dirty="0" smtClean="0">
-                <a:solidFill>
-                  <a:schemeClr val="tx2"/>
-                </a:solidFill>
-                <a:latin typeface="Microsoft JhengHei" panose="020B0604030504040204" pitchFamily="34" charset="-120"/>
-                <a:ea typeface="Microsoft JhengHei" panose="020B0604030504040204" pitchFamily="34" charset="-120"/>
-                <a:hlinkClick r:id="rId4"/>
-              </a:rPr>
-              <a:t>https</a:t>
-            </a:r>
-            <a:r>
-              <a:rPr lang="it-IT" altLang="zh-CN" sz="2800" dirty="0">
-                <a:solidFill>
-                  <a:schemeClr val="tx2"/>
-                </a:solidFill>
-                <a:latin typeface="Microsoft JhengHei" panose="020B0604030504040204" pitchFamily="34" charset="-120"/>
-                <a:ea typeface="Microsoft JhengHei" panose="020B0604030504040204" pitchFamily="34" charset="-120"/>
-                <a:hlinkClick r:id="rId4"/>
-              </a:rPr>
-              <a:t>://raml.org</a:t>
-            </a:r>
-            <a:r>
-              <a:rPr lang="it-IT" altLang="zh-CN" sz="2800" dirty="0" smtClean="0">
-                <a:solidFill>
-                  <a:schemeClr val="tx2"/>
-                </a:solidFill>
-                <a:latin typeface="Microsoft JhengHei" panose="020B0604030504040204" pitchFamily="34" charset="-120"/>
-                <a:ea typeface="Microsoft JhengHei" panose="020B0604030504040204" pitchFamily="34" charset="-120"/>
-                <a:hlinkClick r:id="rId4"/>
-              </a:rPr>
-              <a:t>/</a:t>
-            </a:r>
-            <a:r>
-              <a:rPr lang="it-IT" altLang="zh-CN" sz="2800" dirty="0" smtClean="0">
-                <a:solidFill>
-                  <a:schemeClr val="tx2"/>
-                </a:solidFill>
-                <a:latin typeface="Microsoft JhengHei" panose="020B0604030504040204" pitchFamily="34" charset="-120"/>
-                <a:ea typeface="Microsoft JhengHei" panose="020B0604030504040204" pitchFamily="34" charset="-120"/>
-              </a:rPr>
-              <a:t> )</a:t>
-            </a:r>
-            <a:endParaRPr lang="it-IT" altLang="zh-CN" sz="2800" dirty="0">
-              <a:solidFill>
-                <a:schemeClr val="tx2"/>
-              </a:solidFill>
-              <a:latin typeface="Microsoft JhengHei" panose="020B0604030504040204" pitchFamily="34" charset="-120"/>
-              <a:ea typeface="Microsoft JhengHei" panose="020B0604030504040204" pitchFamily="34" charset="-120"/>
-            </a:endParaRPr>
-          </a:p>
-          <a:p>
-            <a:r>
-              <a:rPr lang="it-IT" altLang="zh-CN" sz="2800" dirty="0" smtClean="0">
-                <a:solidFill>
-                  <a:schemeClr val="tx2"/>
-                </a:solidFill>
-                <a:latin typeface="Microsoft JhengHei" panose="020B0604030504040204" pitchFamily="34" charset="-120"/>
-                <a:ea typeface="Microsoft JhengHei" panose="020B0604030504040204" pitchFamily="34" charset="-120"/>
-              </a:rPr>
-              <a:t>swagger( </a:t>
-            </a:r>
-            <a:r>
-              <a:rPr lang="it-IT" altLang="zh-CN" sz="2800" dirty="0" smtClean="0">
-                <a:solidFill>
-                  <a:schemeClr val="tx2"/>
-                </a:solidFill>
-                <a:latin typeface="Microsoft JhengHei" panose="020B0604030504040204" pitchFamily="34" charset="-120"/>
-                <a:ea typeface="Microsoft JhengHei" panose="020B0604030504040204" pitchFamily="34" charset="-120"/>
-                <a:hlinkClick r:id="rId5"/>
-              </a:rPr>
-              <a:t>https</a:t>
-            </a:r>
-            <a:r>
-              <a:rPr lang="it-IT" altLang="zh-CN" sz="2800" dirty="0">
-                <a:solidFill>
-                  <a:schemeClr val="tx2"/>
-                </a:solidFill>
-                <a:latin typeface="Microsoft JhengHei" panose="020B0604030504040204" pitchFamily="34" charset="-120"/>
-                <a:ea typeface="Microsoft JhengHei" panose="020B0604030504040204" pitchFamily="34" charset="-120"/>
-                <a:hlinkClick r:id="rId5"/>
-              </a:rPr>
-              <a:t>://swagger.io</a:t>
-            </a:r>
-            <a:r>
-              <a:rPr lang="it-IT" altLang="zh-CN" sz="2800" dirty="0" smtClean="0">
-                <a:solidFill>
-                  <a:schemeClr val="tx2"/>
-                </a:solidFill>
-                <a:latin typeface="Microsoft JhengHei" panose="020B0604030504040204" pitchFamily="34" charset="-120"/>
-                <a:ea typeface="Microsoft JhengHei" panose="020B0604030504040204" pitchFamily="34" charset="-120"/>
-                <a:hlinkClick r:id="rId5"/>
-              </a:rPr>
-              <a:t>/</a:t>
-            </a:r>
-            <a:r>
-              <a:rPr lang="it-IT" altLang="zh-CN" sz="2800" dirty="0" smtClean="0">
-                <a:solidFill>
-                  <a:schemeClr val="tx2"/>
-                </a:solidFill>
-                <a:latin typeface="Microsoft JhengHei" panose="020B0604030504040204" pitchFamily="34" charset="-120"/>
-                <a:ea typeface="Microsoft JhengHei" panose="020B0604030504040204" pitchFamily="34" charset="-120"/>
-              </a:rPr>
-              <a:t> )</a:t>
-            </a:r>
-            <a:endParaRPr lang="zh-CN" altLang="en-US" sz="2800" dirty="0">
-              <a:solidFill>
-                <a:schemeClr val="tx2"/>
-              </a:solidFill>
-              <a:latin typeface="Microsoft JhengHei" panose="020B0604030504040204" pitchFamily="34" charset="-120"/>
-              <a:ea typeface="Microsoft JhengHei" panose="020B0604030504040204" pitchFamily="34" charset="-120"/>
+              <a:latin typeface="黑体" panose="02010609060101010101" pitchFamily="49" charset="-122"/>
+              <a:ea typeface="黑体" panose="02010609060101010101" pitchFamily="49" charset="-122"/>
             </a:endParaRPr>
           </a:p>
         </p:txBody>
@@ -6761,7 +6773,7 @@
     </p:spTree>
     <p:extLst>
       <p:ext uri="{BB962C8B-B14F-4D97-AF65-F5344CB8AC3E}">
-        <p14:creationId xmlns:p14="http://schemas.microsoft.com/office/powerpoint/2010/main" val="1444089237"/>
+        <p14:creationId xmlns:p14="http://schemas.microsoft.com/office/powerpoint/2010/main" val="3566023742"/>
       </p:ext>
     </p:extLst>
   </p:cSld>
@@ -6805,18 +6817,27 @@
             <p:ph type="title"/>
           </p:nvPr>
         </p:nvSpPr>
-        <p:spPr/>
+        <p:spPr>
+          <a:xfrm>
+            <a:off x="677334" y="609600"/>
+            <a:ext cx="8596668" cy="975360"/>
+          </a:xfrm>
+        </p:spPr>
         <p:txBody>
           <a:bodyPr/>
           <a:lstStyle/>
           <a:p>
             <a:r>
               <a:rPr lang="en-US" altLang="zh-CN" dirty="0" smtClean="0"/>
-              <a:t>Swagger</a:t>
+              <a:t>RESTful API</a:t>
+            </a:r>
+            <a:r>
+              <a:rPr lang="zh-CN" altLang="en-US" dirty="0" smtClean="0"/>
+              <a:t>的</a:t>
             </a:r>
             <a:r>
               <a:rPr lang="zh-CN" altLang="en-US" dirty="0"/>
-              <a:t>介绍</a:t>
+              <a:t>描述文档</a:t>
             </a:r>
           </a:p>
         </p:txBody>
@@ -6831,7 +6852,12 @@
             <p:ph idx="1"/>
           </p:nvPr>
         </p:nvSpPr>
-        <p:spPr/>
+        <p:spPr>
+          <a:xfrm>
+            <a:off x="677334" y="2160590"/>
+            <a:ext cx="8596668" cy="3125514"/>
+          </a:xfrm>
+        </p:spPr>
         <p:txBody>
           <a:bodyPr>
             <a:normAutofit/>
@@ -6839,300 +6865,278 @@
           <a:lstStyle/>
           <a:p>
             <a:r>
-              <a:rPr lang="en-US" altLang="zh-CN" sz="2400" dirty="0" smtClean="0">
-                <a:latin typeface="黑体" panose="02010609060101010101" pitchFamily="49" charset="-122"/>
-                <a:ea typeface="黑体" panose="02010609060101010101" pitchFamily="49" charset="-122"/>
-              </a:rPr>
-              <a:t>Swagger</a:t>
-            </a:r>
-            <a:r>
-              <a:rPr lang="zh-CN" altLang="en-US" sz="2400" dirty="0" smtClean="0">
-                <a:latin typeface="黑体" panose="02010609060101010101" pitchFamily="49" charset="-122"/>
-                <a:ea typeface="黑体" panose="02010609060101010101" pitchFamily="49" charset="-122"/>
-              </a:rPr>
-              <a:t>是</a:t>
-            </a:r>
-            <a:r>
-              <a:rPr lang="en-US" altLang="zh-CN" sz="2400" dirty="0" smtClean="0">
-                <a:latin typeface="黑体" panose="02010609060101010101" pitchFamily="49" charset="-122"/>
-                <a:ea typeface="黑体" panose="02010609060101010101" pitchFamily="49" charset="-122"/>
-              </a:rPr>
-              <a:t>API</a:t>
-            </a:r>
-            <a:r>
-              <a:rPr lang="zh-CN" altLang="en-US" sz="2400" dirty="0" smtClean="0">
-                <a:latin typeface="黑体" panose="02010609060101010101" pitchFamily="49" charset="-122"/>
-                <a:ea typeface="黑体" panose="02010609060101010101" pitchFamily="49" charset="-122"/>
-              </a:rPr>
-              <a:t>文档描述工具，</a:t>
-            </a:r>
-            <a:r>
-              <a:rPr lang="en-US" altLang="zh-CN" sz="2400" dirty="0">
-                <a:latin typeface="黑体" panose="02010609060101010101" pitchFamily="49" charset="-122"/>
-                <a:ea typeface="黑体" panose="02010609060101010101" pitchFamily="49" charset="-122"/>
-              </a:rPr>
-              <a:t>Swagger</a:t>
-            </a:r>
-            <a:r>
-              <a:rPr lang="zh-CN" altLang="en-US" sz="2400" dirty="0">
-                <a:latin typeface="黑体" panose="02010609060101010101" pitchFamily="49" charset="-122"/>
-                <a:ea typeface="黑体" panose="02010609060101010101" pitchFamily="49" charset="-122"/>
-              </a:rPr>
-              <a:t>与语言</a:t>
-            </a:r>
-            <a:r>
-              <a:rPr lang="zh-CN" altLang="en-US" sz="2400" dirty="0" smtClean="0">
-                <a:latin typeface="黑体" panose="02010609060101010101" pitchFamily="49" charset="-122"/>
-                <a:ea typeface="黑体" panose="02010609060101010101" pitchFamily="49" charset="-122"/>
-              </a:rPr>
-              <a:t>无关</a:t>
-            </a:r>
-            <a:endParaRPr lang="en-US" altLang="zh-CN" sz="2400" dirty="0">
-              <a:latin typeface="黑体" panose="02010609060101010101" pitchFamily="49" charset="-122"/>
-              <a:ea typeface="黑体" panose="02010609060101010101" pitchFamily="49" charset="-122"/>
+              <a:rPr lang="it-IT" altLang="zh-CN" sz="2800" dirty="0" smtClean="0">
+                <a:solidFill>
+                  <a:schemeClr val="tx2"/>
+                </a:solidFill>
+                <a:latin typeface="Microsoft JhengHei" panose="020B0604030504040204" pitchFamily="34" charset="-120"/>
+                <a:ea typeface="Microsoft JhengHei" panose="020B0604030504040204" pitchFamily="34" charset="-120"/>
+              </a:rPr>
+              <a:t>API </a:t>
+            </a:r>
+            <a:r>
+              <a:rPr lang="it-IT" altLang="zh-CN" sz="2800" dirty="0">
+                <a:solidFill>
+                  <a:schemeClr val="tx2"/>
+                </a:solidFill>
+                <a:latin typeface="Microsoft JhengHei" panose="020B0604030504040204" pitchFamily="34" charset="-120"/>
+                <a:ea typeface="Microsoft JhengHei" panose="020B0604030504040204" pitchFamily="34" charset="-120"/>
+              </a:rPr>
+              <a:t>Blueprint</a:t>
+            </a:r>
+            <a:r>
+              <a:rPr lang="it-IT" altLang="zh-CN" sz="2800" dirty="0" smtClean="0">
+                <a:solidFill>
+                  <a:schemeClr val="tx2"/>
+                </a:solidFill>
+                <a:latin typeface="Microsoft JhengHei" panose="020B0604030504040204" pitchFamily="34" charset="-120"/>
+                <a:ea typeface="Microsoft JhengHei" panose="020B0604030504040204" pitchFamily="34" charset="-120"/>
+              </a:rPr>
+              <a:t>( </a:t>
+            </a:r>
+            <a:r>
+              <a:rPr lang="it-IT" altLang="zh-CN" sz="2800" dirty="0" smtClean="0">
+                <a:solidFill>
+                  <a:schemeClr val="tx2"/>
+                </a:solidFill>
+                <a:latin typeface="Microsoft JhengHei" panose="020B0604030504040204" pitchFamily="34" charset="-120"/>
+                <a:ea typeface="Microsoft JhengHei" panose="020B0604030504040204" pitchFamily="34" charset="-120"/>
+                <a:hlinkClick r:id="rId2"/>
+              </a:rPr>
+              <a:t>https</a:t>
+            </a:r>
+            <a:r>
+              <a:rPr lang="it-IT" altLang="zh-CN" sz="2800" dirty="0">
+                <a:solidFill>
+                  <a:schemeClr val="tx2"/>
+                </a:solidFill>
+                <a:latin typeface="Microsoft JhengHei" panose="020B0604030504040204" pitchFamily="34" charset="-120"/>
+                <a:ea typeface="Microsoft JhengHei" panose="020B0604030504040204" pitchFamily="34" charset="-120"/>
+                <a:hlinkClick r:id="rId2"/>
+              </a:rPr>
+              <a:t>://apiblueprint.org</a:t>
+            </a:r>
+            <a:r>
+              <a:rPr lang="it-IT" altLang="zh-CN" sz="2800" dirty="0" smtClean="0">
+                <a:solidFill>
+                  <a:schemeClr val="tx2"/>
+                </a:solidFill>
+                <a:latin typeface="Microsoft JhengHei" panose="020B0604030504040204" pitchFamily="34" charset="-120"/>
+                <a:ea typeface="Microsoft JhengHei" panose="020B0604030504040204" pitchFamily="34" charset="-120"/>
+                <a:hlinkClick r:id="rId2"/>
+              </a:rPr>
+              <a:t>/</a:t>
+            </a:r>
+            <a:r>
+              <a:rPr lang="it-IT" altLang="zh-CN" sz="2800" dirty="0" smtClean="0">
+                <a:solidFill>
+                  <a:schemeClr val="tx2"/>
+                </a:solidFill>
+                <a:latin typeface="Microsoft JhengHei" panose="020B0604030504040204" pitchFamily="34" charset="-120"/>
+                <a:ea typeface="Microsoft JhengHei" panose="020B0604030504040204" pitchFamily="34" charset="-120"/>
+              </a:rPr>
+              <a:t> )</a:t>
+            </a:r>
+            <a:endParaRPr lang="it-IT" altLang="zh-CN" sz="2800" dirty="0">
+              <a:solidFill>
+                <a:schemeClr val="tx2"/>
+              </a:solidFill>
+              <a:latin typeface="Microsoft JhengHei" panose="020B0604030504040204" pitchFamily="34" charset="-120"/>
+              <a:ea typeface="Microsoft JhengHei" panose="020B0604030504040204" pitchFamily="34" charset="-120"/>
             </a:endParaRPr>
           </a:p>
           <a:p>
             <a:r>
-              <a:rPr lang="zh-CN" altLang="en-US" sz="2400" dirty="0" smtClean="0">
-                <a:latin typeface="黑体" panose="02010609060101010101" pitchFamily="49" charset="-122"/>
-                <a:ea typeface="黑体" panose="02010609060101010101" pitchFamily="49" charset="-122"/>
-              </a:rPr>
-              <a:t>参与</a:t>
-            </a:r>
-            <a:r>
-              <a:rPr lang="en-US" altLang="zh-CN" sz="2400" dirty="0" smtClean="0">
-                <a:latin typeface="黑体" panose="02010609060101010101" pitchFamily="49" charset="-122"/>
-                <a:ea typeface="黑体" panose="02010609060101010101" pitchFamily="49" charset="-122"/>
-              </a:rPr>
-              <a:t>API</a:t>
-            </a:r>
-            <a:r>
-              <a:rPr lang="zh-CN" altLang="en-US" sz="2400" dirty="0" smtClean="0">
-                <a:latin typeface="黑体" panose="02010609060101010101" pitchFamily="49" charset="-122"/>
-                <a:ea typeface="黑体" panose="02010609060101010101" pitchFamily="49" charset="-122"/>
-              </a:rPr>
-              <a:t>的</a:t>
-            </a:r>
-            <a:r>
-              <a:rPr lang="en-US" altLang="zh-CN" sz="2400" dirty="0" smtClean="0">
-                <a:latin typeface="黑体" panose="02010609060101010101" pitchFamily="49" charset="-122"/>
-                <a:ea typeface="黑体" panose="02010609060101010101" pitchFamily="49" charset="-122"/>
-              </a:rPr>
-              <a:t>Design</a:t>
-            </a:r>
-            <a:r>
-              <a:rPr lang="zh-CN" altLang="en-US" sz="2400" dirty="0" smtClean="0">
-                <a:latin typeface="黑体" panose="02010609060101010101" pitchFamily="49" charset="-122"/>
-                <a:ea typeface="黑体" panose="02010609060101010101" pitchFamily="49" charset="-122"/>
-              </a:rPr>
-              <a:t>、</a:t>
-            </a:r>
-            <a:r>
-              <a:rPr lang="en-US" altLang="zh-CN" sz="2400" dirty="0" smtClean="0">
-                <a:latin typeface="黑体" panose="02010609060101010101" pitchFamily="49" charset="-122"/>
-                <a:ea typeface="黑体" panose="02010609060101010101" pitchFamily="49" charset="-122"/>
-              </a:rPr>
-              <a:t>Build</a:t>
-            </a:r>
-            <a:r>
-              <a:rPr lang="zh-CN" altLang="en-US" sz="2400" dirty="0" smtClean="0">
-                <a:latin typeface="黑体" panose="02010609060101010101" pitchFamily="49" charset="-122"/>
-                <a:ea typeface="黑体" panose="02010609060101010101" pitchFamily="49" charset="-122"/>
-              </a:rPr>
-              <a:t>、</a:t>
-            </a:r>
-            <a:r>
-              <a:rPr lang="en-US" altLang="zh-CN" sz="2400" dirty="0" smtClean="0">
-                <a:latin typeface="黑体" panose="02010609060101010101" pitchFamily="49" charset="-122"/>
-                <a:ea typeface="黑体" panose="02010609060101010101" pitchFamily="49" charset="-122"/>
-              </a:rPr>
-              <a:t>Document</a:t>
-            </a:r>
-            <a:r>
-              <a:rPr lang="zh-CN" altLang="en-US" sz="2400" dirty="0" smtClean="0">
-                <a:latin typeface="黑体" panose="02010609060101010101" pitchFamily="49" charset="-122"/>
-                <a:ea typeface="黑体" panose="02010609060101010101" pitchFamily="49" charset="-122"/>
-              </a:rPr>
-              <a:t>、</a:t>
-            </a:r>
-            <a:r>
-              <a:rPr lang="en-US" altLang="zh-CN" sz="2400" dirty="0" smtClean="0">
-                <a:latin typeface="黑体" panose="02010609060101010101" pitchFamily="49" charset="-122"/>
-                <a:ea typeface="黑体" panose="02010609060101010101" pitchFamily="49" charset="-122"/>
-              </a:rPr>
-              <a:t>Test</a:t>
-            </a:r>
-            <a:r>
-              <a:rPr lang="zh-CN" altLang="en-US" sz="2400" dirty="0" smtClean="0">
-                <a:latin typeface="黑体" panose="02010609060101010101" pitchFamily="49" charset="-122"/>
-                <a:ea typeface="黑体" panose="02010609060101010101" pitchFamily="49" charset="-122"/>
-              </a:rPr>
-              <a:t>、</a:t>
-            </a:r>
-            <a:r>
-              <a:rPr lang="en-US" altLang="zh-CN" sz="2400" dirty="0" smtClean="0">
-                <a:latin typeface="黑体" panose="02010609060101010101" pitchFamily="49" charset="-122"/>
-                <a:ea typeface="黑体" panose="02010609060101010101" pitchFamily="49" charset="-122"/>
-              </a:rPr>
-              <a:t>Standardize</a:t>
-            </a:r>
-            <a:r>
-              <a:rPr lang="zh-CN" altLang="en-US" sz="2400" dirty="0" smtClean="0">
-                <a:latin typeface="黑体" panose="02010609060101010101" pitchFamily="49" charset="-122"/>
-                <a:ea typeface="黑体" panose="02010609060101010101" pitchFamily="49" charset="-122"/>
-              </a:rPr>
-              <a:t>的整个过程</a:t>
-            </a:r>
-            <a:endParaRPr lang="en-US" altLang="zh-CN" sz="2400" dirty="0" smtClean="0">
-              <a:latin typeface="黑体" panose="02010609060101010101" pitchFamily="49" charset="-122"/>
-              <a:ea typeface="黑体" panose="02010609060101010101" pitchFamily="49" charset="-122"/>
+              <a:rPr lang="it-IT" altLang="zh-CN" sz="2800" dirty="0" smtClean="0">
+                <a:solidFill>
+                  <a:schemeClr val="tx2"/>
+                </a:solidFill>
+                <a:latin typeface="Microsoft JhengHei" panose="020B0604030504040204" pitchFamily="34" charset="-120"/>
+                <a:ea typeface="Microsoft JhengHei" panose="020B0604030504040204" pitchFamily="34" charset="-120"/>
+              </a:rPr>
+              <a:t>apidocjs( </a:t>
+            </a:r>
+            <a:r>
+              <a:rPr lang="it-IT" altLang="zh-CN" sz="2800" dirty="0" smtClean="0">
+                <a:solidFill>
+                  <a:schemeClr val="tx2"/>
+                </a:solidFill>
+                <a:latin typeface="Microsoft JhengHei" panose="020B0604030504040204" pitchFamily="34" charset="-120"/>
+                <a:ea typeface="Microsoft JhengHei" panose="020B0604030504040204" pitchFamily="34" charset="-120"/>
+                <a:hlinkClick r:id="rId3"/>
+              </a:rPr>
+              <a:t>http</a:t>
+            </a:r>
+            <a:r>
+              <a:rPr lang="it-IT" altLang="zh-CN" sz="2800" dirty="0">
+                <a:solidFill>
+                  <a:schemeClr val="tx2"/>
+                </a:solidFill>
+                <a:latin typeface="Microsoft JhengHei" panose="020B0604030504040204" pitchFamily="34" charset="-120"/>
+                <a:ea typeface="Microsoft JhengHei" panose="020B0604030504040204" pitchFamily="34" charset="-120"/>
+                <a:hlinkClick r:id="rId3"/>
+              </a:rPr>
+              <a:t>://apidocjs.com</a:t>
+            </a:r>
+            <a:r>
+              <a:rPr lang="it-IT" altLang="zh-CN" sz="2800" dirty="0" smtClean="0">
+                <a:solidFill>
+                  <a:schemeClr val="tx2"/>
+                </a:solidFill>
+                <a:latin typeface="Microsoft JhengHei" panose="020B0604030504040204" pitchFamily="34" charset="-120"/>
+                <a:ea typeface="Microsoft JhengHei" panose="020B0604030504040204" pitchFamily="34" charset="-120"/>
+                <a:hlinkClick r:id="rId3"/>
+              </a:rPr>
+              <a:t>/</a:t>
+            </a:r>
+            <a:r>
+              <a:rPr lang="it-IT" altLang="zh-CN" sz="2800" dirty="0" smtClean="0">
+                <a:solidFill>
+                  <a:schemeClr val="tx2"/>
+                </a:solidFill>
+                <a:latin typeface="Microsoft JhengHei" panose="020B0604030504040204" pitchFamily="34" charset="-120"/>
+                <a:ea typeface="Microsoft JhengHei" panose="020B0604030504040204" pitchFamily="34" charset="-120"/>
+              </a:rPr>
+              <a:t> )</a:t>
+            </a:r>
+            <a:endParaRPr lang="it-IT" altLang="zh-CN" sz="2800" dirty="0">
+              <a:solidFill>
+                <a:schemeClr val="tx2"/>
+              </a:solidFill>
+              <a:latin typeface="Microsoft JhengHei" panose="020B0604030504040204" pitchFamily="34" charset="-120"/>
+              <a:ea typeface="Microsoft JhengHei" panose="020B0604030504040204" pitchFamily="34" charset="-120"/>
             </a:endParaRPr>
           </a:p>
           <a:p>
             <a:r>
-              <a:rPr lang="en-US" altLang="zh-CN" sz="2400" dirty="0" smtClean="0">
-                <a:latin typeface="黑体" panose="02010609060101010101" pitchFamily="49" charset="-122"/>
-                <a:ea typeface="黑体" panose="02010609060101010101" pitchFamily="49" charset="-122"/>
-              </a:rPr>
-              <a:t>Swagger</a:t>
-            </a:r>
-            <a:r>
-              <a:rPr lang="zh-CN" altLang="en-US" sz="2400" dirty="0" smtClean="0">
-                <a:latin typeface="黑体" panose="02010609060101010101" pitchFamily="49" charset="-122"/>
-                <a:ea typeface="黑体" panose="02010609060101010101" pitchFamily="49" charset="-122"/>
-              </a:rPr>
-              <a:t>不是</a:t>
-            </a:r>
-            <a:r>
-              <a:rPr lang="en-US" altLang="zh-CN" sz="2400" dirty="0" smtClean="0">
-                <a:latin typeface="黑体" panose="02010609060101010101" pitchFamily="49" charset="-122"/>
-                <a:ea typeface="黑体" panose="02010609060101010101" pitchFamily="49" charset="-122"/>
-              </a:rPr>
-              <a:t>RESTful API</a:t>
-            </a:r>
-            <a:r>
-              <a:rPr lang="zh-CN" altLang="en-US" sz="2400" dirty="0" smtClean="0">
-                <a:latin typeface="黑体" panose="02010609060101010101" pitchFamily="49" charset="-122"/>
-                <a:ea typeface="黑体" panose="02010609060101010101" pitchFamily="49" charset="-122"/>
-              </a:rPr>
-              <a:t>框架</a:t>
-            </a:r>
-            <a:endParaRPr lang="en-US" altLang="zh-CN" sz="2400" b="1" dirty="0" smtClean="0">
-              <a:latin typeface="黑体" panose="02010609060101010101" pitchFamily="49" charset="-122"/>
-              <a:ea typeface="黑体" panose="02010609060101010101" pitchFamily="49" charset="-122"/>
+              <a:rPr lang="it-IT" altLang="zh-CN" sz="2800" dirty="0" smtClean="0">
+                <a:solidFill>
+                  <a:schemeClr val="tx2"/>
+                </a:solidFill>
+                <a:latin typeface="Microsoft JhengHei" panose="020B0604030504040204" pitchFamily="34" charset="-120"/>
+                <a:ea typeface="Microsoft JhengHei" panose="020B0604030504040204" pitchFamily="34" charset="-120"/>
+              </a:rPr>
+              <a:t>raml( </a:t>
+            </a:r>
+            <a:r>
+              <a:rPr lang="it-IT" altLang="zh-CN" sz="2800" dirty="0" smtClean="0">
+                <a:solidFill>
+                  <a:schemeClr val="tx2"/>
+                </a:solidFill>
+                <a:latin typeface="Microsoft JhengHei" panose="020B0604030504040204" pitchFamily="34" charset="-120"/>
+                <a:ea typeface="Microsoft JhengHei" panose="020B0604030504040204" pitchFamily="34" charset="-120"/>
+                <a:hlinkClick r:id="rId4"/>
+              </a:rPr>
+              <a:t>https</a:t>
+            </a:r>
+            <a:r>
+              <a:rPr lang="it-IT" altLang="zh-CN" sz="2800" dirty="0">
+                <a:solidFill>
+                  <a:schemeClr val="tx2"/>
+                </a:solidFill>
+                <a:latin typeface="Microsoft JhengHei" panose="020B0604030504040204" pitchFamily="34" charset="-120"/>
+                <a:ea typeface="Microsoft JhengHei" panose="020B0604030504040204" pitchFamily="34" charset="-120"/>
+                <a:hlinkClick r:id="rId4"/>
+              </a:rPr>
+              <a:t>://raml.org</a:t>
+            </a:r>
+            <a:r>
+              <a:rPr lang="it-IT" altLang="zh-CN" sz="2800" dirty="0" smtClean="0">
+                <a:solidFill>
+                  <a:schemeClr val="tx2"/>
+                </a:solidFill>
+                <a:latin typeface="Microsoft JhengHei" panose="020B0604030504040204" pitchFamily="34" charset="-120"/>
+                <a:ea typeface="Microsoft JhengHei" panose="020B0604030504040204" pitchFamily="34" charset="-120"/>
+                <a:hlinkClick r:id="rId4"/>
+              </a:rPr>
+              <a:t>/</a:t>
+            </a:r>
+            <a:r>
+              <a:rPr lang="it-IT" altLang="zh-CN" sz="2800" dirty="0" smtClean="0">
+                <a:solidFill>
+                  <a:schemeClr val="tx2"/>
+                </a:solidFill>
+                <a:latin typeface="Microsoft JhengHei" panose="020B0604030504040204" pitchFamily="34" charset="-120"/>
+                <a:ea typeface="Microsoft JhengHei" panose="020B0604030504040204" pitchFamily="34" charset="-120"/>
+              </a:rPr>
+              <a:t> )</a:t>
+            </a:r>
+            <a:endParaRPr lang="it-IT" altLang="zh-CN" sz="2800" dirty="0">
+              <a:solidFill>
+                <a:schemeClr val="tx2"/>
+              </a:solidFill>
+              <a:latin typeface="Microsoft JhengHei" panose="020B0604030504040204" pitchFamily="34" charset="-120"/>
+              <a:ea typeface="Microsoft JhengHei" panose="020B0604030504040204" pitchFamily="34" charset="-120"/>
             </a:endParaRPr>
           </a:p>
           <a:p>
             <a:r>
-              <a:rPr lang="en-US" altLang="zh-CN" sz="2400" dirty="0" smtClean="0">
-                <a:latin typeface="黑体" panose="02010609060101010101" pitchFamily="49" charset="-122"/>
-                <a:ea typeface="黑体" panose="02010609060101010101" pitchFamily="49" charset="-122"/>
-              </a:rPr>
-              <a:t>Swagger</a:t>
-            </a:r>
-            <a:r>
-              <a:rPr lang="zh-CN" altLang="en-US" sz="2400" dirty="0" smtClean="0">
-                <a:latin typeface="黑体" panose="02010609060101010101" pitchFamily="49" charset="-122"/>
-                <a:ea typeface="黑体" panose="02010609060101010101" pitchFamily="49" charset="-122"/>
-              </a:rPr>
-              <a:t>可以与</a:t>
-            </a:r>
-            <a:r>
-              <a:rPr lang="en-US" altLang="zh-CN" sz="2400" dirty="0" err="1" smtClean="0">
-                <a:latin typeface="黑体" panose="02010609060101010101" pitchFamily="49" charset="-122"/>
-                <a:ea typeface="黑体" panose="02010609060101010101" pitchFamily="49" charset="-122"/>
-              </a:rPr>
-              <a:t>SpringMVC</a:t>
-            </a:r>
-            <a:r>
-              <a:rPr lang="zh-CN" altLang="en-US" sz="2400" dirty="0" smtClean="0">
-                <a:latin typeface="黑体" panose="02010609060101010101" pitchFamily="49" charset="-122"/>
-                <a:ea typeface="黑体" panose="02010609060101010101" pitchFamily="49" charset="-122"/>
-              </a:rPr>
-              <a:t>、</a:t>
-            </a:r>
-            <a:r>
-              <a:rPr lang="en-US" altLang="zh-CN" sz="2400" dirty="0" smtClean="0">
-                <a:latin typeface="黑体" panose="02010609060101010101" pitchFamily="49" charset="-122"/>
-                <a:ea typeface="黑体" panose="02010609060101010101" pitchFamily="49" charset="-122"/>
-              </a:rPr>
-              <a:t>Jersey</a:t>
-            </a:r>
-            <a:r>
-              <a:rPr lang="zh-CN" altLang="en-US" sz="2400" dirty="0" smtClean="0">
-                <a:latin typeface="黑体" panose="02010609060101010101" pitchFamily="49" charset="-122"/>
-                <a:ea typeface="黑体" panose="02010609060101010101" pitchFamily="49" charset="-122"/>
-              </a:rPr>
-              <a:t>等</a:t>
-            </a:r>
-            <a:r>
-              <a:rPr lang="en-US" altLang="zh-CN" sz="2400" dirty="0" smtClean="0">
-                <a:latin typeface="黑体" panose="02010609060101010101" pitchFamily="49" charset="-122"/>
-                <a:ea typeface="黑体" panose="02010609060101010101" pitchFamily="49" charset="-122"/>
-              </a:rPr>
-              <a:t>RESTful API</a:t>
-            </a:r>
-            <a:r>
-              <a:rPr lang="zh-CN" altLang="en-US" sz="2400" dirty="0" smtClean="0">
-                <a:latin typeface="黑体" panose="02010609060101010101" pitchFamily="49" charset="-122"/>
-                <a:ea typeface="黑体" panose="02010609060101010101" pitchFamily="49" charset="-122"/>
-              </a:rPr>
-              <a:t>框架使用</a:t>
-            </a:r>
-            <a:endParaRPr lang="en-US" altLang="zh-CN" sz="2400" dirty="0" smtClean="0">
-              <a:latin typeface="黑体" panose="02010609060101010101" pitchFamily="49" charset="-122"/>
-              <a:ea typeface="黑体" panose="02010609060101010101" pitchFamily="49" charset="-122"/>
+              <a:rPr lang="it-IT" altLang="zh-CN" sz="2800" dirty="0" smtClean="0">
+                <a:solidFill>
+                  <a:schemeClr val="tx2"/>
+                </a:solidFill>
+                <a:latin typeface="Microsoft JhengHei" panose="020B0604030504040204" pitchFamily="34" charset="-120"/>
+                <a:ea typeface="Microsoft JhengHei" panose="020B0604030504040204" pitchFamily="34" charset="-120"/>
+              </a:rPr>
+              <a:t>swagger( </a:t>
+            </a:r>
+            <a:r>
+              <a:rPr lang="it-IT" altLang="zh-CN" sz="2800" dirty="0" smtClean="0">
+                <a:solidFill>
+                  <a:schemeClr val="tx2"/>
+                </a:solidFill>
+                <a:latin typeface="Microsoft JhengHei" panose="020B0604030504040204" pitchFamily="34" charset="-120"/>
+                <a:ea typeface="Microsoft JhengHei" panose="020B0604030504040204" pitchFamily="34" charset="-120"/>
+                <a:hlinkClick r:id="rId5"/>
+              </a:rPr>
+              <a:t>https</a:t>
+            </a:r>
+            <a:r>
+              <a:rPr lang="it-IT" altLang="zh-CN" sz="2800" dirty="0">
+                <a:solidFill>
+                  <a:schemeClr val="tx2"/>
+                </a:solidFill>
+                <a:latin typeface="Microsoft JhengHei" panose="020B0604030504040204" pitchFamily="34" charset="-120"/>
+                <a:ea typeface="Microsoft JhengHei" panose="020B0604030504040204" pitchFamily="34" charset="-120"/>
+                <a:hlinkClick r:id="rId5"/>
+              </a:rPr>
+              <a:t>://swagger.io</a:t>
+            </a:r>
+            <a:r>
+              <a:rPr lang="it-IT" altLang="zh-CN" sz="2800" dirty="0" smtClean="0">
+                <a:solidFill>
+                  <a:schemeClr val="tx2"/>
+                </a:solidFill>
+                <a:latin typeface="Microsoft JhengHei" panose="020B0604030504040204" pitchFamily="34" charset="-120"/>
+                <a:ea typeface="Microsoft JhengHei" panose="020B0604030504040204" pitchFamily="34" charset="-120"/>
+                <a:hlinkClick r:id="rId5"/>
+              </a:rPr>
+              <a:t>/</a:t>
+            </a:r>
+            <a:r>
+              <a:rPr lang="it-IT" altLang="zh-CN" sz="2800" dirty="0" smtClean="0">
+                <a:solidFill>
+                  <a:schemeClr val="tx2"/>
+                </a:solidFill>
+                <a:latin typeface="Microsoft JhengHei" panose="020B0604030504040204" pitchFamily="34" charset="-120"/>
+                <a:ea typeface="Microsoft JhengHei" panose="020B0604030504040204" pitchFamily="34" charset="-120"/>
+              </a:rPr>
+              <a:t> )</a:t>
+            </a:r>
+            <a:endParaRPr lang="zh-CN" altLang="en-US" sz="2800" dirty="0">
+              <a:solidFill>
+                <a:schemeClr val="tx2"/>
+              </a:solidFill>
+              <a:latin typeface="Microsoft JhengHei" panose="020B0604030504040204" pitchFamily="34" charset="-120"/>
+              <a:ea typeface="Microsoft JhengHei" panose="020B0604030504040204" pitchFamily="34" charset="-120"/>
             </a:endParaRPr>
-          </a:p>
-          <a:p>
-            <a:endParaRPr lang="en-US" altLang="zh-CN" sz="2400" dirty="0">
-              <a:latin typeface="黑体" panose="02010609060101010101" pitchFamily="49" charset="-122"/>
-              <a:ea typeface="黑体" panose="02010609060101010101" pitchFamily="49" charset="-122"/>
-            </a:endParaRPr>
-          </a:p>
-          <a:p>
-            <a:pPr marL="0" indent="0">
-              <a:buNone/>
-            </a:pPr>
-            <a:r>
-              <a:rPr lang="en-US" altLang="zh-CN" sz="2400" dirty="0" smtClean="0">
-                <a:latin typeface="黑体" panose="02010609060101010101" pitchFamily="49" charset="-122"/>
-                <a:ea typeface="黑体" panose="02010609060101010101" pitchFamily="49" charset="-122"/>
-              </a:rPr>
-              <a:t>								</a:t>
-            </a:r>
-            <a:r>
-              <a:rPr lang="en-US" altLang="zh-CN" sz="2400" dirty="0" smtClean="0">
-                <a:solidFill>
-                  <a:schemeClr val="accent1">
-                    <a:lumMod val="75000"/>
-                  </a:schemeClr>
-                </a:solidFill>
-                <a:latin typeface="黑体" panose="02010609060101010101" pitchFamily="49" charset="-122"/>
-                <a:ea typeface="黑体" panose="02010609060101010101" pitchFamily="49" charset="-122"/>
-              </a:rPr>
-              <a:t>https</a:t>
-            </a:r>
-            <a:r>
-              <a:rPr lang="en-US" altLang="zh-CN" sz="2400" dirty="0">
-                <a:solidFill>
-                  <a:schemeClr val="accent1">
-                    <a:lumMod val="75000"/>
-                  </a:schemeClr>
-                </a:solidFill>
-                <a:latin typeface="黑体" panose="02010609060101010101" pitchFamily="49" charset="-122"/>
-                <a:ea typeface="黑体" panose="02010609060101010101" pitchFamily="49" charset="-122"/>
-              </a:rPr>
-              <a:t>://github.com/swagger-api</a:t>
-            </a:r>
           </a:p>
         </p:txBody>
       </p:sp>
     </p:spTree>
     <p:extLst>
       <p:ext uri="{BB962C8B-B14F-4D97-AF65-F5344CB8AC3E}">
-        <p14:creationId xmlns:p14="http://schemas.microsoft.com/office/powerpoint/2010/main" val="867534263"/>
+        <p14:creationId xmlns:p14="http://schemas.microsoft.com/office/powerpoint/2010/main" val="1444089237"/>
       </p:ext>
     </p:extLst>
   </p:cSld>
@@ -7176,6 +7180,506 @@
             <p:ph type="title"/>
           </p:nvPr>
         </p:nvSpPr>
+        <p:spPr/>
+        <p:txBody>
+          <a:bodyPr/>
+          <a:lstStyle/>
+          <a:p>
+            <a:r>
+              <a:rPr lang="en-US" altLang="zh-CN" dirty="0" smtClean="0"/>
+              <a:t>Swagger</a:t>
+            </a:r>
+            <a:r>
+              <a:rPr lang="zh-CN" altLang="en-US" dirty="0"/>
+              <a:t>介绍</a:t>
+            </a:r>
+          </a:p>
+        </p:txBody>
+      </p:sp>
+      <p:sp>
+        <p:nvSpPr>
+          <p:cNvPr id="3" name="内容占位符 2"/>
+          <p:cNvSpPr>
+            <a:spLocks noGrp="1"/>
+          </p:cNvSpPr>
+          <p:nvPr>
+            <p:ph idx="1"/>
+          </p:nvPr>
+        </p:nvSpPr>
+        <p:spPr/>
+        <p:txBody>
+          <a:bodyPr>
+            <a:normAutofit/>
+          </a:bodyPr>
+          <a:lstStyle/>
+          <a:p>
+            <a:r>
+              <a:rPr lang="en-US" altLang="zh-CN" sz="2400" dirty="0" smtClean="0">
+                <a:latin typeface="黑体" panose="02010609060101010101" pitchFamily="49" charset="-122"/>
+                <a:ea typeface="黑体" panose="02010609060101010101" pitchFamily="49" charset="-122"/>
+              </a:rPr>
+              <a:t>Swagger</a:t>
+            </a:r>
+            <a:r>
+              <a:rPr lang="zh-CN" altLang="en-US" sz="2400" dirty="0" smtClean="0">
+                <a:latin typeface="黑体" panose="02010609060101010101" pitchFamily="49" charset="-122"/>
+                <a:ea typeface="黑体" panose="02010609060101010101" pitchFamily="49" charset="-122"/>
+              </a:rPr>
+              <a:t>是</a:t>
+            </a:r>
+            <a:r>
+              <a:rPr lang="en-US" altLang="zh-CN" sz="2400" dirty="0" smtClean="0">
+                <a:latin typeface="黑体" panose="02010609060101010101" pitchFamily="49" charset="-122"/>
+                <a:ea typeface="黑体" panose="02010609060101010101" pitchFamily="49" charset="-122"/>
+              </a:rPr>
+              <a:t>API</a:t>
+            </a:r>
+            <a:r>
+              <a:rPr lang="zh-CN" altLang="en-US" sz="2400" dirty="0" smtClean="0">
+                <a:latin typeface="黑体" panose="02010609060101010101" pitchFamily="49" charset="-122"/>
+                <a:ea typeface="黑体" panose="02010609060101010101" pitchFamily="49" charset="-122"/>
+              </a:rPr>
+              <a:t>文档描述工具，</a:t>
+            </a:r>
+            <a:r>
+              <a:rPr lang="en-US" altLang="zh-CN" sz="2400" dirty="0">
+                <a:latin typeface="黑体" panose="02010609060101010101" pitchFamily="49" charset="-122"/>
+                <a:ea typeface="黑体" panose="02010609060101010101" pitchFamily="49" charset="-122"/>
+              </a:rPr>
+              <a:t>Swagger</a:t>
+            </a:r>
+            <a:r>
+              <a:rPr lang="zh-CN" altLang="en-US" sz="2400" dirty="0">
+                <a:latin typeface="黑体" panose="02010609060101010101" pitchFamily="49" charset="-122"/>
+                <a:ea typeface="黑体" panose="02010609060101010101" pitchFamily="49" charset="-122"/>
+              </a:rPr>
+              <a:t>与语言</a:t>
+            </a:r>
+            <a:r>
+              <a:rPr lang="zh-CN" altLang="en-US" sz="2400" dirty="0" smtClean="0">
+                <a:latin typeface="黑体" panose="02010609060101010101" pitchFamily="49" charset="-122"/>
+                <a:ea typeface="黑体" panose="02010609060101010101" pitchFamily="49" charset="-122"/>
+              </a:rPr>
+              <a:t>无关</a:t>
+            </a:r>
+            <a:endParaRPr lang="en-US" altLang="zh-CN" sz="2400" dirty="0">
+              <a:latin typeface="黑体" panose="02010609060101010101" pitchFamily="49" charset="-122"/>
+              <a:ea typeface="黑体" panose="02010609060101010101" pitchFamily="49" charset="-122"/>
+            </a:endParaRPr>
+          </a:p>
+          <a:p>
+            <a:r>
+              <a:rPr lang="zh-CN" altLang="en-US" sz="2400" dirty="0" smtClean="0">
+                <a:latin typeface="黑体" panose="02010609060101010101" pitchFamily="49" charset="-122"/>
+                <a:ea typeface="黑体" panose="02010609060101010101" pitchFamily="49" charset="-122"/>
+              </a:rPr>
+              <a:t>参与</a:t>
+            </a:r>
+            <a:r>
+              <a:rPr lang="en-US" altLang="zh-CN" sz="2400" dirty="0" smtClean="0">
+                <a:latin typeface="黑体" panose="02010609060101010101" pitchFamily="49" charset="-122"/>
+                <a:ea typeface="黑体" panose="02010609060101010101" pitchFamily="49" charset="-122"/>
+              </a:rPr>
+              <a:t>API</a:t>
+            </a:r>
+            <a:r>
+              <a:rPr lang="zh-CN" altLang="en-US" sz="2400" dirty="0" smtClean="0">
+                <a:latin typeface="黑体" panose="02010609060101010101" pitchFamily="49" charset="-122"/>
+                <a:ea typeface="黑体" panose="02010609060101010101" pitchFamily="49" charset="-122"/>
+              </a:rPr>
+              <a:t>的</a:t>
+            </a:r>
+            <a:r>
+              <a:rPr lang="en-US" altLang="zh-CN" sz="2400" dirty="0" smtClean="0">
+                <a:latin typeface="黑体" panose="02010609060101010101" pitchFamily="49" charset="-122"/>
+                <a:ea typeface="黑体" panose="02010609060101010101" pitchFamily="49" charset="-122"/>
+              </a:rPr>
+              <a:t>Design</a:t>
+            </a:r>
+            <a:r>
+              <a:rPr lang="zh-CN" altLang="en-US" sz="2400" dirty="0" smtClean="0">
+                <a:latin typeface="黑体" panose="02010609060101010101" pitchFamily="49" charset="-122"/>
+                <a:ea typeface="黑体" panose="02010609060101010101" pitchFamily="49" charset="-122"/>
+              </a:rPr>
+              <a:t>、</a:t>
+            </a:r>
+            <a:r>
+              <a:rPr lang="en-US" altLang="zh-CN" sz="2400" dirty="0" smtClean="0">
+                <a:latin typeface="黑体" panose="02010609060101010101" pitchFamily="49" charset="-122"/>
+                <a:ea typeface="黑体" panose="02010609060101010101" pitchFamily="49" charset="-122"/>
+              </a:rPr>
+              <a:t>Build</a:t>
+            </a:r>
+            <a:r>
+              <a:rPr lang="zh-CN" altLang="en-US" sz="2400" dirty="0" smtClean="0">
+                <a:latin typeface="黑体" panose="02010609060101010101" pitchFamily="49" charset="-122"/>
+                <a:ea typeface="黑体" panose="02010609060101010101" pitchFamily="49" charset="-122"/>
+              </a:rPr>
+              <a:t>、</a:t>
+            </a:r>
+            <a:r>
+              <a:rPr lang="en-US" altLang="zh-CN" sz="2400" dirty="0" smtClean="0">
+                <a:latin typeface="黑体" panose="02010609060101010101" pitchFamily="49" charset="-122"/>
+                <a:ea typeface="黑体" panose="02010609060101010101" pitchFamily="49" charset="-122"/>
+              </a:rPr>
+              <a:t>Document</a:t>
+            </a:r>
+            <a:r>
+              <a:rPr lang="zh-CN" altLang="en-US" sz="2400" dirty="0" smtClean="0">
+                <a:latin typeface="黑体" panose="02010609060101010101" pitchFamily="49" charset="-122"/>
+                <a:ea typeface="黑体" panose="02010609060101010101" pitchFamily="49" charset="-122"/>
+              </a:rPr>
+              <a:t>、</a:t>
+            </a:r>
+            <a:r>
+              <a:rPr lang="en-US" altLang="zh-CN" sz="2400" dirty="0" smtClean="0">
+                <a:latin typeface="黑体" panose="02010609060101010101" pitchFamily="49" charset="-122"/>
+                <a:ea typeface="黑体" panose="02010609060101010101" pitchFamily="49" charset="-122"/>
+              </a:rPr>
+              <a:t>Test</a:t>
+            </a:r>
+            <a:r>
+              <a:rPr lang="zh-CN" altLang="en-US" sz="2400" dirty="0" smtClean="0">
+                <a:latin typeface="黑体" panose="02010609060101010101" pitchFamily="49" charset="-122"/>
+                <a:ea typeface="黑体" panose="02010609060101010101" pitchFamily="49" charset="-122"/>
+              </a:rPr>
+              <a:t>、</a:t>
+            </a:r>
+            <a:r>
+              <a:rPr lang="en-US" altLang="zh-CN" sz="2400" dirty="0" smtClean="0">
+                <a:latin typeface="黑体" panose="02010609060101010101" pitchFamily="49" charset="-122"/>
+                <a:ea typeface="黑体" panose="02010609060101010101" pitchFamily="49" charset="-122"/>
+              </a:rPr>
+              <a:t>Standardize</a:t>
+            </a:r>
+            <a:r>
+              <a:rPr lang="zh-CN" altLang="en-US" sz="2400" dirty="0" smtClean="0">
+                <a:latin typeface="黑体" panose="02010609060101010101" pitchFamily="49" charset="-122"/>
+                <a:ea typeface="黑体" panose="02010609060101010101" pitchFamily="49" charset="-122"/>
+              </a:rPr>
+              <a:t>的整个过程</a:t>
+            </a:r>
+            <a:endParaRPr lang="en-US" altLang="zh-CN" sz="2400" dirty="0" smtClean="0">
+              <a:latin typeface="黑体" panose="02010609060101010101" pitchFamily="49" charset="-122"/>
+              <a:ea typeface="黑体" panose="02010609060101010101" pitchFamily="49" charset="-122"/>
+            </a:endParaRPr>
+          </a:p>
+          <a:p>
+            <a:r>
+              <a:rPr lang="en-US" altLang="zh-CN" sz="2400" dirty="0" smtClean="0">
+                <a:latin typeface="黑体" panose="02010609060101010101" pitchFamily="49" charset="-122"/>
+                <a:ea typeface="黑体" panose="02010609060101010101" pitchFamily="49" charset="-122"/>
+              </a:rPr>
+              <a:t>Swagger</a:t>
+            </a:r>
+            <a:r>
+              <a:rPr lang="zh-CN" altLang="en-US" sz="2400" dirty="0" smtClean="0">
+                <a:latin typeface="黑体" panose="02010609060101010101" pitchFamily="49" charset="-122"/>
+                <a:ea typeface="黑体" panose="02010609060101010101" pitchFamily="49" charset="-122"/>
+              </a:rPr>
+              <a:t>不是</a:t>
+            </a:r>
+            <a:r>
+              <a:rPr lang="en-US" altLang="zh-CN" sz="2400" dirty="0" smtClean="0">
+                <a:latin typeface="黑体" panose="02010609060101010101" pitchFamily="49" charset="-122"/>
+                <a:ea typeface="黑体" panose="02010609060101010101" pitchFamily="49" charset="-122"/>
+              </a:rPr>
+              <a:t>RESTful API</a:t>
+            </a:r>
+            <a:r>
+              <a:rPr lang="zh-CN" altLang="en-US" sz="2400" dirty="0" smtClean="0">
+                <a:latin typeface="黑体" panose="02010609060101010101" pitchFamily="49" charset="-122"/>
+                <a:ea typeface="黑体" panose="02010609060101010101" pitchFamily="49" charset="-122"/>
+              </a:rPr>
+              <a:t>框架</a:t>
+            </a:r>
+            <a:endParaRPr lang="en-US" altLang="zh-CN" sz="2400" b="1" dirty="0" smtClean="0">
+              <a:latin typeface="黑体" panose="02010609060101010101" pitchFamily="49" charset="-122"/>
+              <a:ea typeface="黑体" panose="02010609060101010101" pitchFamily="49" charset="-122"/>
+            </a:endParaRPr>
+          </a:p>
+          <a:p>
+            <a:r>
+              <a:rPr lang="en-US" altLang="zh-CN" sz="2400" dirty="0" smtClean="0">
+                <a:latin typeface="黑体" panose="02010609060101010101" pitchFamily="49" charset="-122"/>
+                <a:ea typeface="黑体" panose="02010609060101010101" pitchFamily="49" charset="-122"/>
+              </a:rPr>
+              <a:t>Swagger</a:t>
+            </a:r>
+            <a:r>
+              <a:rPr lang="zh-CN" altLang="en-US" sz="2400" dirty="0" smtClean="0">
+                <a:latin typeface="黑体" panose="02010609060101010101" pitchFamily="49" charset="-122"/>
+                <a:ea typeface="黑体" panose="02010609060101010101" pitchFamily="49" charset="-122"/>
+              </a:rPr>
+              <a:t>可以与</a:t>
+            </a:r>
+            <a:r>
+              <a:rPr lang="en-US" altLang="zh-CN" sz="2400" dirty="0" err="1" smtClean="0">
+                <a:latin typeface="黑体" panose="02010609060101010101" pitchFamily="49" charset="-122"/>
+                <a:ea typeface="黑体" panose="02010609060101010101" pitchFamily="49" charset="-122"/>
+              </a:rPr>
+              <a:t>SpringMVC</a:t>
+            </a:r>
+            <a:r>
+              <a:rPr lang="zh-CN" altLang="en-US" sz="2400" dirty="0" smtClean="0">
+                <a:latin typeface="黑体" panose="02010609060101010101" pitchFamily="49" charset="-122"/>
+                <a:ea typeface="黑体" panose="02010609060101010101" pitchFamily="49" charset="-122"/>
+              </a:rPr>
+              <a:t>、</a:t>
+            </a:r>
+            <a:r>
+              <a:rPr lang="en-US" altLang="zh-CN" sz="2400" dirty="0" smtClean="0">
+                <a:latin typeface="黑体" panose="02010609060101010101" pitchFamily="49" charset="-122"/>
+                <a:ea typeface="黑体" panose="02010609060101010101" pitchFamily="49" charset="-122"/>
+              </a:rPr>
+              <a:t>Jersey</a:t>
+            </a:r>
+            <a:r>
+              <a:rPr lang="zh-CN" altLang="en-US" sz="2400" dirty="0" smtClean="0">
+                <a:latin typeface="黑体" panose="02010609060101010101" pitchFamily="49" charset="-122"/>
+                <a:ea typeface="黑体" panose="02010609060101010101" pitchFamily="49" charset="-122"/>
+              </a:rPr>
+              <a:t>等</a:t>
+            </a:r>
+            <a:r>
+              <a:rPr lang="en-US" altLang="zh-CN" sz="2400" dirty="0" smtClean="0">
+                <a:latin typeface="黑体" panose="02010609060101010101" pitchFamily="49" charset="-122"/>
+                <a:ea typeface="黑体" panose="02010609060101010101" pitchFamily="49" charset="-122"/>
+              </a:rPr>
+              <a:t>RESTful API</a:t>
+            </a:r>
+            <a:r>
+              <a:rPr lang="zh-CN" altLang="en-US" sz="2400" dirty="0" smtClean="0">
+                <a:latin typeface="黑体" panose="02010609060101010101" pitchFamily="49" charset="-122"/>
+                <a:ea typeface="黑体" panose="02010609060101010101" pitchFamily="49" charset="-122"/>
+              </a:rPr>
+              <a:t>框架使用</a:t>
+            </a:r>
+            <a:endParaRPr lang="en-US" altLang="zh-CN" sz="2400" dirty="0" smtClean="0">
+              <a:latin typeface="黑体" panose="02010609060101010101" pitchFamily="49" charset="-122"/>
+              <a:ea typeface="黑体" panose="02010609060101010101" pitchFamily="49" charset="-122"/>
+            </a:endParaRPr>
+          </a:p>
+          <a:p>
+            <a:endParaRPr lang="en-US" altLang="zh-CN" sz="2400" dirty="0">
+              <a:latin typeface="黑体" panose="02010609060101010101" pitchFamily="49" charset="-122"/>
+              <a:ea typeface="黑体" panose="02010609060101010101" pitchFamily="49" charset="-122"/>
+            </a:endParaRPr>
+          </a:p>
+          <a:p>
+            <a:pPr marL="0" indent="0">
+              <a:buNone/>
+            </a:pPr>
+            <a:r>
+              <a:rPr lang="en-US" altLang="zh-CN" sz="2400" dirty="0">
+                <a:solidFill>
+                  <a:schemeClr val="accent1">
+                    <a:lumMod val="75000"/>
+                  </a:schemeClr>
+                </a:solidFill>
+                <a:latin typeface="黑体" panose="02010609060101010101" pitchFamily="49" charset="-122"/>
+                <a:ea typeface="黑体" panose="02010609060101010101" pitchFamily="49" charset="-122"/>
+              </a:rPr>
+              <a:t>Swagger </a:t>
+            </a:r>
+            <a:r>
+              <a:rPr lang="en-US" altLang="zh-CN" sz="2400" dirty="0" err="1">
+                <a:solidFill>
+                  <a:schemeClr val="accent1">
+                    <a:lumMod val="75000"/>
+                  </a:schemeClr>
+                </a:solidFill>
+                <a:latin typeface="黑体" panose="02010609060101010101" pitchFamily="49" charset="-122"/>
+                <a:ea typeface="黑体" panose="02010609060101010101" pitchFamily="49" charset="-122"/>
+              </a:rPr>
+              <a:t>github</a:t>
+            </a:r>
+            <a:r>
+              <a:rPr lang="en-US" altLang="zh-CN" sz="2400" dirty="0">
+                <a:solidFill>
+                  <a:schemeClr val="accent1">
+                    <a:lumMod val="75000"/>
+                  </a:schemeClr>
+                </a:solidFill>
+                <a:latin typeface="黑体" panose="02010609060101010101" pitchFamily="49" charset="-122"/>
+                <a:ea typeface="黑体" panose="02010609060101010101" pitchFamily="49" charset="-122"/>
+              </a:rPr>
+              <a:t>: </a:t>
+            </a:r>
+            <a:r>
+              <a:rPr lang="en-US" altLang="zh-CN" sz="2400" dirty="0" smtClean="0">
+                <a:solidFill>
+                  <a:schemeClr val="accent1">
+                    <a:lumMod val="75000"/>
+                  </a:schemeClr>
+                </a:solidFill>
+                <a:latin typeface="黑体" panose="02010609060101010101" pitchFamily="49" charset="-122"/>
+                <a:ea typeface="黑体" panose="02010609060101010101" pitchFamily="49" charset="-122"/>
+                <a:hlinkClick r:id="rId2"/>
+              </a:rPr>
+              <a:t>https</a:t>
+            </a:r>
+            <a:r>
+              <a:rPr lang="en-US" altLang="zh-CN" sz="2400" dirty="0">
+                <a:solidFill>
+                  <a:schemeClr val="accent1">
+                    <a:lumMod val="75000"/>
+                  </a:schemeClr>
+                </a:solidFill>
+                <a:latin typeface="黑体" panose="02010609060101010101" pitchFamily="49" charset="-122"/>
+                <a:ea typeface="黑体" panose="02010609060101010101" pitchFamily="49" charset="-122"/>
+                <a:hlinkClick r:id="rId2"/>
+              </a:rPr>
+              <a:t>://</a:t>
+            </a:r>
+            <a:r>
+              <a:rPr lang="en-US" altLang="zh-CN" sz="2400" dirty="0" smtClean="0">
+                <a:solidFill>
+                  <a:schemeClr val="accent1">
+                    <a:lumMod val="75000"/>
+                  </a:schemeClr>
+                </a:solidFill>
+                <a:latin typeface="黑体" panose="02010609060101010101" pitchFamily="49" charset="-122"/>
+                <a:ea typeface="黑体" panose="02010609060101010101" pitchFamily="49" charset="-122"/>
+                <a:hlinkClick r:id="rId2"/>
+              </a:rPr>
+              <a:t>github.com/swagger-api</a:t>
+            </a:r>
+            <a:endParaRPr lang="en-US" altLang="zh-CN" sz="2400" dirty="0" smtClean="0">
+              <a:solidFill>
+                <a:schemeClr val="accent1">
+                  <a:lumMod val="75000"/>
+                </a:schemeClr>
+              </a:solidFill>
+              <a:latin typeface="黑体" panose="02010609060101010101" pitchFamily="49" charset="-122"/>
+              <a:ea typeface="黑体" panose="02010609060101010101" pitchFamily="49" charset="-122"/>
+            </a:endParaRPr>
+          </a:p>
+          <a:p>
+            <a:pPr marL="0" indent="0">
+              <a:buNone/>
+            </a:pPr>
+            <a:r>
+              <a:rPr lang="en-US" altLang="zh-CN" sz="2400" dirty="0" smtClean="0">
+                <a:solidFill>
+                  <a:schemeClr val="accent1">
+                    <a:lumMod val="75000"/>
+                  </a:schemeClr>
+                </a:solidFill>
+                <a:latin typeface="黑体" panose="02010609060101010101" pitchFamily="49" charset="-122"/>
+                <a:ea typeface="黑体" panose="02010609060101010101" pitchFamily="49" charset="-122"/>
+              </a:rPr>
+              <a:t>Design API Online</a:t>
+            </a:r>
+            <a:r>
+              <a:rPr lang="en-US" altLang="zh-CN" sz="2400" dirty="0">
+                <a:solidFill>
+                  <a:schemeClr val="accent1">
+                    <a:lumMod val="75000"/>
+                  </a:schemeClr>
+                </a:solidFill>
+                <a:latin typeface="黑体" panose="02010609060101010101" pitchFamily="49" charset="-122"/>
+                <a:ea typeface="黑体" panose="02010609060101010101" pitchFamily="49" charset="-122"/>
+              </a:rPr>
+              <a:t>:</a:t>
+            </a:r>
+            <a:r>
+              <a:rPr lang="en-US" altLang="zh-CN" sz="2400" dirty="0" smtClean="0">
+                <a:solidFill>
+                  <a:schemeClr val="accent1">
+                    <a:lumMod val="75000"/>
+                  </a:schemeClr>
+                </a:solidFill>
+                <a:latin typeface="黑体" panose="02010609060101010101" pitchFamily="49" charset="-122"/>
+                <a:ea typeface="黑体" panose="02010609060101010101" pitchFamily="49" charset="-122"/>
+              </a:rPr>
+              <a:t> </a:t>
+            </a:r>
+            <a:r>
+              <a:rPr lang="en-US" altLang="zh-CN" sz="2400" dirty="0" smtClean="0">
+                <a:solidFill>
+                  <a:schemeClr val="accent1">
+                    <a:lumMod val="75000"/>
+                  </a:schemeClr>
+                </a:solidFill>
+                <a:latin typeface="黑体" panose="02010609060101010101" pitchFamily="49" charset="-122"/>
+                <a:ea typeface="黑体" panose="02010609060101010101" pitchFamily="49" charset="-122"/>
+                <a:hlinkClick r:id="rId3"/>
+              </a:rPr>
+              <a:t>http</a:t>
+            </a:r>
+            <a:r>
+              <a:rPr lang="en-US" altLang="zh-CN" sz="2400" dirty="0">
+                <a:solidFill>
+                  <a:schemeClr val="accent1">
+                    <a:lumMod val="75000"/>
+                  </a:schemeClr>
+                </a:solidFill>
+                <a:latin typeface="黑体" panose="02010609060101010101" pitchFamily="49" charset="-122"/>
+                <a:ea typeface="黑体" panose="02010609060101010101" pitchFamily="49" charset="-122"/>
+                <a:hlinkClick r:id="rId3"/>
+              </a:rPr>
+              <a:t>://editor.swagger.io</a:t>
+            </a:r>
+            <a:endParaRPr lang="en-US" altLang="zh-CN" sz="2400" dirty="0">
+              <a:solidFill>
+                <a:schemeClr val="accent1">
+                  <a:lumMod val="75000"/>
+                </a:schemeClr>
+              </a:solidFill>
+              <a:latin typeface="黑体" panose="02010609060101010101" pitchFamily="49" charset="-122"/>
+              <a:ea typeface="黑体" panose="02010609060101010101" pitchFamily="49" charset="-122"/>
+            </a:endParaRPr>
+          </a:p>
+        </p:txBody>
+      </p:sp>
+    </p:spTree>
+    <p:extLst>
+      <p:ext uri="{BB962C8B-B14F-4D97-AF65-F5344CB8AC3E}">
+        <p14:creationId xmlns:p14="http://schemas.microsoft.com/office/powerpoint/2010/main" val="867534263"/>
+      </p:ext>
+    </p:extLst>
+  </p:cSld>
+  <p:clrMapOvr>
+    <a:masterClrMapping/>
+  </p:clrMapOvr>
+  <p:timing>
+    <p:tnLst>
+      <p:par>
+        <p:cTn id="1" dur="indefinite" restart="never" nodeType="tmRoot"/>
+      </p:par>
+    </p:tnLst>
+  </p:timing>
+</p:sld>
+</file>
+
+<file path=ppt/slides/slide13.xml><?xml version="1.0" encoding="utf-8"?>
+<p:sld xmlns:a="http://schemas.openxmlformats.org/drawingml/2006/main" xmlns:r="http://schemas.openxmlformats.org/officeDocument/2006/relationships" xmlns:p="http://schemas.openxmlformats.org/presentationml/2006/main">
+  <p:cSld>
+    <p:spTree>
+      <p:nvGrpSpPr>
+        <p:cNvPr id="1" name=""/>
+        <p:cNvGrpSpPr/>
+        <p:nvPr/>
+      </p:nvGrpSpPr>
+      <p:grpSpPr>
+        <a:xfrm>
+          <a:off x="0" y="0"/>
+          <a:ext cx="0" cy="0"/>
+          <a:chOff x="0" y="0"/>
+          <a:chExt cx="0" cy="0"/>
+        </a:xfrm>
+      </p:grpSpPr>
+      <p:sp>
+        <p:nvSpPr>
+          <p:cNvPr id="2" name="标题 1"/>
+          <p:cNvSpPr>
+            <a:spLocks noGrp="1"/>
+          </p:cNvSpPr>
+          <p:nvPr>
+            <p:ph type="title"/>
+          </p:nvPr>
+        </p:nvSpPr>
         <p:spPr>
           <a:xfrm>
             <a:off x="677334" y="609600"/>
@@ -7517,19 +8021,8 @@
                 <a:latin typeface="黑体" panose="02010609060101010101" pitchFamily="49" charset="-122"/>
                 <a:ea typeface="黑体" panose="02010609060101010101" pitchFamily="49" charset="-122"/>
               </a:rPr>
-              <a:t>：用在模型类上，对模型类做</a:t>
-            </a:r>
-            <a:r>
-              <a:rPr lang="zh-CN" altLang="en-US" sz="2600" dirty="0">
-                <a:latin typeface="黑体" panose="02010609060101010101" pitchFamily="49" charset="-122"/>
-                <a:ea typeface="黑体" panose="02010609060101010101" pitchFamily="49" charset="-122"/>
-              </a:rPr>
-              <a:t>注释</a:t>
-            </a:r>
-            <a:endParaRPr lang="zh-CN" altLang="en-US" sz="2600" dirty="0">
-              <a:latin typeface="黑体" panose="02010609060101010101" pitchFamily="49" charset="-122"/>
-              <a:ea typeface="黑体" panose="02010609060101010101" pitchFamily="49" charset="-122"/>
-            </a:endParaRPr>
+              <a:t>：用在模型类上，对模型类做注释</a:t>
+            </a:r>
           </a:p>
           <a:p>
             <a:pPr lvl="1"/>
@@ -7812,14 +8305,7 @@
                 <a:latin typeface="黑体" panose="02010609060101010101" pitchFamily="49" charset="-122"/>
                 <a:ea typeface="黑体" panose="02010609060101010101" pitchFamily="49" charset="-122"/>
               </a:rPr>
-              <a:t>用于参数用实体类接收</a:t>
-            </a:r>
-            <a:r>
-              <a:rPr lang="zh-CN" altLang="en-US" sz="2600" dirty="0">
-                <a:latin typeface="黑体" panose="02010609060101010101" pitchFamily="49" charset="-122"/>
-                <a:ea typeface="黑体" panose="02010609060101010101" pitchFamily="49" charset="-122"/>
-              </a:rPr>
-              <a:t> </a:t>
+              <a:t>用于参数用实体类接收 </a:t>
             </a:r>
             <a:endParaRPr lang="en-US" altLang="zh-CN" sz="2600" dirty="0" smtClean="0">
               <a:latin typeface="黑体" panose="02010609060101010101" pitchFamily="49" charset="-122"/>
@@ -8382,7 +8868,7 @@
 </p:sld>
 </file>
 
-<file path=ppt/slides/slide13.xml><?xml version="1.0" encoding="utf-8"?>
+<file path=ppt/slides/slide14.xml><?xml version="1.0" encoding="utf-8"?>
 <p:sld xmlns:a="http://schemas.openxmlformats.org/drawingml/2006/main" xmlns:r="http://schemas.openxmlformats.org/officeDocument/2006/relationships" xmlns:p="http://schemas.openxmlformats.org/presentationml/2006/main">
   <p:cSld>
     <p:spTree>
@@ -8713,7 +9199,7 @@
 </p:sld>
 </file>
 
-<file path=ppt/slides/slide14.xml><?xml version="1.0" encoding="utf-8"?>
+<file path=ppt/slides/slide15.xml><?xml version="1.0" encoding="utf-8"?>
 <p:sld xmlns:a="http://schemas.openxmlformats.org/drawingml/2006/main" xmlns:r="http://schemas.openxmlformats.org/officeDocument/2006/relationships" xmlns:p="http://schemas.openxmlformats.org/presentationml/2006/main">
   <p:cSld>
     <p:spTree>
@@ -8978,7 +9464,7 @@
 </p:sld>
 </file>
 
-<file path=ppt/slides/slide15.xml><?xml version="1.0" encoding="utf-8"?>
+<file path=ppt/slides/slide16.xml><?xml version="1.0" encoding="utf-8"?>
 <p:sld xmlns:a="http://schemas.openxmlformats.org/drawingml/2006/main" xmlns:r="http://schemas.openxmlformats.org/officeDocument/2006/relationships" xmlns:p="http://schemas.openxmlformats.org/presentationml/2006/main">
   <p:cSld>
     <p:spTree>
@@ -9363,11 +9849,18 @@
               <a:t>Representational State Transfer </a:t>
             </a:r>
             <a:r>
+              <a:rPr lang="zh-CN" altLang="en-US" dirty="0" smtClean="0">
+                <a:latin typeface="黑体" panose="02010609060101010101" pitchFamily="49" charset="-122"/>
+                <a:ea typeface="黑体" panose="02010609060101010101" pitchFamily="49" charset="-122"/>
+              </a:rPr>
+              <a:t>表述性</a:t>
+            </a:r>
+            <a:r>
               <a:rPr lang="zh-CN" altLang="en-US" dirty="0">
                 <a:latin typeface="黑体" panose="02010609060101010101" pitchFamily="49" charset="-122"/>
                 <a:ea typeface="黑体" panose="02010609060101010101" pitchFamily="49" charset="-122"/>
               </a:rPr>
-              <a:t>表征性状态转移</a:t>
+              <a:t>状态转移</a:t>
             </a:r>
             <a:r>
               <a:rPr lang="en-US" altLang="zh-CN" dirty="0">
@@ -9523,6 +10016,276 @@
           <a:lstStyle/>
           <a:p>
             <a:r>
+              <a:rPr lang="en-US" altLang="zh-CN" dirty="0" smtClean="0">
+                <a:latin typeface="黑体" panose="02010609060101010101" pitchFamily="49" charset="-122"/>
+                <a:ea typeface="黑体" panose="02010609060101010101" pitchFamily="49" charset="-122"/>
+                <a:hlinkClick r:id="rId2"/>
+              </a:rPr>
+              <a:t>Representational </a:t>
+            </a:r>
+            <a:r>
+              <a:rPr lang="en-US" altLang="zh-CN" dirty="0">
+                <a:latin typeface="黑体" panose="02010609060101010101" pitchFamily="49" charset="-122"/>
+                <a:ea typeface="黑体" panose="02010609060101010101" pitchFamily="49" charset="-122"/>
+                <a:hlinkClick r:id="rId2"/>
+              </a:rPr>
+              <a:t>State Transfer</a:t>
+            </a:r>
+            <a:endParaRPr lang="zh-CN" altLang="en-US" dirty="0"/>
+          </a:p>
+        </p:txBody>
+      </p:sp>
+      <p:sp>
+        <p:nvSpPr>
+          <p:cNvPr id="3" name="内容占位符 2"/>
+          <p:cNvSpPr>
+            <a:spLocks noGrp="1"/>
+          </p:cNvSpPr>
+          <p:nvPr>
+            <p:ph idx="1"/>
+          </p:nvPr>
+        </p:nvSpPr>
+        <p:spPr>
+          <a:xfrm>
+            <a:off x="677334" y="1828801"/>
+            <a:ext cx="8596668" cy="4212562"/>
+          </a:xfrm>
+        </p:spPr>
+        <p:txBody>
+          <a:bodyPr/>
+          <a:lstStyle/>
+          <a:p>
+            <a:r>
+              <a:rPr lang="en-US" altLang="zh-CN" dirty="0">
+                <a:latin typeface="黑体" panose="02010609060101010101" pitchFamily="49" charset="-122"/>
+                <a:ea typeface="黑体" panose="02010609060101010101" pitchFamily="49" charset="-122"/>
+              </a:rPr>
+              <a:t>Representational</a:t>
+            </a:r>
+            <a:r>
+              <a:rPr lang="zh-CN" altLang="en-US" dirty="0">
+                <a:latin typeface="黑体" panose="02010609060101010101" pitchFamily="49" charset="-122"/>
+                <a:ea typeface="黑体" panose="02010609060101010101" pitchFamily="49" charset="-122"/>
+              </a:rPr>
+              <a:t>：</a:t>
+            </a:r>
+            <a:r>
+              <a:rPr lang="en-US" altLang="zh-CN" dirty="0">
+                <a:latin typeface="黑体" panose="02010609060101010101" pitchFamily="49" charset="-122"/>
+                <a:ea typeface="黑体" panose="02010609060101010101" pitchFamily="49" charset="-122"/>
+              </a:rPr>
+              <a:t>(</a:t>
+            </a:r>
+            <a:r>
+              <a:rPr lang="zh-CN" altLang="en-US" dirty="0">
+                <a:latin typeface="黑体" panose="02010609060101010101" pitchFamily="49" charset="-122"/>
+                <a:ea typeface="黑体" panose="02010609060101010101" pitchFamily="49" charset="-122"/>
+              </a:rPr>
+              <a:t>资源的</a:t>
+            </a:r>
+            <a:r>
+              <a:rPr lang="en-US" altLang="zh-CN" dirty="0">
+                <a:latin typeface="黑体" panose="02010609060101010101" pitchFamily="49" charset="-122"/>
+                <a:ea typeface="黑体" panose="02010609060101010101" pitchFamily="49" charset="-122"/>
+              </a:rPr>
+              <a:t>)</a:t>
+            </a:r>
+            <a:r>
+              <a:rPr lang="zh-CN" altLang="en-US" dirty="0">
+                <a:latin typeface="黑体" panose="02010609060101010101" pitchFamily="49" charset="-122"/>
+                <a:ea typeface="黑体" panose="02010609060101010101" pitchFamily="49" charset="-122"/>
+              </a:rPr>
+              <a:t>描述</a:t>
+            </a:r>
+            <a:r>
+              <a:rPr lang="en-US" altLang="zh-CN" dirty="0">
+                <a:latin typeface="黑体" panose="02010609060101010101" pitchFamily="49" charset="-122"/>
+                <a:ea typeface="黑体" panose="02010609060101010101" pitchFamily="49" charset="-122"/>
+              </a:rPr>
+              <a:t>/</a:t>
+            </a:r>
+            <a:r>
+              <a:rPr lang="zh-CN" altLang="en-US" dirty="0">
+                <a:latin typeface="黑体" panose="02010609060101010101" pitchFamily="49" charset="-122"/>
+                <a:ea typeface="黑体" panose="02010609060101010101" pitchFamily="49" charset="-122"/>
+              </a:rPr>
+              <a:t>表述</a:t>
+            </a:r>
+            <a:r>
+              <a:rPr lang="en-US" altLang="zh-CN" dirty="0" smtClean="0">
+                <a:latin typeface="黑体" panose="02010609060101010101" pitchFamily="49" charset="-122"/>
+                <a:ea typeface="黑体" panose="02010609060101010101" pitchFamily="49" charset="-122"/>
+              </a:rPr>
+              <a:t>(Context-Type</a:t>
+            </a:r>
+            <a:r>
+              <a:rPr lang="zh-CN" altLang="en-US" dirty="0" smtClean="0">
+                <a:latin typeface="黑体" panose="02010609060101010101" pitchFamily="49" charset="-122"/>
+                <a:ea typeface="黑体" panose="02010609060101010101" pitchFamily="49" charset="-122"/>
+              </a:rPr>
+              <a:t>：</a:t>
+            </a:r>
+            <a:r>
+              <a:rPr lang="en-US" altLang="zh-CN" dirty="0" smtClean="0">
+                <a:latin typeface="黑体" panose="02010609060101010101" pitchFamily="49" charset="-122"/>
+                <a:ea typeface="黑体" panose="02010609060101010101" pitchFamily="49" charset="-122"/>
+              </a:rPr>
+              <a:t>JSON,XML,TEXT...)</a:t>
+            </a:r>
+          </a:p>
+          <a:p>
+            <a:r>
+              <a:rPr lang="en-US" altLang="zh-CN" dirty="0">
+                <a:latin typeface="黑体" panose="02010609060101010101" pitchFamily="49" charset="-122"/>
+                <a:ea typeface="黑体" panose="02010609060101010101" pitchFamily="49" charset="-122"/>
+              </a:rPr>
+              <a:t>State: </a:t>
+            </a:r>
+            <a:r>
+              <a:rPr lang="zh-CN" altLang="en-US" dirty="0" smtClean="0">
+                <a:latin typeface="黑体" panose="02010609060101010101" pitchFamily="49" charset="-122"/>
+                <a:ea typeface="黑体" panose="02010609060101010101" pitchFamily="49" charset="-122"/>
+              </a:rPr>
+              <a:t>应用</a:t>
+            </a:r>
+            <a:r>
+              <a:rPr lang="zh-CN" altLang="en-US" dirty="0">
+                <a:latin typeface="黑体" panose="02010609060101010101" pitchFamily="49" charset="-122"/>
+                <a:ea typeface="黑体" panose="02010609060101010101" pitchFamily="49" charset="-122"/>
+              </a:rPr>
+              <a:t>状态，资源</a:t>
+            </a:r>
+            <a:r>
+              <a:rPr lang="zh-CN" altLang="en-US" dirty="0" smtClean="0">
+                <a:latin typeface="黑体" panose="02010609060101010101" pitchFamily="49" charset="-122"/>
+                <a:ea typeface="黑体" panose="02010609060101010101" pitchFamily="49" charset="-122"/>
+              </a:rPr>
+              <a:t>状态</a:t>
+            </a:r>
+            <a:endParaRPr lang="en-US" altLang="zh-CN" dirty="0" smtClean="0">
+              <a:latin typeface="黑体" panose="02010609060101010101" pitchFamily="49" charset="-122"/>
+              <a:ea typeface="黑体" panose="02010609060101010101" pitchFamily="49" charset="-122"/>
+            </a:endParaRPr>
+          </a:p>
+          <a:p>
+            <a:r>
+              <a:rPr lang="en-US" altLang="zh-CN" dirty="0">
+                <a:latin typeface="黑体" panose="02010609060101010101" pitchFamily="49" charset="-122"/>
+                <a:ea typeface="黑体" panose="02010609060101010101" pitchFamily="49" charset="-122"/>
+              </a:rPr>
+              <a:t>Transfer</a:t>
+            </a:r>
+            <a:r>
+              <a:rPr lang="zh-CN" altLang="en-US" dirty="0">
+                <a:latin typeface="黑体" panose="02010609060101010101" pitchFamily="49" charset="-122"/>
+                <a:ea typeface="黑体" panose="02010609060101010101" pitchFamily="49" charset="-122"/>
+              </a:rPr>
+              <a:t>：</a:t>
+            </a:r>
+            <a:r>
+              <a:rPr lang="en-US" altLang="zh-CN" dirty="0">
+                <a:latin typeface="黑体" panose="02010609060101010101" pitchFamily="49" charset="-122"/>
+                <a:ea typeface="黑体" panose="02010609060101010101" pitchFamily="49" charset="-122"/>
+              </a:rPr>
+              <a:t>(</a:t>
+            </a:r>
+            <a:r>
+              <a:rPr lang="zh-CN" altLang="en-US" dirty="0">
+                <a:latin typeface="黑体" panose="02010609060101010101" pitchFamily="49" charset="-122"/>
+                <a:ea typeface="黑体" panose="02010609060101010101" pitchFamily="49" charset="-122"/>
+              </a:rPr>
+              <a:t>状态的</a:t>
+            </a:r>
+            <a:r>
+              <a:rPr lang="en-US" altLang="zh-CN" dirty="0">
+                <a:latin typeface="黑体" panose="02010609060101010101" pitchFamily="49" charset="-122"/>
+                <a:ea typeface="黑体" panose="02010609060101010101" pitchFamily="49" charset="-122"/>
+              </a:rPr>
+              <a:t>)</a:t>
+            </a:r>
+            <a:r>
+              <a:rPr lang="zh-CN" altLang="en-US" dirty="0">
+                <a:latin typeface="黑体" panose="02010609060101010101" pitchFamily="49" charset="-122"/>
+                <a:ea typeface="黑体" panose="02010609060101010101" pitchFamily="49" charset="-122"/>
+              </a:rPr>
+              <a:t>转移，</a:t>
+            </a:r>
+            <a:r>
+              <a:rPr lang="zh-CN" altLang="en-US" dirty="0" smtClean="0">
+                <a:latin typeface="黑体" panose="02010609060101010101" pitchFamily="49" charset="-122"/>
+                <a:ea typeface="黑体" panose="02010609060101010101" pitchFamily="49" charset="-122"/>
+              </a:rPr>
+              <a:t>变化</a:t>
+            </a:r>
+            <a:endParaRPr lang="en-US" altLang="zh-CN" dirty="0" smtClean="0">
+              <a:latin typeface="黑体" panose="02010609060101010101" pitchFamily="49" charset="-122"/>
+              <a:ea typeface="黑体" panose="02010609060101010101" pitchFamily="49" charset="-122"/>
+            </a:endParaRPr>
+          </a:p>
+          <a:p>
+            <a:r>
+              <a:rPr lang="en-US" altLang="zh-CN" dirty="0">
+                <a:latin typeface="黑体" panose="02010609060101010101" pitchFamily="49" charset="-122"/>
+                <a:ea typeface="黑体" panose="02010609060101010101" pitchFamily="49" charset="-122"/>
+              </a:rPr>
+              <a:t>Representational State Transfer</a:t>
+            </a:r>
+            <a:r>
+              <a:rPr lang="zh-CN" altLang="en-US" dirty="0">
+                <a:latin typeface="黑体" panose="02010609060101010101" pitchFamily="49" charset="-122"/>
+                <a:ea typeface="黑体" panose="02010609060101010101" pitchFamily="49" charset="-122"/>
+              </a:rPr>
+              <a:t>：客户端发送资源的描述请求，客户端应用状态改变，服务端接受请求，服务端资源状态改变</a:t>
+            </a:r>
+          </a:p>
+        </p:txBody>
+      </p:sp>
+    </p:spTree>
+    <p:extLst>
+      <p:ext uri="{BB962C8B-B14F-4D97-AF65-F5344CB8AC3E}">
+        <p14:creationId xmlns:p14="http://schemas.microsoft.com/office/powerpoint/2010/main" val="2053342292"/>
+      </p:ext>
+    </p:extLst>
+  </p:cSld>
+  <p:clrMapOvr>
+    <a:masterClrMapping/>
+  </p:clrMapOvr>
+</p:sld>
+</file>
+
+<file path=ppt/slides/slide5.xml><?xml version="1.0" encoding="utf-8"?>
+<p:sld xmlns:a="http://schemas.openxmlformats.org/drawingml/2006/main" xmlns:r="http://schemas.openxmlformats.org/officeDocument/2006/relationships" xmlns:p="http://schemas.openxmlformats.org/presentationml/2006/main">
+  <p:cSld>
+    <p:spTree>
+      <p:nvGrpSpPr>
+        <p:cNvPr id="1" name=""/>
+        <p:cNvGrpSpPr/>
+        <p:nvPr/>
+      </p:nvGrpSpPr>
+      <p:grpSpPr>
+        <a:xfrm>
+          <a:off x="0" y="0"/>
+          <a:ext cx="0" cy="0"/>
+          <a:chOff x="0" y="0"/>
+          <a:chExt cx="0" cy="0"/>
+        </a:xfrm>
+      </p:grpSpPr>
+      <p:sp>
+        <p:nvSpPr>
+          <p:cNvPr id="2" name="标题 1"/>
+          <p:cNvSpPr>
+            <a:spLocks noGrp="1"/>
+          </p:cNvSpPr>
+          <p:nvPr>
+            <p:ph type="title"/>
+          </p:nvPr>
+        </p:nvSpPr>
+        <p:spPr/>
+        <p:txBody>
+          <a:bodyPr/>
+          <a:lstStyle/>
+          <a:p>
+            <a:r>
               <a:rPr lang="en-US" altLang="zh-CN" dirty="0" smtClean="0"/>
               <a:t>REST</a:t>
             </a:r>
@@ -9656,14 +10419,7 @@
                 <a:latin typeface="黑体" panose="02010609060101010101" pitchFamily="49" charset="-122"/>
                 <a:ea typeface="黑体" panose="02010609060101010101" pitchFamily="49" charset="-122"/>
               </a:rPr>
-              <a:t>面向资源，</a:t>
-            </a:r>
-            <a:r>
-              <a:rPr lang="zh-CN" altLang="en-US" dirty="0" smtClean="0">
-                <a:latin typeface="黑体" panose="02010609060101010101" pitchFamily="49" charset="-122"/>
-                <a:ea typeface="黑体" panose="02010609060101010101" pitchFamily="49" charset="-122"/>
-              </a:rPr>
-              <a:t>每</a:t>
+              <a:t>面向资源，每</a:t>
             </a:r>
             <a:r>
               <a:rPr lang="zh-CN" altLang="en-US" dirty="0">
@@ -9845,11 +10601,25 @@
           <a:p>
             <a:pPr lvl="1"/>
             <a:r>
+              <a:rPr lang="en-US" altLang="zh-CN" dirty="0" smtClean="0">
+                <a:latin typeface="黑体" panose="02010609060101010101" pitchFamily="49" charset="-122"/>
+                <a:ea typeface="黑体" panose="02010609060101010101" pitchFamily="49" charset="-122"/>
+              </a:rPr>
+              <a:t>Cache-Control,</a:t>
+            </a:r>
+            <a:r>
               <a:rPr lang="zh-CN" altLang="en-US" dirty="0" smtClean="0">
                 <a:latin typeface="黑体" panose="02010609060101010101" pitchFamily="49" charset="-122"/>
                 <a:ea typeface="黑体" panose="02010609060101010101" pitchFamily="49" charset="-122"/>
               </a:rPr>
-              <a:t>减少交互次数，减少网络延时</a:t>
+              <a:t>减少</a:t>
+            </a:r>
+            <a:r>
+              <a:rPr lang="zh-CN" altLang="en-US" dirty="0" smtClean="0">
+                <a:latin typeface="黑体" panose="02010609060101010101" pitchFamily="49" charset="-122"/>
+                <a:ea typeface="黑体" panose="02010609060101010101" pitchFamily="49" charset="-122"/>
+              </a:rPr>
+              <a:t>交互次数，减少网络延时</a:t>
             </a:r>
             <a:endParaRPr lang="zh-CN" altLang="en-US" dirty="0">
               <a:latin typeface="黑体" panose="02010609060101010101" pitchFamily="49" charset="-122"/>
@@ -9878,7 +10648,7 @@
 </p:sld>
 </file>
 
-<file path=ppt/slides/slide5.xml><?xml version="1.0" encoding="utf-8"?>
+<file path=ppt/slides/slide6.xml><?xml version="1.0" encoding="utf-8"?>
 <p:sld xmlns:a="http://schemas.openxmlformats.org/drawingml/2006/main" xmlns:r="http://schemas.openxmlformats.org/officeDocument/2006/relationships" xmlns:p="http://schemas.openxmlformats.org/presentationml/2006/main">
   <p:cSld>
     <p:spTree>
@@ -10218,7 +10988,7 @@
 </p:sld>
 </file>
 
-<file path=ppt/slides/slide6.xml><?xml version="1.0" encoding="utf-8"?>
+<file path=ppt/slides/slide7.xml><?xml version="1.0" encoding="utf-8"?>
 <p:sld xmlns:a="http://schemas.openxmlformats.org/drawingml/2006/main" xmlns:r="http://schemas.openxmlformats.org/officeDocument/2006/relationships" xmlns:p="http://schemas.openxmlformats.org/presentationml/2006/main">
   <p:cSld>
     <p:spTree>
@@ -10879,7 +11649,7 @@
 </p:sld>
 </file>
 
-<file path=ppt/slides/slide7.xml><?xml version="1.0" encoding="utf-8"?>
+<file path=ppt/slides/slide8.xml><?xml version="1.0" encoding="utf-8"?>
 <p:sld xmlns:a="http://schemas.openxmlformats.org/drawingml/2006/main" xmlns:r="http://schemas.openxmlformats.org/officeDocument/2006/relationships" xmlns:p="http://schemas.openxmlformats.org/presentationml/2006/main">
   <p:cSld>
     <p:spTree>
@@ -11155,8 +11925,8 @@
         </p:nvSpPr>
         <p:spPr>
           <a:xfrm>
-            <a:off x="747003" y="4624252"/>
-            <a:ext cx="5225142" cy="1200329"/>
+            <a:off x="677334" y="4684637"/>
+            <a:ext cx="5225142" cy="1477328"/>
           </a:xfrm>
           <a:prstGeom prst="rect">
             <a:avLst/>
@@ -11177,10 +11947,8 @@
                 <a:latin typeface="黑体" panose="02010609060101010101" pitchFamily="49" charset="-122"/>
                 <a:ea typeface="黑体" panose="02010609060101010101" pitchFamily="49" charset="-122"/>
               </a:rPr>
-              <a:t>200:</a:t>
-            </a:r>
-          </a:p>
-          <a:p>
+              <a:t>200</a:t>
+            </a:r>
             <a:r>
               <a:rPr lang="en-US" altLang="zh-CN" dirty="0" smtClean="0">
                 <a:solidFill>
@@ -11189,7 +11957,11 @@
                 <a:latin typeface="黑体" panose="02010609060101010101" pitchFamily="49" charset="-122"/>
                 <a:ea typeface="黑体" panose="02010609060101010101" pitchFamily="49" charset="-122"/>
               </a:rPr>
-              <a:t>302:</a:t>
+              <a:t>: </a:t>
+            </a:r>
+            <a:r>
+              <a:rPr lang="en-US" altLang="zh-CN" dirty="0"/>
+              <a:t>Success Request</a:t>
             </a:r>
           </a:p>
           <a:p>
@@ -11201,10 +11973,8 @@
                 <a:latin typeface="黑体" panose="02010609060101010101" pitchFamily="49" charset="-122"/>
                 <a:ea typeface="黑体" panose="02010609060101010101" pitchFamily="49" charset="-122"/>
               </a:rPr>
-              <a:t>404:</a:t>
-            </a:r>
-          </a:p>
-          <a:p>
+              <a:t>302</a:t>
+            </a:r>
             <a:r>
               <a:rPr lang="en-US" altLang="zh-CN" dirty="0" smtClean="0">
                 <a:solidFill>
@@ -11213,8 +11983,98 @@
                 <a:latin typeface="黑体" panose="02010609060101010101" pitchFamily="49" charset="-122"/>
                 <a:ea typeface="黑体" panose="02010609060101010101" pitchFamily="49" charset="-122"/>
               </a:rPr>
-              <a:t>500:</a:t>
-            </a:r>
+              <a:t>: </a:t>
+            </a:r>
+            <a:r>
+              <a:rPr lang="en-US" altLang="zh-CN" dirty="0" smtClean="0"/>
+              <a:t>Multiple </a:t>
+            </a:r>
+            <a:r>
+              <a:rPr lang="en-US" altLang="zh-CN" dirty="0"/>
+              <a:t>Choices</a:t>
+            </a:r>
+            <a:endParaRPr lang="en-US" altLang="zh-CN" dirty="0" smtClean="0">
+              <a:solidFill>
+                <a:schemeClr val="accent2"/>
+              </a:solidFill>
+              <a:latin typeface="黑体" panose="02010609060101010101" pitchFamily="49" charset="-122"/>
+              <a:ea typeface="黑体" panose="02010609060101010101" pitchFamily="49" charset="-122"/>
+            </a:endParaRPr>
+          </a:p>
+          <a:p>
+            <a:r>
+              <a:rPr lang="en-US" altLang="zh-CN" dirty="0" smtClean="0">
+                <a:solidFill>
+                  <a:schemeClr val="accent2"/>
+                </a:solidFill>
+                <a:latin typeface="黑体" panose="02010609060101010101" pitchFamily="49" charset="-122"/>
+                <a:ea typeface="黑体" panose="02010609060101010101" pitchFamily="49" charset="-122"/>
+              </a:rPr>
+              <a:t>400: </a:t>
+            </a:r>
+            <a:r>
+              <a:rPr lang="en-US" altLang="zh-CN" dirty="0"/>
+              <a:t>Bad Request</a:t>
+            </a:r>
+          </a:p>
+          <a:p>
+            <a:r>
+              <a:rPr lang="en-US" altLang="zh-CN" dirty="0" smtClean="0">
+                <a:solidFill>
+                  <a:schemeClr val="accent2"/>
+                </a:solidFill>
+                <a:latin typeface="黑体" panose="02010609060101010101" pitchFamily="49" charset="-122"/>
+                <a:ea typeface="黑体" panose="02010609060101010101" pitchFamily="49" charset="-122"/>
+              </a:rPr>
+              <a:t>404</a:t>
+            </a:r>
+            <a:r>
+              <a:rPr lang="en-US" altLang="zh-CN" dirty="0" smtClean="0">
+                <a:solidFill>
+                  <a:schemeClr val="accent2"/>
+                </a:solidFill>
+                <a:latin typeface="黑体" panose="02010609060101010101" pitchFamily="49" charset="-122"/>
+                <a:ea typeface="黑体" panose="02010609060101010101" pitchFamily="49" charset="-122"/>
+              </a:rPr>
+              <a:t>: </a:t>
+            </a:r>
+            <a:r>
+              <a:rPr lang="en-US" altLang="zh-CN" dirty="0"/>
+              <a:t>Not Found</a:t>
+            </a:r>
+          </a:p>
+          <a:p>
+            <a:r>
+              <a:rPr lang="en-US" altLang="zh-CN" dirty="0" smtClean="0">
+                <a:solidFill>
+                  <a:schemeClr val="accent2"/>
+                </a:solidFill>
+                <a:latin typeface="黑体" panose="02010609060101010101" pitchFamily="49" charset="-122"/>
+                <a:ea typeface="黑体" panose="02010609060101010101" pitchFamily="49" charset="-122"/>
+              </a:rPr>
+              <a:t>500</a:t>
+            </a:r>
+            <a:r>
+              <a:rPr lang="en-US" altLang="zh-CN" dirty="0" smtClean="0">
+                <a:solidFill>
+                  <a:schemeClr val="accent2"/>
+                </a:solidFill>
+                <a:latin typeface="黑体" panose="02010609060101010101" pitchFamily="49" charset="-122"/>
+                <a:ea typeface="黑体" panose="02010609060101010101" pitchFamily="49" charset="-122"/>
+              </a:rPr>
+              <a:t>:</a:t>
+            </a:r>
+            <a:r>
+              <a:rPr lang="en-US" altLang="zh-CN" dirty="0"/>
+              <a:t>  Internal Server Error</a:t>
+            </a:r>
+            <a:endParaRPr lang="en-US" altLang="zh-CN" dirty="0" smtClean="0">
+              <a:solidFill>
+                <a:schemeClr val="accent2"/>
+              </a:solidFill>
+              <a:latin typeface="黑体" panose="02010609060101010101" pitchFamily="49" charset="-122"/>
+              <a:ea typeface="黑体" panose="02010609060101010101" pitchFamily="49" charset="-122"/>
+            </a:endParaRPr>
           </a:p>
         </p:txBody>
       </p:sp>
@@ -11222,261 +12082,6 @@
     <p:extLst>
       <p:ext uri="{BB962C8B-B14F-4D97-AF65-F5344CB8AC3E}">
         <p14:creationId xmlns:p14="http://schemas.microsoft.com/office/powerpoint/2010/main" val="4081177127"/>
-      </p:ext>
-    </p:extLst>
-  </p:cSld>
-  <p:clrMapOvr>
-    <a:masterClrMapping/>
-  </p:clrMapOvr>
-  <p:timing>
-    <p:tnLst>
-      <p:par>
-        <p:cTn id="1" dur="indefinite" restart="never" nodeType="tmRoot"/>
-      </p:par>
-    </p:tnLst>
-  </p:timing>
-</p:sld>
-</file>
-
-<file path=ppt/slides/slide8.xml><?xml version="1.0" encoding="utf-8"?>
-<p:sld xmlns:a="http://schemas.openxmlformats.org/drawingml/2006/main" xmlns:r="http://schemas.openxmlformats.org/officeDocument/2006/relationships" xmlns:p="http://schemas.openxmlformats.org/presentationml/2006/main">
-  <p:cSld>
-    <p:spTree>
-      <p:nvGrpSpPr>
-        <p:cNvPr id="1" name=""/>
-        <p:cNvGrpSpPr/>
-        <p:nvPr/>
-      </p:nvGrpSpPr>
-      <p:grpSpPr>
-        <a:xfrm>
-          <a:off x="0" y="0"/>
-          <a:ext cx="0" cy="0"/>
-          <a:chOff x="0" y="0"/>
-          <a:chExt cx="0" cy="0"/>
-        </a:xfrm>
-      </p:grpSpPr>
-      <p:sp>
-        <p:nvSpPr>
-          <p:cNvPr id="2" name="标题 1"/>
-          <p:cNvSpPr>
-            <a:spLocks noGrp="1"/>
-          </p:cNvSpPr>
-          <p:nvPr>
-            <p:ph type="title"/>
-          </p:nvPr>
-        </p:nvSpPr>
-        <p:spPr>
-          <a:xfrm>
-            <a:off x="677334" y="609600"/>
-            <a:ext cx="8596668" cy="940526"/>
-          </a:xfrm>
-        </p:spPr>
-        <p:txBody>
-          <a:bodyPr/>
-          <a:lstStyle/>
-          <a:p>
-            <a:r>
-              <a:rPr lang="en-US" altLang="zh-CN" dirty="0" smtClean="0"/>
-              <a:t>RESTful </a:t>
-            </a:r>
-            <a:r>
-              <a:rPr lang="en-US" altLang="zh-CN" dirty="0" smtClean="0"/>
-              <a:t>API </a:t>
-            </a:r>
-            <a:r>
-              <a:rPr lang="en-US" altLang="zh-CN" dirty="0" smtClean="0"/>
-              <a:t>&amp; HTTP</a:t>
-            </a:r>
-            <a:endParaRPr lang="zh-CN" altLang="en-US" dirty="0"/>
-          </a:p>
-        </p:txBody>
-      </p:sp>
-      <p:sp>
-        <p:nvSpPr>
-          <p:cNvPr id="3" name="内容占位符 2"/>
-          <p:cNvSpPr>
-            <a:spLocks noGrp="1"/>
-          </p:cNvSpPr>
-          <p:nvPr>
-            <p:ph idx="1"/>
-          </p:nvPr>
-        </p:nvSpPr>
-        <p:spPr>
-          <a:xfrm>
-            <a:off x="677334" y="2160590"/>
-            <a:ext cx="8596668" cy="2481080"/>
-          </a:xfrm>
-        </p:spPr>
-        <p:txBody>
-          <a:bodyPr/>
-          <a:lstStyle/>
-          <a:p>
-            <a:r>
-              <a:rPr lang="en-US" altLang="zh-CN" dirty="0" smtClean="0">
-                <a:latin typeface="黑体" panose="02010609060101010101" pitchFamily="49" charset="-122"/>
-                <a:ea typeface="黑体" panose="02010609060101010101" pitchFamily="49" charset="-122"/>
-              </a:rPr>
-              <a:t>REST</a:t>
-            </a:r>
-            <a:r>
-              <a:rPr lang="zh-CN" altLang="en-US" dirty="0" smtClean="0">
-                <a:latin typeface="黑体" panose="02010609060101010101" pitchFamily="49" charset="-122"/>
-                <a:ea typeface="黑体" panose="02010609060101010101" pitchFamily="49" charset="-122"/>
-              </a:rPr>
-              <a:t>是</a:t>
-            </a:r>
-            <a:r>
-              <a:rPr lang="zh-CN" altLang="en-US" dirty="0">
-                <a:latin typeface="黑体" panose="02010609060101010101" pitchFamily="49" charset="-122"/>
-                <a:ea typeface="黑体" panose="02010609060101010101" pitchFamily="49" charset="-122"/>
-              </a:rPr>
-              <a:t>软件</a:t>
-            </a:r>
-            <a:r>
-              <a:rPr lang="zh-CN" altLang="en-US" dirty="0" smtClean="0">
-                <a:latin typeface="黑体" panose="02010609060101010101" pitchFamily="49" charset="-122"/>
-                <a:ea typeface="黑体" panose="02010609060101010101" pitchFamily="49" charset="-122"/>
-              </a:rPr>
-              <a:t>设计规范</a:t>
-            </a:r>
-            <a:r>
-              <a:rPr lang="en-US" altLang="zh-CN" dirty="0" smtClean="0">
-                <a:latin typeface="黑体" panose="02010609060101010101" pitchFamily="49" charset="-122"/>
-                <a:ea typeface="黑体" panose="02010609060101010101" pitchFamily="49" charset="-122"/>
-              </a:rPr>
-              <a:t>;HTTP(</a:t>
-            </a:r>
-            <a:r>
-              <a:rPr lang="en-US" altLang="zh-CN" dirty="0" smtClean="0">
-                <a:latin typeface="黑体" panose="02010609060101010101" pitchFamily="49" charset="-122"/>
-                <a:ea typeface="黑体" panose="02010609060101010101" pitchFamily="49" charset="-122"/>
-                <a:hlinkClick r:id="rId2"/>
-              </a:rPr>
-              <a:t>Hyper </a:t>
-            </a:r>
-            <a:r>
-              <a:rPr lang="en-US" altLang="zh-CN" dirty="0">
-                <a:latin typeface="黑体" panose="02010609060101010101" pitchFamily="49" charset="-122"/>
-                <a:ea typeface="黑体" panose="02010609060101010101" pitchFamily="49" charset="-122"/>
-                <a:hlinkClick r:id="rId2"/>
-              </a:rPr>
-              <a:t>Text Transfer Protocol</a:t>
-            </a:r>
-            <a:r>
-              <a:rPr lang="en-US" altLang="zh-CN" dirty="0">
-                <a:latin typeface="黑体" panose="02010609060101010101" pitchFamily="49" charset="-122"/>
-                <a:ea typeface="黑体" panose="02010609060101010101" pitchFamily="49" charset="-122"/>
-              </a:rPr>
-              <a:t>)</a:t>
-            </a:r>
-            <a:r>
-              <a:rPr lang="zh-CN" altLang="en-US" dirty="0" smtClean="0">
-                <a:latin typeface="黑体" panose="02010609060101010101" pitchFamily="49" charset="-122"/>
-                <a:ea typeface="黑体" panose="02010609060101010101" pitchFamily="49" charset="-122"/>
-              </a:rPr>
-              <a:t>是超文本</a:t>
-            </a:r>
-            <a:r>
-              <a:rPr lang="zh-CN" altLang="en-US" dirty="0" smtClean="0">
-                <a:latin typeface="黑体" panose="02010609060101010101" pitchFamily="49" charset="-122"/>
-                <a:ea typeface="黑体" panose="02010609060101010101" pitchFamily="49" charset="-122"/>
-              </a:rPr>
-              <a:t>传输协议</a:t>
-            </a:r>
-            <a:endParaRPr lang="zh-CN" altLang="en-US" dirty="0">
-              <a:latin typeface="黑体" panose="02010609060101010101" pitchFamily="49" charset="-122"/>
-              <a:ea typeface="黑体" panose="02010609060101010101" pitchFamily="49" charset="-122"/>
-            </a:endParaRPr>
-          </a:p>
-          <a:p>
-            <a:r>
-              <a:rPr lang="en-US" altLang="zh-CN" dirty="0" smtClean="0">
-                <a:latin typeface="黑体" panose="02010609060101010101" pitchFamily="49" charset="-122"/>
-                <a:ea typeface="黑体" panose="02010609060101010101" pitchFamily="49" charset="-122"/>
-              </a:rPr>
-              <a:t>REST</a:t>
-            </a:r>
-            <a:r>
-              <a:rPr lang="en-US" altLang="zh-CN" dirty="0" smtClean="0">
-                <a:latin typeface="黑体" panose="02010609060101010101" pitchFamily="49" charset="-122"/>
-                <a:ea typeface="黑体" panose="02010609060101010101" pitchFamily="49" charset="-122"/>
-              </a:rPr>
-              <a:t>ful API</a:t>
-            </a:r>
-            <a:r>
-              <a:rPr lang="zh-CN" altLang="en-US" dirty="0" smtClean="0">
-                <a:latin typeface="黑体" panose="02010609060101010101" pitchFamily="49" charset="-122"/>
-                <a:ea typeface="黑体" panose="02010609060101010101" pitchFamily="49" charset="-122"/>
-              </a:rPr>
-              <a:t>即</a:t>
-            </a:r>
-            <a:r>
-              <a:rPr lang="zh-CN" altLang="en-US" dirty="0">
-                <a:latin typeface="黑体" panose="02010609060101010101" pitchFamily="49" charset="-122"/>
-                <a:ea typeface="黑体" panose="02010609060101010101" pitchFamily="49" charset="-122"/>
-              </a:rPr>
-              <a:t>为</a:t>
-            </a:r>
-            <a:r>
-              <a:rPr lang="zh-CN" altLang="en-US" dirty="0" smtClean="0">
-                <a:latin typeface="黑体" panose="02010609060101010101" pitchFamily="49" charset="-122"/>
-                <a:ea typeface="黑体" panose="02010609060101010101" pitchFamily="49" charset="-122"/>
-              </a:rPr>
-              <a:t>遵循</a:t>
-            </a:r>
-            <a:r>
-              <a:rPr lang="en-US" altLang="zh-CN" dirty="0" smtClean="0">
-                <a:latin typeface="黑体" panose="02010609060101010101" pitchFamily="49" charset="-122"/>
-                <a:ea typeface="黑体" panose="02010609060101010101" pitchFamily="49" charset="-122"/>
-              </a:rPr>
-              <a:t>REST</a:t>
-            </a:r>
-            <a:r>
-              <a:rPr lang="zh-CN" altLang="en-US" dirty="0" smtClean="0">
-                <a:latin typeface="黑体" panose="02010609060101010101" pitchFamily="49" charset="-122"/>
-                <a:ea typeface="黑体" panose="02010609060101010101" pitchFamily="49" charset="-122"/>
-              </a:rPr>
-              <a:t>风格</a:t>
-            </a:r>
-            <a:r>
-              <a:rPr lang="zh-CN" altLang="en-US" dirty="0">
-                <a:latin typeface="黑体" panose="02010609060101010101" pitchFamily="49" charset="-122"/>
-                <a:ea typeface="黑体" panose="02010609060101010101" pitchFamily="49" charset="-122"/>
-              </a:rPr>
-              <a:t>设计</a:t>
-            </a:r>
-            <a:r>
-              <a:rPr lang="zh-CN" altLang="en-US" dirty="0" smtClean="0">
-                <a:latin typeface="黑体" panose="02010609060101010101" pitchFamily="49" charset="-122"/>
-                <a:ea typeface="黑体" panose="02010609060101010101" pitchFamily="49" charset="-122"/>
-              </a:rPr>
-              <a:t>的</a:t>
-            </a:r>
-            <a:r>
-              <a:rPr lang="en-US" altLang="zh-CN" dirty="0" smtClean="0">
-                <a:latin typeface="黑体" panose="02010609060101010101" pitchFamily="49" charset="-122"/>
-                <a:ea typeface="黑体" panose="02010609060101010101" pitchFamily="49" charset="-122"/>
-              </a:rPr>
-              <a:t>HTTP</a:t>
-            </a:r>
-            <a:r>
-              <a:rPr lang="zh-CN" altLang="en-US" dirty="0" smtClean="0">
-                <a:latin typeface="黑体" panose="02010609060101010101" pitchFamily="49" charset="-122"/>
-                <a:ea typeface="黑体" panose="02010609060101010101" pitchFamily="49" charset="-122"/>
-              </a:rPr>
-              <a:t>接口</a:t>
-            </a:r>
-            <a:endParaRPr lang="zh-CN" altLang="en-US" dirty="0">
-              <a:latin typeface="黑体" panose="02010609060101010101" pitchFamily="49" charset="-122"/>
-              <a:ea typeface="黑体" panose="02010609060101010101" pitchFamily="49" charset="-122"/>
-            </a:endParaRPr>
-          </a:p>
-        </p:txBody>
-      </p:sp>
-    </p:spTree>
-    <p:extLst>
-      <p:ext uri="{BB962C8B-B14F-4D97-AF65-F5344CB8AC3E}">
-        <p14:creationId xmlns:p14="http://schemas.microsoft.com/office/powerpoint/2010/main" val="3142869152"/>
       </p:ext>
     </p:extLst>
   </p:cSld>
@@ -11523,7 +12128,7 @@
         <p:spPr>
           <a:xfrm>
             <a:off x="677334" y="609600"/>
-            <a:ext cx="8596668" cy="827314"/>
+            <a:ext cx="8596668" cy="940526"/>
           </a:xfrm>
         </p:spPr>
         <p:txBody>
@@ -11531,12 +12136,20 @@
           <a:lstStyle/>
           <a:p>
             <a:r>
-              <a:rPr lang="zh-CN" altLang="en-US" b="1" dirty="0"/>
-              <a:t>为什么要遵循</a:t>
-            </a:r>
-            <a:r>
-              <a:rPr lang="en-US" altLang="zh-CN" b="1" dirty="0" smtClean="0"/>
-              <a:t>REST</a:t>
+              <a:rPr lang="en-US" altLang="zh-CN" dirty="0" err="1" smtClean="0"/>
+              <a:t>RESTful</a:t>
+            </a:r>
+            <a:r>
+              <a:rPr lang="en-US" altLang="zh-CN" dirty="0" smtClean="0"/>
+              <a:t> </a:t>
+            </a:r>
+            <a:r>
+              <a:rPr lang="en-US" altLang="zh-CN" dirty="0" smtClean="0"/>
+              <a:t>HTTP </a:t>
+            </a:r>
+            <a:r>
+              <a:rPr lang="en-US" altLang="zh-CN" dirty="0" smtClean="0"/>
+              <a:t>&amp; HTTP</a:t>
             </a:r>
             <a:endParaRPr lang="zh-CN" altLang="en-US" dirty="0"/>
           </a:p>
@@ -11554,8 +12167,8 @@
         </p:nvSpPr>
         <p:spPr>
           <a:xfrm>
-            <a:off x="581539" y="1838371"/>
-            <a:ext cx="8596668" cy="3880773"/>
+            <a:off x="677334" y="2160590"/>
+            <a:ext cx="8596668" cy="2481080"/>
           </a:xfrm>
         </p:spPr>
         <p:txBody>
@@ -11563,199 +12176,148 @@
           <a:lstStyle/>
           <a:p>
             <a:r>
+              <a:rPr lang="en-US" altLang="zh-CN" dirty="0" smtClean="0">
+                <a:latin typeface="黑体" panose="02010609060101010101" pitchFamily="49" charset="-122"/>
+                <a:ea typeface="黑体" panose="02010609060101010101" pitchFamily="49" charset="-122"/>
+              </a:rPr>
+              <a:t>REST</a:t>
+            </a:r>
+            <a:r>
               <a:rPr lang="zh-CN" altLang="en-US" dirty="0" smtClean="0">
                 <a:latin typeface="黑体" panose="02010609060101010101" pitchFamily="49" charset="-122"/>
                 <a:ea typeface="黑体" panose="02010609060101010101" pitchFamily="49" charset="-122"/>
               </a:rPr>
-              <a:t>可</a:t>
+              <a:t>是</a:t>
             </a:r>
             <a:r>
               <a:rPr lang="zh-CN" altLang="en-US" dirty="0">
                 <a:latin typeface="黑体" panose="02010609060101010101" pitchFamily="49" charset="-122"/>
                 <a:ea typeface="黑体" panose="02010609060101010101" pitchFamily="49" charset="-122"/>
               </a:rPr>
-              <a:t>更高效利用缓存来提高响应速度</a:t>
-            </a:r>
-          </a:p>
-          <a:p>
+              <a:t>软件</a:t>
+            </a:r>
             <a:r>
               <a:rPr lang="zh-CN" altLang="en-US" dirty="0" smtClean="0">
                 <a:latin typeface="黑体" panose="02010609060101010101" pitchFamily="49" charset="-122"/>
                 <a:ea typeface="黑体" panose="02010609060101010101" pitchFamily="49" charset="-122"/>
               </a:rPr>
-              <a:t>通讯</a:t>
-            </a:r>
-            <a:r>
-              <a:rPr lang="zh-CN" altLang="en-US" dirty="0">
-                <a:latin typeface="黑体" panose="02010609060101010101" pitchFamily="49" charset="-122"/>
-                <a:ea typeface="黑体" panose="02010609060101010101" pitchFamily="49" charset="-122"/>
-              </a:rPr>
-              <a:t>本身的无状态性可以让不同的服务器的处理一系列请求中的不同请求，</a:t>
+              <a:t>设计规范</a:t>
+            </a:r>
+            <a:r>
+              <a:rPr lang="en-US" altLang="zh-CN" dirty="0" smtClean="0">
+                <a:latin typeface="黑体" panose="02010609060101010101" pitchFamily="49" charset="-122"/>
+                <a:ea typeface="黑体" panose="02010609060101010101" pitchFamily="49" charset="-122"/>
+              </a:rPr>
+              <a:t>;HTTP(</a:t>
+            </a:r>
+            <a:r>
+              <a:rPr lang="en-US" altLang="zh-CN" dirty="0" smtClean="0">
+                <a:latin typeface="黑体" panose="02010609060101010101" pitchFamily="49" charset="-122"/>
+                <a:ea typeface="黑体" panose="02010609060101010101" pitchFamily="49" charset="-122"/>
+                <a:hlinkClick r:id="rId2"/>
+              </a:rPr>
+              <a:t>Hyper </a:t>
+            </a:r>
+            <a:r>
+              <a:rPr lang="en-US" altLang="zh-CN" dirty="0">
+                <a:latin typeface="黑体" panose="02010609060101010101" pitchFamily="49" charset="-122"/>
+                <a:ea typeface="黑体" panose="02010609060101010101" pitchFamily="49" charset="-122"/>
+                <a:hlinkClick r:id="rId2"/>
+              </a:rPr>
+              <a:t>Text Transfer Protocol</a:t>
+            </a:r>
+            <a:r>
+              <a:rPr lang="en-US" altLang="zh-CN" dirty="0">
+                <a:latin typeface="黑体" panose="02010609060101010101" pitchFamily="49" charset="-122"/>
+                <a:ea typeface="黑体" panose="02010609060101010101" pitchFamily="49" charset="-122"/>
+              </a:rPr>
+              <a:t>)</a:t>
             </a:r>
             <a:r>
               <a:rPr lang="zh-CN" altLang="en-US" dirty="0" smtClean="0">
                 <a:latin typeface="黑体" panose="02010609060101010101" pitchFamily="49" charset="-122"/>
                 <a:ea typeface="黑体" panose="02010609060101010101" pitchFamily="49" charset="-122"/>
               </a:rPr>
-              <a:t>提高服务器</a:t>
-            </a:r>
-            <a:r>
-              <a:rPr lang="zh-CN" altLang="en-US" dirty="0">
-                <a:latin typeface="黑体" panose="02010609060101010101" pitchFamily="49" charset="-122"/>
-                <a:ea typeface="黑体" panose="02010609060101010101" pitchFamily="49" charset="-122"/>
-              </a:rPr>
-              <a:t>的扩展性</a:t>
-            </a:r>
-          </a:p>
-          <a:p>
-            <a:r>
-              <a:rPr lang="zh-CN" altLang="en-US" dirty="0" smtClean="0">
-                <a:latin typeface="黑体" panose="02010609060101010101" pitchFamily="49" charset="-122"/>
-                <a:ea typeface="黑体" panose="02010609060101010101" pitchFamily="49" charset="-122"/>
-              </a:rPr>
-              <a:t>浏览器</a:t>
-            </a:r>
-            <a:r>
-              <a:rPr lang="zh-CN" altLang="en-US" dirty="0">
-                <a:latin typeface="黑体" panose="02010609060101010101" pitchFamily="49" charset="-122"/>
-                <a:ea typeface="黑体" panose="02010609060101010101" pitchFamily="49" charset="-122"/>
-              </a:rPr>
-              <a:t>即可作为客户端，简化软件需求</a:t>
-            </a:r>
-          </a:p>
-          <a:p>
-            <a:r>
-              <a:rPr lang="zh-CN" altLang="en-US" dirty="0" smtClean="0">
-                <a:latin typeface="黑体" panose="02010609060101010101" pitchFamily="49" charset="-122"/>
-                <a:ea typeface="黑体" panose="02010609060101010101" pitchFamily="49" charset="-122"/>
-              </a:rPr>
-              <a:t>相对</a:t>
-            </a:r>
-            <a:r>
-              <a:rPr lang="zh-CN" altLang="en-US" dirty="0">
-                <a:latin typeface="黑体" panose="02010609060101010101" pitchFamily="49" charset="-122"/>
-                <a:ea typeface="黑体" panose="02010609060101010101" pitchFamily="49" charset="-122"/>
-              </a:rPr>
-              <a:t>于其他叠加在</a:t>
-            </a:r>
-            <a:r>
-              <a:rPr lang="en-US" altLang="zh-CN" dirty="0">
-                <a:latin typeface="黑体" panose="02010609060101010101" pitchFamily="49" charset="-122"/>
-                <a:ea typeface="黑体" panose="02010609060101010101" pitchFamily="49" charset="-122"/>
-              </a:rPr>
-              <a:t>HTTP</a:t>
-            </a:r>
-            <a:r>
-              <a:rPr lang="zh-CN" altLang="en-US" dirty="0">
-                <a:latin typeface="黑体" panose="02010609060101010101" pitchFamily="49" charset="-122"/>
-                <a:ea typeface="黑体" panose="02010609060101010101" pitchFamily="49" charset="-122"/>
-              </a:rPr>
-              <a:t>协议之上的机制，</a:t>
-            </a:r>
-            <a:r>
-              <a:rPr lang="en-US" altLang="zh-CN" dirty="0">
-                <a:latin typeface="黑体" panose="02010609060101010101" pitchFamily="49" charset="-122"/>
-                <a:ea typeface="黑体" panose="02010609060101010101" pitchFamily="49" charset="-122"/>
-              </a:rPr>
-              <a:t>REST</a:t>
-            </a:r>
-            <a:r>
-              <a:rPr lang="zh-CN" altLang="en-US" dirty="0">
-                <a:latin typeface="黑体" panose="02010609060101010101" pitchFamily="49" charset="-122"/>
-                <a:ea typeface="黑体" panose="02010609060101010101" pitchFamily="49" charset="-122"/>
-              </a:rPr>
-              <a:t>的软件依赖性更小</a:t>
-            </a:r>
-          </a:p>
-          <a:p>
-            <a:r>
-              <a:rPr lang="zh-CN" altLang="en-US" dirty="0" smtClean="0">
-                <a:latin typeface="黑体" panose="02010609060101010101" pitchFamily="49" charset="-122"/>
-                <a:ea typeface="黑体" panose="02010609060101010101" pitchFamily="49" charset="-122"/>
-              </a:rPr>
-              <a:t>不</a:t>
-            </a:r>
-            <a:r>
-              <a:rPr lang="zh-CN" altLang="en-US" dirty="0">
-                <a:latin typeface="黑体" panose="02010609060101010101" pitchFamily="49" charset="-122"/>
-                <a:ea typeface="黑体" panose="02010609060101010101" pitchFamily="49" charset="-122"/>
-              </a:rPr>
-              <a:t>需要额外的资源发现机制</a:t>
-            </a:r>
-          </a:p>
-          <a:p>
-            <a:r>
-              <a:rPr lang="zh-CN" altLang="en-US" dirty="0" smtClean="0">
-                <a:latin typeface="黑体" panose="02010609060101010101" pitchFamily="49" charset="-122"/>
-                <a:ea typeface="黑体" panose="02010609060101010101" pitchFamily="49" charset="-122"/>
-              </a:rPr>
-              <a:t>在</a:t>
-            </a:r>
-            <a:r>
-              <a:rPr lang="zh-CN" altLang="en-US" dirty="0">
-                <a:latin typeface="黑体" panose="02010609060101010101" pitchFamily="49" charset="-122"/>
-                <a:ea typeface="黑体" panose="02010609060101010101" pitchFamily="49" charset="-122"/>
-              </a:rPr>
-              <a:t>软件技术演进中的长期的兼容性</a:t>
-            </a:r>
-            <a:r>
-              <a:rPr lang="zh-CN" altLang="en-US" dirty="0" smtClean="0">
-                <a:latin typeface="黑体" panose="02010609060101010101" pitchFamily="49" charset="-122"/>
-                <a:ea typeface="黑体" panose="02010609060101010101" pitchFamily="49" charset="-122"/>
-              </a:rPr>
-              <a:t>更好</a:t>
-            </a:r>
-            <a:endParaRPr lang="en-US" altLang="zh-CN" dirty="0" smtClean="0">
+              <a:t>是超文本传输协议</a:t>
+            </a:r>
+            <a:endParaRPr lang="zh-CN" altLang="en-US" dirty="0">
               <a:latin typeface="黑体" panose="02010609060101010101" pitchFamily="49" charset="-122"/>
               <a:ea typeface="黑体" panose="02010609060101010101" pitchFamily="49" charset="-122"/>
             </a:endParaRPr>
           </a:p>
           <a:p>
             <a:r>
-              <a:rPr lang="en-US" altLang="zh-CN" dirty="0">
-                <a:solidFill>
-                  <a:schemeClr val="bg1">
-                    <a:lumMod val="65000"/>
-                  </a:schemeClr>
-                </a:solidFill>
-                <a:latin typeface="黑体" panose="02010609060101010101" pitchFamily="49" charset="-122"/>
-                <a:ea typeface="黑体" panose="02010609060101010101" pitchFamily="49" charset="-122"/>
-                <a:hlinkClick r:id="rId2"/>
-              </a:rPr>
-              <a:t>Roy </a:t>
+              <a:rPr lang="en-US" altLang="zh-CN" dirty="0" err="1" smtClean="0">
+                <a:latin typeface="黑体" panose="02010609060101010101" pitchFamily="49" charset="-122"/>
+                <a:ea typeface="黑体" panose="02010609060101010101" pitchFamily="49" charset="-122"/>
+              </a:rPr>
+              <a:t>RESTful</a:t>
             </a:r>
             <a:r>
               <a:rPr lang="en-US" altLang="zh-CN" dirty="0" smtClean="0">
-                <a:solidFill>
-                  <a:schemeClr val="bg1">
-                    <a:lumMod val="65000"/>
-                  </a:schemeClr>
-                </a:solidFill>
-                <a:latin typeface="黑体" panose="02010609060101010101" pitchFamily="49" charset="-122"/>
-                <a:ea typeface="黑体" panose="02010609060101010101" pitchFamily="49" charset="-122"/>
-                <a:hlinkClick r:id="rId2"/>
-              </a:rPr>
-              <a:t>Fielding</a:t>
+                <a:latin typeface="黑体" panose="02010609060101010101" pitchFamily="49" charset="-122"/>
+                <a:ea typeface="黑体" panose="02010609060101010101" pitchFamily="49" charset="-122"/>
+              </a:rPr>
+              <a:t> </a:t>
+            </a:r>
+            <a:r>
+              <a:rPr lang="en-US" altLang="zh-CN" dirty="0" smtClean="0">
+                <a:latin typeface="黑体" panose="02010609060101010101" pitchFamily="49" charset="-122"/>
+                <a:ea typeface="黑体" panose="02010609060101010101" pitchFamily="49" charset="-122"/>
+              </a:rPr>
+              <a:t>HTTP</a:t>
             </a:r>
             <a:r>
               <a:rPr lang="zh-CN" altLang="en-US" dirty="0" smtClean="0">
-                <a:solidFill>
-                  <a:schemeClr val="bg1">
-                    <a:lumMod val="65000"/>
-                  </a:schemeClr>
-                </a:solidFill>
-                <a:latin typeface="黑体" panose="02010609060101010101" pitchFamily="49" charset="-122"/>
-                <a:ea typeface="黑体" panose="02010609060101010101" pitchFamily="49" charset="-122"/>
-              </a:rPr>
-              <a:t>博士作为</a:t>
+                <a:latin typeface="黑体" panose="02010609060101010101" pitchFamily="49" charset="-122"/>
+                <a:ea typeface="黑体" panose="02010609060101010101" pitchFamily="49" charset="-122"/>
+              </a:rPr>
+              <a:t>即</a:t>
+            </a:r>
+            <a:r>
+              <a:rPr lang="zh-CN" altLang="en-US" dirty="0">
+                <a:latin typeface="黑体" panose="02010609060101010101" pitchFamily="49" charset="-122"/>
+                <a:ea typeface="黑体" panose="02010609060101010101" pitchFamily="49" charset="-122"/>
+              </a:rPr>
+              <a:t>为</a:t>
+            </a:r>
+            <a:r>
+              <a:rPr lang="zh-CN" altLang="en-US" dirty="0" smtClean="0">
+                <a:latin typeface="黑体" panose="02010609060101010101" pitchFamily="49" charset="-122"/>
+                <a:ea typeface="黑体" panose="02010609060101010101" pitchFamily="49" charset="-122"/>
+              </a:rPr>
+              <a:t>遵循</a:t>
             </a:r>
             <a:r>
               <a:rPr lang="en-US" altLang="zh-CN" dirty="0" smtClean="0">
-                <a:solidFill>
-                  <a:schemeClr val="bg1">
-                    <a:lumMod val="65000"/>
-                  </a:schemeClr>
-                </a:solidFill>
+                <a:latin typeface="黑体" panose="02010609060101010101" pitchFamily="49" charset="-122"/>
+                <a:ea typeface="黑体" panose="02010609060101010101" pitchFamily="49" charset="-122"/>
+              </a:rPr>
+              <a:t>REST</a:t>
+            </a:r>
+            <a:r>
+              <a:rPr lang="zh-CN" altLang="en-US" dirty="0" smtClean="0">
+                <a:latin typeface="黑体" panose="02010609060101010101" pitchFamily="49" charset="-122"/>
+                <a:ea typeface="黑体" panose="02010609060101010101" pitchFamily="49" charset="-122"/>
+              </a:rPr>
+              <a:t>风格</a:t>
+            </a:r>
+            <a:r>
+              <a:rPr lang="zh-CN" altLang="en-US" dirty="0">
+                <a:latin typeface="黑体" panose="02010609060101010101" pitchFamily="49" charset="-122"/>
+                <a:ea typeface="黑体" panose="02010609060101010101" pitchFamily="49" charset="-122"/>
+              </a:rPr>
+              <a:t>设计</a:t>
+            </a:r>
+            <a:r>
+              <a:rPr lang="zh-CN" altLang="en-US" dirty="0" smtClean="0">
+                <a:latin typeface="黑体" panose="02010609060101010101" pitchFamily="49" charset="-122"/>
+                <a:ea typeface="黑体" panose="02010609060101010101" pitchFamily="49" charset="-122"/>
+              </a:rPr>
+              <a:t>的</a:t>
+            </a:r>
+            <a:r>
+              <a:rPr lang="en-US" altLang="zh-CN" dirty="0" smtClean="0">
                 <a:latin typeface="黑体" panose="02010609060101010101" pitchFamily="49" charset="-122"/>
                 <a:ea typeface="黑体" panose="02010609060101010101" pitchFamily="49" charset="-122"/>
               </a:rPr>
@@ -11763,70 +12325,12 @@
             </a:r>
             <a:r>
               <a:rPr lang="zh-CN" altLang="en-US" dirty="0" smtClean="0">
-                <a:solidFill>
-                  <a:schemeClr val="bg1">
-                    <a:lumMod val="65000"/>
-                  </a:schemeClr>
-                </a:solidFill>
-                <a:latin typeface="黑体" panose="02010609060101010101" pitchFamily="49" charset="-122"/>
-                <a:ea typeface="黑体" panose="02010609060101010101" pitchFamily="49" charset="-122"/>
-              </a:rPr>
-              <a:t>规范的制定者之一，未来的</a:t>
-            </a:r>
-            <a:r>
-              <a:rPr lang="en-US" altLang="zh-CN" dirty="0" smtClean="0">
-                <a:solidFill>
-                  <a:schemeClr val="bg1">
-                    <a:lumMod val="65000"/>
-                  </a:schemeClr>
-                </a:solidFill>
-                <a:latin typeface="黑体" panose="02010609060101010101" pitchFamily="49" charset="-122"/>
-                <a:ea typeface="黑体" panose="02010609060101010101" pitchFamily="49" charset="-122"/>
-              </a:rPr>
-              <a:t>HTTP2.0</a:t>
-            </a:r>
-            <a:r>
-              <a:rPr lang="zh-CN" altLang="en-US" dirty="0" smtClean="0">
-                <a:solidFill>
-                  <a:schemeClr val="bg1">
-                    <a:lumMod val="65000"/>
-                  </a:schemeClr>
-                </a:solidFill>
-                <a:latin typeface="黑体" panose="02010609060101010101" pitchFamily="49" charset="-122"/>
-                <a:ea typeface="黑体" panose="02010609060101010101" pitchFamily="49" charset="-122"/>
-              </a:rPr>
-              <a:t>也会更进一步的</a:t>
-            </a:r>
-            <a:r>
-              <a:rPr lang="en-US" altLang="zh-CN" dirty="0" smtClean="0">
-                <a:solidFill>
-                  <a:schemeClr val="bg1">
-                    <a:lumMod val="65000"/>
-                  </a:schemeClr>
-                </a:solidFill>
-                <a:latin typeface="黑体" panose="02010609060101010101" pitchFamily="49" charset="-122"/>
-                <a:ea typeface="黑体" panose="02010609060101010101" pitchFamily="49" charset="-122"/>
-              </a:rPr>
-              <a:t>REST</a:t>
-            </a:r>
-            <a:r>
-              <a:rPr lang="zh-CN" altLang="en-US" dirty="0" smtClean="0">
-                <a:solidFill>
-                  <a:schemeClr val="bg1">
-                    <a:lumMod val="65000"/>
-                  </a:schemeClr>
-                </a:solidFill>
-                <a:latin typeface="黑体" panose="02010609060101010101" pitchFamily="49" charset="-122"/>
-                <a:ea typeface="黑体" panose="02010609060101010101" pitchFamily="49" charset="-122"/>
-              </a:rPr>
-              <a:t>的支持</a:t>
+                <a:latin typeface="黑体" panose="02010609060101010101" pitchFamily="49" charset="-122"/>
+                <a:ea typeface="黑体" panose="02010609060101010101" pitchFamily="49" charset="-122"/>
+              </a:rPr>
+              <a:t>接口</a:t>
             </a:r>
             <a:endParaRPr lang="zh-CN" altLang="en-US" dirty="0">
-              <a:solidFill>
-                <a:schemeClr val="bg1">
-                  <a:lumMod val="65000"/>
-                </a:schemeClr>
-              </a:solidFill>
               <a:latin typeface="黑体" panose="02010609060101010101" pitchFamily="49" charset="-122"/>
               <a:ea typeface="黑体" panose="02010609060101010101" pitchFamily="49" charset="-122"/>
             </a:endParaRPr>
@@ -11836,7 +12340,7 @@
     </p:spTree>
     <p:extLst>
       <p:ext uri="{BB962C8B-B14F-4D97-AF65-F5344CB8AC3E}">
-        <p14:creationId xmlns:p14="http://schemas.microsoft.com/office/powerpoint/2010/main" val="3566023742"/>
+        <p14:creationId xmlns:p14="http://schemas.microsoft.com/office/powerpoint/2010/main" val="3142869152"/>
       </p:ext>
     </p:extLst>
   </p:cSld>

--- a/rest-api/RESTful.pptx
+++ b/rest-api/RESTful.pptx
@@ -6404,7 +6404,7 @@
           <a:p>
             <a:r>
               <a:rPr lang="en-US" altLang="zh-CN" dirty="0" smtClean="0"/>
-              <a:t>2018.06.11</a:t>
+              <a:t>2018.06.09</a:t>
             </a:r>
             <a:endParaRPr lang="zh-CN" altLang="en-US" dirty="0"/>
           </a:p>
@@ -10612,14 +10612,7 @@
                 <a:latin typeface="黑体" panose="02010609060101010101" pitchFamily="49" charset="-122"/>
                 <a:ea typeface="黑体" panose="02010609060101010101" pitchFamily="49" charset="-122"/>
               </a:rPr>
-              <a:t>减少</a:t>
-            </a:r>
-            <a:r>
-              <a:rPr lang="zh-CN" altLang="en-US" dirty="0" smtClean="0">
-                <a:latin typeface="黑体" panose="02010609060101010101" pitchFamily="49" charset="-122"/>
-                <a:ea typeface="黑体" panose="02010609060101010101" pitchFamily="49" charset="-122"/>
-              </a:rPr>
-              <a:t>交互次数，减少网络延时</a:t>
+              <a:t>减少交互次数，减少网络延时</a:t>
             </a:r>
             <a:endParaRPr lang="zh-CN" altLang="en-US" dirty="0">
               <a:latin typeface="黑体" panose="02010609060101010101" pitchFamily="49" charset="-122"/>
@@ -11947,17 +11940,7 @@
                 <a:latin typeface="黑体" panose="02010609060101010101" pitchFamily="49" charset="-122"/>
                 <a:ea typeface="黑体" panose="02010609060101010101" pitchFamily="49" charset="-122"/>
               </a:rPr>
-              <a:t>200</a:t>
-            </a:r>
-            <a:r>
-              <a:rPr lang="en-US" altLang="zh-CN" dirty="0" smtClean="0">
-                <a:solidFill>
-                  <a:schemeClr val="accent2"/>
-                </a:solidFill>
-                <a:latin typeface="黑体" panose="02010609060101010101" pitchFamily="49" charset="-122"/>
-                <a:ea typeface="黑体" panose="02010609060101010101" pitchFamily="49" charset="-122"/>
-              </a:rPr>
-              <a:t>: </a:t>
+              <a:t>200: </a:t>
             </a:r>
             <a:r>
               <a:rPr lang="en-US" altLang="zh-CN" dirty="0"/>
@@ -11973,17 +11956,7 @@
                 <a:latin typeface="黑体" panose="02010609060101010101" pitchFamily="49" charset="-122"/>
                 <a:ea typeface="黑体" panose="02010609060101010101" pitchFamily="49" charset="-122"/>
               </a:rPr>
-              <a:t>302</a:t>
-            </a:r>
-            <a:r>
-              <a:rPr lang="en-US" altLang="zh-CN" dirty="0" smtClean="0">
-                <a:solidFill>
-                  <a:schemeClr val="accent2"/>
-                </a:solidFill>
-                <a:latin typeface="黑体" panose="02010609060101010101" pitchFamily="49" charset="-122"/>
-                <a:ea typeface="黑体" panose="02010609060101010101" pitchFamily="49" charset="-122"/>
-              </a:rPr>
-              <a:t>: </a:t>
+              <a:t>302: </a:t>
             </a:r>
             <a:r>
               <a:rPr lang="en-US" altLang="zh-CN" dirty="0" smtClean="0"/>
@@ -12026,17 +11999,7 @@
                 <a:latin typeface="黑体" panose="02010609060101010101" pitchFamily="49" charset="-122"/>
                 <a:ea typeface="黑体" panose="02010609060101010101" pitchFamily="49" charset="-122"/>
               </a:rPr>
-              <a:t>404</a:t>
-            </a:r>
-            <a:r>
-              <a:rPr lang="en-US" altLang="zh-CN" dirty="0" smtClean="0">
-                <a:solidFill>
-                  <a:schemeClr val="accent2"/>
-                </a:solidFill>
-                <a:latin typeface="黑体" panose="02010609060101010101" pitchFamily="49" charset="-122"/>
-                <a:ea typeface="黑体" panose="02010609060101010101" pitchFamily="49" charset="-122"/>
-              </a:rPr>
-              <a:t>: </a:t>
+              <a:t>404: </a:t>
             </a:r>
             <a:r>
               <a:rPr lang="en-US" altLang="zh-CN" dirty="0"/>
@@ -12052,17 +12015,7 @@
                 <a:latin typeface="黑体" panose="02010609060101010101" pitchFamily="49" charset="-122"/>
                 <a:ea typeface="黑体" panose="02010609060101010101" pitchFamily="49" charset="-122"/>
               </a:rPr>
-              <a:t>500</a:t>
-            </a:r>
-            <a:r>
-              <a:rPr lang="en-US" altLang="zh-CN" dirty="0" smtClean="0">
-                <a:solidFill>
-                  <a:schemeClr val="accent2"/>
-                </a:solidFill>
-                <a:latin typeface="黑体" panose="02010609060101010101" pitchFamily="49" charset="-122"/>
-                <a:ea typeface="黑体" panose="02010609060101010101" pitchFamily="49" charset="-122"/>
-              </a:rPr>
-              <a:t>:</a:t>
+              <a:t>500:</a:t>
             </a:r>
             <a:r>
               <a:rPr lang="en-US" altLang="zh-CN" dirty="0"/>
@@ -12141,15 +12094,7 @@
             </a:r>
             <a:r>
               <a:rPr lang="en-US" altLang="zh-CN" dirty="0" smtClean="0"/>
-              <a:t> </a:t>
-            </a:r>
-            <a:r>
-              <a:rPr lang="en-US" altLang="zh-CN" dirty="0" smtClean="0"/>
-              <a:t>HTTP </a:t>
-            </a:r>
-            <a:r>
-              <a:rPr lang="en-US" altLang="zh-CN" dirty="0" smtClean="0"/>
-              <a:t>&amp; HTTP</a:t>
+              <a:t> HTTP &amp; HTTP</a:t>
             </a:r>
             <a:endParaRPr lang="zh-CN" altLang="en-US" dirty="0"/>
           </a:p>
@@ -12258,14 +12203,7 @@
                 <a:latin typeface="黑体" panose="02010609060101010101" pitchFamily="49" charset="-122"/>
                 <a:ea typeface="黑体" panose="02010609060101010101" pitchFamily="49" charset="-122"/>
               </a:rPr>
-              <a:t> </a:t>
-            </a:r>
-            <a:r>
-              <a:rPr lang="en-US" altLang="zh-CN" dirty="0" smtClean="0">
-                <a:latin typeface="黑体" panose="02010609060101010101" pitchFamily="49" charset="-122"/>
-                <a:ea typeface="黑体" panose="02010609060101010101" pitchFamily="49" charset="-122"/>
-              </a:rPr>
-              <a:t>HTTP</a:t>
+              <a:t> HTTP</a:t>
             </a:r>
             <a:r>
               <a:rPr lang="zh-CN" altLang="en-US" dirty="0" smtClean="0">

--- a/rest-api/RESTful.pptx
+++ b/rest-api/RESTful.pptx
@@ -6404,7 +6404,7 @@
           <a:p>
             <a:r>
               <a:rPr lang="en-US" altLang="zh-CN" dirty="0" smtClean="0"/>
-              <a:t>2018.06.09</a:t>
+              <a:t>2018.06.05</a:t>
             </a:r>
             <a:endParaRPr lang="zh-CN" altLang="en-US" dirty="0"/>
           </a:p>
@@ -7477,8 +7477,9 @@
                     <a:lumMod val="75000"/>
                   </a:schemeClr>
                 </a:solidFill>
-                <a:latin typeface="黑体" panose="02010609060101010101" pitchFamily="49" charset="-122"/>
-                <a:ea typeface="黑体" panose="02010609060101010101" pitchFamily="49" charset="-122"/>
+                <a:latin typeface="Segoe UI Historic" panose="020B0502040204020203" pitchFamily="34" charset="0"/>
+                <a:ea typeface="Segoe UI Historic" panose="020B0502040204020203" pitchFamily="34" charset="0"/>
+                <a:cs typeface="Segoe UI Historic" panose="020B0502040204020203" pitchFamily="34" charset="0"/>
               </a:rPr>
               <a:t>Swagger </a:t>
             </a:r>
@@ -7489,8 +7490,9 @@
                     <a:lumMod val="75000"/>
                   </a:schemeClr>
                 </a:solidFill>
-                <a:latin typeface="黑体" panose="02010609060101010101" pitchFamily="49" charset="-122"/>
-                <a:ea typeface="黑体" panose="02010609060101010101" pitchFamily="49" charset="-122"/>
+                <a:latin typeface="Segoe UI Historic" panose="020B0502040204020203" pitchFamily="34" charset="0"/>
+                <a:ea typeface="Segoe UI Historic" panose="020B0502040204020203" pitchFamily="34" charset="0"/>
+                <a:cs typeface="Segoe UI Historic" panose="020B0502040204020203" pitchFamily="34" charset="0"/>
               </a:rPr>
               <a:t>github</a:t>
             </a:r>
@@ -7501,8 +7503,9 @@
                     <a:lumMod val="75000"/>
                   </a:schemeClr>
                 </a:solidFill>
-                <a:latin typeface="黑体" panose="02010609060101010101" pitchFamily="49" charset="-122"/>
-                <a:ea typeface="黑体" panose="02010609060101010101" pitchFamily="49" charset="-122"/>
+                <a:latin typeface="Segoe UI Historic" panose="020B0502040204020203" pitchFamily="34" charset="0"/>
+                <a:ea typeface="Segoe UI Historic" panose="020B0502040204020203" pitchFamily="34" charset="0"/>
+                <a:cs typeface="Segoe UI Historic" panose="020B0502040204020203" pitchFamily="34" charset="0"/>
               </a:rPr>
               <a:t>: </a:t>
             </a:r>
@@ -7560,14 +7563,15 @@
               <a:buNone/>
             </a:pPr>
             <a:r>
-              <a:rPr lang="en-US" altLang="zh-CN" sz="2400" dirty="0" smtClean="0">
+              <a:rPr lang="en-US" altLang="zh-CN" sz="2400" dirty="0">
                 <a:solidFill>
                   <a:schemeClr val="accent1">
                     <a:lumMod val="75000"/>
                   </a:schemeClr>
                 </a:solidFill>
-                <a:latin typeface="黑体" panose="02010609060101010101" pitchFamily="49" charset="-122"/>
-                <a:ea typeface="黑体" panose="02010609060101010101" pitchFamily="49" charset="-122"/>
+                <a:latin typeface="Segoe UI Historic" panose="020B0502040204020203" pitchFamily="34" charset="0"/>
+                <a:ea typeface="Segoe UI Historic" panose="020B0502040204020203" pitchFamily="34" charset="0"/>
+                <a:cs typeface="Segoe UI Historic" panose="020B0502040204020203" pitchFamily="34" charset="0"/>
               </a:rPr>
               <a:t>Design API Online</a:t>
             </a:r>
@@ -7578,20 +7582,22 @@
                     <a:lumMod val="75000"/>
                   </a:schemeClr>
                 </a:solidFill>
-                <a:latin typeface="黑体" panose="02010609060101010101" pitchFamily="49" charset="-122"/>
-                <a:ea typeface="黑体" panose="02010609060101010101" pitchFamily="49" charset="-122"/>
+                <a:latin typeface="Segoe UI Historic" panose="020B0502040204020203" pitchFamily="34" charset="0"/>
+                <a:ea typeface="Segoe UI Historic" panose="020B0502040204020203" pitchFamily="34" charset="0"/>
+                <a:cs typeface="Segoe UI Historic" panose="020B0502040204020203" pitchFamily="34" charset="0"/>
               </a:rPr>
               <a:t>:</a:t>
             </a:r>
             <a:r>
-              <a:rPr lang="en-US" altLang="zh-CN" sz="2400" dirty="0" smtClean="0">
+              <a:rPr lang="en-US" altLang="zh-CN" sz="2400" dirty="0">
                 <a:solidFill>
                   <a:schemeClr val="accent1">
                     <a:lumMod val="75000"/>
                   </a:schemeClr>
                 </a:solidFill>
-                <a:latin typeface="黑体" panose="02010609060101010101" pitchFamily="49" charset="-122"/>
-                <a:ea typeface="黑体" panose="02010609060101010101" pitchFamily="49" charset="-122"/>
+                <a:latin typeface="Segoe UI Historic" panose="020B0502040204020203" pitchFamily="34" charset="0"/>
+                <a:ea typeface="Segoe UI Historic" panose="020B0502040204020203" pitchFamily="34" charset="0"/>
+                <a:cs typeface="Segoe UI Historic" panose="020B0502040204020203" pitchFamily="34" charset="0"/>
               </a:rPr>
               <a:t> </a:t>
             </a:r>
@@ -12262,11 +12268,18 @@
               <a:t>HTTP</a:t>
             </a:r>
             <a:r>
-              <a:rPr lang="zh-CN" altLang="en-US" dirty="0" smtClean="0">
-                <a:latin typeface="黑体" panose="02010609060101010101" pitchFamily="49" charset="-122"/>
-                <a:ea typeface="黑体" panose="02010609060101010101" pitchFamily="49" charset="-122"/>
-              </a:rPr>
-              <a:t>接口</a:t>
+              <a:rPr lang="zh-CN" altLang="en-US" dirty="0">
+                <a:latin typeface="黑体" panose="02010609060101010101" pitchFamily="49" charset="-122"/>
+                <a:ea typeface="黑体" panose="02010609060101010101" pitchFamily="49" charset="-122"/>
+              </a:rPr>
+              <a:t> </a:t>
+            </a:r>
+            <a:r>
+              <a:rPr lang="en-US" altLang="zh-CN" dirty="0" smtClean="0">
+                <a:latin typeface="黑体" panose="02010609060101010101" pitchFamily="49" charset="-122"/>
+                <a:ea typeface="黑体" panose="02010609060101010101" pitchFamily="49" charset="-122"/>
+              </a:rPr>
+              <a:t>API</a:t>
             </a:r>
             <a:endParaRPr lang="zh-CN" altLang="en-US" dirty="0">
               <a:latin typeface="黑体" panose="02010609060101010101" pitchFamily="49" charset="-122"/>

--- a/rest-api/RESTful.pptx
+++ b/rest-api/RESTful.pptx
@@ -5,7 +5,7 @@
     <p:sldMasterId id="2147483777" r:id="rId1"/>
   </p:sldMasterIdLst>
   <p:notesMasterIdLst>
-    <p:notesMasterId r:id="rId24"/>
+    <p:notesMasterId r:id="rId25"/>
   </p:notesMasterIdLst>
   <p:sldIdLst>
     <p:sldId id="256" r:id="rId2"/>
@@ -29,7 +29,8 @@
     <p:sldId id="268" r:id="rId20"/>
     <p:sldId id="269" r:id="rId21"/>
     <p:sldId id="270" r:id="rId22"/>
-    <p:sldId id="271" r:id="rId23"/>
+    <p:sldId id="280" r:id="rId23"/>
+    <p:sldId id="271" r:id="rId24"/>
   </p:sldIdLst>
   <p:sldSz cx="12192000" cy="6858000"/>
   <p:notesSz cx="6858000" cy="9144000"/>
@@ -218,7 +219,7 @@
           <a:p>
             <a:fld id="{65803504-C5C8-4584-AB04-B616C8F6C5C9}" type="datetimeFigureOut">
               <a:rPr lang="zh-CN" altLang="en-US" smtClean="0"/>
-              <a:t>2018/6/20</a:t>
+              <a:t>2018/6/21</a:t>
             </a:fld>
             <a:endParaRPr lang="zh-CN" altLang="en-US"/>
           </a:p>
@@ -2067,7 +2068,7 @@
           <a:p>
             <a:fld id="{8C6D682F-0FD3-42DF-978A-3A28B17140BF}" type="datetimeFigureOut">
               <a:rPr lang="zh-CN" altLang="en-US" smtClean="0"/>
-              <a:t>2018/6/20</a:t>
+              <a:t>2018/6/21</a:t>
             </a:fld>
             <a:endParaRPr lang="zh-CN" altLang="en-US"/>
           </a:p>
@@ -2318,7 +2319,7 @@
           <a:p>
             <a:fld id="{8C6D682F-0FD3-42DF-978A-3A28B17140BF}" type="datetimeFigureOut">
               <a:rPr lang="zh-CN" altLang="en-US" smtClean="0"/>
-              <a:t>2018/6/20</a:t>
+              <a:t>2018/6/21</a:t>
             </a:fld>
             <a:endParaRPr lang="zh-CN" altLang="en-US"/>
           </a:p>
@@ -2632,7 +2633,7 @@
           <a:p>
             <a:fld id="{8C6D682F-0FD3-42DF-978A-3A28B17140BF}" type="datetimeFigureOut">
               <a:rPr lang="zh-CN" altLang="en-US" smtClean="0"/>
-              <a:t>2018/6/20</a:t>
+              <a:t>2018/6/21</a:t>
             </a:fld>
             <a:endParaRPr lang="zh-CN" altLang="en-US"/>
           </a:p>
@@ -2965,7 +2966,7 @@
           <a:p>
             <a:fld id="{8C6D682F-0FD3-42DF-978A-3A28B17140BF}" type="datetimeFigureOut">
               <a:rPr lang="zh-CN" altLang="en-US" smtClean="0"/>
-              <a:t>2018/6/20</a:t>
+              <a:t>2018/6/21</a:t>
             </a:fld>
             <a:endParaRPr lang="zh-CN" altLang="en-US"/>
           </a:p>
@@ -3279,7 +3280,7 @@
           <a:p>
             <a:fld id="{8C6D682F-0FD3-42DF-978A-3A28B17140BF}" type="datetimeFigureOut">
               <a:rPr lang="zh-CN" altLang="en-US" smtClean="0"/>
-              <a:t>2018/6/20</a:t>
+              <a:t>2018/6/21</a:t>
             </a:fld>
             <a:endParaRPr lang="zh-CN" altLang="en-US"/>
           </a:p>
@@ -3672,7 +3673,7 @@
           <a:p>
             <a:fld id="{8C6D682F-0FD3-42DF-978A-3A28B17140BF}" type="datetimeFigureOut">
               <a:rPr lang="zh-CN" altLang="en-US" smtClean="0"/>
-              <a:t>2018/6/20</a:t>
+              <a:t>2018/6/21</a:t>
             </a:fld>
             <a:endParaRPr lang="zh-CN" altLang="en-US"/>
           </a:p>
@@ -3842,7 +3843,7 @@
           <a:p>
             <a:fld id="{8C6D682F-0FD3-42DF-978A-3A28B17140BF}" type="datetimeFigureOut">
               <a:rPr lang="zh-CN" altLang="en-US" smtClean="0"/>
-              <a:t>2018/6/20</a:t>
+              <a:t>2018/6/21</a:t>
             </a:fld>
             <a:endParaRPr lang="zh-CN" altLang="en-US"/>
           </a:p>
@@ -4022,7 +4023,7 @@
           <a:p>
             <a:fld id="{8C6D682F-0FD3-42DF-978A-3A28B17140BF}" type="datetimeFigureOut">
               <a:rPr lang="zh-CN" altLang="en-US" smtClean="0"/>
-              <a:t>2018/6/20</a:t>
+              <a:t>2018/6/21</a:t>
             </a:fld>
             <a:endParaRPr lang="zh-CN" altLang="en-US"/>
           </a:p>
@@ -4192,7 +4193,7 @@
           <a:p>
             <a:fld id="{8C6D682F-0FD3-42DF-978A-3A28B17140BF}" type="datetimeFigureOut">
               <a:rPr lang="zh-CN" altLang="en-US" smtClean="0"/>
-              <a:t>2018/6/20</a:t>
+              <a:t>2018/6/21</a:t>
             </a:fld>
             <a:endParaRPr lang="zh-CN" altLang="en-US"/>
           </a:p>
@@ -4439,7 +4440,7 @@
           <a:p>
             <a:fld id="{8C6D682F-0FD3-42DF-978A-3A28B17140BF}" type="datetimeFigureOut">
               <a:rPr lang="zh-CN" altLang="en-US" smtClean="0"/>
-              <a:t>2018/6/20</a:t>
+              <a:t>2018/6/21</a:t>
             </a:fld>
             <a:endParaRPr lang="zh-CN" altLang="en-US"/>
           </a:p>
@@ -4671,7 +4672,7 @@
           <a:p>
             <a:fld id="{8C6D682F-0FD3-42DF-978A-3A28B17140BF}" type="datetimeFigureOut">
               <a:rPr lang="zh-CN" altLang="en-US" smtClean="0"/>
-              <a:t>2018/6/20</a:t>
+              <a:t>2018/6/21</a:t>
             </a:fld>
             <a:endParaRPr lang="zh-CN" altLang="en-US"/>
           </a:p>
@@ -5045,7 +5046,7 @@
           <a:p>
             <a:fld id="{8C6D682F-0FD3-42DF-978A-3A28B17140BF}" type="datetimeFigureOut">
               <a:rPr lang="zh-CN" altLang="en-US" smtClean="0"/>
-              <a:t>2018/6/20</a:t>
+              <a:t>2018/6/21</a:t>
             </a:fld>
             <a:endParaRPr lang="zh-CN" altLang="en-US"/>
           </a:p>
@@ -5168,7 +5169,7 @@
           <a:p>
             <a:fld id="{8C6D682F-0FD3-42DF-978A-3A28B17140BF}" type="datetimeFigureOut">
               <a:rPr lang="zh-CN" altLang="en-US" smtClean="0"/>
-              <a:t>2018/6/20</a:t>
+              <a:t>2018/6/21</a:t>
             </a:fld>
             <a:endParaRPr lang="zh-CN" altLang="en-US"/>
           </a:p>
@@ -5263,7 +5264,7 @@
           <a:p>
             <a:fld id="{8C6D682F-0FD3-42DF-978A-3A28B17140BF}" type="datetimeFigureOut">
               <a:rPr lang="zh-CN" altLang="en-US" smtClean="0"/>
-              <a:t>2018/6/20</a:t>
+              <a:t>2018/6/21</a:t>
             </a:fld>
             <a:endParaRPr lang="zh-CN" altLang="en-US"/>
           </a:p>
@@ -5518,7 +5519,7 @@
           <a:p>
             <a:fld id="{8C6D682F-0FD3-42DF-978A-3A28B17140BF}" type="datetimeFigureOut">
               <a:rPr lang="zh-CN" altLang="en-US" smtClean="0"/>
-              <a:t>2018/6/20</a:t>
+              <a:t>2018/6/21</a:t>
             </a:fld>
             <a:endParaRPr lang="zh-CN" altLang="en-US"/>
           </a:p>
@@ -5823,7 +5824,7 @@
           <a:p>
             <a:fld id="{8C6D682F-0FD3-42DF-978A-3A28B17140BF}" type="datetimeFigureOut">
               <a:rPr lang="zh-CN" altLang="en-US" smtClean="0"/>
-              <a:t>2018/6/20</a:t>
+              <a:t>2018/6/21</a:t>
             </a:fld>
             <a:endParaRPr lang="zh-CN" altLang="en-US"/>
           </a:p>
@@ -6525,7 +6526,7 @@
           <a:p>
             <a:fld id="{8C6D682F-0FD3-42DF-978A-3A28B17140BF}" type="datetimeFigureOut">
               <a:rPr lang="zh-CN" altLang="en-US" smtClean="0"/>
-              <a:t>2018/6/20</a:t>
+              <a:t>2018/6/21</a:t>
             </a:fld>
             <a:endParaRPr lang="zh-CN" altLang="en-US"/>
           </a:p>
@@ -13065,14 +13066,7 @@
                 <a:latin typeface="Bahnschrift" panose="020B0502040204020203" pitchFamily="34" charset="0"/>
                 <a:ea typeface="黑体" panose="02010609060101010101" pitchFamily="49" charset="-122"/>
               </a:rPr>
-              <a:t>Q </a:t>
-            </a:r>
-            <a:r>
-              <a:rPr lang="en-US" altLang="zh-CN" sz="2800" b="1" dirty="0" smtClean="0">
-                <a:latin typeface="Bahnschrift" panose="020B0502040204020203" pitchFamily="34" charset="0"/>
-                <a:ea typeface="黑体" panose="02010609060101010101" pitchFamily="49" charset="-122"/>
-              </a:rPr>
-              <a:t>&amp; A</a:t>
+              <a:t>Q &amp; A</a:t>
             </a:r>
             <a:endParaRPr lang="zh-CN" altLang="en-US" sz="2800" b="1" dirty="0">
               <a:latin typeface="Bahnschrift" panose="020B0502040204020203" pitchFamily="34" charset="0"/>
@@ -13742,6 +13736,258 @@
       </p:grpSpPr>
       <p:sp>
         <p:nvSpPr>
+          <p:cNvPr id="2" name="标题 1"/>
+          <p:cNvSpPr>
+            <a:spLocks noGrp="1"/>
+          </p:cNvSpPr>
+          <p:nvPr>
+            <p:ph type="title"/>
+          </p:nvPr>
+        </p:nvSpPr>
+        <p:spPr>
+          <a:xfrm>
+            <a:off x="677334" y="609600"/>
+            <a:ext cx="8596668" cy="900023"/>
+          </a:xfrm>
+        </p:spPr>
+        <p:txBody>
+          <a:bodyPr/>
+          <a:lstStyle/>
+          <a:p>
+            <a:r>
+              <a:rPr lang="zh-CN" altLang="en-US" dirty="0" smtClean="0"/>
+              <a:t>说在后面</a:t>
+            </a:r>
+            <a:endParaRPr lang="zh-CN" altLang="en-US" dirty="0"/>
+          </a:p>
+        </p:txBody>
+      </p:sp>
+      <p:sp>
+        <p:nvSpPr>
+          <p:cNvPr id="3" name="内容占位符 2"/>
+          <p:cNvSpPr>
+            <a:spLocks noGrp="1"/>
+          </p:cNvSpPr>
+          <p:nvPr>
+            <p:ph idx="1"/>
+          </p:nvPr>
+        </p:nvSpPr>
+        <p:spPr>
+          <a:xfrm>
+            <a:off x="677334" y="1759789"/>
+            <a:ext cx="8596668" cy="4281573"/>
+          </a:xfrm>
+        </p:spPr>
+        <p:txBody>
+          <a:bodyPr/>
+          <a:lstStyle/>
+          <a:p>
+            <a:r>
+              <a:rPr lang="zh-CN" altLang="en-US" sz="2800" dirty="0" smtClean="0">
+                <a:latin typeface="黑体" panose="02010609060101010101" pitchFamily="49" charset="-122"/>
+                <a:ea typeface="黑体" panose="02010609060101010101" pitchFamily="49" charset="-122"/>
+              </a:rPr>
+              <a:t>项目实践中的问题</a:t>
+            </a:r>
+            <a:endParaRPr lang="en-US" altLang="zh-CN" sz="2800" dirty="0" smtClean="0">
+              <a:latin typeface="黑体" panose="02010609060101010101" pitchFamily="49" charset="-122"/>
+              <a:ea typeface="黑体" panose="02010609060101010101" pitchFamily="49" charset="-122"/>
+            </a:endParaRPr>
+          </a:p>
+          <a:p>
+            <a:pPr lvl="1"/>
+            <a:r>
+              <a:rPr lang="en-US" altLang="zh-CN" sz="2000" dirty="0" smtClean="0">
+                <a:latin typeface="Bahnschrift" panose="020B0502040204020203" pitchFamily="34" charset="0"/>
+                <a:ea typeface="黑体" panose="02010609060101010101" pitchFamily="49" charset="-122"/>
+              </a:rPr>
+              <a:t>1. URI</a:t>
+            </a:r>
+            <a:r>
+              <a:rPr lang="zh-CN" altLang="en-US" sz="2000" dirty="0" smtClean="0">
+                <a:latin typeface="Bahnschrift" panose="020B0502040204020203" pitchFamily="34" charset="0"/>
+                <a:ea typeface="黑体" panose="02010609060101010101" pitchFamily="49" charset="-122"/>
+              </a:rPr>
+              <a:t>命名不规范，有大写的，单复数未区分的</a:t>
+            </a:r>
+            <a:endParaRPr lang="en-US" altLang="zh-CN" sz="2000" dirty="0" smtClean="0">
+              <a:latin typeface="Bahnschrift" panose="020B0502040204020203" pitchFamily="34" charset="0"/>
+              <a:ea typeface="黑体" panose="02010609060101010101" pitchFamily="49" charset="-122"/>
+            </a:endParaRPr>
+          </a:p>
+          <a:p>
+            <a:pPr lvl="1"/>
+            <a:r>
+              <a:rPr lang="en-US" altLang="zh-CN" sz="2000" dirty="0" smtClean="0">
+                <a:latin typeface="Bahnschrift" panose="020B0502040204020203" pitchFamily="34" charset="0"/>
+                <a:ea typeface="黑体" panose="02010609060101010101" pitchFamily="49" charset="-122"/>
+              </a:rPr>
+              <a:t>2. API</a:t>
+            </a:r>
+            <a:r>
+              <a:rPr lang="zh-CN" altLang="en-US" sz="2000" dirty="0" smtClean="0">
+                <a:latin typeface="Bahnschrift" panose="020B0502040204020203" pitchFamily="34" charset="0"/>
+                <a:ea typeface="黑体" panose="02010609060101010101" pitchFamily="49" charset="-122"/>
+              </a:rPr>
+              <a:t>请求参数不明确，过多无用参数</a:t>
+            </a:r>
+            <a:endParaRPr lang="en-US" altLang="zh-CN" sz="2000" dirty="0" smtClean="0">
+              <a:latin typeface="Bahnschrift" panose="020B0502040204020203" pitchFamily="34" charset="0"/>
+              <a:ea typeface="黑体" panose="02010609060101010101" pitchFamily="49" charset="-122"/>
+            </a:endParaRPr>
+          </a:p>
+          <a:p>
+            <a:pPr lvl="1"/>
+            <a:r>
+              <a:rPr lang="en-US" altLang="zh-CN" sz="2000" dirty="0" smtClean="0">
+                <a:latin typeface="Bahnschrift" panose="020B0502040204020203" pitchFamily="34" charset="0"/>
+                <a:ea typeface="黑体" panose="02010609060101010101" pitchFamily="49" charset="-122"/>
+              </a:rPr>
+              <a:t>3. API</a:t>
+            </a:r>
+            <a:r>
+              <a:rPr lang="zh-CN" altLang="en-US" sz="2000" dirty="0" smtClean="0">
+                <a:latin typeface="Bahnschrift" panose="020B0502040204020203" pitchFamily="34" charset="0"/>
+                <a:ea typeface="黑体" panose="02010609060101010101" pitchFamily="49" charset="-122"/>
+              </a:rPr>
+              <a:t>返回数据结构不统一</a:t>
+            </a:r>
+            <a:endParaRPr lang="en-US" altLang="zh-CN" sz="2000" dirty="0" smtClean="0">
+              <a:latin typeface="Bahnschrift" panose="020B0502040204020203" pitchFamily="34" charset="0"/>
+              <a:ea typeface="黑体" panose="02010609060101010101" pitchFamily="49" charset="-122"/>
+            </a:endParaRPr>
+          </a:p>
+          <a:p>
+            <a:pPr lvl="1"/>
+            <a:r>
+              <a:rPr lang="en-US" altLang="zh-CN" sz="2000" dirty="0" smtClean="0">
+                <a:latin typeface="Bahnschrift" panose="020B0502040204020203" pitchFamily="34" charset="0"/>
+                <a:ea typeface="黑体" panose="02010609060101010101" pitchFamily="49" charset="-122"/>
+              </a:rPr>
+              <a:t>4. API</a:t>
+            </a:r>
+            <a:r>
+              <a:rPr lang="zh-CN" altLang="en-US" sz="2000" dirty="0" smtClean="0">
+                <a:latin typeface="Bahnschrift" panose="020B0502040204020203" pitchFamily="34" charset="0"/>
+                <a:ea typeface="黑体" panose="02010609060101010101" pitchFamily="49" charset="-122"/>
+              </a:rPr>
+              <a:t>返回内容数据不是按需返回，而是基本上全部信息返回</a:t>
+            </a:r>
+            <a:endParaRPr lang="en-US" altLang="zh-CN" sz="2000" dirty="0" smtClean="0">
+              <a:latin typeface="Bahnschrift" panose="020B0502040204020203" pitchFamily="34" charset="0"/>
+              <a:ea typeface="黑体" panose="02010609060101010101" pitchFamily="49" charset="-122"/>
+            </a:endParaRPr>
+          </a:p>
+          <a:p>
+            <a:pPr lvl="1"/>
+            <a:r>
+              <a:rPr lang="en-US" altLang="zh-CN" sz="2000" dirty="0" smtClean="0">
+                <a:solidFill>
+                  <a:schemeClr val="tx1">
+                    <a:lumMod val="50000"/>
+                    <a:lumOff val="50000"/>
+                  </a:schemeClr>
+                </a:solidFill>
+                <a:latin typeface="Bahnschrift" panose="020B0502040204020203" pitchFamily="34" charset="0"/>
+                <a:ea typeface="黑体" panose="02010609060101010101" pitchFamily="49" charset="-122"/>
+              </a:rPr>
+              <a:t>5. Swagger</a:t>
+            </a:r>
+            <a:r>
+              <a:rPr lang="zh-CN" altLang="en-US" sz="2000" dirty="0" smtClean="0">
+                <a:solidFill>
+                  <a:schemeClr val="tx1">
+                    <a:lumMod val="50000"/>
+                    <a:lumOff val="50000"/>
+                  </a:schemeClr>
+                </a:solidFill>
+                <a:latin typeface="Bahnschrift" panose="020B0502040204020203" pitchFamily="34" charset="0"/>
+                <a:ea typeface="黑体" panose="02010609060101010101" pitchFamily="49" charset="-122"/>
+              </a:rPr>
+              <a:t>文档不全</a:t>
+            </a:r>
+            <a:r>
+              <a:rPr lang="en-US" altLang="zh-CN" sz="2000" dirty="0" smtClean="0">
+                <a:solidFill>
+                  <a:schemeClr val="tx1">
+                    <a:lumMod val="50000"/>
+                    <a:lumOff val="50000"/>
+                  </a:schemeClr>
+                </a:solidFill>
+                <a:latin typeface="Bahnschrift" panose="020B0502040204020203" pitchFamily="34" charset="0"/>
+                <a:ea typeface="黑体" panose="02010609060101010101" pitchFamily="49" charset="-122"/>
+              </a:rPr>
+              <a:t>(</a:t>
+            </a:r>
+            <a:r>
+              <a:rPr lang="zh-CN" altLang="en-US" sz="2000" smtClean="0">
+                <a:solidFill>
+                  <a:schemeClr val="tx1">
+                    <a:lumMod val="50000"/>
+                    <a:lumOff val="50000"/>
+                  </a:schemeClr>
+                </a:solidFill>
+                <a:latin typeface="Bahnschrift" panose="020B0502040204020203" pitchFamily="34" charset="0"/>
+                <a:ea typeface="黑体" panose="02010609060101010101" pitchFamily="49" charset="-122"/>
+              </a:rPr>
+              <a:t>注解</a:t>
+            </a:r>
+            <a:r>
+              <a:rPr lang="en-US" altLang="zh-CN" sz="2000" smtClean="0">
+                <a:solidFill>
+                  <a:schemeClr val="tx1">
+                    <a:lumMod val="50000"/>
+                    <a:lumOff val="50000"/>
+                  </a:schemeClr>
+                </a:solidFill>
+                <a:latin typeface="Bahnschrift" panose="020B0502040204020203" pitchFamily="34" charset="0"/>
+                <a:ea typeface="黑体" panose="02010609060101010101" pitchFamily="49" charset="-122"/>
+              </a:rPr>
+              <a:t>)</a:t>
+            </a:r>
+            <a:endParaRPr lang="en-US" altLang="zh-CN" sz="2000" dirty="0" smtClean="0">
+              <a:latin typeface="黑体" panose="02010609060101010101" pitchFamily="49" charset="-122"/>
+              <a:ea typeface="黑体" panose="02010609060101010101" pitchFamily="49" charset="-122"/>
+            </a:endParaRPr>
+          </a:p>
+          <a:p>
+            <a:pPr lvl="1"/>
+            <a:endParaRPr lang="zh-CN" altLang="en-US" dirty="0"/>
+          </a:p>
+        </p:txBody>
+      </p:sp>
+    </p:spTree>
+    <p:extLst>
+      <p:ext uri="{BB962C8B-B14F-4D97-AF65-F5344CB8AC3E}">
+        <p14:creationId xmlns:p14="http://schemas.microsoft.com/office/powerpoint/2010/main" val="292060347"/>
+      </p:ext>
+    </p:extLst>
+  </p:cSld>
+  <p:clrMapOvr>
+    <a:masterClrMapping/>
+  </p:clrMapOvr>
+</p:sld>
+</file>
+
+<file path=ppt/slides/slide23.xml><?xml version="1.0" encoding="utf-8"?>
+<p:sld xmlns:a="http://schemas.openxmlformats.org/drawingml/2006/main" xmlns:r="http://schemas.openxmlformats.org/officeDocument/2006/relationships" xmlns:p="http://schemas.openxmlformats.org/presentationml/2006/main">
+  <p:cSld>
+    <p:spTree>
+      <p:nvGrpSpPr>
+        <p:cNvPr id="1" name=""/>
+        <p:cNvGrpSpPr/>
+        <p:nvPr/>
+      </p:nvGrpSpPr>
+      <p:grpSpPr>
+        <a:xfrm>
+          <a:off x="0" y="0"/>
+          <a:ext cx="0" cy="0"/>
+          <a:chOff x="0" y="0"/>
+          <a:chExt cx="0" cy="0"/>
+        </a:xfrm>
+      </p:grpSpPr>
+      <p:sp>
+        <p:nvSpPr>
           <p:cNvPr id="4" name="矩形 3"/>
           <p:cNvSpPr/>
           <p:nvPr/>
@@ -15965,10 +16211,10 @@
                 <a:latin typeface="Bahnschrift" panose="020B0502040204020203" pitchFamily="34" charset="0"/>
                 <a:ea typeface="黑体" panose="02010609060101010101" pitchFamily="49" charset="-122"/>
               </a:rPr>
-              <a:t>, </a:t>
-            </a:r>
-            <a:r>
-              <a:rPr lang="en-US" altLang="zh-CN" sz="2400" dirty="0">
+              <a:t>, deflate ,</a:t>
+            </a:r>
+            <a:r>
+              <a:rPr lang="zh-CN" altLang="en-US" sz="2400" dirty="0">
                 <a:solidFill>
                   <a:schemeClr val="bg1">
                     <a:lumMod val="50000"/>
@@ -15977,31 +16223,7 @@
                 <a:latin typeface="Bahnschrift" panose="020B0502040204020203" pitchFamily="34" charset="0"/>
                 <a:ea typeface="黑体" panose="02010609060101010101" pitchFamily="49" charset="-122"/>
               </a:rPr>
-              <a:t>deflate ,</a:t>
-            </a:r>
-            <a:r>
-              <a:rPr lang="zh-CN" altLang="en-US" sz="2400" dirty="0">
-                <a:solidFill>
-                  <a:schemeClr val="bg1">
-                    <a:lumMod val="50000"/>
-                  </a:schemeClr>
-                </a:solidFill>
-                <a:latin typeface="Bahnschrift" panose="020B0502040204020203" pitchFamily="34" charset="0"/>
-                <a:ea typeface="黑体" panose="02010609060101010101" pitchFamily="49" charset="-122"/>
-              </a:rPr>
-              <a:t>明接受</a:t>
-            </a:r>
-            <a:r>
-              <a:rPr lang="zh-CN" altLang="en-US" sz="2400" dirty="0">
-                <a:solidFill>
-                  <a:schemeClr val="bg1">
-                    <a:lumMod val="50000"/>
-                  </a:schemeClr>
-                </a:solidFill>
-                <a:latin typeface="Bahnschrift" panose="020B0502040204020203" pitchFamily="34" charset="0"/>
-                <a:ea typeface="黑体" panose="02010609060101010101" pitchFamily="49" charset="-122"/>
-              </a:rPr>
-              <a:t>哪些</a:t>
+              <a:t>明接受哪些</a:t>
             </a:r>
             <a:r>
               <a:rPr lang="zh-CN" altLang="en-US" sz="2400" dirty="0" smtClean="0">

--- a/rest-api/RESTful.pptx
+++ b/rest-api/RESTful.pptx
@@ -10892,6 +10892,38 @@
           </a:p>
         </p:txBody>
       </p:sp>
+      <p:sp>
+        <p:nvSpPr>
+          <p:cNvPr id="4" name="文本框 3"/>
+          <p:cNvSpPr txBox="1"/>
+          <p:nvPr/>
+        </p:nvSpPr>
+        <p:spPr>
+          <a:xfrm>
+            <a:off x="677334" y="5964964"/>
+            <a:ext cx="6375162" cy="461665"/>
+          </a:xfrm>
+          <a:prstGeom prst="rect">
+            <a:avLst/>
+          </a:prstGeom>
+          <a:noFill/>
+        </p:spPr>
+        <p:txBody>
+          <a:bodyPr wrap="square" rtlCol="0">
+            <a:spAutoFit/>
+          </a:bodyPr>
+          <a:lstStyle/>
+          <a:p>
+            <a:r>
+              <a:rPr lang="en-US" altLang="zh-CN" sz="2400" dirty="0">
+                <a:hlinkClick r:id="rId2"/>
+              </a:rPr>
+              <a:t>https://developer.github.com/v3/</a:t>
+            </a:r>
+            <a:endParaRPr lang="zh-CN" altLang="en-US" sz="2400" dirty="0"/>
+          </a:p>
+        </p:txBody>
+      </p:sp>
     </p:spTree>
     <p:extLst>
       <p:ext uri="{BB962C8B-B14F-4D97-AF65-F5344CB8AC3E}">
@@ -13783,13 +13815,13 @@
           <a:lstStyle/>
           <a:p>
             <a:r>
-              <a:rPr lang="zh-CN" altLang="en-US" sz="2800" dirty="0" smtClean="0">
+              <a:rPr lang="zh-CN" altLang="en-US" sz="3200" dirty="0" smtClean="0">
                 <a:latin typeface="黑体" panose="02010609060101010101" pitchFamily="49" charset="-122"/>
                 <a:ea typeface="黑体" panose="02010609060101010101" pitchFamily="49" charset="-122"/>
               </a:rPr>
               <a:t>项目实践中的问题</a:t>
             </a:r>
-            <a:endParaRPr lang="en-US" altLang="zh-CN" sz="2800" dirty="0" smtClean="0">
+            <a:endParaRPr lang="en-US" altLang="zh-CN" sz="3200" dirty="0" smtClean="0">
               <a:latin typeface="黑体" panose="02010609060101010101" pitchFamily="49" charset="-122"/>
               <a:ea typeface="黑体" panose="02010609060101010101" pitchFamily="49" charset="-122"/>
             </a:endParaRPr>
@@ -13864,14 +13896,14 @@
                 <a:latin typeface="Bahnschrift" panose="020B0502040204020203" pitchFamily="34" charset="0"/>
                 <a:ea typeface="黑体" panose="02010609060101010101" pitchFamily="49" charset="-122"/>
               </a:rPr>
-              <a:t>4. API</a:t>
+              <a:t>4.</a:t>
             </a:r>
             <a:r>
               <a:rPr lang="zh-CN" altLang="en-US" sz="2000" dirty="0" smtClean="0">
                 <a:latin typeface="Bahnschrift" panose="020B0502040204020203" pitchFamily="34" charset="0"/>
                 <a:ea typeface="黑体" panose="02010609060101010101" pitchFamily="49" charset="-122"/>
               </a:rPr>
-              <a:t>返回内容数据不是按需返回，而是基本上全部信息返回</a:t>
+              <a:t>错误处理不完善，返回的错误信息不全面</a:t>
             </a:r>
             <a:endParaRPr lang="en-US" altLang="zh-CN" sz="2000" dirty="0" smtClean="0">
               <a:latin typeface="Bahnschrift" panose="020B0502040204020203" pitchFamily="34" charset="0"/>
@@ -13882,6 +13914,27 @@
             <a:pPr lvl="1"/>
             <a:r>
               <a:rPr lang="en-US" altLang="zh-CN" sz="2000" dirty="0" smtClean="0">
+                <a:latin typeface="Bahnschrift" panose="020B0502040204020203" pitchFamily="34" charset="0"/>
+                <a:ea typeface="黑体" panose="02010609060101010101" pitchFamily="49" charset="-122"/>
+              </a:rPr>
+              <a:t>5. API</a:t>
+            </a:r>
+            <a:r>
+              <a:rPr lang="zh-CN" altLang="en-US" sz="2000" dirty="0" smtClean="0">
+                <a:latin typeface="Bahnschrift" panose="020B0502040204020203" pitchFamily="34" charset="0"/>
+                <a:ea typeface="黑体" panose="02010609060101010101" pitchFamily="49" charset="-122"/>
+              </a:rPr>
+              <a:t>返回内容数据不是按需返回，而是基本上全部信息返回</a:t>
+            </a:r>
+            <a:endParaRPr lang="en-US" altLang="zh-CN" sz="2000" dirty="0" smtClean="0">
+              <a:latin typeface="Bahnschrift" panose="020B0502040204020203" pitchFamily="34" charset="0"/>
+              <a:ea typeface="黑体" panose="02010609060101010101" pitchFamily="49" charset="-122"/>
+            </a:endParaRPr>
+          </a:p>
+          <a:p>
+            <a:pPr lvl="1"/>
+            <a:r>
+              <a:rPr lang="en-US" altLang="zh-CN" sz="2000" dirty="0" smtClean="0">
                 <a:solidFill>
                   <a:schemeClr val="tx1">
                     <a:lumMod val="50000"/>
@@ -13891,7 +13944,7 @@
                 <a:latin typeface="Bahnschrift" panose="020B0502040204020203" pitchFamily="34" charset="0"/>
                 <a:ea typeface="黑体" panose="02010609060101010101" pitchFamily="49" charset="-122"/>
               </a:rPr>
-              <a:t>5. Swagger</a:t>
+              <a:t>6. Swagger</a:t>
             </a:r>
             <a:r>
               <a:rPr lang="zh-CN" altLang="en-US" sz="2000" dirty="0" smtClean="0">
@@ -13920,7 +13973,7 @@
               <a:t>(</a:t>
             </a:r>
             <a:r>
-              <a:rPr lang="zh-CN" altLang="en-US" sz="2000" smtClean="0">
+              <a:rPr lang="zh-CN" altLang="en-US" sz="2000" dirty="0" smtClean="0">
                 <a:solidFill>
                   <a:schemeClr val="tx1">
                     <a:lumMod val="50000"/>
@@ -13933,7 +13986,7 @@
               <a:t>注解</a:t>
             </a:r>
             <a:r>
-              <a:rPr lang="en-US" altLang="zh-CN" sz="2000" smtClean="0">
+              <a:rPr lang="en-US" altLang="zh-CN" sz="2000" dirty="0" smtClean="0">
                 <a:solidFill>
                   <a:schemeClr val="tx1">
                     <a:lumMod val="50000"/>
@@ -13944,6 +13997,22 @@
                 <a:ea typeface="黑体" panose="02010609060101010101" pitchFamily="49" charset="-122"/>
               </a:rPr>
               <a:t>)</a:t>
+            </a:r>
+          </a:p>
+          <a:p>
+            <a:pPr lvl="1"/>
+            <a:r>
+              <a:rPr lang="en-US" altLang="zh-CN" sz="2000" smtClean="0">
+                <a:solidFill>
+                  <a:schemeClr val="tx1">
+                    <a:lumMod val="50000"/>
+                    <a:lumOff val="50000"/>
+                  </a:schemeClr>
+                </a:solidFill>
+                <a:latin typeface="Bahnschrift" panose="020B0502040204020203" pitchFamily="34" charset="0"/>
+                <a:ea typeface="黑体" panose="02010609060101010101" pitchFamily="49" charset="-122"/>
+              </a:rPr>
+              <a:t>…</a:t>
             </a:r>
             <a:endParaRPr lang="en-US" altLang="zh-CN" sz="2000" dirty="0" smtClean="0">
               <a:latin typeface="黑体" panose="02010609060101010101" pitchFamily="49" charset="-122"/>

--- a/rest-api/RESTful.pptx
+++ b/rest-api/RESTful.pptx
@@ -219,7 +219,7 @@
           <a:p>
             <a:fld id="{65803504-C5C8-4584-AB04-B616C8F6C5C9}" type="datetimeFigureOut">
               <a:rPr lang="zh-CN" altLang="en-US" smtClean="0"/>
-              <a:t>2018/6/21</a:t>
+              <a:t>2018/6/26</a:t>
             </a:fld>
             <a:endParaRPr lang="zh-CN" altLang="en-US"/>
           </a:p>
@@ -2068,7 +2068,7 @@
           <a:p>
             <a:fld id="{8C6D682F-0FD3-42DF-978A-3A28B17140BF}" type="datetimeFigureOut">
               <a:rPr lang="zh-CN" altLang="en-US" smtClean="0"/>
-              <a:t>2018/6/21</a:t>
+              <a:t>2018/6/26</a:t>
             </a:fld>
             <a:endParaRPr lang="zh-CN" altLang="en-US"/>
           </a:p>
@@ -2319,7 +2319,7 @@
           <a:p>
             <a:fld id="{8C6D682F-0FD3-42DF-978A-3A28B17140BF}" type="datetimeFigureOut">
               <a:rPr lang="zh-CN" altLang="en-US" smtClean="0"/>
-              <a:t>2018/6/21</a:t>
+              <a:t>2018/6/26</a:t>
             </a:fld>
             <a:endParaRPr lang="zh-CN" altLang="en-US"/>
           </a:p>
@@ -2633,7 +2633,7 @@
           <a:p>
             <a:fld id="{8C6D682F-0FD3-42DF-978A-3A28B17140BF}" type="datetimeFigureOut">
               <a:rPr lang="zh-CN" altLang="en-US" smtClean="0"/>
-              <a:t>2018/6/21</a:t>
+              <a:t>2018/6/26</a:t>
             </a:fld>
             <a:endParaRPr lang="zh-CN" altLang="en-US"/>
           </a:p>
@@ -2966,7 +2966,7 @@
           <a:p>
             <a:fld id="{8C6D682F-0FD3-42DF-978A-3A28B17140BF}" type="datetimeFigureOut">
               <a:rPr lang="zh-CN" altLang="en-US" smtClean="0"/>
-              <a:t>2018/6/21</a:t>
+              <a:t>2018/6/26</a:t>
             </a:fld>
             <a:endParaRPr lang="zh-CN" altLang="en-US"/>
           </a:p>
@@ -3280,7 +3280,7 @@
           <a:p>
             <a:fld id="{8C6D682F-0FD3-42DF-978A-3A28B17140BF}" type="datetimeFigureOut">
               <a:rPr lang="zh-CN" altLang="en-US" smtClean="0"/>
-              <a:t>2018/6/21</a:t>
+              <a:t>2018/6/26</a:t>
             </a:fld>
             <a:endParaRPr lang="zh-CN" altLang="en-US"/>
           </a:p>
@@ -3673,7 +3673,7 @@
           <a:p>
             <a:fld id="{8C6D682F-0FD3-42DF-978A-3A28B17140BF}" type="datetimeFigureOut">
               <a:rPr lang="zh-CN" altLang="en-US" smtClean="0"/>
-              <a:t>2018/6/21</a:t>
+              <a:t>2018/6/26</a:t>
             </a:fld>
             <a:endParaRPr lang="zh-CN" altLang="en-US"/>
           </a:p>
@@ -3843,7 +3843,7 @@
           <a:p>
             <a:fld id="{8C6D682F-0FD3-42DF-978A-3A28B17140BF}" type="datetimeFigureOut">
               <a:rPr lang="zh-CN" altLang="en-US" smtClean="0"/>
-              <a:t>2018/6/21</a:t>
+              <a:t>2018/6/26</a:t>
             </a:fld>
             <a:endParaRPr lang="zh-CN" altLang="en-US"/>
           </a:p>
@@ -4023,7 +4023,7 @@
           <a:p>
             <a:fld id="{8C6D682F-0FD3-42DF-978A-3A28B17140BF}" type="datetimeFigureOut">
               <a:rPr lang="zh-CN" altLang="en-US" smtClean="0"/>
-              <a:t>2018/6/21</a:t>
+              <a:t>2018/6/26</a:t>
             </a:fld>
             <a:endParaRPr lang="zh-CN" altLang="en-US"/>
           </a:p>
@@ -4193,7 +4193,7 @@
           <a:p>
             <a:fld id="{8C6D682F-0FD3-42DF-978A-3A28B17140BF}" type="datetimeFigureOut">
               <a:rPr lang="zh-CN" altLang="en-US" smtClean="0"/>
-              <a:t>2018/6/21</a:t>
+              <a:t>2018/6/26</a:t>
             </a:fld>
             <a:endParaRPr lang="zh-CN" altLang="en-US"/>
           </a:p>
@@ -4440,7 +4440,7 @@
           <a:p>
             <a:fld id="{8C6D682F-0FD3-42DF-978A-3A28B17140BF}" type="datetimeFigureOut">
               <a:rPr lang="zh-CN" altLang="en-US" smtClean="0"/>
-              <a:t>2018/6/21</a:t>
+              <a:t>2018/6/26</a:t>
             </a:fld>
             <a:endParaRPr lang="zh-CN" altLang="en-US"/>
           </a:p>
@@ -4672,7 +4672,7 @@
           <a:p>
             <a:fld id="{8C6D682F-0FD3-42DF-978A-3A28B17140BF}" type="datetimeFigureOut">
               <a:rPr lang="zh-CN" altLang="en-US" smtClean="0"/>
-              <a:t>2018/6/21</a:t>
+              <a:t>2018/6/26</a:t>
             </a:fld>
             <a:endParaRPr lang="zh-CN" altLang="en-US"/>
           </a:p>
@@ -5046,7 +5046,7 @@
           <a:p>
             <a:fld id="{8C6D682F-0FD3-42DF-978A-3A28B17140BF}" type="datetimeFigureOut">
               <a:rPr lang="zh-CN" altLang="en-US" smtClean="0"/>
-              <a:t>2018/6/21</a:t>
+              <a:t>2018/6/26</a:t>
             </a:fld>
             <a:endParaRPr lang="zh-CN" altLang="en-US"/>
           </a:p>
@@ -5169,7 +5169,7 @@
           <a:p>
             <a:fld id="{8C6D682F-0FD3-42DF-978A-3A28B17140BF}" type="datetimeFigureOut">
               <a:rPr lang="zh-CN" altLang="en-US" smtClean="0"/>
-              <a:t>2018/6/21</a:t>
+              <a:t>2018/6/26</a:t>
             </a:fld>
             <a:endParaRPr lang="zh-CN" altLang="en-US"/>
           </a:p>
@@ -5264,7 +5264,7 @@
           <a:p>
             <a:fld id="{8C6D682F-0FD3-42DF-978A-3A28B17140BF}" type="datetimeFigureOut">
               <a:rPr lang="zh-CN" altLang="en-US" smtClean="0"/>
-              <a:t>2018/6/21</a:t>
+              <a:t>2018/6/26</a:t>
             </a:fld>
             <a:endParaRPr lang="zh-CN" altLang="en-US"/>
           </a:p>
@@ -5519,7 +5519,7 @@
           <a:p>
             <a:fld id="{8C6D682F-0FD3-42DF-978A-3A28B17140BF}" type="datetimeFigureOut">
               <a:rPr lang="zh-CN" altLang="en-US" smtClean="0"/>
-              <a:t>2018/6/21</a:t>
+              <a:t>2018/6/26</a:t>
             </a:fld>
             <a:endParaRPr lang="zh-CN" altLang="en-US"/>
           </a:p>
@@ -5824,7 +5824,7 @@
           <a:p>
             <a:fld id="{8C6D682F-0FD3-42DF-978A-3A28B17140BF}" type="datetimeFigureOut">
               <a:rPr lang="zh-CN" altLang="en-US" smtClean="0"/>
-              <a:t>2018/6/21</a:t>
+              <a:t>2018/6/26</a:t>
             </a:fld>
             <a:endParaRPr lang="zh-CN" altLang="en-US"/>
           </a:p>
@@ -6526,7 +6526,7 @@
           <a:p>
             <a:fld id="{8C6D682F-0FD3-42DF-978A-3A28B17140BF}" type="datetimeFigureOut">
               <a:rPr lang="zh-CN" altLang="en-US" smtClean="0"/>
-              <a:t>2018/6/21</a:t>
+              <a:t>2018/6/26</a:t>
             </a:fld>
             <a:endParaRPr lang="zh-CN" altLang="en-US"/>
           </a:p>
@@ -7141,8 +7141,12 @@
           <a:lstStyle/>
           <a:p>
             <a:r>
-              <a:rPr lang="zh-CN" altLang="en-US" dirty="0" smtClean="0"/>
-              <a:t>何文斌</a:t>
+              <a:rPr lang="en-US" altLang="zh-CN" dirty="0" err="1" smtClean="0"/>
+              <a:t>Medivh</a:t>
+            </a:r>
+            <a:r>
+              <a:rPr lang="en-US" altLang="zh-CN" dirty="0" smtClean="0"/>
+              <a:t> He</a:t>
             </a:r>
             <a:endParaRPr lang="en-US" altLang="zh-CN" dirty="0" smtClean="0"/>
           </a:p>
@@ -7235,13 +7239,13 @@
         </p:nvSpPr>
         <p:spPr>
           <a:xfrm>
-            <a:off x="677334" y="1584961"/>
-            <a:ext cx="8596668" cy="4456402"/>
+            <a:off x="677334" y="1724297"/>
+            <a:ext cx="8596668" cy="4563292"/>
           </a:xfrm>
         </p:spPr>
         <p:txBody>
           <a:bodyPr>
-            <a:normAutofit lnSpcReduction="10000"/>
+            <a:normAutofit/>
           </a:bodyPr>
           <a:lstStyle/>
           <a:p>
@@ -7505,18 +7509,27 @@
             <p:ph type="title"/>
           </p:nvPr>
         </p:nvSpPr>
-        <p:spPr/>
+        <p:spPr>
+          <a:xfrm>
+            <a:off x="677334" y="609600"/>
+            <a:ext cx="8596668" cy="758474"/>
+          </a:xfrm>
+        </p:spPr>
         <p:txBody>
           <a:bodyPr/>
           <a:lstStyle/>
           <a:p>
             <a:r>
               <a:rPr lang="en-US" altLang="zh-CN" dirty="0" smtClean="0"/>
-              <a:t>REST API</a:t>
+              <a:t>HTTP</a:t>
             </a:r>
             <a:r>
               <a:rPr lang="zh-CN" altLang="en-US" dirty="0" smtClean="0"/>
-              <a:t>方法</a:t>
+              <a:t> </a:t>
+            </a:r>
+            <a:r>
+              <a:rPr lang="en-US" altLang="zh-CN" dirty="0" smtClean="0"/>
+              <a:t>Request Method</a:t>
             </a:r>
             <a:endParaRPr lang="zh-CN" altLang="en-US" dirty="0"/>
           </a:p>
@@ -8711,8 +8724,8 @@
         </p:nvSpPr>
         <p:spPr>
           <a:xfrm>
-            <a:off x="677334" y="1544129"/>
-            <a:ext cx="8596668" cy="5003320"/>
+            <a:off x="677333" y="1544129"/>
+            <a:ext cx="8754049" cy="5003320"/>
           </a:xfrm>
         </p:spPr>
         <p:txBody>
@@ -9394,8 +9407,8 @@
         </p:nvSpPr>
         <p:spPr>
           <a:xfrm>
-            <a:off x="677334" y="1337094"/>
-            <a:ext cx="8596668" cy="4546121"/>
+            <a:off x="677334" y="1679510"/>
+            <a:ext cx="8596668" cy="4203705"/>
           </a:xfrm>
         </p:spPr>
         <p:txBody>
@@ -9732,19 +9745,26 @@
                 <a:latin typeface="Bahnschrift" panose="020B0502040204020203" pitchFamily="34" charset="0"/>
                 <a:ea typeface="黑体" panose="02010609060101010101" pitchFamily="49" charset="-122"/>
               </a:rPr>
-              <a:t>: &lt;day-name&gt;, &lt;day&gt; &lt;month&gt; &lt;year&gt; &lt;hour&gt;:&lt;minute&gt;:&lt;second&gt; GMT</a:t>
-            </a:r>
-          </a:p>
-          <a:p>
-            <a:pPr lvl="1"/>
-            <a:endParaRPr lang="en-US" altLang="zh-CN" dirty="0" smtClean="0">
-              <a:latin typeface="Bahnschrift" panose="020B0502040204020203" pitchFamily="34" charset="0"/>
-              <a:ea typeface="黑体" panose="02010609060101010101" pitchFamily="49" charset="-122"/>
-            </a:endParaRPr>
-          </a:p>
-          <a:p>
-            <a:pPr lvl="1"/>
-            <a:endParaRPr lang="zh-CN" altLang="en-US" dirty="0">
+              <a:t>: &lt;day-name&gt;, &lt;day&gt; &lt;month&gt; &lt;year&gt; &lt;hour&gt;:&lt;minute&gt;:&lt;second&gt; </a:t>
+            </a:r>
+            <a:r>
+              <a:rPr lang="en-US" altLang="zh-CN" dirty="0" smtClean="0">
+                <a:solidFill>
+                  <a:schemeClr val="bg1">
+                    <a:lumMod val="50000"/>
+                  </a:schemeClr>
+                </a:solidFill>
+                <a:latin typeface="Bahnschrift" panose="020B0502040204020203" pitchFamily="34" charset="0"/>
+                <a:ea typeface="黑体" panose="02010609060101010101" pitchFamily="49" charset="-122"/>
+              </a:rPr>
+              <a:t>GMT</a:t>
+            </a:r>
+            <a:endParaRPr lang="en-US" altLang="zh-CN" dirty="0">
+              <a:solidFill>
+                <a:schemeClr val="bg1">
+                  <a:lumMod val="50000"/>
+                </a:schemeClr>
+              </a:solidFill>
               <a:latin typeface="Bahnschrift" panose="020B0502040204020203" pitchFamily="34" charset="0"/>
               <a:ea typeface="黑体" panose="02010609060101010101" pitchFamily="49" charset="-122"/>
             </a:endParaRPr>
@@ -11640,6 +11660,7 @@
                 </a:solidFill>
                 <a:latin typeface="Bahnschrift" panose="020B0502040204020203" pitchFamily="34" charset="0"/>
                 <a:ea typeface="黑体" panose="02010609060101010101" pitchFamily="49" charset="-122"/>
+                <a:hlinkClick r:id="rId2"/>
               </a:rPr>
               <a:t>https</a:t>
             </a:r>
@@ -11652,9 +11673,19 @@
                 </a:solidFill>
                 <a:latin typeface="Bahnschrift" panose="020B0502040204020203" pitchFamily="34" charset="0"/>
                 <a:ea typeface="黑体" panose="02010609060101010101" pitchFamily="49" charset="-122"/>
+                <a:hlinkClick r:id="rId2"/>
               </a:rPr>
               <a:t>://github.com/swagger-api</a:t>
             </a:r>
+            <a:endParaRPr lang="en-US" altLang="zh-CN" sz="2400" dirty="0">
+              <a:solidFill>
+                <a:schemeClr val="accent1">
+                  <a:lumMod val="75000"/>
+                </a:schemeClr>
+              </a:solidFill>
+              <a:latin typeface="Bahnschrift" panose="020B0502040204020203" pitchFamily="34" charset="0"/>
+              <a:ea typeface="黑体" panose="02010609060101010101" pitchFamily="49" charset="-122"/>
+            </a:endParaRPr>
           </a:p>
         </p:txBody>
       </p:sp>
@@ -13520,7 +13551,12 @@
             <p:ph idx="1"/>
           </p:nvPr>
         </p:nvSpPr>
-        <p:spPr/>
+        <p:spPr>
+          <a:xfrm>
+            <a:off x="677334" y="1699405"/>
+            <a:ext cx="8596668" cy="4341958"/>
+          </a:xfrm>
+        </p:spPr>
         <p:txBody>
           <a:bodyPr/>
           <a:lstStyle/>
@@ -13528,47 +13564,55 @@
             <a:r>
               <a:rPr lang="en-US" altLang="zh-CN" dirty="0" smtClean="0">
                 <a:latin typeface="Bahnschrift" panose="020B0502040204020203" pitchFamily="34" charset="0"/>
+                <a:ea typeface="黑体" panose="02010609060101010101" pitchFamily="49" charset="-122"/>
               </a:rPr>
               <a:t>1. </a:t>
             </a:r>
             <a:r>
               <a:rPr lang="zh-CN" altLang="en-US" dirty="0" smtClean="0">
                 <a:latin typeface="Bahnschrift" panose="020B0502040204020203" pitchFamily="34" charset="0"/>
+                <a:ea typeface="黑体" panose="02010609060101010101" pitchFamily="49" charset="-122"/>
               </a:rPr>
               <a:t>配置</a:t>
             </a:r>
             <a:r>
               <a:rPr lang="en-US" altLang="zh-CN" dirty="0" err="1" smtClean="0">
                 <a:latin typeface="Bahnschrift" panose="020B0502040204020203" pitchFamily="34" charset="0"/>
+                <a:ea typeface="黑体" panose="02010609060101010101" pitchFamily="49" charset="-122"/>
               </a:rPr>
               <a:t>AsciiDoc</a:t>
             </a:r>
             <a:r>
               <a:rPr lang="zh-CN" altLang="en-US" dirty="0" smtClean="0">
                 <a:latin typeface="Bahnschrift" panose="020B0502040204020203" pitchFamily="34" charset="0"/>
+                <a:ea typeface="黑体" panose="02010609060101010101" pitchFamily="49" charset="-122"/>
               </a:rPr>
               <a:t>模板</a:t>
             </a:r>
             <a:endParaRPr lang="en-US" altLang="zh-CN" dirty="0" smtClean="0">
               <a:latin typeface="Bahnschrift" panose="020B0502040204020203" pitchFamily="34" charset="0"/>
+              <a:ea typeface="黑体" panose="02010609060101010101" pitchFamily="49" charset="-122"/>
             </a:endParaRPr>
           </a:p>
           <a:p>
             <a:r>
               <a:rPr lang="en-US" altLang="zh-CN" dirty="0" smtClean="0">
                 <a:latin typeface="Bahnschrift" panose="020B0502040204020203" pitchFamily="34" charset="0"/>
+                <a:ea typeface="黑体" panose="02010609060101010101" pitchFamily="49" charset="-122"/>
               </a:rPr>
               <a:t>2. </a:t>
             </a:r>
             <a:r>
               <a:rPr lang="zh-CN" altLang="en-US" dirty="0" smtClean="0">
                 <a:latin typeface="Bahnschrift" panose="020B0502040204020203" pitchFamily="34" charset="0"/>
+                <a:ea typeface="黑体" panose="02010609060101010101" pitchFamily="49" charset="-122"/>
               </a:rPr>
               <a:t>配置</a:t>
             </a:r>
             <a:r>
               <a:rPr lang="en-US" altLang="zh-CN" dirty="0" smtClean="0">
                 <a:latin typeface="Bahnschrift" panose="020B0502040204020203" pitchFamily="34" charset="0"/>
+                <a:ea typeface="黑体" panose="02010609060101010101" pitchFamily="49" charset="-122"/>
               </a:rPr>
               <a:t>Maven Plugin</a:t>
             </a:r>
@@ -13577,29 +13621,34 @@
             <a:r>
               <a:rPr lang="en-US" altLang="zh-CN" dirty="0" smtClean="0">
                 <a:latin typeface="Bahnschrift" panose="020B0502040204020203" pitchFamily="34" charset="0"/>
+                <a:ea typeface="黑体" panose="02010609060101010101" pitchFamily="49" charset="-122"/>
               </a:rPr>
               <a:t>3. </a:t>
             </a:r>
             <a:r>
               <a:rPr lang="zh-CN" altLang="en-US" dirty="0" smtClean="0">
                 <a:latin typeface="Bahnschrift" panose="020B0502040204020203" pitchFamily="34" charset="0"/>
+                <a:ea typeface="黑体" panose="02010609060101010101" pitchFamily="49" charset="-122"/>
               </a:rPr>
               <a:t>生成</a:t>
             </a:r>
             <a:r>
               <a:rPr lang="en-US" altLang="zh-CN" dirty="0" smtClean="0">
                 <a:latin typeface="Bahnschrift" panose="020B0502040204020203" pitchFamily="34" charset="0"/>
+                <a:ea typeface="黑体" panose="02010609060101010101" pitchFamily="49" charset="-122"/>
               </a:rPr>
               <a:t>HTML/DPF</a:t>
             </a:r>
             <a:r>
               <a:rPr lang="zh-CN" altLang="en-US" dirty="0" smtClean="0">
                 <a:latin typeface="Bahnschrift" panose="020B0502040204020203" pitchFamily="34" charset="0"/>
+                <a:ea typeface="黑体" panose="02010609060101010101" pitchFamily="49" charset="-122"/>
               </a:rPr>
               <a:t>静态接口文档</a:t>
             </a:r>
             <a:endParaRPr lang="zh-CN" altLang="en-US" dirty="0">
               <a:latin typeface="Bahnschrift" panose="020B0502040204020203" pitchFamily="34" charset="0"/>
+              <a:ea typeface="黑体" panose="02010609060101010101" pitchFamily="49" charset="-122"/>
             </a:endParaRPr>
           </a:p>
         </p:txBody>
@@ -13806,8 +13855,8 @@
         </p:nvSpPr>
         <p:spPr>
           <a:xfrm>
-            <a:off x="677334" y="1759789"/>
-            <a:ext cx="8596668" cy="4281573"/>
+            <a:off x="677334" y="1630393"/>
+            <a:ext cx="8596668" cy="4410970"/>
           </a:xfrm>
         </p:spPr>
         <p:txBody>
@@ -13924,7 +13973,14 @@
                 <a:latin typeface="Bahnschrift" panose="020B0502040204020203" pitchFamily="34" charset="0"/>
                 <a:ea typeface="黑体" panose="02010609060101010101" pitchFamily="49" charset="-122"/>
               </a:rPr>
-              <a:t>返回内容数据不是按需返回，而是基本上全部信息返回</a:t>
+              <a:t>返回内容数据不是按需返回，而是基本上全部信息</a:t>
+            </a:r>
+            <a:r>
+              <a:rPr lang="zh-CN" altLang="en-US" sz="2000" dirty="0" smtClean="0">
+                <a:latin typeface="Bahnschrift" panose="020B0502040204020203" pitchFamily="34" charset="0"/>
+                <a:ea typeface="黑体" panose="02010609060101010101" pitchFamily="49" charset="-122"/>
+              </a:rPr>
+              <a:t>返回</a:t>
             </a:r>
             <a:endParaRPr lang="en-US" altLang="zh-CN" sz="2000" dirty="0" smtClean="0">
               <a:latin typeface="Bahnschrift" panose="020B0502040204020203" pitchFamily="34" charset="0"/>
@@ -13935,6 +13991,41 @@
             <a:pPr lvl="1"/>
             <a:r>
               <a:rPr lang="en-US" altLang="zh-CN" sz="2000" dirty="0" smtClean="0">
+                <a:latin typeface="Bahnschrift" panose="020B0502040204020203" pitchFamily="34" charset="0"/>
+                <a:ea typeface="黑体" panose="02010609060101010101" pitchFamily="49" charset="-122"/>
+              </a:rPr>
+              <a:t>6. </a:t>
+            </a:r>
+            <a:r>
+              <a:rPr lang="zh-CN" altLang="en-US" sz="2000" dirty="0" smtClean="0">
+                <a:latin typeface="Bahnschrift" panose="020B0502040204020203" pitchFamily="34" charset="0"/>
+                <a:ea typeface="黑体" panose="02010609060101010101" pitchFamily="49" charset="-122"/>
+              </a:rPr>
+              <a:t>没有</a:t>
+            </a:r>
+            <a:r>
+              <a:rPr lang="en-US" altLang="zh-CN" sz="2000" dirty="0" smtClean="0">
+                <a:latin typeface="Bahnschrift" panose="020B0502040204020203" pitchFamily="34" charset="0"/>
+                <a:ea typeface="黑体" panose="02010609060101010101" pitchFamily="49" charset="-122"/>
+              </a:rPr>
+              <a:t>HTTP</a:t>
+            </a:r>
+            <a:r>
+              <a:rPr lang="zh-CN" altLang="en-US" sz="2000" dirty="0" smtClean="0">
+                <a:latin typeface="Bahnschrift" panose="020B0502040204020203" pitchFamily="34" charset="0"/>
+                <a:ea typeface="黑体" panose="02010609060101010101" pitchFamily="49" charset="-122"/>
+              </a:rPr>
+              <a:t>缓存及限速</a:t>
+            </a:r>
+            <a:endParaRPr lang="en-US" altLang="zh-CN" sz="2000" dirty="0" smtClean="0">
+              <a:latin typeface="Bahnschrift" panose="020B0502040204020203" pitchFamily="34" charset="0"/>
+              <a:ea typeface="黑体" panose="02010609060101010101" pitchFamily="49" charset="-122"/>
+            </a:endParaRPr>
+          </a:p>
+          <a:p>
+            <a:pPr lvl="1"/>
+            <a:r>
+              <a:rPr lang="en-US" altLang="zh-CN" sz="2000" dirty="0" smtClean="0">
                 <a:solidFill>
                   <a:schemeClr val="tx1">
                     <a:lumMod val="50000"/>
@@ -13944,10 +14035,10 @@
                 <a:latin typeface="Bahnschrift" panose="020B0502040204020203" pitchFamily="34" charset="0"/>
                 <a:ea typeface="黑体" panose="02010609060101010101" pitchFamily="49" charset="-122"/>
               </a:rPr>
-              <a:t>6. Swagger</a:t>
-            </a:r>
-            <a:r>
-              <a:rPr lang="zh-CN" altLang="en-US" sz="2000" dirty="0" smtClean="0">
+              <a:t>7. </a:t>
+            </a:r>
+            <a:r>
+              <a:rPr lang="en-US" altLang="zh-CN" sz="2000" dirty="0" smtClean="0">
                 <a:solidFill>
                   <a:schemeClr val="tx1">
                     <a:lumMod val="50000"/>
@@ -13957,10 +14048,10 @@
                 <a:latin typeface="Bahnschrift" panose="020B0502040204020203" pitchFamily="34" charset="0"/>
                 <a:ea typeface="黑体" panose="02010609060101010101" pitchFamily="49" charset="-122"/>
               </a:rPr>
-              <a:t>文档不全</a:t>
-            </a:r>
-            <a:r>
-              <a:rPr lang="en-US" altLang="zh-CN" sz="2000" dirty="0" smtClean="0">
+              <a:t>Swagger</a:t>
+            </a:r>
+            <a:r>
+              <a:rPr lang="zh-CN" altLang="en-US" sz="2000" dirty="0" smtClean="0">
                 <a:solidFill>
                   <a:schemeClr val="tx1">
                     <a:lumMod val="50000"/>
@@ -13970,10 +14061,10 @@
                 <a:latin typeface="Bahnschrift" panose="020B0502040204020203" pitchFamily="34" charset="0"/>
                 <a:ea typeface="黑体" panose="02010609060101010101" pitchFamily="49" charset="-122"/>
               </a:rPr>
-              <a:t>(</a:t>
-            </a:r>
-            <a:r>
-              <a:rPr lang="zh-CN" altLang="en-US" sz="2000" dirty="0" smtClean="0">
+              <a:t>文档不全</a:t>
+            </a:r>
+            <a:r>
+              <a:rPr lang="en-US" altLang="zh-CN" sz="2000" dirty="0" smtClean="0">
                 <a:solidFill>
                   <a:schemeClr val="tx1">
                     <a:lumMod val="50000"/>
@@ -13983,10 +14074,10 @@
                 <a:latin typeface="Bahnschrift" panose="020B0502040204020203" pitchFamily="34" charset="0"/>
                 <a:ea typeface="黑体" panose="02010609060101010101" pitchFamily="49" charset="-122"/>
               </a:rPr>
-              <a:t>注解</a:t>
-            </a:r>
-            <a:r>
-              <a:rPr lang="en-US" altLang="zh-CN" sz="2000" dirty="0" smtClean="0">
+              <a:t>(</a:t>
+            </a:r>
+            <a:r>
+              <a:rPr lang="zh-CN" altLang="en-US" sz="2000" dirty="0" smtClean="0">
                 <a:solidFill>
                   <a:schemeClr val="tx1">
                     <a:lumMod val="50000"/>
@@ -13996,13 +14087,26 @@
                 <a:latin typeface="Bahnschrift" panose="020B0502040204020203" pitchFamily="34" charset="0"/>
                 <a:ea typeface="黑体" panose="02010609060101010101" pitchFamily="49" charset="-122"/>
               </a:rPr>
+              <a:t>注解</a:t>
+            </a:r>
+            <a:r>
+              <a:rPr lang="en-US" altLang="zh-CN" sz="2000" dirty="0" smtClean="0">
+                <a:solidFill>
+                  <a:schemeClr val="tx1">
+                    <a:lumMod val="50000"/>
+                    <a:lumOff val="50000"/>
+                  </a:schemeClr>
+                </a:solidFill>
+                <a:latin typeface="Bahnschrift" panose="020B0502040204020203" pitchFamily="34" charset="0"/>
+                <a:ea typeface="黑体" panose="02010609060101010101" pitchFamily="49" charset="-122"/>
+              </a:rPr>
               <a:t>)</a:t>
             </a:r>
           </a:p>
           <a:p>
             <a:pPr lvl="1"/>
             <a:r>
-              <a:rPr lang="en-US" altLang="zh-CN" sz="2000" smtClean="0">
+              <a:rPr lang="en-US" altLang="zh-CN" sz="2000" dirty="0" smtClean="0">
                 <a:solidFill>
                   <a:schemeClr val="tx1">
                     <a:lumMod val="50000"/>
@@ -14639,7 +14743,14 @@
                 <a:latin typeface="Bahnschrift" panose="020B0502040204020203" pitchFamily="34" charset="0"/>
                 <a:ea typeface="黑体" panose="02010609060101010101" pitchFamily="49" charset="-122"/>
               </a:rPr>
-              <a:t>提高可见性，每个请求都是独立的，无需其他依赖的</a:t>
+              <a:t>提高可见性，每个请求都是独立的，无需其他依赖</a:t>
+            </a:r>
+            <a:r>
+              <a:rPr lang="zh-CN" altLang="en-US" dirty="0" smtClean="0">
+                <a:latin typeface="Bahnschrift" panose="020B0502040204020203" pitchFamily="34" charset="0"/>
+                <a:ea typeface="黑体" panose="02010609060101010101" pitchFamily="49" charset="-122"/>
+              </a:rPr>
+              <a:t>的</a:t>
             </a:r>
             <a:endParaRPr lang="en-US" altLang="zh-CN" dirty="0" smtClean="0">
               <a:latin typeface="Bahnschrift" panose="020B0502040204020203" pitchFamily="34" charset="0"/>
@@ -14667,7 +14778,14 @@
                 <a:latin typeface="Bahnschrift" panose="020B0502040204020203" pitchFamily="34" charset="0"/>
                 <a:ea typeface="黑体" panose="02010609060101010101" pitchFamily="49" charset="-122"/>
               </a:rPr>
-              <a:t>提升扩展性，减少了服务器资源消耗</a:t>
+              <a:t>提升</a:t>
+            </a:r>
+            <a:r>
+              <a:rPr lang="zh-CN" altLang="en-US" dirty="0" smtClean="0">
+                <a:latin typeface="Bahnschrift" panose="020B0502040204020203" pitchFamily="34" charset="0"/>
+                <a:ea typeface="黑体" panose="02010609060101010101" pitchFamily="49" charset="-122"/>
+              </a:rPr>
+              <a:t>扩展性，减少了服务器资源消耗</a:t>
             </a:r>
             <a:endParaRPr lang="en-US" altLang="zh-CN" dirty="0" smtClean="0">
               <a:latin typeface="Bahnschrift" panose="020B0502040204020203" pitchFamily="34" charset="0"/>
@@ -16280,10 +16398,10 @@
                 <a:latin typeface="Bahnschrift" panose="020B0502040204020203" pitchFamily="34" charset="0"/>
                 <a:ea typeface="黑体" panose="02010609060101010101" pitchFamily="49" charset="-122"/>
               </a:rPr>
-              <a:t>, deflate ,</a:t>
-            </a:r>
-            <a:r>
-              <a:rPr lang="zh-CN" altLang="en-US" sz="2400" dirty="0">
+              <a:t>, deflate </a:t>
+            </a:r>
+            <a:r>
+              <a:rPr lang="en-US" altLang="zh-CN" sz="2400" dirty="0" smtClean="0">
                 <a:solidFill>
                   <a:schemeClr val="bg1">
                     <a:lumMod val="50000"/>
@@ -16292,7 +16410,31 @@
                 <a:latin typeface="Bahnschrift" panose="020B0502040204020203" pitchFamily="34" charset="0"/>
                 <a:ea typeface="黑体" panose="02010609060101010101" pitchFamily="49" charset="-122"/>
               </a:rPr>
-              <a:t>明接受哪些</a:t>
+              <a:t>,</a:t>
+            </a:r>
+            <a:r>
+              <a:rPr lang="zh-CN" altLang="en-US" sz="2400" dirty="0" smtClean="0">
+                <a:solidFill>
+                  <a:schemeClr val="bg1">
+                    <a:lumMod val="50000"/>
+                  </a:schemeClr>
+                </a:solidFill>
+                <a:latin typeface="Bahnschrift" panose="020B0502040204020203" pitchFamily="34" charset="0"/>
+                <a:ea typeface="黑体" panose="02010609060101010101" pitchFamily="49" charset="-122"/>
+              </a:rPr>
+              <a:t>指明</a:t>
+            </a:r>
+            <a:r>
+              <a:rPr lang="zh-CN" altLang="en-US" sz="2400" dirty="0">
+                <a:solidFill>
+                  <a:schemeClr val="bg1">
+                    <a:lumMod val="50000"/>
+                  </a:schemeClr>
+                </a:solidFill>
+                <a:latin typeface="Bahnschrift" panose="020B0502040204020203" pitchFamily="34" charset="0"/>
+                <a:ea typeface="黑体" panose="02010609060101010101" pitchFamily="49" charset="-122"/>
+              </a:rPr>
+              <a:t>接受哪些</a:t>
             </a:r>
             <a:r>
               <a:rPr lang="zh-CN" altLang="en-US" sz="2400" dirty="0" smtClean="0">

--- a/rest-api/RESTful.pptx
+++ b/rest-api/RESTful.pptx
@@ -219,7 +219,7 @@
           <a:p>
             <a:fld id="{65803504-C5C8-4584-AB04-B616C8F6C5C9}" type="datetimeFigureOut">
               <a:rPr lang="zh-CN" altLang="en-US" smtClean="0"/>
-              <a:t>2018/6/26</a:t>
+              <a:t>2018/6/28</a:t>
             </a:fld>
             <a:endParaRPr lang="zh-CN" altLang="en-US"/>
           </a:p>
@@ -2068,7 +2068,7 @@
           <a:p>
             <a:fld id="{8C6D682F-0FD3-42DF-978A-3A28B17140BF}" type="datetimeFigureOut">
               <a:rPr lang="zh-CN" altLang="en-US" smtClean="0"/>
-              <a:t>2018/6/26</a:t>
+              <a:t>2018/6/28</a:t>
             </a:fld>
             <a:endParaRPr lang="zh-CN" altLang="en-US"/>
           </a:p>
@@ -2319,7 +2319,7 @@
           <a:p>
             <a:fld id="{8C6D682F-0FD3-42DF-978A-3A28B17140BF}" type="datetimeFigureOut">
               <a:rPr lang="zh-CN" altLang="en-US" smtClean="0"/>
-              <a:t>2018/6/26</a:t>
+              <a:t>2018/6/28</a:t>
             </a:fld>
             <a:endParaRPr lang="zh-CN" altLang="en-US"/>
           </a:p>
@@ -2633,7 +2633,7 @@
           <a:p>
             <a:fld id="{8C6D682F-0FD3-42DF-978A-3A28B17140BF}" type="datetimeFigureOut">
               <a:rPr lang="zh-CN" altLang="en-US" smtClean="0"/>
-              <a:t>2018/6/26</a:t>
+              <a:t>2018/6/28</a:t>
             </a:fld>
             <a:endParaRPr lang="zh-CN" altLang="en-US"/>
           </a:p>
@@ -2966,7 +2966,7 @@
           <a:p>
             <a:fld id="{8C6D682F-0FD3-42DF-978A-3A28B17140BF}" type="datetimeFigureOut">
               <a:rPr lang="zh-CN" altLang="en-US" smtClean="0"/>
-              <a:t>2018/6/26</a:t>
+              <a:t>2018/6/28</a:t>
             </a:fld>
             <a:endParaRPr lang="zh-CN" altLang="en-US"/>
           </a:p>
@@ -3280,7 +3280,7 @@
           <a:p>
             <a:fld id="{8C6D682F-0FD3-42DF-978A-3A28B17140BF}" type="datetimeFigureOut">
               <a:rPr lang="zh-CN" altLang="en-US" smtClean="0"/>
-              <a:t>2018/6/26</a:t>
+              <a:t>2018/6/28</a:t>
             </a:fld>
             <a:endParaRPr lang="zh-CN" altLang="en-US"/>
           </a:p>
@@ -3673,7 +3673,7 @@
           <a:p>
             <a:fld id="{8C6D682F-0FD3-42DF-978A-3A28B17140BF}" type="datetimeFigureOut">
               <a:rPr lang="zh-CN" altLang="en-US" smtClean="0"/>
-              <a:t>2018/6/26</a:t>
+              <a:t>2018/6/28</a:t>
             </a:fld>
             <a:endParaRPr lang="zh-CN" altLang="en-US"/>
           </a:p>
@@ -3843,7 +3843,7 @@
           <a:p>
             <a:fld id="{8C6D682F-0FD3-42DF-978A-3A28B17140BF}" type="datetimeFigureOut">
               <a:rPr lang="zh-CN" altLang="en-US" smtClean="0"/>
-              <a:t>2018/6/26</a:t>
+              <a:t>2018/6/28</a:t>
             </a:fld>
             <a:endParaRPr lang="zh-CN" altLang="en-US"/>
           </a:p>
@@ -4023,7 +4023,7 @@
           <a:p>
             <a:fld id="{8C6D682F-0FD3-42DF-978A-3A28B17140BF}" type="datetimeFigureOut">
               <a:rPr lang="zh-CN" altLang="en-US" smtClean="0"/>
-              <a:t>2018/6/26</a:t>
+              <a:t>2018/6/28</a:t>
             </a:fld>
             <a:endParaRPr lang="zh-CN" altLang="en-US"/>
           </a:p>
@@ -4193,7 +4193,7 @@
           <a:p>
             <a:fld id="{8C6D682F-0FD3-42DF-978A-3A28B17140BF}" type="datetimeFigureOut">
               <a:rPr lang="zh-CN" altLang="en-US" smtClean="0"/>
-              <a:t>2018/6/26</a:t>
+              <a:t>2018/6/28</a:t>
             </a:fld>
             <a:endParaRPr lang="zh-CN" altLang="en-US"/>
           </a:p>
@@ -4440,7 +4440,7 @@
           <a:p>
             <a:fld id="{8C6D682F-0FD3-42DF-978A-3A28B17140BF}" type="datetimeFigureOut">
               <a:rPr lang="zh-CN" altLang="en-US" smtClean="0"/>
-              <a:t>2018/6/26</a:t>
+              <a:t>2018/6/28</a:t>
             </a:fld>
             <a:endParaRPr lang="zh-CN" altLang="en-US"/>
           </a:p>
@@ -4672,7 +4672,7 @@
           <a:p>
             <a:fld id="{8C6D682F-0FD3-42DF-978A-3A28B17140BF}" type="datetimeFigureOut">
               <a:rPr lang="zh-CN" altLang="en-US" smtClean="0"/>
-              <a:t>2018/6/26</a:t>
+              <a:t>2018/6/28</a:t>
             </a:fld>
             <a:endParaRPr lang="zh-CN" altLang="en-US"/>
           </a:p>
@@ -5046,7 +5046,7 @@
           <a:p>
             <a:fld id="{8C6D682F-0FD3-42DF-978A-3A28B17140BF}" type="datetimeFigureOut">
               <a:rPr lang="zh-CN" altLang="en-US" smtClean="0"/>
-              <a:t>2018/6/26</a:t>
+              <a:t>2018/6/28</a:t>
             </a:fld>
             <a:endParaRPr lang="zh-CN" altLang="en-US"/>
           </a:p>
@@ -5169,7 +5169,7 @@
           <a:p>
             <a:fld id="{8C6D682F-0FD3-42DF-978A-3A28B17140BF}" type="datetimeFigureOut">
               <a:rPr lang="zh-CN" altLang="en-US" smtClean="0"/>
-              <a:t>2018/6/26</a:t>
+              <a:t>2018/6/28</a:t>
             </a:fld>
             <a:endParaRPr lang="zh-CN" altLang="en-US"/>
           </a:p>
@@ -5264,7 +5264,7 @@
           <a:p>
             <a:fld id="{8C6D682F-0FD3-42DF-978A-3A28B17140BF}" type="datetimeFigureOut">
               <a:rPr lang="zh-CN" altLang="en-US" smtClean="0"/>
-              <a:t>2018/6/26</a:t>
+              <a:t>2018/6/28</a:t>
             </a:fld>
             <a:endParaRPr lang="zh-CN" altLang="en-US"/>
           </a:p>
@@ -5519,7 +5519,7 @@
           <a:p>
             <a:fld id="{8C6D682F-0FD3-42DF-978A-3A28B17140BF}" type="datetimeFigureOut">
               <a:rPr lang="zh-CN" altLang="en-US" smtClean="0"/>
-              <a:t>2018/6/26</a:t>
+              <a:t>2018/6/28</a:t>
             </a:fld>
             <a:endParaRPr lang="zh-CN" altLang="en-US"/>
           </a:p>
@@ -5824,7 +5824,7 @@
           <a:p>
             <a:fld id="{8C6D682F-0FD3-42DF-978A-3A28B17140BF}" type="datetimeFigureOut">
               <a:rPr lang="zh-CN" altLang="en-US" smtClean="0"/>
-              <a:t>2018/6/26</a:t>
+              <a:t>2018/6/28</a:t>
             </a:fld>
             <a:endParaRPr lang="zh-CN" altLang="en-US"/>
           </a:p>
@@ -6526,7 +6526,7 @@
           <a:p>
             <a:fld id="{8C6D682F-0FD3-42DF-978A-3A28B17140BF}" type="datetimeFigureOut">
               <a:rPr lang="zh-CN" altLang="en-US" smtClean="0"/>
-              <a:t>2018/6/26</a:t>
+              <a:t>2018/6/28</a:t>
             </a:fld>
             <a:endParaRPr lang="zh-CN" altLang="en-US"/>
           </a:p>
@@ -7148,7 +7148,6 @@
               <a:rPr lang="en-US" altLang="zh-CN" dirty="0" smtClean="0"/>
               <a:t> He</a:t>
             </a:r>
-            <a:endParaRPr lang="en-US" altLang="zh-CN" dirty="0" smtClean="0"/>
           </a:p>
           <a:p>
             <a:r>
@@ -10882,19 +10881,89 @@
           <a:p>
             <a:pPr lvl="2" latinLnBrk="1"/>
             <a:r>
-              <a:rPr lang="en-US" altLang="zh-CN" dirty="0">
+              <a:rPr lang="en-US" altLang="zh-CN" dirty="0" smtClean="0">
                 <a:latin typeface="Bahnschrift" panose="020B0502040204020203" pitchFamily="34" charset="0"/>
                 <a:ea typeface="黑体" panose="02010609060101010101" pitchFamily="49" charset="-122"/>
               </a:rPr>
               <a:t>X-Rate-Limit-Reset:</a:t>
             </a:r>
             <a:r>
+              <a:rPr lang="zh-CN" altLang="en-US" dirty="0" smtClean="0">
+                <a:latin typeface="Bahnschrift" panose="020B0502040204020203" pitchFamily="34" charset="0"/>
+                <a:ea typeface="黑体" panose="02010609060101010101" pitchFamily="49" charset="-122"/>
+              </a:rPr>
+              <a:t>重置时间</a:t>
+            </a:r>
+            <a:r>
+              <a:rPr lang="en-US" altLang="zh-CN" dirty="0" smtClean="0">
+                <a:latin typeface="Bahnschrift" panose="020B0502040204020203" pitchFamily="34" charset="0"/>
+                <a:ea typeface="黑体" panose="02010609060101010101" pitchFamily="49" charset="-122"/>
+              </a:rPr>
+              <a:t>(</a:t>
+            </a:r>
+            <a:r>
+              <a:rPr lang="zh-CN" altLang="en-US" dirty="0" smtClean="0">
+                <a:latin typeface="Bahnschrift" panose="020B0502040204020203" pitchFamily="34" charset="0"/>
+                <a:ea typeface="黑体" panose="02010609060101010101" pitchFamily="49" charset="-122"/>
+              </a:rPr>
+              <a:t>秒</a:t>
+            </a:r>
+            <a:r>
+              <a:rPr lang="en-US" altLang="zh-CN" dirty="0" smtClean="0">
+                <a:latin typeface="Bahnschrift" panose="020B0502040204020203" pitchFamily="34" charset="0"/>
+                <a:ea typeface="黑体" panose="02010609060101010101" pitchFamily="49" charset="-122"/>
+              </a:rPr>
+              <a:t>)</a:t>
+            </a:r>
+          </a:p>
+          <a:p>
+            <a:pPr lvl="2" latinLnBrk="1"/>
+            <a:r>
+              <a:rPr lang="en-US" altLang="zh-CN" dirty="0" smtClean="0">
+                <a:latin typeface="Bahnschrift" panose="020B0502040204020203" pitchFamily="34" charset="0"/>
+                <a:ea typeface="黑体" panose="02010609060101010101" pitchFamily="49" charset="-122"/>
+              </a:rPr>
+              <a:t>Retry-After:</a:t>
+            </a:r>
+            <a:r>
               <a:rPr lang="zh-CN" altLang="en-US" dirty="0">
                 <a:latin typeface="Bahnschrift" panose="020B0502040204020203" pitchFamily="34" charset="0"/>
                 <a:ea typeface="黑体" panose="02010609060101010101" pitchFamily="49" charset="-122"/>
               </a:rPr>
-              <a:t>当前时间段剩余秒数</a:t>
-            </a:r>
+              <a:t>下一次访问应该等待的</a:t>
+            </a:r>
+            <a:r>
+              <a:rPr lang="zh-CN" altLang="en-US" dirty="0" smtClean="0">
+                <a:latin typeface="Bahnschrift" panose="020B0502040204020203" pitchFamily="34" charset="0"/>
+                <a:ea typeface="黑体" panose="02010609060101010101" pitchFamily="49" charset="-122"/>
+              </a:rPr>
+              <a:t>时间</a:t>
+            </a:r>
+            <a:r>
+              <a:rPr lang="en-US" altLang="zh-CN" dirty="0" smtClean="0">
+                <a:latin typeface="Bahnschrift" panose="020B0502040204020203" pitchFamily="34" charset="0"/>
+                <a:ea typeface="黑体" panose="02010609060101010101" pitchFamily="49" charset="-122"/>
+              </a:rPr>
+              <a:t>(</a:t>
+            </a:r>
+            <a:r>
+              <a:rPr lang="zh-CN" altLang="en-US" dirty="0" smtClean="0">
+                <a:latin typeface="Bahnschrift" panose="020B0502040204020203" pitchFamily="34" charset="0"/>
+                <a:ea typeface="黑体" panose="02010609060101010101" pitchFamily="49" charset="-122"/>
+              </a:rPr>
+              <a:t>秒</a:t>
+            </a:r>
+            <a:r>
+              <a:rPr lang="en-US" altLang="zh-CN" dirty="0" smtClean="0">
+                <a:latin typeface="Bahnschrift" panose="020B0502040204020203" pitchFamily="34" charset="0"/>
+                <a:ea typeface="黑体" panose="02010609060101010101" pitchFamily="49" charset="-122"/>
+              </a:rPr>
+              <a:t>)</a:t>
+            </a:r>
+            <a:endParaRPr lang="zh-CN" altLang="en-US" dirty="0">
+              <a:latin typeface="Bahnschrift" panose="020B0502040204020203" pitchFamily="34" charset="0"/>
+              <a:ea typeface="黑体" panose="02010609060101010101" pitchFamily="49" charset="-122"/>
+            </a:endParaRPr>
           </a:p>
           <a:p>
             <a:pPr lvl="1"/>
@@ -13973,14 +14042,7 @@
                 <a:latin typeface="Bahnschrift" panose="020B0502040204020203" pitchFamily="34" charset="0"/>
                 <a:ea typeface="黑体" panose="02010609060101010101" pitchFamily="49" charset="-122"/>
               </a:rPr>
-              <a:t>返回内容数据不是按需返回，而是基本上全部信息</a:t>
-            </a:r>
-            <a:r>
-              <a:rPr lang="zh-CN" altLang="en-US" sz="2000" dirty="0" smtClean="0">
-                <a:latin typeface="Bahnschrift" panose="020B0502040204020203" pitchFamily="34" charset="0"/>
-                <a:ea typeface="黑体" panose="02010609060101010101" pitchFamily="49" charset="-122"/>
-              </a:rPr>
-              <a:t>返回</a:t>
+              <a:t>返回内容数据不是按需返回，而是基本上全部信息返回</a:t>
             </a:r>
             <a:endParaRPr lang="en-US" altLang="zh-CN" sz="2000" dirty="0" smtClean="0">
               <a:latin typeface="Bahnschrift" panose="020B0502040204020203" pitchFamily="34" charset="0"/>
@@ -14035,20 +14097,7 @@
                 <a:latin typeface="Bahnschrift" panose="020B0502040204020203" pitchFamily="34" charset="0"/>
                 <a:ea typeface="黑体" panose="02010609060101010101" pitchFamily="49" charset="-122"/>
               </a:rPr>
-              <a:t>7. </a:t>
-            </a:r>
-            <a:r>
-              <a:rPr lang="en-US" altLang="zh-CN" sz="2000" dirty="0" smtClean="0">
-                <a:solidFill>
-                  <a:schemeClr val="tx1">
-                    <a:lumMod val="50000"/>
-                    <a:lumOff val="50000"/>
-                  </a:schemeClr>
-                </a:solidFill>
-                <a:latin typeface="Bahnschrift" panose="020B0502040204020203" pitchFamily="34" charset="0"/>
-                <a:ea typeface="黑体" panose="02010609060101010101" pitchFamily="49" charset="-122"/>
-              </a:rPr>
-              <a:t>Swagger</a:t>
+              <a:t>7. Swagger</a:t>
             </a:r>
             <a:r>
               <a:rPr lang="zh-CN" altLang="en-US" sz="2000" dirty="0" smtClean="0">
@@ -14743,14 +14792,7 @@
                 <a:latin typeface="Bahnschrift" panose="020B0502040204020203" pitchFamily="34" charset="0"/>
                 <a:ea typeface="黑体" panose="02010609060101010101" pitchFamily="49" charset="-122"/>
               </a:rPr>
-              <a:t>提高可见性，每个请求都是独立的，无需其他依赖</a:t>
-            </a:r>
-            <a:r>
-              <a:rPr lang="zh-CN" altLang="en-US" dirty="0" smtClean="0">
-                <a:latin typeface="Bahnschrift" panose="020B0502040204020203" pitchFamily="34" charset="0"/>
-                <a:ea typeface="黑体" panose="02010609060101010101" pitchFamily="49" charset="-122"/>
-              </a:rPr>
-              <a:t>的</a:t>
+              <a:t>提高可见性，每个请求都是独立的，无需其他依赖的</a:t>
             </a:r>
             <a:endParaRPr lang="en-US" altLang="zh-CN" dirty="0" smtClean="0">
               <a:latin typeface="Bahnschrift" panose="020B0502040204020203" pitchFamily="34" charset="0"/>
@@ -14778,14 +14820,7 @@
                 <a:latin typeface="Bahnschrift" panose="020B0502040204020203" pitchFamily="34" charset="0"/>
                 <a:ea typeface="黑体" panose="02010609060101010101" pitchFamily="49" charset="-122"/>
               </a:rPr>
-              <a:t>提升</a:t>
-            </a:r>
-            <a:r>
-              <a:rPr lang="zh-CN" altLang="en-US" dirty="0" smtClean="0">
-                <a:latin typeface="Bahnschrift" panose="020B0502040204020203" pitchFamily="34" charset="0"/>
-                <a:ea typeface="黑体" panose="02010609060101010101" pitchFamily="49" charset="-122"/>
-              </a:rPr>
-              <a:t>扩展性，减少了服务器资源消耗</a:t>
+              <a:t>提升扩展性，减少了服务器资源消耗</a:t>
             </a:r>
             <a:endParaRPr lang="en-US" altLang="zh-CN" dirty="0" smtClean="0">
               <a:latin typeface="Bahnschrift" panose="020B0502040204020203" pitchFamily="34" charset="0"/>
@@ -16004,6 +16039,12 @@
             <a:pPr marL="1200150" lvl="3" indent="-342900"/>
             <a:r>
               <a:rPr lang="en-US" altLang="zh-CN" sz="2400" dirty="0">
+                <a:solidFill>
+                  <a:schemeClr val="tx1">
+                    <a:lumMod val="50000"/>
+                    <a:lumOff val="50000"/>
+                  </a:schemeClr>
+                </a:solidFill>
                 <a:latin typeface="Bahnschrift" panose="020B0502040204020203" pitchFamily="34" charset="0"/>
                 <a:ea typeface="黑体" panose="02010609060101010101" pitchFamily="49" charset="-122"/>
               </a:rPr>
@@ -16011,6 +16052,12 @@
             </a:r>
             <a:r>
               <a:rPr lang="zh-CN" altLang="en-US" sz="2400" dirty="0">
+                <a:solidFill>
+                  <a:schemeClr val="tx1">
+                    <a:lumMod val="50000"/>
+                    <a:lumOff val="50000"/>
+                  </a:schemeClr>
+                </a:solidFill>
                 <a:latin typeface="Bahnschrift" panose="020B0502040204020203" pitchFamily="34" charset="0"/>
                 <a:ea typeface="黑体" panose="02010609060101010101" pitchFamily="49" charset="-122"/>
               </a:rPr>
@@ -16018,137 +16065,190 @@
             </a:r>
             <a:r>
               <a:rPr lang="en-US" altLang="zh-CN" sz="2400" dirty="0">
-                <a:latin typeface="Bahnschrift" panose="020B0502040204020203" pitchFamily="34" charset="0"/>
-                <a:ea typeface="黑体" panose="02010609060101010101" pitchFamily="49" charset="-122"/>
-              </a:rPr>
-              <a:t>– </a:t>
+                <a:solidFill>
+                  <a:schemeClr val="tx1">
+                    <a:lumMod val="50000"/>
+                    <a:lumOff val="50000"/>
+                  </a:schemeClr>
+                </a:solidFill>
+                <a:latin typeface="Bahnschrift" panose="020B0502040204020203" pitchFamily="34" charset="0"/>
+                <a:ea typeface="黑体" panose="02010609060101010101" pitchFamily="49" charset="-122"/>
+              </a:rPr>
+              <a:t>_</a:t>
+            </a:r>
+            <a:r>
+              <a:rPr lang="zh-CN" altLang="en-US" sz="2400" dirty="0" smtClean="0">
+                <a:solidFill>
+                  <a:schemeClr val="tx1">
+                    <a:lumMod val="50000"/>
+                    <a:lumOff val="50000"/>
+                  </a:schemeClr>
+                </a:solidFill>
+                <a:latin typeface="Bahnschrift" panose="020B0502040204020203" pitchFamily="34" charset="0"/>
+                <a:ea typeface="黑体" panose="02010609060101010101" pitchFamily="49" charset="-122"/>
+              </a:rPr>
+              <a:t>做词</a:t>
             </a:r>
             <a:r>
               <a:rPr lang="zh-CN" altLang="en-US" sz="2400" dirty="0">
-                <a:latin typeface="Bahnschrift" panose="020B0502040204020203" pitchFamily="34" charset="0"/>
-                <a:ea typeface="黑体" panose="02010609060101010101" pitchFamily="49" charset="-122"/>
-              </a:rPr>
-              <a:t>做词连接，而不用 </a:t>
+                <a:solidFill>
+                  <a:schemeClr val="tx1">
+                    <a:lumMod val="50000"/>
+                    <a:lumOff val="50000"/>
+                  </a:schemeClr>
+                </a:solidFill>
+                <a:latin typeface="Bahnschrift" panose="020B0502040204020203" pitchFamily="34" charset="0"/>
+                <a:ea typeface="黑体" panose="02010609060101010101" pitchFamily="49" charset="-122"/>
+              </a:rPr>
+              <a:t>连接，而</a:t>
+            </a:r>
+            <a:r>
+              <a:rPr lang="zh-CN" altLang="en-US" sz="2400" dirty="0" smtClean="0">
+                <a:solidFill>
+                  <a:schemeClr val="tx1">
+                    <a:lumMod val="50000"/>
+                    <a:lumOff val="50000"/>
+                  </a:schemeClr>
+                </a:solidFill>
+                <a:latin typeface="Bahnschrift" panose="020B0502040204020203" pitchFamily="34" charset="0"/>
+                <a:ea typeface="黑体" panose="02010609060101010101" pitchFamily="49" charset="-122"/>
+              </a:rPr>
+              <a:t>不用</a:t>
             </a:r>
             <a:r>
               <a:rPr lang="en-US" altLang="zh-CN" sz="2400" dirty="0" smtClean="0">
-                <a:latin typeface="Bahnschrift" panose="020B0502040204020203" pitchFamily="34" charset="0"/>
-                <a:ea typeface="黑体" panose="02010609060101010101" pitchFamily="49" charset="-122"/>
-              </a:rPr>
-              <a:t>_</a:t>
+                <a:solidFill>
+                  <a:schemeClr val="tx1">
+                    <a:lumMod val="50000"/>
+                    <a:lumOff val="50000"/>
+                  </a:schemeClr>
+                </a:solidFill>
+                <a:latin typeface="Bahnschrift" panose="020B0502040204020203" pitchFamily="34" charset="0"/>
+                <a:ea typeface="黑体" panose="02010609060101010101" pitchFamily="49" charset="-122"/>
+              </a:rPr>
+              <a:t>-</a:t>
+            </a:r>
+            <a:endParaRPr lang="en-US" altLang="zh-CN" sz="2400" dirty="0">
+              <a:solidFill>
+                <a:schemeClr val="tx1">
+                  <a:lumMod val="50000"/>
+                  <a:lumOff val="50000"/>
+                </a:schemeClr>
+              </a:solidFill>
+              <a:latin typeface="Bahnschrift" panose="020B0502040204020203" pitchFamily="34" charset="0"/>
+              <a:ea typeface="黑体" panose="02010609060101010101" pitchFamily="49" charset="-122"/>
+            </a:endParaRPr>
+          </a:p>
+          <a:p>
+            <a:pPr marL="1200150" lvl="3" indent="-342900"/>
+            <a:r>
+              <a:rPr lang="en-US" altLang="zh-CN" sz="2400" dirty="0">
+                <a:latin typeface="Bahnschrift" panose="020B0502040204020203" pitchFamily="34" charset="0"/>
+                <a:ea typeface="黑体" panose="02010609060101010101" pitchFamily="49" charset="-122"/>
+              </a:rPr>
+              <a:t>4. </a:t>
+            </a:r>
+            <a:r>
+              <a:rPr lang="zh-CN" altLang="en-US" sz="2400" dirty="0">
+                <a:latin typeface="Bahnschrift" panose="020B0502040204020203" pitchFamily="34" charset="0"/>
+                <a:ea typeface="黑体" panose="02010609060101010101" pitchFamily="49" charset="-122"/>
+              </a:rPr>
+              <a:t>表示资源集合时，使用复数形式     如</a:t>
+            </a:r>
+            <a:r>
+              <a:rPr lang="en-US" altLang="zh-CN" sz="2400" dirty="0">
+                <a:latin typeface="Bahnschrift" panose="020B0502040204020203" pitchFamily="34" charset="0"/>
+                <a:ea typeface="黑体" panose="02010609060101010101" pitchFamily="49" charset="-122"/>
+              </a:rPr>
+              <a:t>: blogs</a:t>
+            </a:r>
+          </a:p>
+          <a:p>
+            <a:pPr marL="1200150" lvl="3" indent="-342900"/>
+            <a:r>
+              <a:rPr lang="en-US" altLang="zh-CN" sz="2400" dirty="0">
+                <a:latin typeface="Bahnschrift" panose="020B0502040204020203" pitchFamily="34" charset="0"/>
+                <a:ea typeface="黑体" panose="02010609060101010101" pitchFamily="49" charset="-122"/>
+              </a:rPr>
+              <a:t>5. </a:t>
+            </a:r>
+            <a:r>
+              <a:rPr lang="zh-CN" altLang="en-US" sz="2400" dirty="0">
+                <a:latin typeface="Bahnschrift" panose="020B0502040204020203" pitchFamily="34" charset="0"/>
+                <a:ea typeface="黑体" panose="02010609060101010101" pitchFamily="49" charset="-122"/>
+              </a:rPr>
+              <a:t>子资源关系表示   示例</a:t>
+            </a:r>
+            <a:r>
+              <a:rPr lang="en-US" altLang="zh-CN" sz="2400" dirty="0">
+                <a:latin typeface="Bahnschrift" panose="020B0502040204020203" pitchFamily="34" charset="0"/>
+                <a:ea typeface="黑体" panose="02010609060101010101" pitchFamily="49" charset="-122"/>
+              </a:rPr>
+              <a:t>: /</a:t>
+            </a:r>
+            <a:r>
+              <a:rPr lang="en-US" altLang="zh-CN" sz="2400" dirty="0" smtClean="0">
+                <a:latin typeface="Bahnschrift" panose="020B0502040204020203" pitchFamily="34" charset="0"/>
+                <a:ea typeface="黑体" panose="02010609060101010101" pitchFamily="49" charset="-122"/>
+              </a:rPr>
+              <a:t>blog/100/comments</a:t>
+            </a:r>
+          </a:p>
+          <a:p>
+            <a:pPr marL="1200150" lvl="3" indent="-342900"/>
+            <a:r>
+              <a:rPr lang="en-US" altLang="zh-CN" sz="2400" dirty="0" smtClean="0">
+                <a:latin typeface="Bahnschrift" panose="020B0502040204020203" pitchFamily="34" charset="0"/>
+                <a:ea typeface="黑体" panose="02010609060101010101" pitchFamily="49" charset="-122"/>
+              </a:rPr>
+              <a:t>6. </a:t>
+            </a:r>
+            <a:r>
+              <a:rPr lang="zh-CN" altLang="en-US" sz="2400" dirty="0" smtClean="0">
+                <a:latin typeface="Bahnschrift" panose="020B0502040204020203" pitchFamily="34" charset="0"/>
+                <a:ea typeface="黑体" panose="02010609060101010101" pitchFamily="49" charset="-122"/>
+              </a:rPr>
+              <a:t>为减少</a:t>
+            </a:r>
+            <a:r>
+              <a:rPr lang="en-US" altLang="zh-CN" sz="2400" dirty="0" smtClean="0">
+                <a:latin typeface="Bahnschrift" panose="020B0502040204020203" pitchFamily="34" charset="0"/>
+                <a:ea typeface="黑体" panose="02010609060101010101" pitchFamily="49" charset="-122"/>
+              </a:rPr>
+              <a:t>URI</a:t>
+            </a:r>
+            <a:r>
+              <a:rPr lang="zh-CN" altLang="en-US" sz="2400" dirty="0" smtClean="0">
+                <a:latin typeface="Bahnschrift" panose="020B0502040204020203" pitchFamily="34" charset="0"/>
+                <a:ea typeface="黑体" panose="02010609060101010101" pitchFamily="49" charset="-122"/>
+              </a:rPr>
+              <a:t>层级深度</a:t>
+            </a:r>
+            <a:r>
+              <a:rPr lang="en-US" altLang="zh-CN" sz="2400" dirty="0" smtClean="0">
+                <a:latin typeface="Bahnschrift" panose="020B0502040204020203" pitchFamily="34" charset="0"/>
+                <a:ea typeface="黑体" panose="02010609060101010101" pitchFamily="49" charset="-122"/>
+              </a:rPr>
+              <a:t>,</a:t>
+            </a:r>
+            <a:r>
+              <a:rPr lang="zh-CN" altLang="en-US" sz="2400" dirty="0" smtClean="0">
+                <a:latin typeface="Bahnschrift" panose="020B0502040204020203" pitchFamily="34" charset="0"/>
+                <a:ea typeface="黑体" panose="02010609060101010101" pitchFamily="49" charset="-122"/>
+              </a:rPr>
+              <a:t>引入适当的参数</a:t>
+            </a:r>
+            <a:r>
+              <a:rPr lang="zh-CN" altLang="en-US" sz="2400" dirty="0" smtClean="0">
+                <a:latin typeface="Bahnschrift" panose="020B0502040204020203" pitchFamily="34" charset="0"/>
+                <a:ea typeface="黑体" panose="02010609060101010101" pitchFamily="49" charset="-122"/>
+              </a:rPr>
+              <a:t>查询</a:t>
             </a:r>
             <a:endParaRPr lang="en-US" altLang="zh-CN" sz="2400" dirty="0">
               <a:latin typeface="Bahnschrift" panose="020B0502040204020203" pitchFamily="34" charset="0"/>
               <a:ea typeface="黑体" panose="02010609060101010101" pitchFamily="49" charset="-122"/>
             </a:endParaRPr>
-          </a:p>
-          <a:p>
-            <a:pPr marL="1200150" lvl="3" indent="-342900"/>
-            <a:r>
-              <a:rPr lang="en-US" altLang="zh-CN" sz="2400" dirty="0">
-                <a:latin typeface="Bahnschrift" panose="020B0502040204020203" pitchFamily="34" charset="0"/>
-                <a:ea typeface="黑体" panose="02010609060101010101" pitchFamily="49" charset="-122"/>
-              </a:rPr>
-              <a:t>4. </a:t>
-            </a:r>
-            <a:r>
-              <a:rPr lang="zh-CN" altLang="en-US" sz="2400" dirty="0">
-                <a:latin typeface="Bahnschrift" panose="020B0502040204020203" pitchFamily="34" charset="0"/>
-                <a:ea typeface="黑体" panose="02010609060101010101" pitchFamily="49" charset="-122"/>
-              </a:rPr>
-              <a:t>表示资源集合时，使用复数形式     如</a:t>
-            </a:r>
-            <a:r>
-              <a:rPr lang="en-US" altLang="zh-CN" sz="2400" dirty="0">
-                <a:latin typeface="Bahnschrift" panose="020B0502040204020203" pitchFamily="34" charset="0"/>
-                <a:ea typeface="黑体" panose="02010609060101010101" pitchFamily="49" charset="-122"/>
-              </a:rPr>
-              <a:t>: blogs</a:t>
-            </a:r>
-          </a:p>
-          <a:p>
-            <a:pPr marL="1200150" lvl="3" indent="-342900"/>
-            <a:r>
-              <a:rPr lang="en-US" altLang="zh-CN" sz="2400" dirty="0">
-                <a:latin typeface="Bahnschrift" panose="020B0502040204020203" pitchFamily="34" charset="0"/>
-                <a:ea typeface="黑体" panose="02010609060101010101" pitchFamily="49" charset="-122"/>
-              </a:rPr>
-              <a:t>5. </a:t>
-            </a:r>
-            <a:r>
-              <a:rPr lang="zh-CN" altLang="en-US" sz="2400" dirty="0">
-                <a:latin typeface="Bahnschrift" panose="020B0502040204020203" pitchFamily="34" charset="0"/>
-                <a:ea typeface="黑体" panose="02010609060101010101" pitchFamily="49" charset="-122"/>
-              </a:rPr>
-              <a:t>子资源关系表示   示例</a:t>
-            </a:r>
-            <a:r>
-              <a:rPr lang="en-US" altLang="zh-CN" sz="2400" dirty="0">
-                <a:latin typeface="Bahnschrift" panose="020B0502040204020203" pitchFamily="34" charset="0"/>
-                <a:ea typeface="黑体" panose="02010609060101010101" pitchFamily="49" charset="-122"/>
-              </a:rPr>
-              <a:t>: /</a:t>
-            </a:r>
-            <a:r>
-              <a:rPr lang="en-US" altLang="zh-CN" sz="2400" dirty="0" smtClean="0">
-                <a:latin typeface="Bahnschrift" panose="020B0502040204020203" pitchFamily="34" charset="0"/>
-                <a:ea typeface="黑体" panose="02010609060101010101" pitchFamily="49" charset="-122"/>
-              </a:rPr>
-              <a:t>blog/100/comments</a:t>
-            </a:r>
-          </a:p>
-          <a:p>
-            <a:pPr marL="1200150" lvl="3" indent="-342900"/>
-            <a:r>
-              <a:rPr lang="en-US" altLang="zh-CN" sz="2400" dirty="0" smtClean="0">
-                <a:latin typeface="Bahnschrift" panose="020B0502040204020203" pitchFamily="34" charset="0"/>
-                <a:ea typeface="黑体" panose="02010609060101010101" pitchFamily="49" charset="-122"/>
-              </a:rPr>
-              <a:t>6. </a:t>
-            </a:r>
-            <a:r>
-              <a:rPr lang="zh-CN" altLang="en-US" sz="2400" dirty="0" smtClean="0">
-                <a:latin typeface="Bahnschrift" panose="020B0502040204020203" pitchFamily="34" charset="0"/>
-                <a:ea typeface="黑体" panose="02010609060101010101" pitchFamily="49" charset="-122"/>
-              </a:rPr>
-              <a:t>为减少</a:t>
-            </a:r>
-            <a:r>
-              <a:rPr lang="en-US" altLang="zh-CN" sz="2400" dirty="0" smtClean="0">
-                <a:latin typeface="Bahnschrift" panose="020B0502040204020203" pitchFamily="34" charset="0"/>
-                <a:ea typeface="黑体" panose="02010609060101010101" pitchFamily="49" charset="-122"/>
-              </a:rPr>
-              <a:t>URI</a:t>
-            </a:r>
-            <a:r>
-              <a:rPr lang="zh-CN" altLang="en-US" sz="2400" dirty="0" smtClean="0">
-                <a:latin typeface="Bahnschrift" panose="020B0502040204020203" pitchFamily="34" charset="0"/>
-                <a:ea typeface="黑体" panose="02010609060101010101" pitchFamily="49" charset="-122"/>
-              </a:rPr>
-              <a:t>层级深度</a:t>
-            </a:r>
-            <a:r>
-              <a:rPr lang="en-US" altLang="zh-CN" sz="2400" dirty="0" smtClean="0">
-                <a:latin typeface="Bahnschrift" panose="020B0502040204020203" pitchFamily="34" charset="0"/>
-                <a:ea typeface="黑体" panose="02010609060101010101" pitchFamily="49" charset="-122"/>
-              </a:rPr>
-              <a:t>,</a:t>
-            </a:r>
-            <a:r>
-              <a:rPr lang="zh-CN" altLang="en-US" sz="2400" dirty="0" smtClean="0">
-                <a:latin typeface="Bahnschrift" panose="020B0502040204020203" pitchFamily="34" charset="0"/>
-                <a:ea typeface="黑体" panose="02010609060101010101" pitchFamily="49" charset="-122"/>
-              </a:rPr>
-              <a:t>引入适当的参数查询</a:t>
-            </a:r>
-            <a:endParaRPr lang="en-US" altLang="zh-CN" sz="2400" dirty="0">
-              <a:latin typeface="Bahnschrift" panose="020B0502040204020203" pitchFamily="34" charset="0"/>
-              <a:ea typeface="黑体" panose="02010609060101010101" pitchFamily="49" charset="-122"/>
-            </a:endParaRPr>
-          </a:p>
-          <a:p>
-            <a:pPr lvl="1"/>
-            <a:endParaRPr lang="zh-CN" altLang="en-US" dirty="0"/>
           </a:p>
         </p:txBody>
       </p:sp>

--- a/rest-api/RESTful.pptx
+++ b/rest-api/RESTful.pptx
@@ -16236,14 +16236,7 @@
                 <a:latin typeface="Bahnschrift" panose="020B0502040204020203" pitchFamily="34" charset="0"/>
                 <a:ea typeface="黑体" panose="02010609060101010101" pitchFamily="49" charset="-122"/>
               </a:rPr>
-              <a:t>引入适当的参数</a:t>
-            </a:r>
-            <a:r>
-              <a:rPr lang="zh-CN" altLang="en-US" sz="2400" dirty="0" smtClean="0">
-                <a:latin typeface="Bahnschrift" panose="020B0502040204020203" pitchFamily="34" charset="0"/>
-                <a:ea typeface="黑体" panose="02010609060101010101" pitchFamily="49" charset="-122"/>
-              </a:rPr>
-              <a:t>查询</a:t>
+              <a:t>引入适当的参数查询</a:t>
             </a:r>
             <a:endParaRPr lang="en-US" altLang="zh-CN" sz="2400" dirty="0">
               <a:latin typeface="Bahnschrift" panose="020B0502040204020203" pitchFamily="34" charset="0"/>
@@ -16473,8 +16466,21 @@
                 </a:solidFill>
                 <a:latin typeface="Bahnschrift" panose="020B0502040204020203" pitchFamily="34" charset="0"/>
                 <a:ea typeface="黑体" panose="02010609060101010101" pitchFamily="49" charset="-122"/>
-              </a:rPr>
-              <a:t>Accept-Encoding: </a:t>
+                <a:hlinkClick r:id="rId3"/>
+              </a:rPr>
+              <a:t>Accept-Encoding</a:t>
+            </a:r>
+            <a:r>
+              <a:rPr lang="en-US" altLang="zh-CN" sz="2400" dirty="0">
+                <a:solidFill>
+                  <a:schemeClr val="bg1">
+                    <a:lumMod val="50000"/>
+                  </a:schemeClr>
+                </a:solidFill>
+                <a:latin typeface="Bahnschrift" panose="020B0502040204020203" pitchFamily="34" charset="0"/>
+                <a:ea typeface="黑体" panose="02010609060101010101" pitchFamily="49" charset="-122"/>
+              </a:rPr>
+              <a:t>: </a:t>
             </a:r>
             <a:r>
               <a:rPr lang="en-US" altLang="zh-CN" sz="2400" dirty="0" err="1">

--- a/rest-api/RESTful.pptx
+++ b/rest-api/RESTful.pptx
@@ -219,7 +219,7 @@
           <a:p>
             <a:fld id="{65803504-C5C8-4584-AB04-B616C8F6C5C9}" type="datetimeFigureOut">
               <a:rPr lang="zh-CN" altLang="en-US" smtClean="0"/>
-              <a:t>2018/6/28</a:t>
+              <a:t>2018/6/29</a:t>
             </a:fld>
             <a:endParaRPr lang="zh-CN" altLang="en-US"/>
           </a:p>
@@ -1314,6 +1314,90 @@
     <p:extLst>
       <p:ext uri="{BB962C8B-B14F-4D97-AF65-F5344CB8AC3E}">
         <p14:creationId xmlns:p14="http://schemas.microsoft.com/office/powerpoint/2010/main" val="1717281604"/>
+      </p:ext>
+    </p:extLst>
+  </p:cSld>
+  <p:clrMapOvr>
+    <a:masterClrMapping/>
+  </p:clrMapOvr>
+</p:notes>
+</file>
+
+<file path=ppt/notesSlides/notesSlide6.xml><?xml version="1.0" encoding="utf-8"?>
+<p:notes xmlns:a="http://schemas.openxmlformats.org/drawingml/2006/main" xmlns:r="http://schemas.openxmlformats.org/officeDocument/2006/relationships" xmlns:p="http://schemas.openxmlformats.org/presentationml/2006/main">
+  <p:cSld>
+    <p:spTree>
+      <p:nvGrpSpPr>
+        <p:cNvPr id="1" name=""/>
+        <p:cNvGrpSpPr/>
+        <p:nvPr/>
+      </p:nvGrpSpPr>
+      <p:grpSpPr>
+        <a:xfrm>
+          <a:off x="0" y="0"/>
+          <a:ext cx="0" cy="0"/>
+          <a:chOff x="0" y="0"/>
+          <a:chExt cx="0" cy="0"/>
+        </a:xfrm>
+      </p:grpSpPr>
+      <p:sp>
+        <p:nvSpPr>
+          <p:cNvPr id="2" name="幻灯片图像占位符 1"/>
+          <p:cNvSpPr>
+            <a:spLocks noGrp="1" noRot="1" noChangeAspect="1"/>
+          </p:cNvSpPr>
+          <p:nvPr>
+            <p:ph type="sldImg"/>
+          </p:nvPr>
+        </p:nvSpPr>
+        <p:spPr/>
+      </p:sp>
+      <p:sp>
+        <p:nvSpPr>
+          <p:cNvPr id="3" name="备注占位符 2"/>
+          <p:cNvSpPr>
+            <a:spLocks noGrp="1"/>
+          </p:cNvSpPr>
+          <p:nvPr>
+            <p:ph type="body" idx="1"/>
+          </p:nvPr>
+        </p:nvSpPr>
+        <p:spPr/>
+        <p:txBody>
+          <a:bodyPr/>
+          <a:lstStyle/>
+          <a:p>
+            <a:endParaRPr lang="zh-CN" altLang="en-US" dirty="0"/>
+          </a:p>
+        </p:txBody>
+      </p:sp>
+      <p:sp>
+        <p:nvSpPr>
+          <p:cNvPr id="4" name="灯片编号占位符 3"/>
+          <p:cNvSpPr>
+            <a:spLocks noGrp="1"/>
+          </p:cNvSpPr>
+          <p:nvPr>
+            <p:ph type="sldNum" sz="quarter" idx="10"/>
+          </p:nvPr>
+        </p:nvSpPr>
+        <p:spPr/>
+        <p:txBody>
+          <a:bodyPr/>
+          <a:lstStyle/>
+          <a:p>
+            <a:fld id="{83784602-BA80-4F64-B824-A3FF374DDA96}" type="slidenum">
+              <a:rPr lang="zh-CN" altLang="en-US" smtClean="0"/>
+              <a:t>23</a:t>
+            </a:fld>
+            <a:endParaRPr lang="zh-CN" altLang="en-US"/>
+          </a:p>
+        </p:txBody>
+      </p:sp>
+    </p:spTree>
+    <p:extLst>
+      <p:ext uri="{BB962C8B-B14F-4D97-AF65-F5344CB8AC3E}">
+        <p14:creationId xmlns:p14="http://schemas.microsoft.com/office/powerpoint/2010/main" val="1910390498"/>
       </p:ext>
     </p:extLst>
   </p:cSld>
@@ -2068,7 +2152,7 @@
           <a:p>
             <a:fld id="{8C6D682F-0FD3-42DF-978A-3A28B17140BF}" type="datetimeFigureOut">
               <a:rPr lang="zh-CN" altLang="en-US" smtClean="0"/>
-              <a:t>2018/6/28</a:t>
+              <a:t>2018/6/29</a:t>
             </a:fld>
             <a:endParaRPr lang="zh-CN" altLang="en-US"/>
           </a:p>
@@ -2319,7 +2403,7 @@
           <a:p>
             <a:fld id="{8C6D682F-0FD3-42DF-978A-3A28B17140BF}" type="datetimeFigureOut">
               <a:rPr lang="zh-CN" altLang="en-US" smtClean="0"/>
-              <a:t>2018/6/28</a:t>
+              <a:t>2018/6/29</a:t>
             </a:fld>
             <a:endParaRPr lang="zh-CN" altLang="en-US"/>
           </a:p>
@@ -2633,7 +2717,7 @@
           <a:p>
             <a:fld id="{8C6D682F-0FD3-42DF-978A-3A28B17140BF}" type="datetimeFigureOut">
               <a:rPr lang="zh-CN" altLang="en-US" smtClean="0"/>
-              <a:t>2018/6/28</a:t>
+              <a:t>2018/6/29</a:t>
             </a:fld>
             <a:endParaRPr lang="zh-CN" altLang="en-US"/>
           </a:p>
@@ -2966,7 +3050,7 @@
           <a:p>
             <a:fld id="{8C6D682F-0FD3-42DF-978A-3A28B17140BF}" type="datetimeFigureOut">
               <a:rPr lang="zh-CN" altLang="en-US" smtClean="0"/>
-              <a:t>2018/6/28</a:t>
+              <a:t>2018/6/29</a:t>
             </a:fld>
             <a:endParaRPr lang="zh-CN" altLang="en-US"/>
           </a:p>
@@ -3280,7 +3364,7 @@
           <a:p>
             <a:fld id="{8C6D682F-0FD3-42DF-978A-3A28B17140BF}" type="datetimeFigureOut">
               <a:rPr lang="zh-CN" altLang="en-US" smtClean="0"/>
-              <a:t>2018/6/28</a:t>
+              <a:t>2018/6/29</a:t>
             </a:fld>
             <a:endParaRPr lang="zh-CN" altLang="en-US"/>
           </a:p>
@@ -3673,7 +3757,7 @@
           <a:p>
             <a:fld id="{8C6D682F-0FD3-42DF-978A-3A28B17140BF}" type="datetimeFigureOut">
               <a:rPr lang="zh-CN" altLang="en-US" smtClean="0"/>
-              <a:t>2018/6/28</a:t>
+              <a:t>2018/6/29</a:t>
             </a:fld>
             <a:endParaRPr lang="zh-CN" altLang="en-US"/>
           </a:p>
@@ -3843,7 +3927,7 @@
           <a:p>
             <a:fld id="{8C6D682F-0FD3-42DF-978A-3A28B17140BF}" type="datetimeFigureOut">
               <a:rPr lang="zh-CN" altLang="en-US" smtClean="0"/>
-              <a:t>2018/6/28</a:t>
+              <a:t>2018/6/29</a:t>
             </a:fld>
             <a:endParaRPr lang="zh-CN" altLang="en-US"/>
           </a:p>
@@ -4023,7 +4107,7 @@
           <a:p>
             <a:fld id="{8C6D682F-0FD3-42DF-978A-3A28B17140BF}" type="datetimeFigureOut">
               <a:rPr lang="zh-CN" altLang="en-US" smtClean="0"/>
-              <a:t>2018/6/28</a:t>
+              <a:t>2018/6/29</a:t>
             </a:fld>
             <a:endParaRPr lang="zh-CN" altLang="en-US"/>
           </a:p>
@@ -4193,7 +4277,7 @@
           <a:p>
             <a:fld id="{8C6D682F-0FD3-42DF-978A-3A28B17140BF}" type="datetimeFigureOut">
               <a:rPr lang="zh-CN" altLang="en-US" smtClean="0"/>
-              <a:t>2018/6/28</a:t>
+              <a:t>2018/6/29</a:t>
             </a:fld>
             <a:endParaRPr lang="zh-CN" altLang="en-US"/>
           </a:p>
@@ -4440,7 +4524,7 @@
           <a:p>
             <a:fld id="{8C6D682F-0FD3-42DF-978A-3A28B17140BF}" type="datetimeFigureOut">
               <a:rPr lang="zh-CN" altLang="en-US" smtClean="0"/>
-              <a:t>2018/6/28</a:t>
+              <a:t>2018/6/29</a:t>
             </a:fld>
             <a:endParaRPr lang="zh-CN" altLang="en-US"/>
           </a:p>
@@ -4672,7 +4756,7 @@
           <a:p>
             <a:fld id="{8C6D682F-0FD3-42DF-978A-3A28B17140BF}" type="datetimeFigureOut">
               <a:rPr lang="zh-CN" altLang="en-US" smtClean="0"/>
-              <a:t>2018/6/28</a:t>
+              <a:t>2018/6/29</a:t>
             </a:fld>
             <a:endParaRPr lang="zh-CN" altLang="en-US"/>
           </a:p>
@@ -5046,7 +5130,7 @@
           <a:p>
             <a:fld id="{8C6D682F-0FD3-42DF-978A-3A28B17140BF}" type="datetimeFigureOut">
               <a:rPr lang="zh-CN" altLang="en-US" smtClean="0"/>
-              <a:t>2018/6/28</a:t>
+              <a:t>2018/6/29</a:t>
             </a:fld>
             <a:endParaRPr lang="zh-CN" altLang="en-US"/>
           </a:p>
@@ -5169,7 +5253,7 @@
           <a:p>
             <a:fld id="{8C6D682F-0FD3-42DF-978A-3A28B17140BF}" type="datetimeFigureOut">
               <a:rPr lang="zh-CN" altLang="en-US" smtClean="0"/>
-              <a:t>2018/6/28</a:t>
+              <a:t>2018/6/29</a:t>
             </a:fld>
             <a:endParaRPr lang="zh-CN" altLang="en-US"/>
           </a:p>
@@ -5264,7 +5348,7 @@
           <a:p>
             <a:fld id="{8C6D682F-0FD3-42DF-978A-3A28B17140BF}" type="datetimeFigureOut">
               <a:rPr lang="zh-CN" altLang="en-US" smtClean="0"/>
-              <a:t>2018/6/28</a:t>
+              <a:t>2018/6/29</a:t>
             </a:fld>
             <a:endParaRPr lang="zh-CN" altLang="en-US"/>
           </a:p>
@@ -5519,7 +5603,7 @@
           <a:p>
             <a:fld id="{8C6D682F-0FD3-42DF-978A-3A28B17140BF}" type="datetimeFigureOut">
               <a:rPr lang="zh-CN" altLang="en-US" smtClean="0"/>
-              <a:t>2018/6/28</a:t>
+              <a:t>2018/6/29</a:t>
             </a:fld>
             <a:endParaRPr lang="zh-CN" altLang="en-US"/>
           </a:p>
@@ -5824,7 +5908,7 @@
           <a:p>
             <a:fld id="{8C6D682F-0FD3-42DF-978A-3A28B17140BF}" type="datetimeFigureOut">
               <a:rPr lang="zh-CN" altLang="en-US" smtClean="0"/>
-              <a:t>2018/6/28</a:t>
+              <a:t>2018/6/29</a:t>
             </a:fld>
             <a:endParaRPr lang="zh-CN" altLang="en-US"/>
           </a:p>
@@ -6526,7 +6610,7 @@
           <a:p>
             <a:fld id="{8C6D682F-0FD3-42DF-978A-3A28B17140BF}" type="datetimeFigureOut">
               <a:rPr lang="zh-CN" altLang="en-US" smtClean="0"/>
-              <a:t>2018/6/28</a:t>
+              <a:t>2018/6/29</a:t>
             </a:fld>
             <a:endParaRPr lang="zh-CN" altLang="en-US"/>
           </a:p>
@@ -7152,7 +7236,7 @@
           <a:p>
             <a:r>
               <a:rPr lang="en-US" altLang="zh-CN" dirty="0" smtClean="0"/>
-              <a:t>2018.06.11</a:t>
+              <a:t>2018.06.29</a:t>
             </a:r>
             <a:endParaRPr lang="zh-CN" altLang="en-US" dirty="0"/>
           </a:p>
@@ -7543,7 +7627,7 @@
           <p:nvPr>
             <p:extLst>
               <p:ext uri="{D42A27DB-BD31-4B8C-83A1-F6EECF244321}">
-                <p14:modId xmlns:p14="http://schemas.microsoft.com/office/powerpoint/2010/main" val="1351345846"/>
+                <p14:modId xmlns:p14="http://schemas.microsoft.com/office/powerpoint/2010/main" val="4195718796"/>
               </p:ext>
             </p:extLst>
           </p:nvPr>
@@ -7983,7 +8067,7 @@
                       <a:pPr algn="ctr"/>
                       <a:r>
                         <a:rPr lang="zh-CN" altLang="en-US" dirty="0" smtClean="0"/>
-                        <a:t>是</a:t>
+                        <a:t>否</a:t>
                       </a:r>
                       <a:endParaRPr lang="zh-CN" altLang="en-US" dirty="0"/>
                     </a:p>
@@ -10539,7 +10623,7 @@
         </p:nvSpPr>
         <p:spPr>
           <a:xfrm>
-            <a:off x="677334" y="1828801"/>
+            <a:off x="677334" y="1696984"/>
             <a:ext cx="8596668" cy="4212562"/>
           </a:xfrm>
         </p:spPr>
@@ -10989,8 +11073,8 @@
         </p:nvSpPr>
         <p:spPr>
           <a:xfrm>
-            <a:off x="677334" y="5964964"/>
-            <a:ext cx="6375162" cy="461665"/>
+            <a:off x="677334" y="5909546"/>
+            <a:ext cx="9279466" cy="830997"/>
           </a:xfrm>
           <a:prstGeom prst="rect">
             <a:avLst/>
@@ -11007,7 +11091,28 @@
               <a:rPr lang="en-US" altLang="zh-CN" sz="2400" dirty="0">
                 <a:hlinkClick r:id="rId2"/>
               </a:rPr>
-              <a:t>https://developer.github.com/v3/</a:t>
+              <a:t>https://developer.github.com/v3</a:t>
+            </a:r>
+            <a:r>
+              <a:rPr lang="en-US" altLang="zh-CN" sz="2400" dirty="0" smtClean="0">
+                <a:hlinkClick r:id="rId2"/>
+              </a:rPr>
+              <a:t>/</a:t>
+            </a:r>
+            <a:endParaRPr lang="en-US" altLang="zh-CN" sz="2400" dirty="0" smtClean="0"/>
+          </a:p>
+          <a:p>
+            <a:r>
+              <a:rPr lang="en-US" altLang="zh-CN" sz="2400" dirty="0" smtClean="0">
+                <a:hlinkClick r:id="rId3"/>
+              </a:rPr>
+              <a:t>HTTP</a:t>
+            </a:r>
+            <a:r>
+              <a:rPr lang="zh-CN" altLang="en-US" sz="2400" dirty="0" smtClean="0">
+                <a:hlinkClick r:id="rId3"/>
+              </a:rPr>
+              <a:t>权威指南</a:t>
             </a:r>
             <a:endParaRPr lang="zh-CN" altLang="en-US" sz="2400" dirty="0"/>
           </a:p>
@@ -14063,7 +14168,7 @@
                 <a:latin typeface="Bahnschrift" panose="020B0502040204020203" pitchFamily="34" charset="0"/>
                 <a:ea typeface="黑体" panose="02010609060101010101" pitchFamily="49" charset="-122"/>
               </a:rPr>
-              <a:t>没有</a:t>
+              <a:t>没有很好的使用</a:t>
             </a:r>
             <a:r>
               <a:rPr lang="en-US" altLang="zh-CN" sz="2000" dirty="0" smtClean="0">
